--- a/documentations/GP2PowePoint.pptx
+++ b/documentations/GP2PowePoint.pptx
@@ -10,33 +10,33 @@
   <p:sldIdLst>
     <p:sldId id="257" r:id="rId2"/>
     <p:sldId id="267" r:id="rId3"/>
-    <p:sldId id="286" r:id="rId4"/>
-    <p:sldId id="268" r:id="rId5"/>
-    <p:sldId id="259" r:id="rId6"/>
-    <p:sldId id="271" r:id="rId7"/>
-    <p:sldId id="287" r:id="rId8"/>
-    <p:sldId id="272" r:id="rId9"/>
-    <p:sldId id="273" r:id="rId10"/>
-    <p:sldId id="288" r:id="rId11"/>
-    <p:sldId id="276" r:id="rId12"/>
-    <p:sldId id="289" r:id="rId13"/>
-    <p:sldId id="278" r:id="rId14"/>
-    <p:sldId id="280" r:id="rId15"/>
-    <p:sldId id="290" r:id="rId16"/>
-    <p:sldId id="282" r:id="rId17"/>
-    <p:sldId id="291" r:id="rId18"/>
-    <p:sldId id="283" r:id="rId19"/>
-    <p:sldId id="260" r:id="rId20"/>
-    <p:sldId id="269" r:id="rId21"/>
-    <p:sldId id="293" r:id="rId22"/>
-    <p:sldId id="263" r:id="rId23"/>
-    <p:sldId id="295" r:id="rId24"/>
-    <p:sldId id="264" r:id="rId25"/>
-    <p:sldId id="284" r:id="rId26"/>
-    <p:sldId id="265" r:id="rId27"/>
-    <p:sldId id="285" r:id="rId28"/>
-    <p:sldId id="296" r:id="rId29"/>
-    <p:sldId id="297" r:id="rId30"/>
+    <p:sldId id="296" r:id="rId4"/>
+    <p:sldId id="297" r:id="rId5"/>
+    <p:sldId id="286" r:id="rId6"/>
+    <p:sldId id="268" r:id="rId7"/>
+    <p:sldId id="263" r:id="rId8"/>
+    <p:sldId id="259" r:id="rId9"/>
+    <p:sldId id="271" r:id="rId10"/>
+    <p:sldId id="287" r:id="rId11"/>
+    <p:sldId id="272" r:id="rId12"/>
+    <p:sldId id="273" r:id="rId13"/>
+    <p:sldId id="288" r:id="rId14"/>
+    <p:sldId id="276" r:id="rId15"/>
+    <p:sldId id="289" r:id="rId16"/>
+    <p:sldId id="278" r:id="rId17"/>
+    <p:sldId id="280" r:id="rId18"/>
+    <p:sldId id="290" r:id="rId19"/>
+    <p:sldId id="282" r:id="rId20"/>
+    <p:sldId id="291" r:id="rId21"/>
+    <p:sldId id="283" r:id="rId22"/>
+    <p:sldId id="260" r:id="rId23"/>
+    <p:sldId id="269" r:id="rId24"/>
+    <p:sldId id="293" r:id="rId25"/>
+    <p:sldId id="295" r:id="rId26"/>
+    <p:sldId id="264" r:id="rId27"/>
+    <p:sldId id="284" r:id="rId28"/>
+    <p:sldId id="265" r:id="rId29"/>
+    <p:sldId id="285" r:id="rId30"/>
     <p:sldId id="294" r:id="rId31"/>
   </p:sldIdLst>
   <p:sldSz cx="12192000" cy="6858000"/>
@@ -226,7 +226,7 @@
           <a:p>
             <a:fld id="{49320E1B-452F-4136-8BF5-9087857B3AA2}" type="datetimeFigureOut">
               <a:rPr lang="en-US" smtClean="0"/>
-              <a:t>5/4/2025</a:t>
+              <a:t>5/14/2025</a:t>
             </a:fld>
             <a:endParaRPr lang="en-US"/>
           </a:p>
@@ -559,7 +559,7 @@
           <a:p>
             <a:fld id="{6055F188-41BA-4BD6-8F6F-5332EE63763D}" type="slidenum">
               <a:rPr lang="en-US" smtClean="0"/>
-              <a:t>8</a:t>
+              <a:t>11</a:t>
             </a:fld>
             <a:endParaRPr lang="en-US"/>
           </a:p>
@@ -727,7 +727,7 @@
           <a:p>
             <a:fld id="{B3603FB0-37B9-428F-8E0F-630A653418DC}" type="datetimeFigureOut">
               <a:rPr lang="en-US" smtClean="0"/>
-              <a:t>5/4/2025</a:t>
+              <a:t>5/14/2025</a:t>
             </a:fld>
             <a:endParaRPr lang="en-US"/>
           </a:p>
@@ -927,7 +927,7 @@
           <a:p>
             <a:fld id="{B3603FB0-37B9-428F-8E0F-630A653418DC}" type="datetimeFigureOut">
               <a:rPr lang="en-US" smtClean="0"/>
-              <a:t>5/4/2025</a:t>
+              <a:t>5/14/2025</a:t>
             </a:fld>
             <a:endParaRPr lang="en-US"/>
           </a:p>
@@ -1137,7 +1137,7 @@
           <a:p>
             <a:fld id="{B3603FB0-37B9-428F-8E0F-630A653418DC}" type="datetimeFigureOut">
               <a:rPr lang="en-US" smtClean="0"/>
-              <a:t>5/4/2025</a:t>
+              <a:t>5/14/2025</a:t>
             </a:fld>
             <a:endParaRPr lang="en-US"/>
           </a:p>
@@ -1337,7 +1337,7 @@
           <a:p>
             <a:fld id="{B3603FB0-37B9-428F-8E0F-630A653418DC}" type="datetimeFigureOut">
               <a:rPr lang="en-US" smtClean="0"/>
-              <a:t>5/4/2025</a:t>
+              <a:t>5/14/2025</a:t>
             </a:fld>
             <a:endParaRPr lang="en-US"/>
           </a:p>
@@ -1613,7 +1613,7 @@
           <a:p>
             <a:fld id="{B3603FB0-37B9-428F-8E0F-630A653418DC}" type="datetimeFigureOut">
               <a:rPr lang="en-US" smtClean="0"/>
-              <a:t>5/4/2025</a:t>
+              <a:t>5/14/2025</a:t>
             </a:fld>
             <a:endParaRPr lang="en-US"/>
           </a:p>
@@ -1881,7 +1881,7 @@
           <a:p>
             <a:fld id="{B3603FB0-37B9-428F-8E0F-630A653418DC}" type="datetimeFigureOut">
               <a:rPr lang="en-US" smtClean="0"/>
-              <a:t>5/4/2025</a:t>
+              <a:t>5/14/2025</a:t>
             </a:fld>
             <a:endParaRPr lang="en-US"/>
           </a:p>
@@ -2296,7 +2296,7 @@
           <a:p>
             <a:fld id="{B3603FB0-37B9-428F-8E0F-630A653418DC}" type="datetimeFigureOut">
               <a:rPr lang="en-US" smtClean="0"/>
-              <a:t>5/4/2025</a:t>
+              <a:t>5/14/2025</a:t>
             </a:fld>
             <a:endParaRPr lang="en-US"/>
           </a:p>
@@ -2438,7 +2438,7 @@
           <a:p>
             <a:fld id="{B3603FB0-37B9-428F-8E0F-630A653418DC}" type="datetimeFigureOut">
               <a:rPr lang="en-US" smtClean="0"/>
-              <a:t>5/4/2025</a:t>
+              <a:t>5/14/2025</a:t>
             </a:fld>
             <a:endParaRPr lang="en-US"/>
           </a:p>
@@ -2551,7 +2551,7 @@
           <a:p>
             <a:fld id="{B3603FB0-37B9-428F-8E0F-630A653418DC}" type="datetimeFigureOut">
               <a:rPr lang="en-US" smtClean="0"/>
-              <a:t>5/4/2025</a:t>
+              <a:t>5/14/2025</a:t>
             </a:fld>
             <a:endParaRPr lang="en-US"/>
           </a:p>
@@ -2864,7 +2864,7 @@
           <a:p>
             <a:fld id="{B3603FB0-37B9-428F-8E0F-630A653418DC}" type="datetimeFigureOut">
               <a:rPr lang="en-US" smtClean="0"/>
-              <a:t>5/4/2025</a:t>
+              <a:t>5/14/2025</a:t>
             </a:fld>
             <a:endParaRPr lang="en-US"/>
           </a:p>
@@ -3153,7 +3153,7 @@
           <a:p>
             <a:fld id="{B3603FB0-37B9-428F-8E0F-630A653418DC}" type="datetimeFigureOut">
               <a:rPr lang="en-US" smtClean="0"/>
-              <a:t>5/4/2025</a:t>
+              <a:t>5/14/2025</a:t>
             </a:fld>
             <a:endParaRPr lang="en-US"/>
           </a:p>
@@ -3399,7 +3399,7 @@
           <a:p>
             <a:fld id="{B3603FB0-37B9-428F-8E0F-630A653418DC}" type="datetimeFigureOut">
               <a:rPr lang="en-US" smtClean="0"/>
-              <a:t>5/4/2025</a:t>
+              <a:t>5/14/2025</a:t>
             </a:fld>
             <a:endParaRPr lang="en-US"/>
           </a:p>
@@ -4074,7 +4074,7 @@
                 <a:ea typeface="Aptos" panose="020B0004020202020204" pitchFamily="34" charset="0"/>
                 <a:cs typeface="Times New Roman" panose="02020603050405020304" pitchFamily="18" charset="0"/>
               </a:rPr>
-              <a:t>CPE 591: Graduation Project II Report</a:t>
+              <a:t>CPE 592: Graduation Project II Report</a:t>
             </a:r>
             <a:endParaRPr kumimoji="0" lang="en-US" altLang="ar-JO" sz="1600" b="1" i="0" u="none" strike="noStrike" cap="none" normalizeH="0" baseline="0" dirty="0">
               <a:ln>
@@ -4097,8 +4097,8 @@
         </p:nvSpPr>
         <p:spPr>
           <a:xfrm>
-            <a:off x="1718496" y="3559628"/>
-            <a:ext cx="8602612" cy="2769989"/>
+            <a:off x="696493" y="3559628"/>
+            <a:ext cx="10646634" cy="2769989"/>
           </a:xfrm>
           <a:prstGeom prst="rect">
             <a:avLst/>
@@ -4149,7 +4149,7 @@
             <a:r>
               <a:rPr lang="en-US" sz="2400" b="1" dirty="0">
                 <a:solidFill>
-                  <a:srgbClr val="002060"/>
+                  <a:srgbClr val="0070C0"/>
                 </a:solidFill>
                 <a:effectLst/>
                 <a:latin typeface="Bodoni MT" panose="02070603080606020203" pitchFamily="18" charset="0"/>
@@ -4158,29 +4158,39 @@
               <a:t>[</a:t>
             </a:r>
             <a:r>
-              <a:rPr lang="en-US" sz="2400" b="1" dirty="0" err="1">
+              <a:rPr lang="en-US" sz="2400" b="1" dirty="0">
                 <a:solidFill>
-                  <a:srgbClr val="002060"/>
+                  <a:srgbClr val="0070C0"/>
                 </a:solidFill>
                 <a:latin typeface="Bodoni MT" panose="02070603080606020203" pitchFamily="18" charset="0"/>
                 <a:ea typeface="Aptos" panose="020B0004020202020204" pitchFamily="34" charset="0"/>
               </a:rPr>
-              <a:t>search|summarize|save|translate|integrate|chat</a:t>
-            </a:r>
-            <a:r>
-              <a:rPr lang="en-US" sz="2400" b="1" dirty="0">
+              <a:t>search | summarize| translate| bookmark | </a:t>
+            </a:r>
+            <a:r>
+              <a:rPr lang="en-US" sz="2400" b="1" dirty="0" err="1">
                 <a:solidFill>
-                  <a:srgbClr val="002060"/>
+                  <a:srgbClr val="0070C0"/>
                 </a:solidFill>
                 <a:latin typeface="Bodoni MT" panose="02070603080606020203" pitchFamily="18" charset="0"/>
                 <a:ea typeface="Aptos" panose="020B0004020202020204" pitchFamily="34" charset="0"/>
               </a:rPr>
-              <a:t> and present</a:t>
+              <a:t>integtrate</a:t>
             </a:r>
             <a:r>
               <a:rPr lang="en-US" sz="2400" b="1" dirty="0">
                 <a:solidFill>
-                  <a:srgbClr val="002060"/>
+                  <a:srgbClr val="0070C0"/>
+                </a:solidFill>
+                <a:latin typeface="Bodoni MT" panose="02070603080606020203" pitchFamily="18" charset="0"/>
+                <a:ea typeface="Aptos" panose="020B0004020202020204" pitchFamily="34" charset="0"/>
+              </a:rPr>
+              <a:t> | save |chat and present</a:t>
+            </a:r>
+            <a:r>
+              <a:rPr lang="en-US" sz="2400" b="1" dirty="0">
+                <a:solidFill>
+                  <a:srgbClr val="0070C0"/>
                 </a:solidFill>
                 <a:effectLst/>
                 <a:latin typeface="Bodoni MT" panose="02070603080606020203" pitchFamily="18" charset="0"/>
@@ -4190,18 +4200,9 @@
             </a:r>
             <a:endParaRPr lang="en-US" sz="2400" b="1" dirty="0">
               <a:solidFill>
-                <a:srgbClr val="002060"/>
+                <a:srgbClr val="0070C0"/>
               </a:solidFill>
               <a:latin typeface="Bodoni MT" panose="02070603080606020203" pitchFamily="18" charset="0"/>
-            </a:endParaRPr>
-          </a:p>
-          <a:p>
-            <a:pPr algn="ctr"/>
-            <a:endParaRPr lang="en-US" b="1" dirty="0">
-              <a:solidFill>
-                <a:srgbClr val="002060"/>
-              </a:solidFill>
-              <a:latin typeface="Times New Roman" panose="02020603050405020304" pitchFamily="18" charset="0"/>
             </a:endParaRPr>
           </a:p>
           <a:p>
@@ -4212,6 +4213,12 @@
           </a:p>
           <a:p>
             <a:pPr algn="ctr"/>
+            <a:endParaRPr lang="en-US" b="1" dirty="0">
+              <a:latin typeface="Times New Roman" panose="02020603050405020304" pitchFamily="18" charset="0"/>
+            </a:endParaRPr>
+          </a:p>
+          <a:p>
+            <a:pPr algn="ctr"/>
             <a:r>
               <a:rPr lang="en-US" b="1" dirty="0">
                 <a:latin typeface="Times New Roman" panose="02020603050405020304" pitchFamily="18" charset="0"/>
@@ -4243,7 +4250,7 @@
               <a:rPr lang="en-US" b="1" dirty="0">
                 <a:latin typeface="Times New Roman" panose="02020603050405020304" pitchFamily="18" charset="0"/>
               </a:rPr>
-              <a:t>Fall 2024</a:t>
+              <a:t>Spring 2025</a:t>
             </a:r>
           </a:p>
           <a:p>
@@ -4274,7 +4281,7 @@
         <p:cNvPr id="1" name="">
           <a:extLst>
             <a:ext uri="{FF2B5EF4-FFF2-40B4-BE49-F238E27FC236}">
-              <a16:creationId xmlns:a16="http://schemas.microsoft.com/office/drawing/2014/main" id="{536E17AE-D5D9-917A-1D7E-583A707B71E1}"/>
+              <a16:creationId xmlns:a16="http://schemas.microsoft.com/office/drawing/2014/main" id="{54DCACEA-F692-E20F-3A40-24350966148A}"/>
             </a:ext>
           </a:extLst>
         </p:cNvPr>
@@ -4294,7 +4301,7 @@
           <p:cNvPr id="2" name="Title 1">
             <a:extLst>
               <a:ext uri="{FF2B5EF4-FFF2-40B4-BE49-F238E27FC236}">
-                <a16:creationId xmlns:a16="http://schemas.microsoft.com/office/drawing/2014/main" id="{0F30C4CA-9CB3-8AAC-EF3E-C178C214B5F3}"/>
+                <a16:creationId xmlns:a16="http://schemas.microsoft.com/office/drawing/2014/main" id="{B4A47C69-C3EB-1B17-B1B3-8D97CDD0946E}"/>
               </a:ext>
             </a:extLst>
           </p:cNvPr>
@@ -4311,10 +4318,9 @@
           <a:lstStyle/>
           <a:p>
             <a:r>
-              <a:rPr lang="en-US"/>
-              <a:t>Summarization sequence diagram</a:t>
-            </a:r>
-            <a:endParaRPr lang="en-US" dirty="0"/>
+              <a:rPr lang="en-US" dirty="0"/>
+              <a:t>Add file sequence diagram</a:t>
+            </a:r>
           </a:p>
         </p:txBody>
       </p:sp>
@@ -4323,7 +4329,7 @@
           <p:cNvPr id="6" name="Picture 5">
             <a:extLst>
               <a:ext uri="{FF2B5EF4-FFF2-40B4-BE49-F238E27FC236}">
-                <a16:creationId xmlns:a16="http://schemas.microsoft.com/office/drawing/2014/main" id="{6F629296-D70F-F854-A4E7-EB6E983444BC}"/>
+                <a16:creationId xmlns:a16="http://schemas.microsoft.com/office/drawing/2014/main" id="{EB5C489D-DB94-E7F7-8137-045880E5FFA7}"/>
               </a:ext>
             </a:extLst>
           </p:cNvPr>
@@ -4340,8 +4346,44 @@
         </p:blipFill>
         <p:spPr>
           <a:xfrm>
-            <a:off x="1965052" y="1411454"/>
-            <a:ext cx="6005080" cy="4404742"/>
+            <a:off x="0" y="1509568"/>
+            <a:ext cx="5664148" cy="4983451"/>
+          </a:xfrm>
+          <a:prstGeom prst="rect">
+            <a:avLst/>
+          </a:prstGeom>
+        </p:spPr>
+      </p:pic>
+      <p:pic>
+        <p:nvPicPr>
+          <p:cNvPr id="9" name="صورة 4">
+            <a:extLst>
+              <a:ext uri="{FF2B5EF4-FFF2-40B4-BE49-F238E27FC236}">
+                <a16:creationId xmlns:a16="http://schemas.microsoft.com/office/drawing/2014/main" id="{A559AE73-31DE-CB09-50D7-C65B30563758}"/>
+              </a:ext>
+            </a:extLst>
+          </p:cNvPr>
+          <p:cNvPicPr>
+            <a:picLocks noChangeAspect="1"/>
+          </p:cNvPicPr>
+          <p:nvPr/>
+        </p:nvPicPr>
+        <p:blipFill>
+          <a:blip r:embed="rId3">
+            <a:extLst>
+              <a:ext uri="{28A0092B-C50C-407E-A947-70E740481C1C}">
+                <a14:useLocalDpi xmlns:a14="http://schemas.microsoft.com/office/drawing/2010/main" val="0"/>
+              </a:ext>
+            </a:extLst>
+          </a:blip>
+          <a:stretch>
+            <a:fillRect/>
+          </a:stretch>
+        </p:blipFill>
+        <p:spPr>
+          <a:xfrm>
+            <a:off x="7571375" y="0"/>
+            <a:ext cx="3086100" cy="6858000"/>
           </a:xfrm>
           <a:prstGeom prst="rect">
             <a:avLst/>
@@ -4351,7 +4393,7 @@
     </p:spTree>
     <p:extLst>
       <p:ext uri="{BB962C8B-B14F-4D97-AF65-F5344CB8AC3E}">
-        <p14:creationId xmlns:p14="http://schemas.microsoft.com/office/powerpoint/2010/main" val="2846528201"/>
+        <p14:creationId xmlns:p14="http://schemas.microsoft.com/office/powerpoint/2010/main" val="2866937726"/>
       </p:ext>
     </p:extLst>
   </p:cSld>
@@ -4383,6 +4425,523 @@
           <p:cNvPr id="2" name="Title 1">
             <a:extLst>
               <a:ext uri="{FF2B5EF4-FFF2-40B4-BE49-F238E27FC236}">
+                <a16:creationId xmlns:a16="http://schemas.microsoft.com/office/drawing/2014/main" id="{345B642C-0944-D199-609D-E509368DD77F}"/>
+              </a:ext>
+            </a:extLst>
+          </p:cNvPr>
+          <p:cNvSpPr>
+            <a:spLocks noGrp="1"/>
+          </p:cNvSpPr>
+          <p:nvPr>
+            <p:ph type="title"/>
+          </p:nvPr>
+        </p:nvSpPr>
+        <p:spPr/>
+        <p:txBody>
+          <a:bodyPr>
+            <a:normAutofit/>
+          </a:bodyPr>
+          <a:lstStyle/>
+          <a:p>
+            <a:r>
+              <a:rPr lang="en-US" dirty="0"/>
+              <a:t>File Page Component </a:t>
+            </a:r>
+            <a:br>
+              <a:rPr lang="en-US" dirty="0"/>
+            </a:br>
+            <a:r>
+              <a:rPr lang="en-US" dirty="0"/>
+              <a:t>diagram</a:t>
+            </a:r>
+          </a:p>
+        </p:txBody>
+      </p:sp>
+      <p:pic>
+        <p:nvPicPr>
+          <p:cNvPr id="7" name="Picture 6">
+            <a:extLst>
+              <a:ext uri="{FF2B5EF4-FFF2-40B4-BE49-F238E27FC236}">
+                <a16:creationId xmlns:a16="http://schemas.microsoft.com/office/drawing/2014/main" id="{FF5D453C-3442-C769-78DF-A26907D07AB0}"/>
+              </a:ext>
+            </a:extLst>
+          </p:cNvPr>
+          <p:cNvPicPr>
+            <a:picLocks noChangeAspect="1"/>
+          </p:cNvPicPr>
+          <p:nvPr/>
+        </p:nvPicPr>
+        <p:blipFill>
+          <a:blip r:embed="rId3"/>
+          <a:stretch>
+            <a:fillRect/>
+          </a:stretch>
+        </p:blipFill>
+        <p:spPr>
+          <a:xfrm>
+            <a:off x="1162681" y="1634040"/>
+            <a:ext cx="6181702" cy="5181625"/>
+          </a:xfrm>
+          <a:prstGeom prst="rect">
+            <a:avLst/>
+          </a:prstGeom>
+        </p:spPr>
+      </p:pic>
+      <p:pic>
+        <p:nvPicPr>
+          <p:cNvPr id="11" name="صورة 4" descr="صورة تحتوي على نص, لقطة شاشة, رسالة, المستند&#10;&#10;قد يكون المحتوى المعد بواسطة الذكاء الاصطناعي غير صحيح.">
+            <a:extLst>
+              <a:ext uri="{FF2B5EF4-FFF2-40B4-BE49-F238E27FC236}">
+                <a16:creationId xmlns:a16="http://schemas.microsoft.com/office/drawing/2014/main" id="{0A3183E5-F99E-E527-5C07-01023207654D}"/>
+              </a:ext>
+            </a:extLst>
+          </p:cNvPr>
+          <p:cNvPicPr>
+            <a:picLocks noChangeAspect="1"/>
+          </p:cNvPicPr>
+          <p:nvPr/>
+        </p:nvPicPr>
+        <p:blipFill>
+          <a:blip r:embed="rId4">
+            <a:extLst>
+              <a:ext uri="{28A0092B-C50C-407E-A947-70E740481C1C}">
+                <a14:useLocalDpi xmlns:a14="http://schemas.microsoft.com/office/drawing/2010/main" val="0"/>
+              </a:ext>
+            </a:extLst>
+          </a:blip>
+          <a:stretch>
+            <a:fillRect/>
+          </a:stretch>
+        </p:blipFill>
+        <p:spPr>
+          <a:xfrm>
+            <a:off x="8941437" y="0"/>
+            <a:ext cx="3086100" cy="6773333"/>
+          </a:xfrm>
+          <a:prstGeom prst="rect">
+            <a:avLst/>
+          </a:prstGeom>
+        </p:spPr>
+      </p:pic>
+      <p:pic>
+        <p:nvPicPr>
+          <p:cNvPr id="13" name="صورة 6" descr="صورة تحتوي على نص, لقطة شاشة, الخط, التصميم&#10;&#10;قد يكون المحتوى المعد بواسطة الذكاء الاصطناعي غير صحيح.">
+            <a:extLst>
+              <a:ext uri="{FF2B5EF4-FFF2-40B4-BE49-F238E27FC236}">
+                <a16:creationId xmlns:a16="http://schemas.microsoft.com/office/drawing/2014/main" id="{E9DE9E54-89DC-1F61-3EC6-AD662A79055E}"/>
+              </a:ext>
+            </a:extLst>
+          </p:cNvPr>
+          <p:cNvPicPr>
+            <a:picLocks noChangeAspect="1"/>
+          </p:cNvPicPr>
+          <p:nvPr/>
+        </p:nvPicPr>
+        <p:blipFill>
+          <a:blip r:embed="rId5">
+            <a:extLst>
+              <a:ext uri="{28A0092B-C50C-407E-A947-70E740481C1C}">
+                <a14:useLocalDpi xmlns:a14="http://schemas.microsoft.com/office/drawing/2010/main" val="0"/>
+              </a:ext>
+            </a:extLst>
+          </a:blip>
+          <a:stretch>
+            <a:fillRect/>
+          </a:stretch>
+        </p:blipFill>
+        <p:spPr>
+          <a:xfrm>
+            <a:off x="7052116" y="161426"/>
+            <a:ext cx="1457325" cy="3549377"/>
+          </a:xfrm>
+          <a:prstGeom prst="rect">
+            <a:avLst/>
+          </a:prstGeom>
+        </p:spPr>
+      </p:pic>
+      <p:cxnSp>
+        <p:nvCxnSpPr>
+          <p:cNvPr id="16" name="Straight Arrow Connector 15">
+            <a:extLst>
+              <a:ext uri="{FF2B5EF4-FFF2-40B4-BE49-F238E27FC236}">
+                <a16:creationId xmlns:a16="http://schemas.microsoft.com/office/drawing/2014/main" id="{F0E818CE-3D68-A8DB-C505-C62CD090CF24}"/>
+              </a:ext>
+            </a:extLst>
+          </p:cNvPr>
+          <p:cNvCxnSpPr/>
+          <p:nvPr/>
+        </p:nvCxnSpPr>
+        <p:spPr>
+          <a:xfrm flipH="1" flipV="1">
+            <a:off x="8267700" y="3386666"/>
+            <a:ext cx="3368043" cy="2575723"/>
+          </a:xfrm>
+          <a:prstGeom prst="straightConnector1">
+            <a:avLst/>
+          </a:prstGeom>
+          <a:ln>
+            <a:tailEnd type="triangle"/>
+          </a:ln>
+        </p:spPr>
+        <p:style>
+          <a:lnRef idx="2">
+            <a:schemeClr val="dk1"/>
+          </a:lnRef>
+          <a:fillRef idx="0">
+            <a:schemeClr val="dk1"/>
+          </a:fillRef>
+          <a:effectRef idx="1">
+            <a:schemeClr val="dk1"/>
+          </a:effectRef>
+          <a:fontRef idx="minor">
+            <a:schemeClr val="tx1"/>
+          </a:fontRef>
+        </p:style>
+      </p:cxnSp>
+    </p:spTree>
+    <p:extLst>
+      <p:ext uri="{BB962C8B-B14F-4D97-AF65-F5344CB8AC3E}">
+        <p14:creationId xmlns:p14="http://schemas.microsoft.com/office/powerpoint/2010/main" val="4116716672"/>
+      </p:ext>
+    </p:extLst>
+  </p:cSld>
+  <p:clrMapOvr>
+    <a:masterClrMapping/>
+  </p:clrMapOvr>
+</p:sld>
+</file>
+
+<file path=ppt/slides/slide12.xml><?xml version="1.0" encoding="utf-8"?>
+<p:sld xmlns:a="http://schemas.openxmlformats.org/drawingml/2006/main" xmlns:r="http://schemas.openxmlformats.org/officeDocument/2006/relationships" xmlns:p="http://schemas.openxmlformats.org/presentationml/2006/main">
+  <p:cSld>
+    <p:spTree>
+      <p:nvGrpSpPr>
+        <p:cNvPr id="1" name=""/>
+        <p:cNvGrpSpPr/>
+        <p:nvPr/>
+      </p:nvGrpSpPr>
+      <p:grpSpPr>
+        <a:xfrm>
+          <a:off x="0" y="0"/>
+          <a:ext cx="0" cy="0"/>
+          <a:chOff x="0" y="0"/>
+          <a:chExt cx="0" cy="0"/>
+        </a:xfrm>
+      </p:grpSpPr>
+      <p:sp>
+        <p:nvSpPr>
+          <p:cNvPr id="2" name="Title 1">
+            <a:extLst>
+              <a:ext uri="{FF2B5EF4-FFF2-40B4-BE49-F238E27FC236}">
+                <a16:creationId xmlns:a16="http://schemas.microsoft.com/office/drawing/2014/main" id="{4CC2C0C7-EE43-74F8-A23E-CE653B9E0F4D}"/>
+              </a:ext>
+            </a:extLst>
+          </p:cNvPr>
+          <p:cNvSpPr>
+            <a:spLocks noGrp="1"/>
+          </p:cNvSpPr>
+          <p:nvPr>
+            <p:ph type="title"/>
+          </p:nvPr>
+        </p:nvSpPr>
+        <p:spPr>
+          <a:xfrm>
+            <a:off x="3443614" y="301589"/>
+            <a:ext cx="10515600" cy="1325563"/>
+          </a:xfrm>
+        </p:spPr>
+        <p:txBody>
+          <a:bodyPr/>
+          <a:lstStyle/>
+          <a:p>
+            <a:r>
+              <a:rPr lang="en-US" dirty="0"/>
+              <a:t>Summarization</a:t>
+            </a:r>
+            <a:br>
+              <a:rPr lang="en-US" dirty="0"/>
+            </a:br>
+            <a:r>
+              <a:rPr lang="en-US" dirty="0"/>
+              <a:t> Component diagram</a:t>
+            </a:r>
+          </a:p>
+        </p:txBody>
+      </p:sp>
+      <p:pic>
+        <p:nvPicPr>
+          <p:cNvPr id="6" name="Content Placeholder 5">
+            <a:extLst>
+              <a:ext uri="{FF2B5EF4-FFF2-40B4-BE49-F238E27FC236}">
+                <a16:creationId xmlns:a16="http://schemas.microsoft.com/office/drawing/2014/main" id="{7182913E-B090-D1F2-8299-18E952D97139}"/>
+              </a:ext>
+            </a:extLst>
+          </p:cNvPr>
+          <p:cNvPicPr>
+            <a:picLocks noGrp="1" noChangeAspect="1"/>
+          </p:cNvPicPr>
+          <p:nvPr>
+            <p:ph idx="1"/>
+          </p:nvPr>
+        </p:nvPicPr>
+        <p:blipFill>
+          <a:blip r:embed="rId2"/>
+          <a:stretch>
+            <a:fillRect/>
+          </a:stretch>
+        </p:blipFill>
+        <p:spPr>
+          <a:xfrm>
+            <a:off x="8708525" y="149087"/>
+            <a:ext cx="3086100" cy="6407324"/>
+          </a:xfrm>
+          <a:prstGeom prst="rect">
+            <a:avLst/>
+          </a:prstGeom>
+        </p:spPr>
+      </p:pic>
+      <p:pic>
+        <p:nvPicPr>
+          <p:cNvPr id="9" name="Picture 8">
+            <a:extLst>
+              <a:ext uri="{FF2B5EF4-FFF2-40B4-BE49-F238E27FC236}">
+                <a16:creationId xmlns:a16="http://schemas.microsoft.com/office/drawing/2014/main" id="{2789F8CF-4A69-A858-B2E5-792562A859BB}"/>
+              </a:ext>
+            </a:extLst>
+          </p:cNvPr>
+          <p:cNvPicPr>
+            <a:picLocks noChangeAspect="1"/>
+          </p:cNvPicPr>
+          <p:nvPr/>
+        </p:nvPicPr>
+        <p:blipFill>
+          <a:blip r:embed="rId3"/>
+          <a:stretch>
+            <a:fillRect/>
+          </a:stretch>
+        </p:blipFill>
+        <p:spPr>
+          <a:xfrm>
+            <a:off x="140558" y="3875863"/>
+            <a:ext cx="6144533" cy="2964881"/>
+          </a:xfrm>
+          <a:prstGeom prst="rect">
+            <a:avLst/>
+          </a:prstGeom>
+        </p:spPr>
+      </p:pic>
+      <p:pic>
+        <p:nvPicPr>
+          <p:cNvPr id="10" name="صورة 4">
+            <a:extLst>
+              <a:ext uri="{FF2B5EF4-FFF2-40B4-BE49-F238E27FC236}">
+                <a16:creationId xmlns:a16="http://schemas.microsoft.com/office/drawing/2014/main" id="{E7A5B9AF-1E13-F155-67DC-A0D0CBA02287}"/>
+              </a:ext>
+            </a:extLst>
+          </p:cNvPr>
+          <p:cNvPicPr>
+            <a:picLocks noChangeAspect="1"/>
+          </p:cNvPicPr>
+          <p:nvPr/>
+        </p:nvPicPr>
+        <p:blipFill>
+          <a:blip r:embed="rId4">
+            <a:extLst>
+              <a:ext uri="{28A0092B-C50C-407E-A947-70E740481C1C}">
+                <a14:useLocalDpi xmlns:a14="http://schemas.microsoft.com/office/drawing/2010/main" val="0"/>
+              </a:ext>
+            </a:extLst>
+          </a:blip>
+          <a:srcRect t="5240" b="38659"/>
+          <a:stretch/>
+        </p:blipFill>
+        <p:spPr>
+          <a:xfrm>
+            <a:off x="0" y="17256"/>
+            <a:ext cx="3086100" cy="3908701"/>
+          </a:xfrm>
+          <a:prstGeom prst="rect">
+            <a:avLst/>
+          </a:prstGeom>
+        </p:spPr>
+      </p:pic>
+      <p:cxnSp>
+        <p:nvCxnSpPr>
+          <p:cNvPr id="12" name="Straight Arrow Connector 11">
+            <a:extLst>
+              <a:ext uri="{FF2B5EF4-FFF2-40B4-BE49-F238E27FC236}">
+                <a16:creationId xmlns:a16="http://schemas.microsoft.com/office/drawing/2014/main" id="{642BC43C-7622-BE8D-5466-0015AB2014C5}"/>
+              </a:ext>
+            </a:extLst>
+          </p:cNvPr>
+          <p:cNvCxnSpPr>
+            <a:cxnSpLocks/>
+          </p:cNvCxnSpPr>
+          <p:nvPr/>
+        </p:nvCxnSpPr>
+        <p:spPr>
+          <a:xfrm>
+            <a:off x="1987826" y="3617843"/>
+            <a:ext cx="1351722" cy="526774"/>
+          </a:xfrm>
+          <a:prstGeom prst="straightConnector1">
+            <a:avLst/>
+          </a:prstGeom>
+          <a:ln w="19050" cap="flat" cmpd="sng" algn="ctr">
+            <a:solidFill>
+              <a:schemeClr val="accent4"/>
+            </a:solidFill>
+            <a:prstDash val="solid"/>
+            <a:round/>
+            <a:headEnd type="arrow" w="med" len="med"/>
+            <a:tailEnd type="arrow" w="med" len="med"/>
+          </a:ln>
+        </p:spPr>
+        <p:style>
+          <a:lnRef idx="0">
+            <a:scrgbClr r="0" g="0" b="0"/>
+          </a:lnRef>
+          <a:fillRef idx="0">
+            <a:scrgbClr r="0" g="0" b="0"/>
+          </a:fillRef>
+          <a:effectRef idx="0">
+            <a:scrgbClr r="0" g="0" b="0"/>
+          </a:effectRef>
+          <a:fontRef idx="minor">
+            <a:schemeClr val="tx1"/>
+          </a:fontRef>
+        </p:style>
+      </p:cxnSp>
+    </p:spTree>
+    <p:extLst>
+      <p:ext uri="{BB962C8B-B14F-4D97-AF65-F5344CB8AC3E}">
+        <p14:creationId xmlns:p14="http://schemas.microsoft.com/office/powerpoint/2010/main" val="147557195"/>
+      </p:ext>
+    </p:extLst>
+  </p:cSld>
+  <p:clrMapOvr>
+    <a:masterClrMapping/>
+  </p:clrMapOvr>
+</p:sld>
+</file>
+
+<file path=ppt/slides/slide13.xml><?xml version="1.0" encoding="utf-8"?>
+<p:sld xmlns:a="http://schemas.openxmlformats.org/drawingml/2006/main" xmlns:r="http://schemas.openxmlformats.org/officeDocument/2006/relationships" xmlns:p="http://schemas.openxmlformats.org/presentationml/2006/main">
+  <p:cSld>
+    <p:spTree>
+      <p:nvGrpSpPr>
+        <p:cNvPr id="1" name="">
+          <a:extLst>
+            <a:ext uri="{FF2B5EF4-FFF2-40B4-BE49-F238E27FC236}">
+              <a16:creationId xmlns:a16="http://schemas.microsoft.com/office/drawing/2014/main" id="{536E17AE-D5D9-917A-1D7E-583A707B71E1}"/>
+            </a:ext>
+          </a:extLst>
+        </p:cNvPr>
+        <p:cNvGrpSpPr/>
+        <p:nvPr/>
+      </p:nvGrpSpPr>
+      <p:grpSpPr>
+        <a:xfrm>
+          <a:off x="0" y="0"/>
+          <a:ext cx="0" cy="0"/>
+          <a:chOff x="0" y="0"/>
+          <a:chExt cx="0" cy="0"/>
+        </a:xfrm>
+      </p:grpSpPr>
+      <p:sp>
+        <p:nvSpPr>
+          <p:cNvPr id="2" name="Title 1">
+            <a:extLst>
+              <a:ext uri="{FF2B5EF4-FFF2-40B4-BE49-F238E27FC236}">
+                <a16:creationId xmlns:a16="http://schemas.microsoft.com/office/drawing/2014/main" id="{0F30C4CA-9CB3-8AAC-EF3E-C178C214B5F3}"/>
+              </a:ext>
+            </a:extLst>
+          </p:cNvPr>
+          <p:cNvSpPr>
+            <a:spLocks noGrp="1"/>
+          </p:cNvSpPr>
+          <p:nvPr>
+            <p:ph type="title"/>
+          </p:nvPr>
+        </p:nvSpPr>
+        <p:spPr/>
+        <p:txBody>
+          <a:bodyPr/>
+          <a:lstStyle/>
+          <a:p>
+            <a:r>
+              <a:rPr lang="en-US"/>
+              <a:t>Summarization sequence diagram</a:t>
+            </a:r>
+            <a:endParaRPr lang="en-US" dirty="0"/>
+          </a:p>
+        </p:txBody>
+      </p:sp>
+      <p:pic>
+        <p:nvPicPr>
+          <p:cNvPr id="6" name="Picture 5">
+            <a:extLst>
+              <a:ext uri="{FF2B5EF4-FFF2-40B4-BE49-F238E27FC236}">
+                <a16:creationId xmlns:a16="http://schemas.microsoft.com/office/drawing/2014/main" id="{6F629296-D70F-F854-A4E7-EB6E983444BC}"/>
+              </a:ext>
+            </a:extLst>
+          </p:cNvPr>
+          <p:cNvPicPr>
+            <a:picLocks noChangeAspect="1"/>
+          </p:cNvPicPr>
+          <p:nvPr/>
+        </p:nvPicPr>
+        <p:blipFill>
+          <a:blip r:embed="rId2"/>
+          <a:stretch>
+            <a:fillRect/>
+          </a:stretch>
+        </p:blipFill>
+        <p:spPr>
+          <a:xfrm>
+            <a:off x="1965052" y="1430910"/>
+            <a:ext cx="6005080" cy="4404742"/>
+          </a:xfrm>
+          <a:prstGeom prst="rect">
+            <a:avLst/>
+          </a:prstGeom>
+        </p:spPr>
+      </p:pic>
+    </p:spTree>
+    <p:extLst>
+      <p:ext uri="{BB962C8B-B14F-4D97-AF65-F5344CB8AC3E}">
+        <p14:creationId xmlns:p14="http://schemas.microsoft.com/office/powerpoint/2010/main" val="2846528201"/>
+      </p:ext>
+    </p:extLst>
+  </p:cSld>
+  <p:clrMapOvr>
+    <a:masterClrMapping/>
+  </p:clrMapOvr>
+</p:sld>
+</file>
+
+<file path=ppt/slides/slide14.xml><?xml version="1.0" encoding="utf-8"?>
+<p:sld xmlns:a="http://schemas.openxmlformats.org/drawingml/2006/main" xmlns:r="http://schemas.openxmlformats.org/officeDocument/2006/relationships" xmlns:p="http://schemas.openxmlformats.org/presentationml/2006/main">
+  <p:cSld>
+    <p:spTree>
+      <p:nvGrpSpPr>
+        <p:cNvPr id="1" name=""/>
+        <p:cNvGrpSpPr/>
+        <p:nvPr/>
+      </p:nvGrpSpPr>
+      <p:grpSpPr>
+        <a:xfrm>
+          <a:off x="0" y="0"/>
+          <a:ext cx="0" cy="0"/>
+          <a:chOff x="0" y="0"/>
+          <a:chExt cx="0" cy="0"/>
+        </a:xfrm>
+      </p:grpSpPr>
+      <p:sp>
+        <p:nvSpPr>
+          <p:cNvPr id="2" name="Title 1">
+            <a:extLst>
+              <a:ext uri="{FF2B5EF4-FFF2-40B4-BE49-F238E27FC236}">
                 <a16:creationId xmlns:a16="http://schemas.microsoft.com/office/drawing/2014/main" id="{F5B38E71-5A5D-4064-BFFF-749F7ACCC19E}"/>
               </a:ext>
             </a:extLst>
@@ -4487,7 +5046,7 @@
 </p:sld>
 </file>
 
-<file path=ppt/slides/slide12.xml><?xml version="1.0" encoding="utf-8"?>
+<file path=ppt/slides/slide15.xml><?xml version="1.0" encoding="utf-8"?>
 <p:sld xmlns:a="http://schemas.openxmlformats.org/drawingml/2006/main" xmlns:r="http://schemas.openxmlformats.org/officeDocument/2006/relationships" xmlns:p="http://schemas.openxmlformats.org/presentationml/2006/main">
   <p:cSld>
     <p:spTree>
@@ -4538,37 +5097,6 @@
           </a:p>
         </p:txBody>
       </p:sp>
-      <p:sp>
-        <p:nvSpPr>
-          <p:cNvPr id="5" name="Content Placeholder 4">
-            <a:extLst>
-              <a:ext uri="{FF2B5EF4-FFF2-40B4-BE49-F238E27FC236}">
-                <a16:creationId xmlns:a16="http://schemas.microsoft.com/office/drawing/2014/main" id="{5C507029-992E-1C7E-05D6-DC33320784AA}"/>
-              </a:ext>
-            </a:extLst>
-          </p:cNvPr>
-          <p:cNvSpPr>
-            <a:spLocks noGrp="1"/>
-          </p:cNvSpPr>
-          <p:nvPr>
-            <p:ph idx="1"/>
-          </p:nvPr>
-        </p:nvSpPr>
-        <p:spPr/>
-        <p:txBody>
-          <a:bodyPr/>
-          <a:lstStyle/>
-          <a:p>
-            <a:pPr marL="0" indent="0">
-              <a:buNone/>
-            </a:pPr>
-            <a:r>
-              <a:rPr lang="en-US" dirty="0"/>
-              <a:t>     </a:t>
-            </a:r>
-          </a:p>
-        </p:txBody>
-      </p:sp>
       <p:pic>
         <p:nvPicPr>
           <p:cNvPr id="6" name="صورة 4" descr="صورة تحتوي على نص, لقطة شاشة, برمجيات&#10;&#10;قد يكون المحتوى المعد بواسطة الذكاء الاصطناعي غير صحيح.">
@@ -4647,7 +5175,7 @@
 </p:sld>
 </file>
 
-<file path=ppt/slides/slide13.xml><?xml version="1.0" encoding="utf-8"?>
+<file path=ppt/slides/slide16.xml><?xml version="1.0" encoding="utf-8"?>
 <p:sld xmlns:a="http://schemas.openxmlformats.org/drawingml/2006/main" xmlns:r="http://schemas.openxmlformats.org/officeDocument/2006/relationships" xmlns:p="http://schemas.openxmlformats.org/presentationml/2006/main">
   <p:cSld>
     <p:spTree>
@@ -4728,42 +5256,6 @@
           </a:prstGeom>
         </p:spPr>
       </p:pic>
-      <p:sp>
-        <p:nvSpPr>
-          <p:cNvPr id="6" name="Content Placeholder 5">
-            <a:extLst>
-              <a:ext uri="{FF2B5EF4-FFF2-40B4-BE49-F238E27FC236}">
-                <a16:creationId xmlns:a16="http://schemas.microsoft.com/office/drawing/2014/main" id="{F54546B7-B569-FD0E-DD2C-4D7955513B9D}"/>
-              </a:ext>
-            </a:extLst>
-          </p:cNvPr>
-          <p:cNvSpPr>
-            <a:spLocks noGrp="1"/>
-          </p:cNvSpPr>
-          <p:nvPr>
-            <p:ph idx="1"/>
-          </p:nvPr>
-        </p:nvSpPr>
-        <p:spPr>
-          <a:xfrm>
-            <a:off x="838200" y="1528175"/>
-            <a:ext cx="7006871" cy="4648788"/>
-          </a:xfrm>
-        </p:spPr>
-        <p:txBody>
-          <a:bodyPr/>
-          <a:lstStyle/>
-          <a:p>
-            <a:pPr marL="0" indent="0">
-              <a:buNone/>
-            </a:pPr>
-            <a:r>
-              <a:rPr lang="en-US" dirty="0"/>
-              <a:t>     </a:t>
-            </a:r>
-          </a:p>
-        </p:txBody>
-      </p:sp>
       <p:pic>
         <p:nvPicPr>
           <p:cNvPr id="7" name="صورة 4" descr="صورة تحتوي على نص, لقطة شاشة, التصميم&#10;&#10;قد يكون المحتوى المعد بواسطة الذكاء الاصطناعي غير صحيح.">
@@ -4812,7 +5304,7 @@
 </p:sld>
 </file>
 
-<file path=ppt/slides/slide14.xml><?xml version="1.0" encoding="utf-8"?>
+<file path=ppt/slides/slide17.xml><?xml version="1.0" encoding="utf-8"?>
 <p:sld xmlns:a="http://schemas.openxmlformats.org/drawingml/2006/main" xmlns:r="http://schemas.openxmlformats.org/officeDocument/2006/relationships" xmlns:p="http://schemas.openxmlformats.org/presentationml/2006/main">
   <p:cSld>
     <p:spTree>
@@ -4893,37 +5385,6 @@
           </a:prstGeom>
         </p:spPr>
       </p:pic>
-      <p:sp>
-        <p:nvSpPr>
-          <p:cNvPr id="6" name="Content Placeholder 5">
-            <a:extLst>
-              <a:ext uri="{FF2B5EF4-FFF2-40B4-BE49-F238E27FC236}">
-                <a16:creationId xmlns:a16="http://schemas.microsoft.com/office/drawing/2014/main" id="{C8304F40-31E8-2609-D7DD-6D3E05027B5F}"/>
-              </a:ext>
-            </a:extLst>
-          </p:cNvPr>
-          <p:cNvSpPr>
-            <a:spLocks noGrp="1"/>
-          </p:cNvSpPr>
-          <p:nvPr>
-            <p:ph idx="1"/>
-          </p:nvPr>
-        </p:nvSpPr>
-        <p:spPr/>
-        <p:txBody>
-          <a:bodyPr/>
-          <a:lstStyle/>
-          <a:p>
-            <a:pPr marL="0" indent="0">
-              <a:buNone/>
-            </a:pPr>
-            <a:r>
-              <a:rPr lang="en-US" dirty="0"/>
-              <a:t>                   </a:t>
-            </a:r>
-          </a:p>
-        </p:txBody>
-      </p:sp>
       <p:pic>
         <p:nvPicPr>
           <p:cNvPr id="7" name="صورة 4" descr="صورة تحتوي على نص, لقطة شاشة, التصميم&#10;&#10;قد يكون المحتوى المعد بواسطة الذكاء الاصطناعي غير صحيح.">
@@ -4972,7 +5433,7 @@
 </p:sld>
 </file>
 
-<file path=ppt/slides/slide15.xml><?xml version="1.0" encoding="utf-8"?>
+<file path=ppt/slides/slide18.xml><?xml version="1.0" encoding="utf-8"?>
 <p:sld xmlns:a="http://schemas.openxmlformats.org/drawingml/2006/main" xmlns:r="http://schemas.openxmlformats.org/officeDocument/2006/relationships" xmlns:p="http://schemas.openxmlformats.org/presentationml/2006/main">
   <p:cSld>
     <p:spTree>
@@ -5066,7 +5527,7 @@
 </p:sld>
 </file>
 
-<file path=ppt/slides/slide16.xml><?xml version="1.0" encoding="utf-8"?>
+<file path=ppt/slides/slide19.xml><?xml version="1.0" encoding="utf-8"?>
 <p:sld xmlns:a="http://schemas.openxmlformats.org/drawingml/2006/main" xmlns:r="http://schemas.openxmlformats.org/officeDocument/2006/relationships" xmlns:p="http://schemas.openxmlformats.org/presentationml/2006/main">
   <p:cSld>
     <p:spTree>
@@ -5186,409 +5647,6 @@
     <p:extLst>
       <p:ext uri="{BB962C8B-B14F-4D97-AF65-F5344CB8AC3E}">
         <p14:creationId xmlns:p14="http://schemas.microsoft.com/office/powerpoint/2010/main" val="908718979"/>
-      </p:ext>
-    </p:extLst>
-  </p:cSld>
-  <p:clrMapOvr>
-    <a:masterClrMapping/>
-  </p:clrMapOvr>
-</p:sld>
-</file>
-
-<file path=ppt/slides/slide17.xml><?xml version="1.0" encoding="utf-8"?>
-<p:sld xmlns:a="http://schemas.openxmlformats.org/drawingml/2006/main" xmlns:r="http://schemas.openxmlformats.org/officeDocument/2006/relationships" xmlns:p="http://schemas.openxmlformats.org/presentationml/2006/main">
-  <p:cSld>
-    <p:spTree>
-      <p:nvGrpSpPr>
-        <p:cNvPr id="1" name="">
-          <a:extLst>
-            <a:ext uri="{FF2B5EF4-FFF2-40B4-BE49-F238E27FC236}">
-              <a16:creationId xmlns:a16="http://schemas.microsoft.com/office/drawing/2014/main" id="{1C49AC3A-B839-0E8E-E7F1-C08EDF54EC3E}"/>
-            </a:ext>
-          </a:extLst>
-        </p:cNvPr>
-        <p:cNvGrpSpPr/>
-        <p:nvPr/>
-      </p:nvGrpSpPr>
-      <p:grpSpPr>
-        <a:xfrm>
-          <a:off x="0" y="0"/>
-          <a:ext cx="0" cy="0"/>
-          <a:chOff x="0" y="0"/>
-          <a:chExt cx="0" cy="0"/>
-        </a:xfrm>
-      </p:grpSpPr>
-      <p:sp>
-        <p:nvSpPr>
-          <p:cNvPr id="2" name="Title 1">
-            <a:extLst>
-              <a:ext uri="{FF2B5EF4-FFF2-40B4-BE49-F238E27FC236}">
-                <a16:creationId xmlns:a16="http://schemas.microsoft.com/office/drawing/2014/main" id="{7D4693B6-457C-AEAF-8C6D-D0B4D4890EF2}"/>
-              </a:ext>
-            </a:extLst>
-          </p:cNvPr>
-          <p:cNvSpPr>
-            <a:spLocks noGrp="1"/>
-          </p:cNvSpPr>
-          <p:nvPr>
-            <p:ph type="title"/>
-          </p:nvPr>
-        </p:nvSpPr>
-        <p:spPr/>
-        <p:txBody>
-          <a:bodyPr/>
-          <a:lstStyle/>
-          <a:p>
-            <a:r>
-              <a:rPr lang="en-US" dirty="0"/>
-              <a:t>Todo List sequence diagram</a:t>
-            </a:r>
-          </a:p>
-        </p:txBody>
-      </p:sp>
-      <p:sp>
-        <p:nvSpPr>
-          <p:cNvPr id="5" name="Content Placeholder 4">
-            <a:extLst>
-              <a:ext uri="{FF2B5EF4-FFF2-40B4-BE49-F238E27FC236}">
-                <a16:creationId xmlns:a16="http://schemas.microsoft.com/office/drawing/2014/main" id="{A2A410C4-A6D7-1713-786E-AE43B03DE239}"/>
-              </a:ext>
-            </a:extLst>
-          </p:cNvPr>
-          <p:cNvSpPr>
-            <a:spLocks noGrp="1"/>
-          </p:cNvSpPr>
-          <p:nvPr>
-            <p:ph idx="1"/>
-          </p:nvPr>
-        </p:nvSpPr>
-        <p:spPr>
-          <a:xfrm>
-            <a:off x="838200" y="1825625"/>
-            <a:ext cx="3910439" cy="4351338"/>
-          </a:xfrm>
-        </p:spPr>
-        <p:txBody>
-          <a:bodyPr/>
-          <a:lstStyle/>
-          <a:p>
-            <a:endParaRPr lang="en-US" dirty="0"/>
-          </a:p>
-        </p:txBody>
-      </p:sp>
-      <p:pic>
-        <p:nvPicPr>
-          <p:cNvPr id="4" name="Picture 3">
-            <a:extLst>
-              <a:ext uri="{FF2B5EF4-FFF2-40B4-BE49-F238E27FC236}">
-                <a16:creationId xmlns:a16="http://schemas.microsoft.com/office/drawing/2014/main" id="{5A9A8497-BA91-3AB9-B031-4C74177C8D45}"/>
-              </a:ext>
-            </a:extLst>
-          </p:cNvPr>
-          <p:cNvPicPr>
-            <a:picLocks noChangeAspect="1"/>
-          </p:cNvPicPr>
-          <p:nvPr/>
-        </p:nvPicPr>
-        <p:blipFill>
-          <a:blip r:embed="rId2"/>
-          <a:stretch>
-            <a:fillRect/>
-          </a:stretch>
-        </p:blipFill>
-        <p:spPr>
-          <a:xfrm>
-            <a:off x="1128410" y="1673471"/>
-            <a:ext cx="8410200" cy="4655646"/>
-          </a:xfrm>
-          <a:prstGeom prst="rect">
-            <a:avLst/>
-          </a:prstGeom>
-        </p:spPr>
-      </p:pic>
-    </p:spTree>
-    <p:extLst>
-      <p:ext uri="{BB962C8B-B14F-4D97-AF65-F5344CB8AC3E}">
-        <p14:creationId xmlns:p14="http://schemas.microsoft.com/office/powerpoint/2010/main" val="1714628813"/>
-      </p:ext>
-    </p:extLst>
-  </p:cSld>
-  <p:clrMapOvr>
-    <a:masterClrMapping/>
-  </p:clrMapOvr>
-</p:sld>
-</file>
-
-<file path=ppt/slides/slide18.xml><?xml version="1.0" encoding="utf-8"?>
-<p:sld xmlns:a="http://schemas.openxmlformats.org/drawingml/2006/main" xmlns:r="http://schemas.openxmlformats.org/officeDocument/2006/relationships" xmlns:p="http://schemas.openxmlformats.org/presentationml/2006/main">
-  <p:cSld>
-    <p:spTree>
-      <p:nvGrpSpPr>
-        <p:cNvPr id="1" name="">
-          <a:extLst>
-            <a:ext uri="{FF2B5EF4-FFF2-40B4-BE49-F238E27FC236}">
-              <a16:creationId xmlns:a16="http://schemas.microsoft.com/office/drawing/2014/main" id="{8FE1C73F-1428-E726-7B49-B17EC23B0C33}"/>
-            </a:ext>
-          </a:extLst>
-        </p:cNvPr>
-        <p:cNvGrpSpPr/>
-        <p:nvPr/>
-      </p:nvGrpSpPr>
-      <p:grpSpPr>
-        <a:xfrm>
-          <a:off x="0" y="0"/>
-          <a:ext cx="0" cy="0"/>
-          <a:chOff x="0" y="0"/>
-          <a:chExt cx="0" cy="0"/>
-        </a:xfrm>
-      </p:grpSpPr>
-      <p:sp>
-        <p:nvSpPr>
-          <p:cNvPr id="2" name="Title 1">
-            <a:extLst>
-              <a:ext uri="{FF2B5EF4-FFF2-40B4-BE49-F238E27FC236}">
-                <a16:creationId xmlns:a16="http://schemas.microsoft.com/office/drawing/2014/main" id="{DCC293FE-8E09-0570-1725-F2A3CA8DFE6A}"/>
-              </a:ext>
-            </a:extLst>
-          </p:cNvPr>
-          <p:cNvSpPr>
-            <a:spLocks noGrp="1"/>
-          </p:cNvSpPr>
-          <p:nvPr>
-            <p:ph type="title"/>
-          </p:nvPr>
-        </p:nvSpPr>
-        <p:spPr>
-          <a:xfrm>
-            <a:off x="428017" y="0"/>
-            <a:ext cx="10515600" cy="1325563"/>
-          </a:xfrm>
-        </p:spPr>
-        <p:txBody>
-          <a:bodyPr/>
-          <a:lstStyle/>
-          <a:p>
-            <a:r>
-              <a:rPr lang="en-US" b="1" dirty="0"/>
-              <a:t>App Walkthrough</a:t>
-            </a:r>
-            <a:endParaRPr lang="en-US" dirty="0"/>
-          </a:p>
-        </p:txBody>
-      </p:sp>
-      <p:sp>
-        <p:nvSpPr>
-          <p:cNvPr id="3" name="Content Placeholder 2">
-            <a:extLst>
-              <a:ext uri="{FF2B5EF4-FFF2-40B4-BE49-F238E27FC236}">
-                <a16:creationId xmlns:a16="http://schemas.microsoft.com/office/drawing/2014/main" id="{570C91A2-8A52-2286-05C4-2F50ADC53098}"/>
-              </a:ext>
-            </a:extLst>
-          </p:cNvPr>
-          <p:cNvSpPr>
-            <a:spLocks noGrp="1"/>
-          </p:cNvSpPr>
-          <p:nvPr>
-            <p:ph idx="1"/>
-          </p:nvPr>
-        </p:nvSpPr>
-        <p:spPr>
-          <a:xfrm>
-            <a:off x="428017" y="1360167"/>
-            <a:ext cx="10925783" cy="4805363"/>
-          </a:xfrm>
-        </p:spPr>
-        <p:txBody>
-          <a:bodyPr/>
-          <a:lstStyle/>
-          <a:p>
-            <a:r>
-              <a:rPr lang="en-US" dirty="0"/>
-              <a:t>                                                     </a:t>
-            </a:r>
-          </a:p>
-        </p:txBody>
-      </p:sp>
-      <p:pic>
-        <p:nvPicPr>
-          <p:cNvPr id="5" name="صورة 4" descr="صورة تحتوي على نص, لقطة شاشة, الخط&#10;&#10;قد يكون المحتوى المعد بواسطة الذكاء الاصطناعي غير صحيح.">
-            <a:extLst>
-              <a:ext uri="{FF2B5EF4-FFF2-40B4-BE49-F238E27FC236}">
-                <a16:creationId xmlns:a16="http://schemas.microsoft.com/office/drawing/2014/main" id="{9C1437B4-1A2A-58C8-634D-3E80FD48C3EC}"/>
-              </a:ext>
-            </a:extLst>
-          </p:cNvPr>
-          <p:cNvPicPr>
-            <a:picLocks noChangeAspect="1"/>
-          </p:cNvPicPr>
-          <p:nvPr/>
-        </p:nvPicPr>
-        <p:blipFill>
-          <a:blip r:embed="rId2">
-            <a:extLst>
-              <a:ext uri="{28A0092B-C50C-407E-A947-70E740481C1C}">
-                <a14:useLocalDpi xmlns:a14="http://schemas.microsoft.com/office/drawing/2010/main" val="0"/>
-              </a:ext>
-            </a:extLst>
-          </a:blip>
-          <a:stretch>
-            <a:fillRect/>
-          </a:stretch>
-        </p:blipFill>
-        <p:spPr>
-          <a:xfrm>
-            <a:off x="428017" y="2306864"/>
-            <a:ext cx="4249960" cy="3421218"/>
-          </a:xfrm>
-          <a:prstGeom prst="rect">
-            <a:avLst/>
-          </a:prstGeom>
-        </p:spPr>
-      </p:pic>
-      <p:pic>
-        <p:nvPicPr>
-          <p:cNvPr id="8" name="صورة 6" descr="صورة تحتوي على نص, لقطة شاشة, التصميم&#10;&#10;قد يكون المحتوى المعد بواسطة الذكاء الاصطناعي غير صحيح.">
-            <a:extLst>
-              <a:ext uri="{FF2B5EF4-FFF2-40B4-BE49-F238E27FC236}">
-                <a16:creationId xmlns:a16="http://schemas.microsoft.com/office/drawing/2014/main" id="{2F9DFA38-537E-FFEC-8500-853842B2FD23}"/>
-              </a:ext>
-            </a:extLst>
-          </p:cNvPr>
-          <p:cNvPicPr>
-            <a:picLocks noChangeAspect="1"/>
-          </p:cNvPicPr>
-          <p:nvPr/>
-        </p:nvPicPr>
-        <p:blipFill>
-          <a:blip r:embed="rId3">
-            <a:extLst>
-              <a:ext uri="{28A0092B-C50C-407E-A947-70E740481C1C}">
-                <a14:useLocalDpi xmlns:a14="http://schemas.microsoft.com/office/drawing/2010/main" val="0"/>
-              </a:ext>
-            </a:extLst>
-          </a:blip>
-          <a:stretch>
-            <a:fillRect/>
-          </a:stretch>
-        </p:blipFill>
-        <p:spPr>
-          <a:xfrm>
-            <a:off x="6502666" y="2306864"/>
-            <a:ext cx="3844065" cy="3421218"/>
-          </a:xfrm>
-          <a:prstGeom prst="rect">
-            <a:avLst/>
-          </a:prstGeom>
-        </p:spPr>
-      </p:pic>
-    </p:spTree>
-    <p:extLst>
-      <p:ext uri="{BB962C8B-B14F-4D97-AF65-F5344CB8AC3E}">
-        <p14:creationId xmlns:p14="http://schemas.microsoft.com/office/powerpoint/2010/main" val="1607333225"/>
-      </p:ext>
-    </p:extLst>
-  </p:cSld>
-  <p:clrMapOvr>
-    <a:masterClrMapping/>
-  </p:clrMapOvr>
-</p:sld>
-</file>
-
-<file path=ppt/slides/slide19.xml><?xml version="1.0" encoding="utf-8"?>
-<p:sld xmlns:a="http://schemas.openxmlformats.org/drawingml/2006/main" xmlns:r="http://schemas.openxmlformats.org/officeDocument/2006/relationships" xmlns:p="http://schemas.openxmlformats.org/presentationml/2006/main">
-  <p:cSld>
-    <p:spTree>
-      <p:nvGrpSpPr>
-        <p:cNvPr id="1" name=""/>
-        <p:cNvGrpSpPr/>
-        <p:nvPr/>
-      </p:nvGrpSpPr>
-      <p:grpSpPr>
-        <a:xfrm>
-          <a:off x="0" y="0"/>
-          <a:ext cx="0" cy="0"/>
-          <a:chOff x="0" y="0"/>
-          <a:chExt cx="0" cy="0"/>
-        </a:xfrm>
-      </p:grpSpPr>
-      <p:sp>
-        <p:nvSpPr>
-          <p:cNvPr id="2" name="Title 1">
-            <a:extLst>
-              <a:ext uri="{FF2B5EF4-FFF2-40B4-BE49-F238E27FC236}">
-                <a16:creationId xmlns:a16="http://schemas.microsoft.com/office/drawing/2014/main" id="{007D2874-C39E-7554-DDD9-ABE6FD2CC294}"/>
-              </a:ext>
-            </a:extLst>
-          </p:cNvPr>
-          <p:cNvSpPr>
-            <a:spLocks noGrp="1"/>
-          </p:cNvSpPr>
-          <p:nvPr>
-            <p:ph type="title"/>
-          </p:nvPr>
-        </p:nvSpPr>
-        <p:spPr/>
-        <p:txBody>
-          <a:bodyPr/>
-          <a:lstStyle/>
-          <a:p>
-            <a:pPr algn="ctr"/>
-            <a:r>
-              <a:rPr lang="en-US" b="1" dirty="0"/>
-              <a:t>System Architecture</a:t>
-            </a:r>
-            <a:br>
-              <a:rPr lang="en-US" b="1" dirty="0"/>
-            </a:br>
-            <a:r>
-              <a:rPr lang="en-US" sz="1800" kern="100" dirty="0">
-                <a:effectLst/>
-                <a:latin typeface="Times New Roman" panose="02020603050405020304" pitchFamily="18" charset="0"/>
-                <a:ea typeface="Times New Roman" panose="02020603050405020304" pitchFamily="18" charset="0"/>
-                <a:cs typeface="Arial" panose="020B0604020202020204" pitchFamily="34" charset="0"/>
-              </a:rPr>
-              <a:t>with major components</a:t>
-            </a:r>
-            <a:endParaRPr lang="en-US" dirty="0"/>
-          </a:p>
-        </p:txBody>
-      </p:sp>
-      <p:pic>
-        <p:nvPicPr>
-          <p:cNvPr id="4" name="Content Placeholder 3">
-            <a:extLst>
-              <a:ext uri="{FF2B5EF4-FFF2-40B4-BE49-F238E27FC236}">
-                <a16:creationId xmlns:a16="http://schemas.microsoft.com/office/drawing/2014/main" id="{048DCE21-8FB6-4E37-1E4F-D3B28434978A}"/>
-              </a:ext>
-            </a:extLst>
-          </p:cNvPr>
-          <p:cNvPicPr>
-            <a:picLocks noGrp="1" noChangeAspect="1"/>
-          </p:cNvPicPr>
-          <p:nvPr>
-            <p:ph idx="1"/>
-          </p:nvPr>
-        </p:nvPicPr>
-        <p:blipFill>
-          <a:blip r:embed="rId2"/>
-          <a:stretch>
-            <a:fillRect/>
-          </a:stretch>
-        </p:blipFill>
-        <p:spPr>
-          <a:xfrm>
-            <a:off x="628098" y="1440834"/>
-            <a:ext cx="9923318" cy="5417166"/>
-          </a:xfrm>
-          <a:prstGeom prst="rect">
-            <a:avLst/>
-          </a:prstGeom>
-        </p:spPr>
-      </p:pic>
-    </p:spTree>
-    <p:extLst>
-      <p:ext uri="{BB962C8B-B14F-4D97-AF65-F5344CB8AC3E}">
-        <p14:creationId xmlns:p14="http://schemas.microsoft.com/office/powerpoint/2010/main" val="4038652978"/>
       </p:ext>
     </p:extLst>
   </p:cSld>
@@ -5935,10 +5993,9 @@
           <a:lstStyle/>
           <a:p>
             <a:r>
-              <a:rPr lang="en-US" sz="5400"/>
+              <a:rPr lang="en-US" sz="5400" dirty="0"/>
               <a:t>Table of content</a:t>
             </a:r>
-            <a:endParaRPr lang="en-US" sz="5400" dirty="0"/>
           </a:p>
         </p:txBody>
       </p:sp>
@@ -5960,7 +6017,7 @@
         </p:nvSpPr>
         <p:spPr>
           <a:xfrm>
-            <a:off x="676462" y="2354702"/>
+            <a:off x="853119" y="3064493"/>
             <a:ext cx="9849751" cy="4029469"/>
           </a:xfrm>
         </p:spPr>
@@ -5971,66 +6028,81 @@
           <a:lstStyle/>
           <a:p>
             <a:r>
-              <a:rPr lang="en-US" sz="1600"/>
+              <a:rPr lang="en-US" sz="1600" dirty="0"/>
               <a:t>Problem Statement</a:t>
             </a:r>
           </a:p>
           <a:p>
             <a:r>
-              <a:rPr lang="en-US" sz="1600"/>
+              <a:rPr lang="en-US" sz="1600" dirty="0"/>
               <a:t>Our solution</a:t>
             </a:r>
           </a:p>
           <a:p>
             <a:r>
-              <a:rPr lang="en-US" sz="1600"/>
+              <a:rPr lang="en-US" sz="1600" dirty="0"/>
+              <a:t>Feature Comparison</a:t>
+            </a:r>
+          </a:p>
+          <a:p>
+            <a:r>
+              <a:rPr lang="en-US" sz="1800" kern="1200" dirty="0">
+                <a:solidFill>
+                  <a:srgbClr val="000000"/>
+                </a:solidFill>
+                <a:effectLst/>
+                <a:latin typeface="Aptos" panose="020B0004020202020204" pitchFamily="34" charset="0"/>
+                <a:ea typeface="+mn-ea"/>
+                <a:cs typeface="+mn-cs"/>
+              </a:rPr>
+              <a:t>Technology stack</a:t>
+            </a:r>
+            <a:endParaRPr lang="en-US" sz="1600" dirty="0"/>
+          </a:p>
+          <a:p>
+            <a:r>
+              <a:rPr lang="en-US" sz="1600" dirty="0"/>
               <a:t>Application Walkthrough</a:t>
             </a:r>
           </a:p>
           <a:p>
             <a:r>
-              <a:rPr lang="en-US" sz="1600"/>
+              <a:rPr lang="en-US" sz="1600" dirty="0"/>
               <a:t>System Architecture</a:t>
             </a:r>
           </a:p>
           <a:p>
             <a:r>
-              <a:rPr lang="en-US" sz="1600"/>
+              <a:rPr lang="en-US" sz="1600" dirty="0"/>
               <a:t>Database Architecture</a:t>
             </a:r>
           </a:p>
           <a:p>
             <a:r>
-              <a:rPr lang="en-US" sz="1600"/>
-              <a:t>Technology stack</a:t>
-            </a:r>
-          </a:p>
-          <a:p>
-            <a:r>
-              <a:rPr lang="en-US" sz="1600"/>
+              <a:rPr lang="en-US" sz="1600" dirty="0"/>
               <a:t>Future work</a:t>
             </a:r>
           </a:p>
           <a:p>
             <a:r>
-              <a:rPr lang="en-US" sz="1600"/>
+              <a:rPr lang="en-US" sz="1600" dirty="0"/>
               <a:t>Conclusion</a:t>
             </a:r>
           </a:p>
           <a:p>
-            <a:endParaRPr lang="en-US" sz="1600"/>
-          </a:p>
-          <a:p>
-            <a:endParaRPr lang="en-US" sz="1600"/>
-          </a:p>
-          <a:p>
-            <a:endParaRPr lang="en-US" sz="1600"/>
-          </a:p>
-          <a:p>
-            <a:endParaRPr lang="en-US" sz="1600"/>
-          </a:p>
-          <a:p>
-            <a:endParaRPr lang="en-US" sz="1600"/>
+            <a:endParaRPr lang="en-US" sz="1600" dirty="0"/>
+          </a:p>
+          <a:p>
+            <a:endParaRPr lang="en-US" sz="1600" dirty="0"/>
+          </a:p>
+          <a:p>
+            <a:endParaRPr lang="en-US" sz="1600" dirty="0"/>
+          </a:p>
+          <a:p>
+            <a:endParaRPr lang="en-US" sz="1600" dirty="0"/>
+          </a:p>
+          <a:p>
+            <a:endParaRPr lang="en-US" sz="1600" dirty="0"/>
           </a:p>
           <a:p>
             <a:endParaRPr lang="en-US" sz="1600" dirty="0"/>
@@ -6055,6 +6127,275 @@
   <p:cSld>
     <p:spTree>
       <p:nvGrpSpPr>
+        <p:cNvPr id="1" name="">
+          <a:extLst>
+            <a:ext uri="{FF2B5EF4-FFF2-40B4-BE49-F238E27FC236}">
+              <a16:creationId xmlns:a16="http://schemas.microsoft.com/office/drawing/2014/main" id="{1C49AC3A-B839-0E8E-E7F1-C08EDF54EC3E}"/>
+            </a:ext>
+          </a:extLst>
+        </p:cNvPr>
+        <p:cNvGrpSpPr/>
+        <p:nvPr/>
+      </p:nvGrpSpPr>
+      <p:grpSpPr>
+        <a:xfrm>
+          <a:off x="0" y="0"/>
+          <a:ext cx="0" cy="0"/>
+          <a:chOff x="0" y="0"/>
+          <a:chExt cx="0" cy="0"/>
+        </a:xfrm>
+      </p:grpSpPr>
+      <p:sp>
+        <p:nvSpPr>
+          <p:cNvPr id="2" name="Title 1">
+            <a:extLst>
+              <a:ext uri="{FF2B5EF4-FFF2-40B4-BE49-F238E27FC236}">
+                <a16:creationId xmlns:a16="http://schemas.microsoft.com/office/drawing/2014/main" id="{7D4693B6-457C-AEAF-8C6D-D0B4D4890EF2}"/>
+              </a:ext>
+            </a:extLst>
+          </p:cNvPr>
+          <p:cNvSpPr>
+            <a:spLocks noGrp="1"/>
+          </p:cNvSpPr>
+          <p:nvPr>
+            <p:ph type="title"/>
+          </p:nvPr>
+        </p:nvSpPr>
+        <p:spPr/>
+        <p:txBody>
+          <a:bodyPr/>
+          <a:lstStyle/>
+          <a:p>
+            <a:r>
+              <a:rPr lang="en-US" dirty="0"/>
+              <a:t>Todo List sequence diagram</a:t>
+            </a:r>
+          </a:p>
+        </p:txBody>
+      </p:sp>
+      <p:pic>
+        <p:nvPicPr>
+          <p:cNvPr id="4" name="Picture 3">
+            <a:extLst>
+              <a:ext uri="{FF2B5EF4-FFF2-40B4-BE49-F238E27FC236}">
+                <a16:creationId xmlns:a16="http://schemas.microsoft.com/office/drawing/2014/main" id="{5A9A8497-BA91-3AB9-B031-4C74177C8D45}"/>
+              </a:ext>
+            </a:extLst>
+          </p:cNvPr>
+          <p:cNvPicPr>
+            <a:picLocks noChangeAspect="1"/>
+          </p:cNvPicPr>
+          <p:nvPr/>
+        </p:nvPicPr>
+        <p:blipFill>
+          <a:blip r:embed="rId2"/>
+          <a:stretch>
+            <a:fillRect/>
+          </a:stretch>
+        </p:blipFill>
+        <p:spPr>
+          <a:xfrm>
+            <a:off x="1128410" y="1673471"/>
+            <a:ext cx="8410200" cy="4655646"/>
+          </a:xfrm>
+          <a:prstGeom prst="rect">
+            <a:avLst/>
+          </a:prstGeom>
+        </p:spPr>
+      </p:pic>
+    </p:spTree>
+    <p:extLst>
+      <p:ext uri="{BB962C8B-B14F-4D97-AF65-F5344CB8AC3E}">
+        <p14:creationId xmlns:p14="http://schemas.microsoft.com/office/powerpoint/2010/main" val="1714628813"/>
+      </p:ext>
+    </p:extLst>
+  </p:cSld>
+  <p:clrMapOvr>
+    <a:masterClrMapping/>
+  </p:clrMapOvr>
+</p:sld>
+</file>
+
+<file path=ppt/slides/slide21.xml><?xml version="1.0" encoding="utf-8"?>
+<p:sld xmlns:a="http://schemas.openxmlformats.org/drawingml/2006/main" xmlns:r="http://schemas.openxmlformats.org/officeDocument/2006/relationships" xmlns:p="http://schemas.openxmlformats.org/presentationml/2006/main">
+  <p:cSld>
+    <p:spTree>
+      <p:nvGrpSpPr>
+        <p:cNvPr id="1" name="">
+          <a:extLst>
+            <a:ext uri="{FF2B5EF4-FFF2-40B4-BE49-F238E27FC236}">
+              <a16:creationId xmlns:a16="http://schemas.microsoft.com/office/drawing/2014/main" id="{8FE1C73F-1428-E726-7B49-B17EC23B0C33}"/>
+            </a:ext>
+          </a:extLst>
+        </p:cNvPr>
+        <p:cNvGrpSpPr/>
+        <p:nvPr/>
+      </p:nvGrpSpPr>
+      <p:grpSpPr>
+        <a:xfrm>
+          <a:off x="0" y="0"/>
+          <a:ext cx="0" cy="0"/>
+          <a:chOff x="0" y="0"/>
+          <a:chExt cx="0" cy="0"/>
+        </a:xfrm>
+      </p:grpSpPr>
+      <p:sp>
+        <p:nvSpPr>
+          <p:cNvPr id="2" name="Title 1">
+            <a:extLst>
+              <a:ext uri="{FF2B5EF4-FFF2-40B4-BE49-F238E27FC236}">
+                <a16:creationId xmlns:a16="http://schemas.microsoft.com/office/drawing/2014/main" id="{DCC293FE-8E09-0570-1725-F2A3CA8DFE6A}"/>
+              </a:ext>
+            </a:extLst>
+          </p:cNvPr>
+          <p:cNvSpPr>
+            <a:spLocks noGrp="1"/>
+          </p:cNvSpPr>
+          <p:nvPr>
+            <p:ph type="title"/>
+          </p:nvPr>
+        </p:nvSpPr>
+        <p:spPr>
+          <a:xfrm>
+            <a:off x="428017" y="0"/>
+            <a:ext cx="10515600" cy="1325563"/>
+          </a:xfrm>
+        </p:spPr>
+        <p:txBody>
+          <a:bodyPr/>
+          <a:lstStyle/>
+          <a:p>
+            <a:r>
+              <a:rPr lang="en-US" b="1" dirty="0"/>
+              <a:t>App Walkthrough</a:t>
+            </a:r>
+            <a:endParaRPr lang="en-US" dirty="0"/>
+          </a:p>
+        </p:txBody>
+      </p:sp>
+      <p:sp>
+        <p:nvSpPr>
+          <p:cNvPr id="3" name="Content Placeholder 2">
+            <a:extLst>
+              <a:ext uri="{FF2B5EF4-FFF2-40B4-BE49-F238E27FC236}">
+                <a16:creationId xmlns:a16="http://schemas.microsoft.com/office/drawing/2014/main" id="{570C91A2-8A52-2286-05C4-2F50ADC53098}"/>
+              </a:ext>
+            </a:extLst>
+          </p:cNvPr>
+          <p:cNvSpPr>
+            <a:spLocks noGrp="1"/>
+          </p:cNvSpPr>
+          <p:nvPr>
+            <p:ph idx="1"/>
+          </p:nvPr>
+        </p:nvSpPr>
+        <p:spPr>
+          <a:xfrm>
+            <a:off x="428017" y="1360167"/>
+            <a:ext cx="10925783" cy="4805363"/>
+          </a:xfrm>
+        </p:spPr>
+        <p:txBody>
+          <a:bodyPr/>
+          <a:lstStyle/>
+          <a:p>
+            <a:r>
+              <a:rPr lang="en-US" dirty="0"/>
+              <a:t>                                                     </a:t>
+            </a:r>
+          </a:p>
+        </p:txBody>
+      </p:sp>
+      <p:pic>
+        <p:nvPicPr>
+          <p:cNvPr id="5" name="صورة 4" descr="صورة تحتوي على نص, لقطة شاشة, الخط&#10;&#10;قد يكون المحتوى المعد بواسطة الذكاء الاصطناعي غير صحيح.">
+            <a:extLst>
+              <a:ext uri="{FF2B5EF4-FFF2-40B4-BE49-F238E27FC236}">
+                <a16:creationId xmlns:a16="http://schemas.microsoft.com/office/drawing/2014/main" id="{9C1437B4-1A2A-58C8-634D-3E80FD48C3EC}"/>
+              </a:ext>
+            </a:extLst>
+          </p:cNvPr>
+          <p:cNvPicPr>
+            <a:picLocks noChangeAspect="1"/>
+          </p:cNvPicPr>
+          <p:nvPr/>
+        </p:nvPicPr>
+        <p:blipFill>
+          <a:blip r:embed="rId2">
+            <a:extLst>
+              <a:ext uri="{28A0092B-C50C-407E-A947-70E740481C1C}">
+                <a14:useLocalDpi xmlns:a14="http://schemas.microsoft.com/office/drawing/2010/main" val="0"/>
+              </a:ext>
+            </a:extLst>
+          </a:blip>
+          <a:stretch>
+            <a:fillRect/>
+          </a:stretch>
+        </p:blipFill>
+        <p:spPr>
+          <a:xfrm>
+            <a:off x="428017" y="2306864"/>
+            <a:ext cx="4249960" cy="3421218"/>
+          </a:xfrm>
+          <a:prstGeom prst="rect">
+            <a:avLst/>
+          </a:prstGeom>
+        </p:spPr>
+      </p:pic>
+      <p:pic>
+        <p:nvPicPr>
+          <p:cNvPr id="8" name="صورة 6" descr="صورة تحتوي على نص, لقطة شاشة, التصميم&#10;&#10;قد يكون المحتوى المعد بواسطة الذكاء الاصطناعي غير صحيح.">
+            <a:extLst>
+              <a:ext uri="{FF2B5EF4-FFF2-40B4-BE49-F238E27FC236}">
+                <a16:creationId xmlns:a16="http://schemas.microsoft.com/office/drawing/2014/main" id="{2F9DFA38-537E-FFEC-8500-853842B2FD23}"/>
+              </a:ext>
+            </a:extLst>
+          </p:cNvPr>
+          <p:cNvPicPr>
+            <a:picLocks noChangeAspect="1"/>
+          </p:cNvPicPr>
+          <p:nvPr/>
+        </p:nvPicPr>
+        <p:blipFill>
+          <a:blip r:embed="rId3">
+            <a:extLst>
+              <a:ext uri="{28A0092B-C50C-407E-A947-70E740481C1C}">
+                <a14:useLocalDpi xmlns:a14="http://schemas.microsoft.com/office/drawing/2010/main" val="0"/>
+              </a:ext>
+            </a:extLst>
+          </a:blip>
+          <a:stretch>
+            <a:fillRect/>
+          </a:stretch>
+        </p:blipFill>
+        <p:spPr>
+          <a:xfrm>
+            <a:off x="6502666" y="2306864"/>
+            <a:ext cx="3844065" cy="3421218"/>
+          </a:xfrm>
+          <a:prstGeom prst="rect">
+            <a:avLst/>
+          </a:prstGeom>
+        </p:spPr>
+      </p:pic>
+    </p:spTree>
+    <p:extLst>
+      <p:ext uri="{BB962C8B-B14F-4D97-AF65-F5344CB8AC3E}">
+        <p14:creationId xmlns:p14="http://schemas.microsoft.com/office/powerpoint/2010/main" val="1607333225"/>
+      </p:ext>
+    </p:extLst>
+  </p:cSld>
+  <p:clrMapOvr>
+    <a:masterClrMapping/>
+  </p:clrMapOvr>
+</p:sld>
+</file>
+
+<file path=ppt/slides/slide22.xml><?xml version="1.0" encoding="utf-8"?>
+<p:sld xmlns:a="http://schemas.openxmlformats.org/drawingml/2006/main" xmlns:r="http://schemas.openxmlformats.org/officeDocument/2006/relationships" xmlns:p="http://schemas.openxmlformats.org/presentationml/2006/main">
+  <p:cSld>
+    <p:spTree>
+      <p:nvGrpSpPr>
         <p:cNvPr id="1" name=""/>
         <p:cNvGrpSpPr/>
         <p:nvPr/>
@@ -6072,6 +6413,110 @@
           <p:cNvPr id="2" name="Title 1">
             <a:extLst>
               <a:ext uri="{FF2B5EF4-FFF2-40B4-BE49-F238E27FC236}">
+                <a16:creationId xmlns:a16="http://schemas.microsoft.com/office/drawing/2014/main" id="{007D2874-C39E-7554-DDD9-ABE6FD2CC294}"/>
+              </a:ext>
+            </a:extLst>
+          </p:cNvPr>
+          <p:cNvSpPr>
+            <a:spLocks noGrp="1"/>
+          </p:cNvSpPr>
+          <p:nvPr>
+            <p:ph type="title"/>
+          </p:nvPr>
+        </p:nvSpPr>
+        <p:spPr/>
+        <p:txBody>
+          <a:bodyPr/>
+          <a:lstStyle/>
+          <a:p>
+            <a:pPr algn="ctr"/>
+            <a:r>
+              <a:rPr lang="en-US" b="1" dirty="0"/>
+              <a:t>System Architecture</a:t>
+            </a:r>
+            <a:br>
+              <a:rPr lang="en-US" b="1" dirty="0"/>
+            </a:br>
+            <a:r>
+              <a:rPr lang="en-US" sz="1800" kern="100" dirty="0">
+                <a:effectLst/>
+                <a:latin typeface="Times New Roman" panose="02020603050405020304" pitchFamily="18" charset="0"/>
+                <a:ea typeface="Times New Roman" panose="02020603050405020304" pitchFamily="18" charset="0"/>
+                <a:cs typeface="Arial" panose="020B0604020202020204" pitchFamily="34" charset="0"/>
+              </a:rPr>
+              <a:t>with major components</a:t>
+            </a:r>
+            <a:endParaRPr lang="en-US" dirty="0"/>
+          </a:p>
+        </p:txBody>
+      </p:sp>
+      <p:pic>
+        <p:nvPicPr>
+          <p:cNvPr id="4" name="Content Placeholder 3">
+            <a:extLst>
+              <a:ext uri="{FF2B5EF4-FFF2-40B4-BE49-F238E27FC236}">
+                <a16:creationId xmlns:a16="http://schemas.microsoft.com/office/drawing/2014/main" id="{048DCE21-8FB6-4E37-1E4F-D3B28434978A}"/>
+              </a:ext>
+            </a:extLst>
+          </p:cNvPr>
+          <p:cNvPicPr>
+            <a:picLocks noGrp="1" noChangeAspect="1"/>
+          </p:cNvPicPr>
+          <p:nvPr>
+            <p:ph idx="1"/>
+          </p:nvPr>
+        </p:nvPicPr>
+        <p:blipFill>
+          <a:blip r:embed="rId2"/>
+          <a:stretch>
+            <a:fillRect/>
+          </a:stretch>
+        </p:blipFill>
+        <p:spPr>
+          <a:xfrm>
+            <a:off x="628098" y="1440834"/>
+            <a:ext cx="9923318" cy="5417166"/>
+          </a:xfrm>
+          <a:prstGeom prst="rect">
+            <a:avLst/>
+          </a:prstGeom>
+        </p:spPr>
+      </p:pic>
+    </p:spTree>
+    <p:extLst>
+      <p:ext uri="{BB962C8B-B14F-4D97-AF65-F5344CB8AC3E}">
+        <p14:creationId xmlns:p14="http://schemas.microsoft.com/office/powerpoint/2010/main" val="4038652978"/>
+      </p:ext>
+    </p:extLst>
+  </p:cSld>
+  <p:clrMapOvr>
+    <a:masterClrMapping/>
+  </p:clrMapOvr>
+</p:sld>
+</file>
+
+<file path=ppt/slides/slide23.xml><?xml version="1.0" encoding="utf-8"?>
+<p:sld xmlns:a="http://schemas.openxmlformats.org/drawingml/2006/main" xmlns:r="http://schemas.openxmlformats.org/officeDocument/2006/relationships" xmlns:p="http://schemas.openxmlformats.org/presentationml/2006/main">
+  <p:cSld>
+    <p:spTree>
+      <p:nvGrpSpPr>
+        <p:cNvPr id="1" name=""/>
+        <p:cNvGrpSpPr/>
+        <p:nvPr/>
+      </p:nvGrpSpPr>
+      <p:grpSpPr>
+        <a:xfrm>
+          <a:off x="0" y="0"/>
+          <a:ext cx="0" cy="0"/>
+          <a:chOff x="0" y="0"/>
+          <a:chExt cx="0" cy="0"/>
+        </a:xfrm>
+      </p:grpSpPr>
+      <p:sp>
+        <p:nvSpPr>
+          <p:cNvPr id="2" name="Title 1">
+            <a:extLst>
+              <a:ext uri="{FF2B5EF4-FFF2-40B4-BE49-F238E27FC236}">
                 <a16:creationId xmlns:a16="http://schemas.microsoft.com/office/drawing/2014/main" id="{A09F3E11-6105-E3F8-C162-6AD736529CD3}"/>
               </a:ext>
             </a:extLst>
@@ -6423,7 +6868,7 @@
 </p:sld>
 </file>
 
-<file path=ppt/slides/slide21.xml><?xml version="1.0" encoding="utf-8"?>
+<file path=ppt/slides/slide24.xml><?xml version="1.0" encoding="utf-8"?>
 <p:sld xmlns:a="http://schemas.openxmlformats.org/drawingml/2006/main" xmlns:r="http://schemas.openxmlformats.org/officeDocument/2006/relationships" xmlns:p="http://schemas.openxmlformats.org/presentationml/2006/main">
   <p:cSld>
     <p:spTree>
@@ -6563,2022 +7008,7 @@
 </p:sld>
 </file>
 
-<file path=ppt/slides/slide22.xml><?xml version="1.0" encoding="utf-8"?>
-<p:sld xmlns:a="http://schemas.openxmlformats.org/drawingml/2006/main" xmlns:r="http://schemas.openxmlformats.org/officeDocument/2006/relationships" xmlns:p="http://schemas.openxmlformats.org/presentationml/2006/main">
-  <p:cSld>
-    <p:bg>
-      <p:bgPr>
-        <a:solidFill>
-          <a:schemeClr val="bg1">
-            <a:tint val="95000"/>
-            <a:satMod val="170000"/>
-          </a:schemeClr>
-        </a:solidFill>
-        <a:effectLst/>
-      </p:bgPr>
-    </p:bg>
-    <p:spTree>
-      <p:nvGrpSpPr>
-        <p:cNvPr id="1" name=""/>
-        <p:cNvGrpSpPr/>
-        <p:nvPr/>
-      </p:nvGrpSpPr>
-      <p:grpSpPr>
-        <a:xfrm>
-          <a:off x="0" y="0"/>
-          <a:ext cx="0" cy="0"/>
-          <a:chOff x="0" y="0"/>
-          <a:chExt cx="0" cy="0"/>
-        </a:xfrm>
-      </p:grpSpPr>
-      <p:sp>
-        <p:nvSpPr>
-          <p:cNvPr id="2" name="Title 1">
-            <a:extLst>
-              <a:ext uri="{FF2B5EF4-FFF2-40B4-BE49-F238E27FC236}">
-                <a16:creationId xmlns:a16="http://schemas.microsoft.com/office/drawing/2014/main" id="{E799C9A1-6887-0560-98BD-AADDEE8AC029}"/>
-              </a:ext>
-            </a:extLst>
-          </p:cNvPr>
-          <p:cNvSpPr>
-            <a:spLocks noGrp="1"/>
-          </p:cNvSpPr>
-          <p:nvPr>
-            <p:ph type="title"/>
-          </p:nvPr>
-        </p:nvSpPr>
-        <p:spPr>
-          <a:xfrm>
-            <a:off x="913872" y="1271531"/>
-            <a:ext cx="4426755" cy="761271"/>
-          </a:xfrm>
-        </p:spPr>
-        <p:txBody>
-          <a:bodyPr>
-            <a:normAutofit/>
-          </a:bodyPr>
-          <a:lstStyle/>
-          <a:p>
-            <a:r>
-              <a:rPr lang="en-US" sz="3200" b="1"/>
-              <a:t>Tech Stack</a:t>
-            </a:r>
-            <a:endParaRPr lang="en-US" sz="3200"/>
-          </a:p>
-        </p:txBody>
-      </p:sp>
-      <p:sp>
-        <p:nvSpPr>
-          <p:cNvPr id="26" name="Freeform: Shape 25">
-            <a:extLst>
-              <a:ext uri="{FF2B5EF4-FFF2-40B4-BE49-F238E27FC236}">
-                <a16:creationId xmlns:a16="http://schemas.microsoft.com/office/drawing/2014/main" id="{81F3642D-13C8-47D1-8141-3F5A7CEBA891}"/>
-              </a:ext>
-              <a:ext uri="{C183D7F6-B498-43B3-948B-1728B52AA6E4}">
-                <adec:decorative xmlns:adec="http://schemas.microsoft.com/office/drawing/2017/decorative" val="1"/>
-              </a:ext>
-            </a:extLst>
-          </p:cNvPr>
-          <p:cNvSpPr>
-            <a:spLocks noGrp="1" noRot="1" noChangeAspect="1" noMove="1" noResize="1" noEditPoints="1" noAdjustHandles="1" noChangeArrowheads="1" noChangeShapeType="1" noTextEdit="1"/>
-          </p:cNvSpPr>
-          <p:nvPr>
-            <p:extLst>
-              <p:ext uri="{386F3935-93C4-4BCD-93E2-E3B085C9AB24}">
-                <p16:designElem xmlns:p16="http://schemas.microsoft.com/office/powerpoint/2015/main" val="1"/>
-              </p:ext>
-            </p:extLst>
-          </p:nvPr>
-        </p:nvSpPr>
-        <p:spPr>
-          <a:xfrm>
-            <a:off x="5761975" y="361702"/>
-            <a:ext cx="1691640" cy="1691640"/>
-          </a:xfrm>
-          <a:custGeom>
-            <a:avLst/>
-            <a:gdLst>
-              <a:gd name="connsiteX0" fmla="*/ 845820 w 1691640"/>
-              <a:gd name="connsiteY0" fmla="*/ 0 h 1691640"/>
-              <a:gd name="connsiteX1" fmla="*/ 1691640 w 1691640"/>
-              <a:gd name="connsiteY1" fmla="*/ 845820 h 1691640"/>
-              <a:gd name="connsiteX2" fmla="*/ 845820 w 1691640"/>
-              <a:gd name="connsiteY2" fmla="*/ 1691640 h 1691640"/>
-              <a:gd name="connsiteX3" fmla="*/ 0 w 1691640"/>
-              <a:gd name="connsiteY3" fmla="*/ 845820 h 1691640"/>
-              <a:gd name="connsiteX4" fmla="*/ 845820 w 1691640"/>
-              <a:gd name="connsiteY4" fmla="*/ 0 h 1691640"/>
-            </a:gdLst>
-            <a:ahLst/>
-            <a:cxnLst>
-              <a:cxn ang="0">
-                <a:pos x="connsiteX0" y="connsiteY0"/>
-              </a:cxn>
-              <a:cxn ang="0">
-                <a:pos x="connsiteX1" y="connsiteY1"/>
-              </a:cxn>
-              <a:cxn ang="0">
-                <a:pos x="connsiteX2" y="connsiteY2"/>
-              </a:cxn>
-              <a:cxn ang="0">
-                <a:pos x="connsiteX3" y="connsiteY3"/>
-              </a:cxn>
-              <a:cxn ang="0">
-                <a:pos x="connsiteX4" y="connsiteY4"/>
-              </a:cxn>
-            </a:cxnLst>
-            <a:rect l="l" t="t" r="r" b="b"/>
-            <a:pathLst>
-              <a:path w="1691640" h="1691640">
-                <a:moveTo>
-                  <a:pt x="845820" y="0"/>
-                </a:moveTo>
-                <a:cubicBezTo>
-                  <a:pt x="1312954" y="0"/>
-                  <a:pt x="1691640" y="378686"/>
-                  <a:pt x="1691640" y="845820"/>
-                </a:cubicBezTo>
-                <a:cubicBezTo>
-                  <a:pt x="1691640" y="1312954"/>
-                  <a:pt x="1312954" y="1691640"/>
-                  <a:pt x="845820" y="1691640"/>
-                </a:cubicBezTo>
-                <a:cubicBezTo>
-                  <a:pt x="378687" y="1691640"/>
-                  <a:pt x="0" y="1312954"/>
-                  <a:pt x="0" y="845820"/>
-                </a:cubicBezTo>
-                <a:cubicBezTo>
-                  <a:pt x="0" y="378686"/>
-                  <a:pt x="378687" y="0"/>
-                  <a:pt x="845820" y="0"/>
-                </a:cubicBezTo>
-                <a:close/>
-              </a:path>
-            </a:pathLst>
-          </a:custGeom>
-          <a:solidFill>
-            <a:schemeClr val="tx1"/>
-          </a:solidFill>
-          <a:ln>
-            <a:noFill/>
-          </a:ln>
-        </p:spPr>
-        <p:style>
-          <a:lnRef idx="2">
-            <a:schemeClr val="accent1">
-              <a:shade val="50000"/>
-            </a:schemeClr>
-          </a:lnRef>
-          <a:fillRef idx="1">
-            <a:schemeClr val="accent1"/>
-          </a:fillRef>
-          <a:effectRef idx="0">
-            <a:schemeClr val="accent1"/>
-          </a:effectRef>
-          <a:fontRef idx="minor">
-            <a:schemeClr val="lt1"/>
-          </a:fontRef>
-        </p:style>
-        <p:txBody>
-          <a:bodyPr wrap="square" rtlCol="0" anchor="ctr">
-            <a:noAutofit/>
-          </a:bodyPr>
-          <a:lstStyle/>
-          <a:p>
-            <a:pPr algn="ctr"/>
-            <a:endParaRPr lang="en-US" dirty="0"/>
-          </a:p>
-        </p:txBody>
-      </p:sp>
-      <p:sp>
-        <p:nvSpPr>
-          <p:cNvPr id="28" name="Oval 27">
-            <a:extLst>
-              <a:ext uri="{FF2B5EF4-FFF2-40B4-BE49-F238E27FC236}">
-                <a16:creationId xmlns:a16="http://schemas.microsoft.com/office/drawing/2014/main" id="{07977D39-626F-40D7-B00F-16E02602DD5A}"/>
-              </a:ext>
-              <a:ext uri="{C183D7F6-B498-43B3-948B-1728B52AA6E4}">
-                <adec:decorative xmlns:adec="http://schemas.microsoft.com/office/drawing/2017/decorative" val="1"/>
-              </a:ext>
-            </a:extLst>
-          </p:cNvPr>
-          <p:cNvSpPr>
-            <a:spLocks noGrp="1" noRot="1" noChangeAspect="1" noMove="1" noResize="1" noEditPoints="1" noAdjustHandles="1" noChangeArrowheads="1" noChangeShapeType="1" noTextEdit="1"/>
-          </p:cNvSpPr>
-          <p:nvPr>
-            <p:extLst>
-              <p:ext uri="{386F3935-93C4-4BCD-93E2-E3B085C9AB24}">
-                <p16:designElem xmlns:p16="http://schemas.microsoft.com/office/powerpoint/2015/main" val="1"/>
-              </p:ext>
-            </p:extLst>
-          </p:nvPr>
-        </p:nvSpPr>
-        <p:spPr>
-          <a:xfrm>
-            <a:off x="5597383" y="197110"/>
-            <a:ext cx="2020824" cy="2020824"/>
-          </a:xfrm>
-          <a:prstGeom prst="ellipse">
-            <a:avLst/>
-          </a:prstGeom>
-          <a:solidFill>
-            <a:srgbClr val="FFFFFF">
-              <a:alpha val="80000"/>
-            </a:srgbClr>
-          </a:solidFill>
-          <a:ln>
-            <a:noFill/>
-          </a:ln>
-        </p:spPr>
-        <p:style>
-          <a:lnRef idx="2">
-            <a:schemeClr val="accent1">
-              <a:shade val="50000"/>
-            </a:schemeClr>
-          </a:lnRef>
-          <a:fillRef idx="1">
-            <a:schemeClr val="accent1"/>
-          </a:fillRef>
-          <a:effectRef idx="0">
-            <a:schemeClr val="accent1"/>
-          </a:effectRef>
-          <a:fontRef idx="minor">
-            <a:schemeClr val="lt1"/>
-          </a:fontRef>
-        </p:style>
-        <p:txBody>
-          <a:bodyPr rtlCol="0" anchor="ctr"/>
-          <a:lstStyle/>
-          <a:p>
-            <a:pPr marL="0" marR="0" lvl="0" indent="0" algn="ctr" defTabSz="914400" rtl="0" eaLnBrk="1" fontAlgn="auto" latinLnBrk="0" hangingPunct="1">
-              <a:lnSpc>
-                <a:spcPct val="100000"/>
-              </a:lnSpc>
-              <a:spcBef>
-                <a:spcPts val="0"/>
-              </a:spcBef>
-              <a:spcAft>
-                <a:spcPts val="0"/>
-              </a:spcAft>
-              <a:buClrTx/>
-              <a:buSzTx/>
-              <a:buFontTx/>
-              <a:buNone/>
-              <a:tabLst/>
-              <a:defRPr/>
-            </a:pPr>
-            <a:endParaRPr kumimoji="0" lang="en-US" sz="1800" b="0" i="0" u="none" strike="noStrike" kern="1200" cap="none" spc="0" normalizeH="0" baseline="0" noProof="0">
-              <a:ln>
-                <a:noFill/>
-              </a:ln>
-              <a:solidFill>
-                <a:prstClr val="white"/>
-              </a:solidFill>
-              <a:effectLst/>
-              <a:uLnTx/>
-              <a:uFillTx/>
-              <a:latin typeface="Calibri" panose="020F0502020204030204"/>
-              <a:ea typeface="+mn-ea"/>
-              <a:cs typeface="+mn-cs"/>
-            </a:endParaRPr>
-          </a:p>
-        </p:txBody>
-      </p:sp>
-      <p:pic>
-        <p:nvPicPr>
-          <p:cNvPr id="11" name="Picture 10" descr="A blue and yellow logo&#10;&#10;AI-generated content may be incorrect.">
-            <a:extLst>
-              <a:ext uri="{FF2B5EF4-FFF2-40B4-BE49-F238E27FC236}">
-                <a16:creationId xmlns:a16="http://schemas.microsoft.com/office/drawing/2014/main" id="{47D5332B-2FB3-E056-5126-FB7504B7A7E4}"/>
-              </a:ext>
-            </a:extLst>
-          </p:cNvPr>
-          <p:cNvPicPr>
-            <a:picLocks noChangeAspect="1"/>
-          </p:cNvPicPr>
-          <p:nvPr/>
-        </p:nvPicPr>
-        <p:blipFill>
-          <a:blip r:embed="rId2"/>
-          <a:stretch>
-            <a:fillRect/>
-          </a:stretch>
-        </p:blipFill>
-        <p:spPr>
-          <a:xfrm>
-            <a:off x="6060611" y="774675"/>
-            <a:ext cx="1094369" cy="865694"/>
-          </a:xfrm>
-          <a:prstGeom prst="roundRect">
-            <a:avLst>
-              <a:gd name="adj" fmla="val 8594"/>
-            </a:avLst>
-          </a:prstGeom>
-          <a:solidFill>
-            <a:srgbClr val="FFFFFF">
-              <a:shade val="85000"/>
-            </a:srgbClr>
-          </a:solidFill>
-          <a:ln>
-            <a:noFill/>
-          </a:ln>
-          <a:effectLst>
-            <a:reflection blurRad="12700" stA="38000" endPos="28000" dist="5000" dir="5400000" sy="-100000" algn="bl" rotWithShape="0"/>
-          </a:effectLst>
-        </p:spPr>
-      </p:pic>
-      <p:sp>
-        <p:nvSpPr>
-          <p:cNvPr id="30" name="Freeform: Shape 29">
-            <a:extLst>
-              <a:ext uri="{FF2B5EF4-FFF2-40B4-BE49-F238E27FC236}">
-                <a16:creationId xmlns:a16="http://schemas.microsoft.com/office/drawing/2014/main" id="{98E915F0-311A-4BDD-94EC-B0A3D6A3C546}"/>
-              </a:ext>
-              <a:ext uri="{C183D7F6-B498-43B3-948B-1728B52AA6E4}">
-                <adec:decorative xmlns:adec="http://schemas.microsoft.com/office/drawing/2017/decorative" val="1"/>
-              </a:ext>
-            </a:extLst>
-          </p:cNvPr>
-          <p:cNvSpPr>
-            <a:spLocks noGrp="1" noRot="1" noChangeAspect="1" noMove="1" noResize="1" noEditPoints="1" noAdjustHandles="1" noChangeArrowheads="1" noChangeShapeType="1" noTextEdit="1"/>
-          </p:cNvSpPr>
-          <p:nvPr>
-            <p:extLst>
-              <p:ext uri="{386F3935-93C4-4BCD-93E2-E3B085C9AB24}">
-                <p16:designElem xmlns:p16="http://schemas.microsoft.com/office/powerpoint/2015/main" val="1"/>
-              </p:ext>
-            </p:extLst>
-          </p:nvPr>
-        </p:nvSpPr>
-        <p:spPr>
-          <a:xfrm>
-            <a:off x="5933788" y="2715337"/>
-            <a:ext cx="2743200" cy="2743200"/>
-          </a:xfrm>
-          <a:custGeom>
-            <a:avLst/>
-            <a:gdLst>
-              <a:gd name="connsiteX0" fmla="*/ 1371600 w 2743200"/>
-              <a:gd name="connsiteY0" fmla="*/ 0 h 2743200"/>
-              <a:gd name="connsiteX1" fmla="*/ 2743200 w 2743200"/>
-              <a:gd name="connsiteY1" fmla="*/ 1371600 h 2743200"/>
-              <a:gd name="connsiteX2" fmla="*/ 1371600 w 2743200"/>
-              <a:gd name="connsiteY2" fmla="*/ 2743200 h 2743200"/>
-              <a:gd name="connsiteX3" fmla="*/ 0 w 2743200"/>
-              <a:gd name="connsiteY3" fmla="*/ 1371600 h 2743200"/>
-              <a:gd name="connsiteX4" fmla="*/ 1371600 w 2743200"/>
-              <a:gd name="connsiteY4" fmla="*/ 0 h 2743200"/>
-            </a:gdLst>
-            <a:ahLst/>
-            <a:cxnLst>
-              <a:cxn ang="0">
-                <a:pos x="connsiteX0" y="connsiteY0"/>
-              </a:cxn>
-              <a:cxn ang="0">
-                <a:pos x="connsiteX1" y="connsiteY1"/>
-              </a:cxn>
-              <a:cxn ang="0">
-                <a:pos x="connsiteX2" y="connsiteY2"/>
-              </a:cxn>
-              <a:cxn ang="0">
-                <a:pos x="connsiteX3" y="connsiteY3"/>
-              </a:cxn>
-              <a:cxn ang="0">
-                <a:pos x="connsiteX4" y="connsiteY4"/>
-              </a:cxn>
-            </a:cxnLst>
-            <a:rect l="l" t="t" r="r" b="b"/>
-            <a:pathLst>
-              <a:path w="2743200" h="2743200">
-                <a:moveTo>
-                  <a:pt x="1371600" y="0"/>
-                </a:moveTo>
-                <a:cubicBezTo>
-                  <a:pt x="2129114" y="0"/>
-                  <a:pt x="2743200" y="614087"/>
-                  <a:pt x="2743200" y="1371600"/>
-                </a:cubicBezTo>
-                <a:cubicBezTo>
-                  <a:pt x="2743200" y="2129114"/>
-                  <a:pt x="2129114" y="2743200"/>
-                  <a:pt x="1371600" y="2743200"/>
-                </a:cubicBezTo>
-                <a:cubicBezTo>
-                  <a:pt x="614087" y="2743200"/>
-                  <a:pt x="0" y="2129114"/>
-                  <a:pt x="0" y="1371600"/>
-                </a:cubicBezTo>
-                <a:cubicBezTo>
-                  <a:pt x="0" y="614087"/>
-                  <a:pt x="614087" y="0"/>
-                  <a:pt x="1371600" y="0"/>
-                </a:cubicBezTo>
-                <a:close/>
-              </a:path>
-            </a:pathLst>
-          </a:custGeom>
-          <a:solidFill>
-            <a:schemeClr val="tx1"/>
-          </a:solidFill>
-          <a:ln>
-            <a:noFill/>
-          </a:ln>
-        </p:spPr>
-        <p:style>
-          <a:lnRef idx="2">
-            <a:schemeClr val="accent1">
-              <a:shade val="50000"/>
-            </a:schemeClr>
-          </a:lnRef>
-          <a:fillRef idx="1">
-            <a:schemeClr val="accent1"/>
-          </a:fillRef>
-          <a:effectRef idx="0">
-            <a:schemeClr val="accent1"/>
-          </a:effectRef>
-          <a:fontRef idx="minor">
-            <a:schemeClr val="lt1"/>
-          </a:fontRef>
-        </p:style>
-        <p:txBody>
-          <a:bodyPr wrap="square" rtlCol="0" anchor="ctr">
-            <a:noAutofit/>
-          </a:bodyPr>
-          <a:lstStyle/>
-          <a:p>
-            <a:pPr algn="ctr"/>
-            <a:endParaRPr lang="en-US" dirty="0"/>
-          </a:p>
-        </p:txBody>
-      </p:sp>
-      <p:sp>
-        <p:nvSpPr>
-          <p:cNvPr id="32" name="Freeform: Shape 31">
-            <a:extLst>
-              <a:ext uri="{FF2B5EF4-FFF2-40B4-BE49-F238E27FC236}">
-                <a16:creationId xmlns:a16="http://schemas.microsoft.com/office/drawing/2014/main" id="{EF1CD662-C732-41EB-A08A-EFB9E7EB8990}"/>
-              </a:ext>
-              <a:ext uri="{C183D7F6-B498-43B3-948B-1728B52AA6E4}">
-                <adec:decorative xmlns:adec="http://schemas.microsoft.com/office/drawing/2017/decorative" val="1"/>
-              </a:ext>
-            </a:extLst>
-          </p:cNvPr>
-          <p:cNvSpPr>
-            <a:spLocks noGrp="1" noRot="1" noChangeAspect="1" noMove="1" noResize="1" noEditPoints="1" noAdjustHandles="1" noChangeArrowheads="1" noChangeShapeType="1" noTextEdit="1"/>
-          </p:cNvSpPr>
-          <p:nvPr>
-            <p:extLst>
-              <p:ext uri="{386F3935-93C4-4BCD-93E2-E3B085C9AB24}">
-                <p16:designElem xmlns:p16="http://schemas.microsoft.com/office/powerpoint/2015/main" val="1"/>
-              </p:ext>
-            </p:extLst>
-          </p:nvPr>
-        </p:nvSpPr>
-        <p:spPr>
-          <a:xfrm>
-            <a:off x="8278624" y="2"/>
-            <a:ext cx="3913376" cy="3281569"/>
-          </a:xfrm>
-          <a:custGeom>
-            <a:avLst/>
-            <a:gdLst>
-              <a:gd name="connsiteX0" fmla="*/ 267865 w 3913376"/>
-              <a:gd name="connsiteY0" fmla="*/ 0 h 3281569"/>
-              <a:gd name="connsiteX1" fmla="*/ 3913376 w 3913376"/>
-              <a:gd name="connsiteY1" fmla="*/ 0 h 3281569"/>
-              <a:gd name="connsiteX2" fmla="*/ 3913376 w 3913376"/>
-              <a:gd name="connsiteY2" fmla="*/ 2499938 h 3281569"/>
-              <a:gd name="connsiteX3" fmla="*/ 3794714 w 3913376"/>
-              <a:gd name="connsiteY3" fmla="*/ 2630499 h 3281569"/>
-              <a:gd name="connsiteX4" fmla="*/ 2222892 w 3913376"/>
-              <a:gd name="connsiteY4" fmla="*/ 3281569 h 3281569"/>
-              <a:gd name="connsiteX5" fmla="*/ 0 w 3913376"/>
-              <a:gd name="connsiteY5" fmla="*/ 1058677 h 3281569"/>
-              <a:gd name="connsiteX6" fmla="*/ 174686 w 3913376"/>
-              <a:gd name="connsiteY6" fmla="*/ 193427 h 3281569"/>
-            </a:gdLst>
-            <a:ahLst/>
-            <a:cxnLst>
-              <a:cxn ang="0">
-                <a:pos x="connsiteX0" y="connsiteY0"/>
-              </a:cxn>
-              <a:cxn ang="0">
-                <a:pos x="connsiteX1" y="connsiteY1"/>
-              </a:cxn>
-              <a:cxn ang="0">
-                <a:pos x="connsiteX2" y="connsiteY2"/>
-              </a:cxn>
-              <a:cxn ang="0">
-                <a:pos x="connsiteX3" y="connsiteY3"/>
-              </a:cxn>
-              <a:cxn ang="0">
-                <a:pos x="connsiteX4" y="connsiteY4"/>
-              </a:cxn>
-              <a:cxn ang="0">
-                <a:pos x="connsiteX5" y="connsiteY5"/>
-              </a:cxn>
-              <a:cxn ang="0">
-                <a:pos x="connsiteX6" y="connsiteY6"/>
-              </a:cxn>
-            </a:cxnLst>
-            <a:rect l="l" t="t" r="r" b="b"/>
-            <a:pathLst>
-              <a:path w="3913376" h="3281569">
-                <a:moveTo>
-                  <a:pt x="267865" y="0"/>
-                </a:moveTo>
-                <a:lnTo>
-                  <a:pt x="3913376" y="0"/>
-                </a:lnTo>
-                <a:lnTo>
-                  <a:pt x="3913376" y="2499938"/>
-                </a:lnTo>
-                <a:lnTo>
-                  <a:pt x="3794714" y="2630499"/>
-                </a:lnTo>
-                <a:cubicBezTo>
-                  <a:pt x="3392450" y="3032763"/>
-                  <a:pt x="2836727" y="3281569"/>
-                  <a:pt x="2222892" y="3281569"/>
-                </a:cubicBezTo>
-                <a:cubicBezTo>
-                  <a:pt x="995223" y="3281569"/>
-                  <a:pt x="0" y="2286346"/>
-                  <a:pt x="0" y="1058677"/>
-                </a:cubicBezTo>
-                <a:cubicBezTo>
-                  <a:pt x="0" y="751760"/>
-                  <a:pt x="62202" y="459370"/>
-                  <a:pt x="174686" y="193427"/>
-                </a:cubicBezTo>
-                <a:close/>
-              </a:path>
-            </a:pathLst>
-          </a:custGeom>
-          <a:solidFill>
-            <a:schemeClr val="tx1"/>
-          </a:solidFill>
-          <a:ln>
-            <a:noFill/>
-          </a:ln>
-        </p:spPr>
-        <p:style>
-          <a:lnRef idx="2">
-            <a:schemeClr val="accent1">
-              <a:shade val="50000"/>
-            </a:schemeClr>
-          </a:lnRef>
-          <a:fillRef idx="1">
-            <a:schemeClr val="accent1"/>
-          </a:fillRef>
-          <a:effectRef idx="0">
-            <a:schemeClr val="accent1"/>
-          </a:effectRef>
-          <a:fontRef idx="minor">
-            <a:schemeClr val="lt1"/>
-          </a:fontRef>
-        </p:style>
-        <p:txBody>
-          <a:bodyPr wrap="square" rtlCol="0" anchor="ctr">
-            <a:noAutofit/>
-          </a:bodyPr>
-          <a:lstStyle/>
-          <a:p>
-            <a:pPr algn="ctr"/>
-            <a:endParaRPr lang="en-US" dirty="0"/>
-          </a:p>
-        </p:txBody>
-      </p:sp>
-      <p:sp>
-        <p:nvSpPr>
-          <p:cNvPr id="34" name="Freeform: Shape 33">
-            <a:extLst>
-              <a:ext uri="{FF2B5EF4-FFF2-40B4-BE49-F238E27FC236}">
-                <a16:creationId xmlns:a16="http://schemas.microsoft.com/office/drawing/2014/main" id="{B905CDE4-B751-4B3E-B625-6E59F8903414}"/>
-              </a:ext>
-              <a:ext uri="{C183D7F6-B498-43B3-948B-1728B52AA6E4}">
-                <adec:decorative xmlns:adec="http://schemas.microsoft.com/office/drawing/2017/decorative" val="1"/>
-              </a:ext>
-            </a:extLst>
-          </p:cNvPr>
-          <p:cNvSpPr>
-            <a:spLocks noGrp="1" noRot="1" noChangeAspect="1" noMove="1" noResize="1" noEditPoints="1" noAdjustHandles="1" noChangeArrowheads="1" noChangeShapeType="1" noTextEdit="1"/>
-          </p:cNvSpPr>
-          <p:nvPr>
-            <p:extLst>
-              <p:ext uri="{386F3935-93C4-4BCD-93E2-E3B085C9AB24}">
-                <p16:designElem xmlns:p16="http://schemas.microsoft.com/office/powerpoint/2015/main" val="1"/>
-              </p:ext>
-            </p:extLst>
-          </p:nvPr>
-        </p:nvSpPr>
-        <p:spPr>
-          <a:xfrm>
-            <a:off x="8114932" y="1"/>
-            <a:ext cx="4077068" cy="3445261"/>
-          </a:xfrm>
-          <a:custGeom>
-            <a:avLst/>
-            <a:gdLst>
-              <a:gd name="connsiteX0" fmla="*/ 250035 w 4077068"/>
-              <a:gd name="connsiteY0" fmla="*/ 0 h 3445261"/>
-              <a:gd name="connsiteX1" fmla="*/ 4077068 w 4077068"/>
-              <a:gd name="connsiteY1" fmla="*/ 0 h 3445261"/>
-              <a:gd name="connsiteX2" fmla="*/ 4077068 w 4077068"/>
-              <a:gd name="connsiteY2" fmla="*/ 2743040 h 3445261"/>
-              <a:gd name="connsiteX3" fmla="*/ 4074154 w 4077068"/>
-              <a:gd name="connsiteY3" fmla="*/ 2746247 h 3445261"/>
-              <a:gd name="connsiteX4" fmla="*/ 2386584 w 4077068"/>
-              <a:gd name="connsiteY4" fmla="*/ 3445261 h 3445261"/>
-              <a:gd name="connsiteX5" fmla="*/ 0 w 4077068"/>
-              <a:gd name="connsiteY5" fmla="*/ 1058677 h 3445261"/>
-              <a:gd name="connsiteX6" fmla="*/ 187550 w 4077068"/>
-              <a:gd name="connsiteY6" fmla="*/ 129711 h 3445261"/>
-            </a:gdLst>
-            <a:ahLst/>
-            <a:cxnLst>
-              <a:cxn ang="0">
-                <a:pos x="connsiteX0" y="connsiteY0"/>
-              </a:cxn>
-              <a:cxn ang="0">
-                <a:pos x="connsiteX1" y="connsiteY1"/>
-              </a:cxn>
-              <a:cxn ang="0">
-                <a:pos x="connsiteX2" y="connsiteY2"/>
-              </a:cxn>
-              <a:cxn ang="0">
-                <a:pos x="connsiteX3" y="connsiteY3"/>
-              </a:cxn>
-              <a:cxn ang="0">
-                <a:pos x="connsiteX4" y="connsiteY4"/>
-              </a:cxn>
-              <a:cxn ang="0">
-                <a:pos x="connsiteX5" y="connsiteY5"/>
-              </a:cxn>
-              <a:cxn ang="0">
-                <a:pos x="connsiteX6" y="connsiteY6"/>
-              </a:cxn>
-            </a:cxnLst>
-            <a:rect l="l" t="t" r="r" b="b"/>
-            <a:pathLst>
-              <a:path w="4077068" h="3445261">
-                <a:moveTo>
-                  <a:pt x="250035" y="0"/>
-                </a:moveTo>
-                <a:lnTo>
-                  <a:pt x="4077068" y="0"/>
-                </a:lnTo>
-                <a:lnTo>
-                  <a:pt x="4077068" y="2743040"/>
-                </a:lnTo>
-                <a:lnTo>
-                  <a:pt x="4074154" y="2746247"/>
-                </a:lnTo>
-                <a:cubicBezTo>
-                  <a:pt x="3642267" y="3178134"/>
-                  <a:pt x="3045621" y="3445261"/>
-                  <a:pt x="2386584" y="3445261"/>
-                </a:cubicBezTo>
-                <a:cubicBezTo>
-                  <a:pt x="1068510" y="3445261"/>
-                  <a:pt x="0" y="2376751"/>
-                  <a:pt x="0" y="1058677"/>
-                </a:cubicBezTo>
-                <a:cubicBezTo>
-                  <a:pt x="0" y="729159"/>
-                  <a:pt x="66782" y="415238"/>
-                  <a:pt x="187550" y="129711"/>
-                </a:cubicBezTo>
-                <a:close/>
-              </a:path>
-            </a:pathLst>
-          </a:custGeom>
-          <a:solidFill>
-            <a:srgbClr val="FFFFFF">
-              <a:alpha val="80000"/>
-            </a:srgbClr>
-          </a:solidFill>
-          <a:ln>
-            <a:noFill/>
-          </a:ln>
-        </p:spPr>
-        <p:style>
-          <a:lnRef idx="2">
-            <a:schemeClr val="accent1">
-              <a:shade val="50000"/>
-            </a:schemeClr>
-          </a:lnRef>
-          <a:fillRef idx="1">
-            <a:schemeClr val="accent1"/>
-          </a:fillRef>
-          <a:effectRef idx="0">
-            <a:schemeClr val="accent1"/>
-          </a:effectRef>
-          <a:fontRef idx="minor">
-            <a:schemeClr val="lt1"/>
-          </a:fontRef>
-        </p:style>
-        <p:txBody>
-          <a:bodyPr wrap="square" rtlCol="0" anchor="ctr">
-            <a:noAutofit/>
-          </a:bodyPr>
-          <a:lstStyle/>
-          <a:p>
-            <a:pPr marL="0" marR="0" lvl="0" indent="0" algn="ctr" defTabSz="914400" rtl="0" eaLnBrk="1" fontAlgn="auto" latinLnBrk="0" hangingPunct="1">
-              <a:lnSpc>
-                <a:spcPct val="100000"/>
-              </a:lnSpc>
-              <a:spcBef>
-                <a:spcPts val="0"/>
-              </a:spcBef>
-              <a:spcAft>
-                <a:spcPts val="0"/>
-              </a:spcAft>
-              <a:buClrTx/>
-              <a:buSzTx/>
-              <a:buFontTx/>
-              <a:buNone/>
-              <a:tabLst/>
-              <a:defRPr/>
-            </a:pPr>
-            <a:endParaRPr kumimoji="0" lang="en-US" sz="1800" b="0" i="0" u="none" strike="noStrike" kern="1200" cap="none" spc="0" normalizeH="0" baseline="0" noProof="0">
-              <a:ln>
-                <a:noFill/>
-              </a:ln>
-              <a:solidFill>
-                <a:prstClr val="white"/>
-              </a:solidFill>
-              <a:effectLst/>
-              <a:uLnTx/>
-              <a:uFillTx/>
-              <a:latin typeface="Calibri" panose="020F0502020204030204"/>
-              <a:ea typeface="+mn-ea"/>
-              <a:cs typeface="+mn-cs"/>
-            </a:endParaRPr>
-          </a:p>
-        </p:txBody>
-      </p:sp>
-      <p:sp>
-        <p:nvSpPr>
-          <p:cNvPr id="36" name="Oval 35">
-            <a:extLst>
-              <a:ext uri="{FF2B5EF4-FFF2-40B4-BE49-F238E27FC236}">
-                <a16:creationId xmlns:a16="http://schemas.microsoft.com/office/drawing/2014/main" id="{08108C16-F4C0-44AA-999D-17BD39219B24}"/>
-              </a:ext>
-              <a:ext uri="{C183D7F6-B498-43B3-948B-1728B52AA6E4}">
-                <adec:decorative xmlns:adec="http://schemas.microsoft.com/office/drawing/2017/decorative" val="1"/>
-              </a:ext>
-            </a:extLst>
-          </p:cNvPr>
-          <p:cNvSpPr>
-            <a:spLocks noGrp="1" noRot="1" noChangeAspect="1" noMove="1" noResize="1" noEditPoints="1" noAdjustHandles="1" noChangeArrowheads="1" noChangeShapeType="1" noTextEdit="1"/>
-          </p:cNvSpPr>
-          <p:nvPr>
-            <p:extLst>
-              <p:ext uri="{386F3935-93C4-4BCD-93E2-E3B085C9AB24}">
-                <p16:designElem xmlns:p16="http://schemas.microsoft.com/office/powerpoint/2015/main" val="1"/>
-              </p:ext>
-            </p:extLst>
-          </p:nvPr>
-        </p:nvSpPr>
-        <p:spPr>
-          <a:xfrm>
-            <a:off x="5769196" y="2550745"/>
-            <a:ext cx="3072384" cy="3072384"/>
-          </a:xfrm>
-          <a:prstGeom prst="ellipse">
-            <a:avLst/>
-          </a:prstGeom>
-          <a:solidFill>
-            <a:srgbClr val="FFFFFF">
-              <a:alpha val="80000"/>
-            </a:srgbClr>
-          </a:solidFill>
-          <a:ln>
-            <a:noFill/>
-          </a:ln>
-        </p:spPr>
-        <p:style>
-          <a:lnRef idx="2">
-            <a:schemeClr val="accent1">
-              <a:shade val="50000"/>
-            </a:schemeClr>
-          </a:lnRef>
-          <a:fillRef idx="1">
-            <a:schemeClr val="accent1"/>
-          </a:fillRef>
-          <a:effectRef idx="0">
-            <a:schemeClr val="accent1"/>
-          </a:effectRef>
-          <a:fontRef idx="minor">
-            <a:schemeClr val="lt1"/>
-          </a:fontRef>
-        </p:style>
-        <p:txBody>
-          <a:bodyPr rtlCol="0" anchor="ctr"/>
-          <a:lstStyle/>
-          <a:p>
-            <a:pPr marL="0" marR="0" lvl="0" indent="0" algn="ctr" defTabSz="914400" rtl="0" eaLnBrk="1" fontAlgn="auto" latinLnBrk="0" hangingPunct="1">
-              <a:lnSpc>
-                <a:spcPct val="100000"/>
-              </a:lnSpc>
-              <a:spcBef>
-                <a:spcPts val="0"/>
-              </a:spcBef>
-              <a:spcAft>
-                <a:spcPts val="0"/>
-              </a:spcAft>
-              <a:buClrTx/>
-              <a:buSzTx/>
-              <a:buFontTx/>
-              <a:buNone/>
-              <a:tabLst/>
-              <a:defRPr/>
-            </a:pPr>
-            <a:endParaRPr kumimoji="0" lang="en-US" sz="1800" b="0" i="0" u="none" strike="noStrike" kern="1200" cap="none" spc="0" normalizeH="0" baseline="0" noProof="0">
-              <a:ln>
-                <a:noFill/>
-              </a:ln>
-              <a:solidFill>
-                <a:prstClr val="white"/>
-              </a:solidFill>
-              <a:effectLst/>
-              <a:uLnTx/>
-              <a:uFillTx/>
-              <a:latin typeface="Calibri" panose="020F0502020204030204"/>
-              <a:ea typeface="+mn-ea"/>
-              <a:cs typeface="+mn-cs"/>
-            </a:endParaRPr>
-          </a:p>
-        </p:txBody>
-      </p:sp>
-      <p:sp>
-        <p:nvSpPr>
-          <p:cNvPr id="38" name="Freeform: Shape 37">
-            <a:extLst>
-              <a:ext uri="{FF2B5EF4-FFF2-40B4-BE49-F238E27FC236}">
-                <a16:creationId xmlns:a16="http://schemas.microsoft.com/office/drawing/2014/main" id="{CDC29AC1-2821-4FCC-B597-88DAF39C36FE}"/>
-              </a:ext>
-              <a:ext uri="{C183D7F6-B498-43B3-948B-1728B52AA6E4}">
-                <adec:decorative xmlns:adec="http://schemas.microsoft.com/office/drawing/2017/decorative" val="1"/>
-              </a:ext>
-            </a:extLst>
-          </p:cNvPr>
-          <p:cNvSpPr>
-            <a:spLocks noGrp="1" noRot="1" noChangeAspect="1" noMove="1" noResize="1" noEditPoints="1" noAdjustHandles="1" noChangeArrowheads="1" noChangeShapeType="1" noTextEdit="1"/>
-          </p:cNvSpPr>
-          <p:nvPr>
-            <p:extLst>
-              <p:ext uri="{386F3935-93C4-4BCD-93E2-E3B085C9AB24}">
-                <p16:designElem xmlns:p16="http://schemas.microsoft.com/office/powerpoint/2015/main" val="1"/>
-              </p:ext>
-            </p:extLst>
-          </p:nvPr>
-        </p:nvSpPr>
-        <p:spPr>
-          <a:xfrm>
-            <a:off x="1700930" y="4604085"/>
-            <a:ext cx="4281112" cy="2253913"/>
-          </a:xfrm>
-          <a:custGeom>
-            <a:avLst/>
-            <a:gdLst>
-              <a:gd name="connsiteX0" fmla="*/ 2140556 w 4281112"/>
-              <a:gd name="connsiteY0" fmla="*/ 0 h 2253913"/>
-              <a:gd name="connsiteX1" fmla="*/ 4281112 w 4281112"/>
-              <a:gd name="connsiteY1" fmla="*/ 2140556 h 2253913"/>
-              <a:gd name="connsiteX2" fmla="*/ 4275388 w 4281112"/>
-              <a:gd name="connsiteY2" fmla="*/ 2253913 h 2253913"/>
-              <a:gd name="connsiteX3" fmla="*/ 5724 w 4281112"/>
-              <a:gd name="connsiteY3" fmla="*/ 2253913 h 2253913"/>
-              <a:gd name="connsiteX4" fmla="*/ 0 w 4281112"/>
-              <a:gd name="connsiteY4" fmla="*/ 2140556 h 2253913"/>
-              <a:gd name="connsiteX5" fmla="*/ 2140556 w 4281112"/>
-              <a:gd name="connsiteY5" fmla="*/ 0 h 2253913"/>
-            </a:gdLst>
-            <a:ahLst/>
-            <a:cxnLst>
-              <a:cxn ang="0">
-                <a:pos x="connsiteX0" y="connsiteY0"/>
-              </a:cxn>
-              <a:cxn ang="0">
-                <a:pos x="connsiteX1" y="connsiteY1"/>
-              </a:cxn>
-              <a:cxn ang="0">
-                <a:pos x="connsiteX2" y="connsiteY2"/>
-              </a:cxn>
-              <a:cxn ang="0">
-                <a:pos x="connsiteX3" y="connsiteY3"/>
-              </a:cxn>
-              <a:cxn ang="0">
-                <a:pos x="connsiteX4" y="connsiteY4"/>
-              </a:cxn>
-              <a:cxn ang="0">
-                <a:pos x="connsiteX5" y="connsiteY5"/>
-              </a:cxn>
-            </a:cxnLst>
-            <a:rect l="l" t="t" r="r" b="b"/>
-            <a:pathLst>
-              <a:path w="4281112" h="2253913">
-                <a:moveTo>
-                  <a:pt x="2140556" y="0"/>
-                </a:moveTo>
-                <a:cubicBezTo>
-                  <a:pt x="3322752" y="0"/>
-                  <a:pt x="4281112" y="958360"/>
-                  <a:pt x="4281112" y="2140556"/>
-                </a:cubicBezTo>
-                <a:lnTo>
-                  <a:pt x="4275388" y="2253913"/>
-                </a:lnTo>
-                <a:lnTo>
-                  <a:pt x="5724" y="2253913"/>
-                </a:lnTo>
-                <a:lnTo>
-                  <a:pt x="0" y="2140556"/>
-                </a:lnTo>
-                <a:cubicBezTo>
-                  <a:pt x="0" y="958360"/>
-                  <a:pt x="958360" y="0"/>
-                  <a:pt x="2140556" y="0"/>
-                </a:cubicBezTo>
-                <a:close/>
-              </a:path>
-            </a:pathLst>
-          </a:custGeom>
-          <a:solidFill>
-            <a:srgbClr val="FFFFFF">
-              <a:alpha val="80000"/>
-            </a:srgbClr>
-          </a:solidFill>
-          <a:ln>
-            <a:noFill/>
-          </a:ln>
-        </p:spPr>
-        <p:style>
-          <a:lnRef idx="2">
-            <a:schemeClr val="accent1">
-              <a:shade val="50000"/>
-            </a:schemeClr>
-          </a:lnRef>
-          <a:fillRef idx="1">
-            <a:schemeClr val="accent1"/>
-          </a:fillRef>
-          <a:effectRef idx="0">
-            <a:schemeClr val="accent1"/>
-          </a:effectRef>
-          <a:fontRef idx="minor">
-            <a:schemeClr val="lt1"/>
-          </a:fontRef>
-        </p:style>
-        <p:txBody>
-          <a:bodyPr wrap="square" rtlCol="0" anchor="ctr">
-            <a:noAutofit/>
-          </a:bodyPr>
-          <a:lstStyle/>
-          <a:p>
-            <a:pPr marL="0" marR="0" lvl="0" indent="0" algn="ctr" defTabSz="914400" rtl="0" eaLnBrk="1" fontAlgn="auto" latinLnBrk="0" hangingPunct="1">
-              <a:lnSpc>
-                <a:spcPct val="100000"/>
-              </a:lnSpc>
-              <a:spcBef>
-                <a:spcPts val="0"/>
-              </a:spcBef>
-              <a:spcAft>
-                <a:spcPts val="0"/>
-              </a:spcAft>
-              <a:buClrTx/>
-              <a:buSzTx/>
-              <a:buFontTx/>
-              <a:buNone/>
-              <a:tabLst/>
-              <a:defRPr/>
-            </a:pPr>
-            <a:endParaRPr kumimoji="0" lang="en-US" sz="1800" b="0" i="0" u="none" strike="noStrike" kern="1200" cap="none" spc="0" normalizeH="0" baseline="0" noProof="0">
-              <a:ln>
-                <a:noFill/>
-              </a:ln>
-              <a:solidFill>
-                <a:prstClr val="white"/>
-              </a:solidFill>
-              <a:effectLst/>
-              <a:uLnTx/>
-              <a:uFillTx/>
-              <a:latin typeface="Calibri" panose="020F0502020204030204"/>
-              <a:ea typeface="+mn-ea"/>
-              <a:cs typeface="+mn-cs"/>
-            </a:endParaRPr>
-          </a:p>
-        </p:txBody>
-      </p:sp>
-      <p:sp>
-        <p:nvSpPr>
-          <p:cNvPr id="40" name="Freeform: Shape 39">
-            <a:extLst>
-              <a:ext uri="{FF2B5EF4-FFF2-40B4-BE49-F238E27FC236}">
-                <a16:creationId xmlns:a16="http://schemas.microsoft.com/office/drawing/2014/main" id="{0640CCAE-325C-4DD0-BB26-38BF690F3BBB}"/>
-              </a:ext>
-              <a:ext uri="{C183D7F6-B498-43B3-948B-1728B52AA6E4}">
-                <adec:decorative xmlns:adec="http://schemas.microsoft.com/office/drawing/2017/decorative" val="1"/>
-              </a:ext>
-            </a:extLst>
-          </p:cNvPr>
-          <p:cNvSpPr>
-            <a:spLocks noGrp="1" noRot="1" noChangeAspect="1" noMove="1" noResize="1" noEditPoints="1" noAdjustHandles="1" noChangeArrowheads="1" noChangeShapeType="1" noTextEdit="1"/>
-          </p:cNvSpPr>
-          <p:nvPr>
-            <p:extLst>
-              <p:ext uri="{386F3935-93C4-4BCD-93E2-E3B085C9AB24}">
-                <p16:designElem xmlns:p16="http://schemas.microsoft.com/office/powerpoint/2015/main" val="1"/>
-              </p:ext>
-            </p:extLst>
-          </p:nvPr>
-        </p:nvSpPr>
-        <p:spPr>
-          <a:xfrm>
-            <a:off x="0" y="4250935"/>
-            <a:ext cx="1732108" cy="2175118"/>
-          </a:xfrm>
-          <a:custGeom>
-            <a:avLst/>
-            <a:gdLst>
-              <a:gd name="connsiteX0" fmla="*/ 644549 w 1732108"/>
-              <a:gd name="connsiteY0" fmla="*/ 0 h 2175118"/>
-              <a:gd name="connsiteX1" fmla="*/ 1732108 w 1732108"/>
-              <a:gd name="connsiteY1" fmla="*/ 1087559 h 2175118"/>
-              <a:gd name="connsiteX2" fmla="*/ 644549 w 1732108"/>
-              <a:gd name="connsiteY2" fmla="*/ 2175118 h 2175118"/>
-              <a:gd name="connsiteX3" fmla="*/ 36485 w 1732108"/>
-              <a:gd name="connsiteY3" fmla="*/ 1989380 h 2175118"/>
-              <a:gd name="connsiteX4" fmla="*/ 0 w 1732108"/>
-              <a:gd name="connsiteY4" fmla="*/ 1959278 h 2175118"/>
-              <a:gd name="connsiteX5" fmla="*/ 0 w 1732108"/>
-              <a:gd name="connsiteY5" fmla="*/ 215841 h 2175118"/>
-              <a:gd name="connsiteX6" fmla="*/ 36485 w 1732108"/>
-              <a:gd name="connsiteY6" fmla="*/ 185738 h 2175118"/>
-              <a:gd name="connsiteX7" fmla="*/ 644549 w 1732108"/>
-              <a:gd name="connsiteY7" fmla="*/ 0 h 2175118"/>
-            </a:gdLst>
-            <a:ahLst/>
-            <a:cxnLst>
-              <a:cxn ang="0">
-                <a:pos x="connsiteX0" y="connsiteY0"/>
-              </a:cxn>
-              <a:cxn ang="0">
-                <a:pos x="connsiteX1" y="connsiteY1"/>
-              </a:cxn>
-              <a:cxn ang="0">
-                <a:pos x="connsiteX2" y="connsiteY2"/>
-              </a:cxn>
-              <a:cxn ang="0">
-                <a:pos x="connsiteX3" y="connsiteY3"/>
-              </a:cxn>
-              <a:cxn ang="0">
-                <a:pos x="connsiteX4" y="connsiteY4"/>
-              </a:cxn>
-              <a:cxn ang="0">
-                <a:pos x="connsiteX5" y="connsiteY5"/>
-              </a:cxn>
-              <a:cxn ang="0">
-                <a:pos x="connsiteX6" y="connsiteY6"/>
-              </a:cxn>
-              <a:cxn ang="0">
-                <a:pos x="connsiteX7" y="connsiteY7"/>
-              </a:cxn>
-            </a:cxnLst>
-            <a:rect l="l" t="t" r="r" b="b"/>
-            <a:pathLst>
-              <a:path w="1732108" h="2175118">
-                <a:moveTo>
-                  <a:pt x="644549" y="0"/>
-                </a:moveTo>
-                <a:cubicBezTo>
-                  <a:pt x="1245191" y="0"/>
-                  <a:pt x="1732108" y="486917"/>
-                  <a:pt x="1732108" y="1087559"/>
-                </a:cubicBezTo>
-                <a:cubicBezTo>
-                  <a:pt x="1732108" y="1688201"/>
-                  <a:pt x="1245191" y="2175118"/>
-                  <a:pt x="644549" y="2175118"/>
-                </a:cubicBezTo>
-                <a:cubicBezTo>
-                  <a:pt x="419308" y="2175118"/>
-                  <a:pt x="210060" y="2106646"/>
-                  <a:pt x="36485" y="1989380"/>
-                </a:cubicBezTo>
-                <a:lnTo>
-                  <a:pt x="0" y="1959278"/>
-                </a:lnTo>
-                <a:lnTo>
-                  <a:pt x="0" y="215841"/>
-                </a:lnTo>
-                <a:lnTo>
-                  <a:pt x="36485" y="185738"/>
-                </a:lnTo>
-                <a:cubicBezTo>
-                  <a:pt x="210060" y="68473"/>
-                  <a:pt x="419308" y="0"/>
-                  <a:pt x="644549" y="0"/>
-                </a:cubicBezTo>
-                <a:close/>
-              </a:path>
-            </a:pathLst>
-          </a:custGeom>
-          <a:solidFill>
-            <a:srgbClr val="FFFFFF">
-              <a:alpha val="80000"/>
-            </a:srgbClr>
-          </a:solidFill>
-          <a:ln>
-            <a:noFill/>
-          </a:ln>
-        </p:spPr>
-        <p:style>
-          <a:lnRef idx="2">
-            <a:schemeClr val="accent1">
-              <a:shade val="50000"/>
-            </a:schemeClr>
-          </a:lnRef>
-          <a:fillRef idx="1">
-            <a:schemeClr val="accent1"/>
-          </a:fillRef>
-          <a:effectRef idx="0">
-            <a:schemeClr val="accent1"/>
-          </a:effectRef>
-          <a:fontRef idx="minor">
-            <a:schemeClr val="lt1"/>
-          </a:fontRef>
-        </p:style>
-        <p:txBody>
-          <a:bodyPr wrap="square" rtlCol="0" anchor="ctr">
-            <a:noAutofit/>
-          </a:bodyPr>
-          <a:lstStyle/>
-          <a:p>
-            <a:pPr marL="0" marR="0" lvl="0" indent="0" algn="ctr" defTabSz="914400" rtl="0" eaLnBrk="1" fontAlgn="auto" latinLnBrk="0" hangingPunct="1">
-              <a:lnSpc>
-                <a:spcPct val="100000"/>
-              </a:lnSpc>
-              <a:spcBef>
-                <a:spcPts val="0"/>
-              </a:spcBef>
-              <a:spcAft>
-                <a:spcPts val="0"/>
-              </a:spcAft>
-              <a:buClrTx/>
-              <a:buSzTx/>
-              <a:buFontTx/>
-              <a:buNone/>
-              <a:tabLst/>
-              <a:defRPr/>
-            </a:pPr>
-            <a:endParaRPr kumimoji="0" lang="en-US" sz="1800" b="0" i="0" u="none" strike="noStrike" kern="1200" cap="none" spc="0" normalizeH="0" baseline="0" noProof="0">
-              <a:ln>
-                <a:noFill/>
-              </a:ln>
-              <a:solidFill>
-                <a:prstClr val="white"/>
-              </a:solidFill>
-              <a:effectLst/>
-              <a:uLnTx/>
-              <a:uFillTx/>
-              <a:latin typeface="Calibri" panose="020F0502020204030204"/>
-              <a:ea typeface="+mn-ea"/>
-              <a:cs typeface="+mn-cs"/>
-            </a:endParaRPr>
-          </a:p>
-        </p:txBody>
-      </p:sp>
-      <p:sp>
-        <p:nvSpPr>
-          <p:cNvPr id="42" name="Freeform: Shape 41">
-            <a:extLst>
-              <a:ext uri="{FF2B5EF4-FFF2-40B4-BE49-F238E27FC236}">
-                <a16:creationId xmlns:a16="http://schemas.microsoft.com/office/drawing/2014/main" id="{49AC9A43-F5C5-4703-A0F0-78CBB9542E37}"/>
-              </a:ext>
-              <a:ext uri="{C183D7F6-B498-43B3-948B-1728B52AA6E4}">
-                <adec:decorative xmlns:adec="http://schemas.microsoft.com/office/drawing/2017/decorative" val="1"/>
-              </a:ext>
-            </a:extLst>
-          </p:cNvPr>
-          <p:cNvSpPr>
-            <a:spLocks noGrp="1" noRot="1" noChangeAspect="1" noMove="1" noResize="1" noEditPoints="1" noAdjustHandles="1" noChangeArrowheads="1" noChangeShapeType="1" noTextEdit="1"/>
-          </p:cNvSpPr>
-          <p:nvPr>
-            <p:extLst>
-              <p:ext uri="{386F3935-93C4-4BCD-93E2-E3B085C9AB24}">
-                <p16:designElem xmlns:p16="http://schemas.microsoft.com/office/powerpoint/2015/main" val="1"/>
-              </p:ext>
-            </p:extLst>
-          </p:nvPr>
-        </p:nvSpPr>
-        <p:spPr>
-          <a:xfrm>
-            <a:off x="0" y="4414950"/>
-            <a:ext cx="1568092" cy="1847088"/>
-          </a:xfrm>
-          <a:custGeom>
-            <a:avLst/>
-            <a:gdLst>
-              <a:gd name="connsiteX0" fmla="*/ 644548 w 1568092"/>
-              <a:gd name="connsiteY0" fmla="*/ 0 h 1847088"/>
-              <a:gd name="connsiteX1" fmla="*/ 1568092 w 1568092"/>
-              <a:gd name="connsiteY1" fmla="*/ 923544 h 1847088"/>
-              <a:gd name="connsiteX2" fmla="*/ 644548 w 1568092"/>
-              <a:gd name="connsiteY2" fmla="*/ 1847088 h 1847088"/>
-              <a:gd name="connsiteX3" fmla="*/ 128186 w 1568092"/>
-              <a:gd name="connsiteY3" fmla="*/ 1689361 h 1847088"/>
-              <a:gd name="connsiteX4" fmla="*/ 0 w 1568092"/>
-              <a:gd name="connsiteY4" fmla="*/ 1583598 h 1847088"/>
-              <a:gd name="connsiteX5" fmla="*/ 0 w 1568092"/>
-              <a:gd name="connsiteY5" fmla="*/ 263490 h 1847088"/>
-              <a:gd name="connsiteX6" fmla="*/ 128186 w 1568092"/>
-              <a:gd name="connsiteY6" fmla="*/ 157727 h 1847088"/>
-              <a:gd name="connsiteX7" fmla="*/ 644548 w 1568092"/>
-              <a:gd name="connsiteY7" fmla="*/ 0 h 1847088"/>
-            </a:gdLst>
-            <a:ahLst/>
-            <a:cxnLst>
-              <a:cxn ang="0">
-                <a:pos x="connsiteX0" y="connsiteY0"/>
-              </a:cxn>
-              <a:cxn ang="0">
-                <a:pos x="connsiteX1" y="connsiteY1"/>
-              </a:cxn>
-              <a:cxn ang="0">
-                <a:pos x="connsiteX2" y="connsiteY2"/>
-              </a:cxn>
-              <a:cxn ang="0">
-                <a:pos x="connsiteX3" y="connsiteY3"/>
-              </a:cxn>
-              <a:cxn ang="0">
-                <a:pos x="connsiteX4" y="connsiteY4"/>
-              </a:cxn>
-              <a:cxn ang="0">
-                <a:pos x="connsiteX5" y="connsiteY5"/>
-              </a:cxn>
-              <a:cxn ang="0">
-                <a:pos x="connsiteX6" y="connsiteY6"/>
-              </a:cxn>
-              <a:cxn ang="0">
-                <a:pos x="connsiteX7" y="connsiteY7"/>
-              </a:cxn>
-            </a:cxnLst>
-            <a:rect l="l" t="t" r="r" b="b"/>
-            <a:pathLst>
-              <a:path w="1568092" h="1847088">
-                <a:moveTo>
-                  <a:pt x="644548" y="0"/>
-                </a:moveTo>
-                <a:cubicBezTo>
-                  <a:pt x="1154607" y="0"/>
-                  <a:pt x="1568092" y="413485"/>
-                  <a:pt x="1568092" y="923544"/>
-                </a:cubicBezTo>
-                <a:cubicBezTo>
-                  <a:pt x="1568092" y="1433603"/>
-                  <a:pt x="1154607" y="1847088"/>
-                  <a:pt x="644548" y="1847088"/>
-                </a:cubicBezTo>
-                <a:cubicBezTo>
-                  <a:pt x="453276" y="1847088"/>
-                  <a:pt x="275584" y="1788942"/>
-                  <a:pt x="128186" y="1689361"/>
-                </a:cubicBezTo>
-                <a:lnTo>
-                  <a:pt x="0" y="1583598"/>
-                </a:lnTo>
-                <a:lnTo>
-                  <a:pt x="0" y="263490"/>
-                </a:lnTo>
-                <a:lnTo>
-                  <a:pt x="128186" y="157727"/>
-                </a:lnTo>
-                <a:cubicBezTo>
-                  <a:pt x="275584" y="58147"/>
-                  <a:pt x="453276" y="0"/>
-                  <a:pt x="644548" y="0"/>
-                </a:cubicBezTo>
-                <a:close/>
-              </a:path>
-            </a:pathLst>
-          </a:custGeom>
-          <a:solidFill>
-            <a:schemeClr val="tx1"/>
-          </a:solidFill>
-          <a:ln>
-            <a:noFill/>
-          </a:ln>
-        </p:spPr>
-        <p:style>
-          <a:lnRef idx="2">
-            <a:schemeClr val="accent1">
-              <a:shade val="50000"/>
-            </a:schemeClr>
-          </a:lnRef>
-          <a:fillRef idx="1">
-            <a:schemeClr val="accent1"/>
-          </a:fillRef>
-          <a:effectRef idx="0">
-            <a:schemeClr val="accent1"/>
-          </a:effectRef>
-          <a:fontRef idx="minor">
-            <a:schemeClr val="lt1"/>
-          </a:fontRef>
-        </p:style>
-        <p:txBody>
-          <a:bodyPr wrap="square" rtlCol="0" anchor="ctr">
-            <a:noAutofit/>
-          </a:bodyPr>
-          <a:lstStyle/>
-          <a:p>
-            <a:pPr algn="ctr"/>
-            <a:endParaRPr lang="en-US"/>
-          </a:p>
-        </p:txBody>
-      </p:sp>
-      <p:pic>
-        <p:nvPicPr>
-          <p:cNvPr id="13" name="Picture 12" descr="A black and white image of a flask&#10;&#10;AI-generated content may be incorrect.">
-            <a:extLst>
-              <a:ext uri="{FF2B5EF4-FFF2-40B4-BE49-F238E27FC236}">
-                <a16:creationId xmlns:a16="http://schemas.microsoft.com/office/drawing/2014/main" id="{12141A65-1FD9-C7DB-11DA-B2D350BD1FF3}"/>
-              </a:ext>
-            </a:extLst>
-          </p:cNvPr>
-          <p:cNvPicPr>
-            <a:picLocks noChangeAspect="1"/>
-          </p:cNvPicPr>
-          <p:nvPr/>
-        </p:nvPicPr>
-        <p:blipFill>
-          <a:blip r:embed="rId3"/>
-          <a:stretch>
-            <a:fillRect/>
-          </a:stretch>
-        </p:blipFill>
-        <p:spPr>
-          <a:xfrm>
-            <a:off x="143351" y="4794931"/>
-            <a:ext cx="1067540" cy="1122053"/>
-          </a:xfrm>
-          <a:prstGeom prst="roundRect">
-            <a:avLst>
-              <a:gd name="adj" fmla="val 8594"/>
-            </a:avLst>
-          </a:prstGeom>
-          <a:solidFill>
-            <a:srgbClr val="FFFFFF">
-              <a:shade val="85000"/>
-            </a:srgbClr>
-          </a:solidFill>
-          <a:ln>
-            <a:noFill/>
-          </a:ln>
-          <a:effectLst>
-            <a:reflection blurRad="12700" stA="38000" endPos="28000" dist="5000" dir="5400000" sy="-100000" algn="bl" rotWithShape="0"/>
-          </a:effectLst>
-        </p:spPr>
-      </p:pic>
-      <p:sp>
-        <p:nvSpPr>
-          <p:cNvPr id="44" name="Freeform: Shape 43">
-            <a:extLst>
-              <a:ext uri="{FF2B5EF4-FFF2-40B4-BE49-F238E27FC236}">
-                <a16:creationId xmlns:a16="http://schemas.microsoft.com/office/drawing/2014/main" id="{BE28351C-7EEF-428E-9B7A-5CC84F336216}"/>
-              </a:ext>
-              <a:ext uri="{C183D7F6-B498-43B3-948B-1728B52AA6E4}">
-                <adec:decorative xmlns:adec="http://schemas.microsoft.com/office/drawing/2017/decorative" val="1"/>
-              </a:ext>
-            </a:extLst>
-          </p:cNvPr>
-          <p:cNvSpPr>
-            <a:spLocks noGrp="1" noRot="1" noChangeAspect="1" noMove="1" noResize="1" noEditPoints="1" noAdjustHandles="1" noChangeArrowheads="1" noChangeShapeType="1" noTextEdit="1"/>
-          </p:cNvSpPr>
-          <p:nvPr>
-            <p:extLst>
-              <p:ext uri="{386F3935-93C4-4BCD-93E2-E3B085C9AB24}">
-                <p16:designElem xmlns:p16="http://schemas.microsoft.com/office/powerpoint/2015/main" val="1"/>
-              </p:ext>
-            </p:extLst>
-          </p:nvPr>
-        </p:nvSpPr>
-        <p:spPr>
-          <a:xfrm>
-            <a:off x="1866382" y="4769538"/>
-            <a:ext cx="3950208" cy="2088462"/>
-          </a:xfrm>
-          <a:custGeom>
-            <a:avLst/>
-            <a:gdLst>
-              <a:gd name="connsiteX0" fmla="*/ 1975104 w 3950208"/>
-              <a:gd name="connsiteY0" fmla="*/ 0 h 2088462"/>
-              <a:gd name="connsiteX1" fmla="*/ 3950208 w 3950208"/>
-              <a:gd name="connsiteY1" fmla="*/ 1975104 h 2088462"/>
-              <a:gd name="connsiteX2" fmla="*/ 3944484 w 3950208"/>
-              <a:gd name="connsiteY2" fmla="*/ 2088462 h 2088462"/>
-              <a:gd name="connsiteX3" fmla="*/ 5724 w 3950208"/>
-              <a:gd name="connsiteY3" fmla="*/ 2088462 h 2088462"/>
-              <a:gd name="connsiteX4" fmla="*/ 0 w 3950208"/>
-              <a:gd name="connsiteY4" fmla="*/ 1975104 h 2088462"/>
-              <a:gd name="connsiteX5" fmla="*/ 1975104 w 3950208"/>
-              <a:gd name="connsiteY5" fmla="*/ 0 h 2088462"/>
-            </a:gdLst>
-            <a:ahLst/>
-            <a:cxnLst>
-              <a:cxn ang="0">
-                <a:pos x="connsiteX0" y="connsiteY0"/>
-              </a:cxn>
-              <a:cxn ang="0">
-                <a:pos x="connsiteX1" y="connsiteY1"/>
-              </a:cxn>
-              <a:cxn ang="0">
-                <a:pos x="connsiteX2" y="connsiteY2"/>
-              </a:cxn>
-              <a:cxn ang="0">
-                <a:pos x="connsiteX3" y="connsiteY3"/>
-              </a:cxn>
-              <a:cxn ang="0">
-                <a:pos x="connsiteX4" y="connsiteY4"/>
-              </a:cxn>
-              <a:cxn ang="0">
-                <a:pos x="connsiteX5" y="connsiteY5"/>
-              </a:cxn>
-            </a:cxnLst>
-            <a:rect l="l" t="t" r="r" b="b"/>
-            <a:pathLst>
-              <a:path w="3950208" h="2088462">
-                <a:moveTo>
-                  <a:pt x="1975104" y="0"/>
-                </a:moveTo>
-                <a:cubicBezTo>
-                  <a:pt x="3065924" y="0"/>
-                  <a:pt x="3950208" y="884284"/>
-                  <a:pt x="3950208" y="1975104"/>
-                </a:cubicBezTo>
-                <a:lnTo>
-                  <a:pt x="3944484" y="2088462"/>
-                </a:lnTo>
-                <a:lnTo>
-                  <a:pt x="5724" y="2088462"/>
-                </a:lnTo>
-                <a:lnTo>
-                  <a:pt x="0" y="1975104"/>
-                </a:lnTo>
-                <a:cubicBezTo>
-                  <a:pt x="0" y="884284"/>
-                  <a:pt x="884284" y="0"/>
-                  <a:pt x="1975104" y="0"/>
-                </a:cubicBezTo>
-                <a:close/>
-              </a:path>
-            </a:pathLst>
-          </a:custGeom>
-          <a:solidFill>
-            <a:schemeClr val="tx1"/>
-          </a:solidFill>
-          <a:ln>
-            <a:noFill/>
-          </a:ln>
-        </p:spPr>
-        <p:style>
-          <a:lnRef idx="2">
-            <a:schemeClr val="accent1">
-              <a:shade val="50000"/>
-            </a:schemeClr>
-          </a:lnRef>
-          <a:fillRef idx="1">
-            <a:schemeClr val="accent1"/>
-          </a:fillRef>
-          <a:effectRef idx="0">
-            <a:schemeClr val="accent1"/>
-          </a:effectRef>
-          <a:fontRef idx="minor">
-            <a:schemeClr val="lt1"/>
-          </a:fontRef>
-        </p:style>
-        <p:txBody>
-          <a:bodyPr wrap="square" rtlCol="0" anchor="ctr">
-            <a:noAutofit/>
-          </a:bodyPr>
-          <a:lstStyle/>
-          <a:p>
-            <a:pPr algn="ctr"/>
-            <a:endParaRPr lang="en-US"/>
-          </a:p>
-        </p:txBody>
-      </p:sp>
-      <p:pic>
-        <p:nvPicPr>
-          <p:cNvPr id="7" name="Picture 6" descr="A logo with a red and yellow flame&#10;&#10;AI-generated content may be incorrect.">
-            <a:extLst>
-              <a:ext uri="{FF2B5EF4-FFF2-40B4-BE49-F238E27FC236}">
-                <a16:creationId xmlns:a16="http://schemas.microsoft.com/office/drawing/2014/main" id="{A161FF25-3CEB-3064-EF40-F7A8FEFF8627}"/>
-              </a:ext>
-            </a:extLst>
-          </p:cNvPr>
-          <p:cNvPicPr>
-            <a:picLocks noChangeAspect="1"/>
-          </p:cNvPicPr>
-          <p:nvPr/>
-        </p:nvPicPr>
-        <p:blipFill>
-          <a:blip r:embed="rId4"/>
-          <a:stretch>
-            <a:fillRect/>
-          </a:stretch>
-        </p:blipFill>
-        <p:spPr>
-          <a:xfrm>
-            <a:off x="6429530" y="3276384"/>
-            <a:ext cx="1751717" cy="1621106"/>
-          </a:xfrm>
-          <a:prstGeom prst="roundRect">
-            <a:avLst>
-              <a:gd name="adj" fmla="val 8594"/>
-            </a:avLst>
-          </a:prstGeom>
-          <a:solidFill>
-            <a:srgbClr val="FFFFFF">
-              <a:shade val="85000"/>
-            </a:srgbClr>
-          </a:solidFill>
-          <a:ln>
-            <a:noFill/>
-          </a:ln>
-          <a:effectLst>
-            <a:reflection blurRad="12700" stA="38000" endPos="28000" dist="5000" dir="5400000" sy="-100000" algn="bl" rotWithShape="0"/>
-          </a:effectLst>
-        </p:spPr>
-      </p:pic>
-      <p:pic>
-        <p:nvPicPr>
-          <p:cNvPr id="17" name="Picture 16" descr="A black and white logo&#10;&#10;AI-generated content may be incorrect.">
-            <a:extLst>
-              <a:ext uri="{FF2B5EF4-FFF2-40B4-BE49-F238E27FC236}">
-                <a16:creationId xmlns:a16="http://schemas.microsoft.com/office/drawing/2014/main" id="{901AFFA6-ADEC-1179-1C94-5122FC67E13C}"/>
-              </a:ext>
-            </a:extLst>
-          </p:cNvPr>
-          <p:cNvPicPr>
-            <a:picLocks noChangeAspect="1"/>
-          </p:cNvPicPr>
-          <p:nvPr/>
-        </p:nvPicPr>
-        <p:blipFill>
-          <a:blip r:embed="rId5"/>
-          <a:stretch>
-            <a:fillRect/>
-          </a:stretch>
-        </p:blipFill>
-        <p:spPr>
-          <a:xfrm>
-            <a:off x="2620499" y="5498684"/>
-            <a:ext cx="2394581" cy="670482"/>
-          </a:xfrm>
-          <a:prstGeom prst="roundRect">
-            <a:avLst>
-              <a:gd name="adj" fmla="val 8594"/>
-            </a:avLst>
-          </a:prstGeom>
-          <a:solidFill>
-            <a:srgbClr val="FFFFFF">
-              <a:shade val="85000"/>
-            </a:srgbClr>
-          </a:solidFill>
-          <a:ln>
-            <a:noFill/>
-          </a:ln>
-          <a:effectLst>
-            <a:reflection blurRad="12700" stA="38000" endPos="28000" dist="5000" dir="5400000" sy="-100000" algn="bl" rotWithShape="0"/>
-          </a:effectLst>
-        </p:spPr>
-      </p:pic>
-      <p:sp>
-        <p:nvSpPr>
-          <p:cNvPr id="46" name="Freeform: Shape 45">
-            <a:extLst>
-              <a:ext uri="{FF2B5EF4-FFF2-40B4-BE49-F238E27FC236}">
-                <a16:creationId xmlns:a16="http://schemas.microsoft.com/office/drawing/2014/main" id="{C8F10CB3-3B5E-4C7A-98CF-B87454DDFA39}"/>
-              </a:ext>
-              <a:ext uri="{C183D7F6-B498-43B3-948B-1728B52AA6E4}">
-                <adec:decorative xmlns:adec="http://schemas.microsoft.com/office/drawing/2017/decorative" val="1"/>
-              </a:ext>
-            </a:extLst>
-          </p:cNvPr>
-          <p:cNvSpPr>
-            <a:spLocks noGrp="1" noRot="1" noChangeAspect="1" noMove="1" noResize="1" noEditPoints="1" noAdjustHandles="1" noChangeArrowheads="1" noChangeShapeType="1" noTextEdit="1"/>
-          </p:cNvSpPr>
-          <p:nvPr>
-            <p:extLst>
-              <p:ext uri="{386F3935-93C4-4BCD-93E2-E3B085C9AB24}">
-                <p16:designElem xmlns:p16="http://schemas.microsoft.com/office/powerpoint/2015/main" val="1"/>
-              </p:ext>
-            </p:extLst>
-          </p:nvPr>
-        </p:nvSpPr>
-        <p:spPr>
-          <a:xfrm>
-            <a:off x="8848370" y="3966828"/>
-            <a:ext cx="3339958" cy="2891173"/>
-          </a:xfrm>
-          <a:custGeom>
-            <a:avLst/>
-            <a:gdLst>
-              <a:gd name="connsiteX0" fmla="*/ 2002536 w 3339958"/>
-              <a:gd name="connsiteY0" fmla="*/ 0 h 2891173"/>
-              <a:gd name="connsiteX1" fmla="*/ 3276335 w 3339958"/>
-              <a:gd name="connsiteY1" fmla="*/ 457282 h 2891173"/>
-              <a:gd name="connsiteX2" fmla="*/ 3339958 w 3339958"/>
-              <a:gd name="connsiteY2" fmla="*/ 515107 h 2891173"/>
-              <a:gd name="connsiteX3" fmla="*/ 3339958 w 3339958"/>
-              <a:gd name="connsiteY3" fmla="*/ 2891173 h 2891173"/>
-              <a:gd name="connsiteX4" fmla="*/ 209954 w 3339958"/>
-              <a:gd name="connsiteY4" fmla="*/ 2891173 h 2891173"/>
-              <a:gd name="connsiteX5" fmla="*/ 157369 w 3339958"/>
-              <a:gd name="connsiteY5" fmla="*/ 2782014 h 2891173"/>
-              <a:gd name="connsiteX6" fmla="*/ 0 w 3339958"/>
-              <a:gd name="connsiteY6" fmla="*/ 2002536 h 2891173"/>
-              <a:gd name="connsiteX7" fmla="*/ 2002536 w 3339958"/>
-              <a:gd name="connsiteY7" fmla="*/ 0 h 2891173"/>
-            </a:gdLst>
-            <a:ahLst/>
-            <a:cxnLst>
-              <a:cxn ang="0">
-                <a:pos x="connsiteX0" y="connsiteY0"/>
-              </a:cxn>
-              <a:cxn ang="0">
-                <a:pos x="connsiteX1" y="connsiteY1"/>
-              </a:cxn>
-              <a:cxn ang="0">
-                <a:pos x="connsiteX2" y="connsiteY2"/>
-              </a:cxn>
-              <a:cxn ang="0">
-                <a:pos x="connsiteX3" y="connsiteY3"/>
-              </a:cxn>
-              <a:cxn ang="0">
-                <a:pos x="connsiteX4" y="connsiteY4"/>
-              </a:cxn>
-              <a:cxn ang="0">
-                <a:pos x="connsiteX5" y="connsiteY5"/>
-              </a:cxn>
-              <a:cxn ang="0">
-                <a:pos x="connsiteX6" y="connsiteY6"/>
-              </a:cxn>
-              <a:cxn ang="0">
-                <a:pos x="connsiteX7" y="connsiteY7"/>
-              </a:cxn>
-            </a:cxnLst>
-            <a:rect l="l" t="t" r="r" b="b"/>
-            <a:pathLst>
-              <a:path w="3339958" h="2891173">
-                <a:moveTo>
-                  <a:pt x="2002536" y="0"/>
-                </a:moveTo>
-                <a:cubicBezTo>
-                  <a:pt x="2486398" y="0"/>
-                  <a:pt x="2930179" y="171609"/>
-                  <a:pt x="3276335" y="457282"/>
-                </a:cubicBezTo>
-                <a:lnTo>
-                  <a:pt x="3339958" y="515107"/>
-                </a:lnTo>
-                <a:lnTo>
-                  <a:pt x="3339958" y="2891173"/>
-                </a:lnTo>
-                <a:lnTo>
-                  <a:pt x="209954" y="2891173"/>
-                </a:lnTo>
-                <a:lnTo>
-                  <a:pt x="157369" y="2782014"/>
-                </a:lnTo>
-                <a:cubicBezTo>
-                  <a:pt x="56036" y="2542434"/>
-                  <a:pt x="0" y="2279029"/>
-                  <a:pt x="0" y="2002536"/>
-                </a:cubicBezTo>
-                <a:cubicBezTo>
-                  <a:pt x="0" y="896566"/>
-                  <a:pt x="896566" y="0"/>
-                  <a:pt x="2002536" y="0"/>
-                </a:cubicBezTo>
-                <a:close/>
-              </a:path>
-            </a:pathLst>
-          </a:custGeom>
-          <a:solidFill>
-            <a:srgbClr val="FFFFFF">
-              <a:alpha val="80000"/>
-            </a:srgbClr>
-          </a:solidFill>
-          <a:ln>
-            <a:noFill/>
-          </a:ln>
-        </p:spPr>
-        <p:style>
-          <a:lnRef idx="2">
-            <a:schemeClr val="accent1">
-              <a:shade val="50000"/>
-            </a:schemeClr>
-          </a:lnRef>
-          <a:fillRef idx="1">
-            <a:schemeClr val="accent1"/>
-          </a:fillRef>
-          <a:effectRef idx="0">
-            <a:schemeClr val="accent1"/>
-          </a:effectRef>
-          <a:fontRef idx="minor">
-            <a:schemeClr val="lt1"/>
-          </a:fontRef>
-        </p:style>
-        <p:txBody>
-          <a:bodyPr wrap="square" rtlCol="0" anchor="ctr">
-            <a:noAutofit/>
-          </a:bodyPr>
-          <a:lstStyle/>
-          <a:p>
-            <a:pPr marL="0" marR="0" lvl="0" indent="0" algn="ctr" defTabSz="914400" rtl="0" eaLnBrk="1" fontAlgn="auto" latinLnBrk="0" hangingPunct="1">
-              <a:lnSpc>
-                <a:spcPct val="100000"/>
-              </a:lnSpc>
-              <a:spcBef>
-                <a:spcPts val="0"/>
-              </a:spcBef>
-              <a:spcAft>
-                <a:spcPts val="0"/>
-              </a:spcAft>
-              <a:buClrTx/>
-              <a:buSzTx/>
-              <a:buFontTx/>
-              <a:buNone/>
-              <a:tabLst/>
-              <a:defRPr/>
-            </a:pPr>
-            <a:endParaRPr kumimoji="0" lang="en-US" sz="1800" b="0" i="0" u="none" strike="noStrike" kern="1200" cap="none" spc="0" normalizeH="0" baseline="0" noProof="0" dirty="0">
-              <a:ln>
-                <a:noFill/>
-              </a:ln>
-              <a:solidFill>
-                <a:prstClr val="white"/>
-              </a:solidFill>
-              <a:effectLst/>
-              <a:uLnTx/>
-              <a:uFillTx/>
-              <a:latin typeface="Calibri" panose="020F0502020204030204"/>
-              <a:ea typeface="+mn-ea"/>
-              <a:cs typeface="+mn-cs"/>
-            </a:endParaRPr>
-          </a:p>
-        </p:txBody>
-      </p:sp>
-      <p:sp>
-        <p:nvSpPr>
-          <p:cNvPr id="48" name="Freeform: Shape 47">
-            <a:extLst>
-              <a:ext uri="{FF2B5EF4-FFF2-40B4-BE49-F238E27FC236}">
-                <a16:creationId xmlns:a16="http://schemas.microsoft.com/office/drawing/2014/main" id="{B0B0DBC8-B5F0-40AE-A3D3-BCD504119D4C}"/>
-              </a:ext>
-              <a:ext uri="{C183D7F6-B498-43B3-948B-1728B52AA6E4}">
-                <adec:decorative xmlns:adec="http://schemas.microsoft.com/office/drawing/2017/decorative" val="1"/>
-              </a:ext>
-            </a:extLst>
-          </p:cNvPr>
-          <p:cNvSpPr>
-            <a:spLocks noGrp="1" noRot="1" noChangeAspect="1" noMove="1" noResize="1" noEditPoints="1" noAdjustHandles="1" noChangeArrowheads="1" noChangeShapeType="1" noTextEdit="1"/>
-          </p:cNvSpPr>
-          <p:nvPr>
-            <p:extLst>
-              <p:ext uri="{386F3935-93C4-4BCD-93E2-E3B085C9AB24}">
-                <p16:designElem xmlns:p16="http://schemas.microsoft.com/office/powerpoint/2015/main" val="1"/>
-              </p:ext>
-            </p:extLst>
-          </p:nvPr>
-        </p:nvSpPr>
-        <p:spPr>
-          <a:xfrm>
-            <a:off x="9009416" y="4131546"/>
-            <a:ext cx="3178912" cy="2726454"/>
-          </a:xfrm>
-          <a:custGeom>
-            <a:avLst/>
-            <a:gdLst>
-              <a:gd name="connsiteX0" fmla="*/ 1837818 w 3178912"/>
-              <a:gd name="connsiteY0" fmla="*/ 0 h 2726454"/>
-              <a:gd name="connsiteX1" fmla="*/ 3137352 w 3178912"/>
-              <a:gd name="connsiteY1" fmla="*/ 538285 h 2726454"/>
-              <a:gd name="connsiteX2" fmla="*/ 3178912 w 3178912"/>
-              <a:gd name="connsiteY2" fmla="*/ 584013 h 2726454"/>
-              <a:gd name="connsiteX3" fmla="*/ 3178912 w 3178912"/>
-              <a:gd name="connsiteY3" fmla="*/ 2726454 h 2726454"/>
-              <a:gd name="connsiteX4" fmla="*/ 229483 w 3178912"/>
-              <a:gd name="connsiteY4" fmla="*/ 2726454 h 2726454"/>
-              <a:gd name="connsiteX5" fmla="*/ 221815 w 3178912"/>
-              <a:gd name="connsiteY5" fmla="*/ 2713832 h 2726454"/>
-              <a:gd name="connsiteX6" fmla="*/ 0 w 3178912"/>
-              <a:gd name="connsiteY6" fmla="*/ 1837818 h 2726454"/>
-              <a:gd name="connsiteX7" fmla="*/ 1837818 w 3178912"/>
-              <a:gd name="connsiteY7" fmla="*/ 0 h 2726454"/>
-            </a:gdLst>
-            <a:ahLst/>
-            <a:cxnLst>
-              <a:cxn ang="0">
-                <a:pos x="connsiteX0" y="connsiteY0"/>
-              </a:cxn>
-              <a:cxn ang="0">
-                <a:pos x="connsiteX1" y="connsiteY1"/>
-              </a:cxn>
-              <a:cxn ang="0">
-                <a:pos x="connsiteX2" y="connsiteY2"/>
-              </a:cxn>
-              <a:cxn ang="0">
-                <a:pos x="connsiteX3" y="connsiteY3"/>
-              </a:cxn>
-              <a:cxn ang="0">
-                <a:pos x="connsiteX4" y="connsiteY4"/>
-              </a:cxn>
-              <a:cxn ang="0">
-                <a:pos x="connsiteX5" y="connsiteY5"/>
-              </a:cxn>
-              <a:cxn ang="0">
-                <a:pos x="connsiteX6" y="connsiteY6"/>
-              </a:cxn>
-              <a:cxn ang="0">
-                <a:pos x="connsiteX7" y="connsiteY7"/>
-              </a:cxn>
-            </a:cxnLst>
-            <a:rect l="l" t="t" r="r" b="b"/>
-            <a:pathLst>
-              <a:path w="3178912" h="2726454">
-                <a:moveTo>
-                  <a:pt x="1837818" y="0"/>
-                </a:moveTo>
-                <a:cubicBezTo>
-                  <a:pt x="2345318" y="0"/>
-                  <a:pt x="2804772" y="205705"/>
-                  <a:pt x="3137352" y="538285"/>
-                </a:cubicBezTo>
-                <a:lnTo>
-                  <a:pt x="3178912" y="584013"/>
-                </a:lnTo>
-                <a:lnTo>
-                  <a:pt x="3178912" y="2726454"/>
-                </a:lnTo>
-                <a:lnTo>
-                  <a:pt x="229483" y="2726454"/>
-                </a:lnTo>
-                <a:lnTo>
-                  <a:pt x="221815" y="2713832"/>
-                </a:lnTo>
-                <a:cubicBezTo>
-                  <a:pt x="80353" y="2453425"/>
-                  <a:pt x="0" y="2155005"/>
-                  <a:pt x="0" y="1837818"/>
-                </a:cubicBezTo>
-                <a:cubicBezTo>
-                  <a:pt x="0" y="822819"/>
-                  <a:pt x="822819" y="0"/>
-                  <a:pt x="1837818" y="0"/>
-                </a:cubicBezTo>
-                <a:close/>
-              </a:path>
-            </a:pathLst>
-          </a:custGeom>
-          <a:solidFill>
-            <a:schemeClr val="tx1"/>
-          </a:solidFill>
-          <a:ln>
-            <a:noFill/>
-          </a:ln>
-        </p:spPr>
-        <p:style>
-          <a:lnRef idx="2">
-            <a:schemeClr val="accent1">
-              <a:shade val="50000"/>
-            </a:schemeClr>
-          </a:lnRef>
-          <a:fillRef idx="1">
-            <a:schemeClr val="accent1"/>
-          </a:fillRef>
-          <a:effectRef idx="0">
-            <a:schemeClr val="accent1"/>
-          </a:effectRef>
-          <a:fontRef idx="minor">
-            <a:schemeClr val="lt1"/>
-          </a:fontRef>
-        </p:style>
-        <p:txBody>
-          <a:bodyPr wrap="square" rtlCol="0" anchor="ctr">
-            <a:noAutofit/>
-          </a:bodyPr>
-          <a:lstStyle/>
-          <a:p>
-            <a:pPr algn="ctr"/>
-            <a:endParaRPr lang="en-US"/>
-          </a:p>
-        </p:txBody>
-      </p:sp>
-      <p:pic>
-        <p:nvPicPr>
-          <p:cNvPr id="5" name="Picture 4" descr="A logo with blue and grey triangles&#10;&#10;AI-generated content may be incorrect.">
-            <a:extLst>
-              <a:ext uri="{FF2B5EF4-FFF2-40B4-BE49-F238E27FC236}">
-                <a16:creationId xmlns:a16="http://schemas.microsoft.com/office/drawing/2014/main" id="{B95DA5AC-B391-FFF9-A32E-6D85698BB9CC}"/>
-              </a:ext>
-            </a:extLst>
-          </p:cNvPr>
-          <p:cNvPicPr>
-            <a:picLocks noChangeAspect="1"/>
-          </p:cNvPicPr>
-          <p:nvPr/>
-        </p:nvPicPr>
-        <p:blipFill>
-          <a:blip r:embed="rId6"/>
-          <a:stretch>
-            <a:fillRect/>
-          </a:stretch>
-        </p:blipFill>
-        <p:spPr>
-          <a:xfrm>
-            <a:off x="8840382" y="372878"/>
-            <a:ext cx="3065082" cy="1502293"/>
-          </a:xfrm>
-          <a:prstGeom prst="roundRect">
-            <a:avLst>
-              <a:gd name="adj" fmla="val 8594"/>
-            </a:avLst>
-          </a:prstGeom>
-          <a:solidFill>
-            <a:srgbClr val="FFFFFF">
-              <a:shade val="85000"/>
-            </a:srgbClr>
-          </a:solidFill>
-          <a:ln>
-            <a:noFill/>
-          </a:ln>
-          <a:effectLst>
-            <a:reflection blurRad="12700" stA="38000" endPos="28000" dist="5000" dir="5400000" sy="-100000" algn="bl" rotWithShape="0"/>
-          </a:effectLst>
-        </p:spPr>
-      </p:pic>
-      <p:pic>
-        <p:nvPicPr>
-          <p:cNvPr id="23" name="Picture 22" descr="A close-up of a logo&#10;&#10;AI-generated content may be incorrect.">
-            <a:extLst>
-              <a:ext uri="{FF2B5EF4-FFF2-40B4-BE49-F238E27FC236}">
-                <a16:creationId xmlns:a16="http://schemas.microsoft.com/office/drawing/2014/main" id="{1113C8F1-BAE4-AA38-6BFB-EB55F5A672D8}"/>
-              </a:ext>
-            </a:extLst>
-          </p:cNvPr>
-          <p:cNvPicPr>
-            <a:picLocks noChangeAspect="1"/>
-          </p:cNvPicPr>
-          <p:nvPr/>
-        </p:nvPicPr>
-        <p:blipFill>
-          <a:blip r:embed="rId7"/>
-          <a:stretch>
-            <a:fillRect/>
-          </a:stretch>
-        </p:blipFill>
-        <p:spPr>
-          <a:xfrm>
-            <a:off x="9335466" y="5182729"/>
-            <a:ext cx="2852862" cy="1302393"/>
-          </a:xfrm>
-          <a:prstGeom prst="roundRect">
-            <a:avLst>
-              <a:gd name="adj" fmla="val 8594"/>
-            </a:avLst>
-          </a:prstGeom>
-          <a:solidFill>
-            <a:srgbClr val="FFFFFF">
-              <a:shade val="85000"/>
-            </a:srgbClr>
-          </a:solidFill>
-          <a:ln>
-            <a:noFill/>
-          </a:ln>
-          <a:effectLst>
-            <a:reflection blurRad="12700" stA="38000" endPos="28000" dist="5000" dir="5400000" sy="-100000" algn="bl" rotWithShape="0"/>
-          </a:effectLst>
-        </p:spPr>
-      </p:pic>
-    </p:spTree>
-    <p:extLst>
-      <p:ext uri="{BB962C8B-B14F-4D97-AF65-F5344CB8AC3E}">
-        <p14:creationId xmlns:p14="http://schemas.microsoft.com/office/powerpoint/2010/main" val="29907494"/>
-      </p:ext>
-    </p:extLst>
-  </p:cSld>
-  <p:clrMapOvr>
-    <a:overrideClrMapping bg1="dk1" tx1="lt1" bg2="dk2" tx2="lt2" accent1="accent1" accent2="accent2" accent3="accent3" accent4="accent4" accent5="accent5" accent6="accent6" hlink="hlink" folHlink="folHlink"/>
-  </p:clrMapOvr>
-</p:sld>
-</file>
-
-<file path=ppt/slides/slide23.xml><?xml version="1.0" encoding="utf-8"?>
+<file path=ppt/slides/slide25.xml><?xml version="1.0" encoding="utf-8"?>
 <p:sld xmlns:a="http://schemas.openxmlformats.org/drawingml/2006/main" xmlns:r="http://schemas.openxmlformats.org/officeDocument/2006/relationships" xmlns:p="http://schemas.openxmlformats.org/presentationml/2006/main">
   <p:cSld>
     <p:bg>
@@ -8665,6 +7095,38 @@
       </p:sp>
       <p:sp>
         <p:nvSpPr>
+          <p:cNvPr id="2" name="Title 1">
+            <a:extLst>
+              <a:ext uri="{FF2B5EF4-FFF2-40B4-BE49-F238E27FC236}">
+                <a16:creationId xmlns:a16="http://schemas.microsoft.com/office/drawing/2014/main" id="{12E165E2-3C69-45F4-6D67-A2E66359CE27}"/>
+              </a:ext>
+            </a:extLst>
+          </p:cNvPr>
+          <p:cNvSpPr>
+            <a:spLocks noGrp="1"/>
+          </p:cNvSpPr>
+          <p:nvPr>
+            <p:ph type="title"/>
+          </p:nvPr>
+        </p:nvSpPr>
+        <p:spPr>
+          <a:xfrm>
+            <a:off x="517889" y="4883544"/>
+            <a:ext cx="3876086" cy="1556907"/>
+          </a:xfrm>
+        </p:spPr>
+        <p:txBody>
+          <a:bodyPr vert="horz" lIns="91440" tIns="45720" rIns="91440" bIns="45720" rtlCol="0" anchor="ctr">
+            <a:normAutofit/>
+          </a:bodyPr>
+          <a:lstStyle/>
+          <a:p>
+            <a:endParaRPr lang="en-US" sz="3200"/>
+          </a:p>
+        </p:txBody>
+      </p:sp>
+      <p:sp>
+        <p:nvSpPr>
           <p:cNvPr id="24" name="Rectangle 23">
             <a:extLst>
               <a:ext uri="{FF2B5EF4-FFF2-40B4-BE49-F238E27FC236}">
@@ -8947,7 +7409,7 @@
 </p:sld>
 </file>
 
-<file path=ppt/slides/slide24.xml><?xml version="1.0" encoding="utf-8"?>
+<file path=ppt/slides/slide26.xml><?xml version="1.0" encoding="utf-8"?>
 <p:sld xmlns:a="http://schemas.openxmlformats.org/drawingml/2006/main" xmlns:r="http://schemas.openxmlformats.org/officeDocument/2006/relationships" xmlns:p="http://schemas.openxmlformats.org/presentationml/2006/main">
   <p:cSld>
     <p:bg>
@@ -9465,7 +7927,7 @@
 </p:sld>
 </file>
 
-<file path=ppt/slides/slide25.xml><?xml version="1.0" encoding="utf-8"?>
+<file path=ppt/slides/slide27.xml><?xml version="1.0" encoding="utf-8"?>
 <p:sld xmlns:a="http://schemas.openxmlformats.org/drawingml/2006/main" xmlns:r="http://schemas.openxmlformats.org/officeDocument/2006/relationships" xmlns:p="http://schemas.openxmlformats.org/presentationml/2006/main">
   <p:cSld>
     <p:bg>
@@ -10050,7 +8512,7 @@
 </p:sld>
 </file>
 
-<file path=ppt/slides/slide26.xml><?xml version="1.0" encoding="utf-8"?>
+<file path=ppt/slides/slide28.xml><?xml version="1.0" encoding="utf-8"?>
 <p:sld xmlns:a="http://schemas.openxmlformats.org/drawingml/2006/main" xmlns:r="http://schemas.openxmlformats.org/officeDocument/2006/relationships" xmlns:p="http://schemas.openxmlformats.org/presentationml/2006/main">
   <p:cSld>
     <p:bg>
@@ -10625,7 +9087,7 @@
 </p:sld>
 </file>
 
-<file path=ppt/slides/slide27.xml><?xml version="1.0" encoding="utf-8"?>
+<file path=ppt/slides/slide29.xml><?xml version="1.0" encoding="utf-8"?>
 <p:sld xmlns:a="http://schemas.openxmlformats.org/drawingml/2006/main" xmlns:r="http://schemas.openxmlformats.org/officeDocument/2006/relationships" xmlns:p="http://schemas.openxmlformats.org/presentationml/2006/main">
   <p:cSld>
     <p:bg>
@@ -11149,7 +9611,7 @@
 </p:sld>
 </file>
 
-<file path=ppt/slides/slide28.xml><?xml version="1.0" encoding="utf-8"?>
+<file path=ppt/slides/slide3.xml><?xml version="1.0" encoding="utf-8"?>
 <p:sld xmlns:a="http://schemas.openxmlformats.org/drawingml/2006/main" xmlns:r="http://schemas.openxmlformats.org/officeDocument/2006/relationships" xmlns:p="http://schemas.openxmlformats.org/presentationml/2006/main">
   <p:cSld>
     <p:bg>
@@ -11588,6 +10050,11 @@
               </a:rPr>
               <a:t>Feature Comparison Table</a:t>
             </a:r>
+            <a:endParaRPr lang="en-US" sz="4000" dirty="0">
+              <a:solidFill>
+                <a:srgbClr val="FFFFFF"/>
+              </a:solidFill>
+            </a:endParaRPr>
           </a:p>
         </p:txBody>
       </p:sp>
@@ -11634,7 +10101,193 @@
 </p:sld>
 </file>
 
-<file path=ppt/slides/slide29.xml><?xml version="1.0" encoding="utf-8"?>
+<file path=ppt/slides/slide30.xml><?xml version="1.0" encoding="utf-8"?>
+<p:sld xmlns:a="http://schemas.openxmlformats.org/drawingml/2006/main" xmlns:r="http://schemas.openxmlformats.org/officeDocument/2006/relationships" xmlns:p="http://schemas.openxmlformats.org/presentationml/2006/main">
+  <p:cSld>
+    <p:bg>
+      <p:bgPr>
+        <a:solidFill>
+          <a:schemeClr val="bg1"/>
+        </a:solidFill>
+        <a:effectLst/>
+      </p:bgPr>
+    </p:bg>
+    <p:spTree>
+      <p:nvGrpSpPr>
+        <p:cNvPr id="1" name="">
+          <a:extLst>
+            <a:ext uri="{FF2B5EF4-FFF2-40B4-BE49-F238E27FC236}">
+              <a16:creationId xmlns:a16="http://schemas.microsoft.com/office/drawing/2014/main" id="{AD0B1ACC-02D5-5D7D-917A-84B2874377D7}"/>
+            </a:ext>
+          </a:extLst>
+        </p:cNvPr>
+        <p:cNvGrpSpPr/>
+        <p:nvPr/>
+      </p:nvGrpSpPr>
+      <p:grpSpPr>
+        <a:xfrm>
+          <a:off x="0" y="0"/>
+          <a:ext cx="0" cy="0"/>
+          <a:chOff x="0" y="0"/>
+          <a:chExt cx="0" cy="0"/>
+        </a:xfrm>
+      </p:grpSpPr>
+      <p:sp useBgFill="1">
+        <p:nvSpPr>
+          <p:cNvPr id="35" name="Rectangle 34">
+            <a:extLst>
+              <a:ext uri="{FF2B5EF4-FFF2-40B4-BE49-F238E27FC236}">
+                <a16:creationId xmlns:a16="http://schemas.microsoft.com/office/drawing/2014/main" id="{D4E68339-1B90-44F9-BCC4-4600A6E240A2}"/>
+              </a:ext>
+              <a:ext uri="{C183D7F6-B498-43B3-948B-1728B52AA6E4}">
+                <adec:decorative xmlns:adec="http://schemas.microsoft.com/office/drawing/2017/decorative" val="1"/>
+              </a:ext>
+            </a:extLst>
+          </p:cNvPr>
+          <p:cNvSpPr>
+            <a:spLocks noGrp="1" noRot="1" noChangeAspect="1" noMove="1" noResize="1" noEditPoints="1" noAdjustHandles="1" noChangeArrowheads="1" noChangeShapeType="1" noTextEdit="1"/>
+          </p:cNvSpPr>
+          <p:nvPr>
+            <p:extLst>
+              <p:ext uri="{386F3935-93C4-4BCD-93E2-E3B085C9AB24}">
+                <p16:designElem xmlns:p16="http://schemas.microsoft.com/office/powerpoint/2015/main" val="1"/>
+              </p:ext>
+            </p:extLst>
+          </p:nvPr>
+        </p:nvSpPr>
+        <p:spPr>
+          <a:xfrm>
+            <a:off x="-1" y="0"/>
+            <a:ext cx="12188952" cy="6858000"/>
+          </a:xfrm>
+          <a:prstGeom prst="rect">
+            <a:avLst/>
+          </a:prstGeom>
+          <a:ln>
+            <a:noFill/>
+          </a:ln>
+        </p:spPr>
+        <p:style>
+          <a:lnRef idx="2">
+            <a:schemeClr val="accent1">
+              <a:shade val="50000"/>
+            </a:schemeClr>
+          </a:lnRef>
+          <a:fillRef idx="1">
+            <a:schemeClr val="accent1"/>
+          </a:fillRef>
+          <a:effectRef idx="0">
+            <a:schemeClr val="accent1"/>
+          </a:effectRef>
+          <a:fontRef idx="minor">
+            <a:schemeClr val="lt1"/>
+          </a:fontRef>
+        </p:style>
+        <p:txBody>
+          <a:bodyPr rtlCol="0" anchor="ctr"/>
+          <a:lstStyle/>
+          <a:p>
+            <a:pPr algn="ctr"/>
+            <a:endParaRPr lang="en-US"/>
+          </a:p>
+        </p:txBody>
+      </p:sp>
+      <p:sp>
+        <p:nvSpPr>
+          <p:cNvPr id="2" name="Title 1">
+            <a:extLst>
+              <a:ext uri="{FF2B5EF4-FFF2-40B4-BE49-F238E27FC236}">
+                <a16:creationId xmlns:a16="http://schemas.microsoft.com/office/drawing/2014/main" id="{6608DC91-91BB-715C-8C59-B1E225F67F2B}"/>
+              </a:ext>
+            </a:extLst>
+          </p:cNvPr>
+          <p:cNvSpPr>
+            <a:spLocks noGrp="1"/>
+          </p:cNvSpPr>
+          <p:nvPr>
+            <p:ph type="title"/>
+          </p:nvPr>
+        </p:nvSpPr>
+        <p:spPr>
+          <a:xfrm>
+            <a:off x="1525712" y="2400475"/>
+            <a:ext cx="9142288" cy="2068222"/>
+          </a:xfrm>
+        </p:spPr>
+        <p:txBody>
+          <a:bodyPr vert="horz" lIns="91440" tIns="45720" rIns="91440" bIns="45720" rtlCol="0" anchor="b">
+            <a:normAutofit/>
+          </a:bodyPr>
+          <a:lstStyle/>
+          <a:p>
+            <a:pPr algn="ctr"/>
+            <a:r>
+              <a:rPr lang="en-US" sz="5200" kern="1200" dirty="0">
+                <a:solidFill>
+                  <a:schemeClr val="tx1"/>
+                </a:solidFill>
+                <a:latin typeface="+mj-lt"/>
+                <a:ea typeface="+mj-ea"/>
+                <a:cs typeface="+mj-cs"/>
+              </a:rPr>
+              <a:t>THANK YOU</a:t>
+            </a:r>
+          </a:p>
+        </p:txBody>
+      </p:sp>
+      <p:pic>
+        <p:nvPicPr>
+          <p:cNvPr id="62" name="Graphic 61" descr="Smiling Face with No Fill">
+            <a:extLst>
+              <a:ext uri="{FF2B5EF4-FFF2-40B4-BE49-F238E27FC236}">
+                <a16:creationId xmlns:a16="http://schemas.microsoft.com/office/drawing/2014/main" id="{22DBCA01-452E-500F-8B19-247E86FBFCC2}"/>
+              </a:ext>
+            </a:extLst>
+          </p:cNvPr>
+          <p:cNvPicPr>
+            <a:picLocks noChangeAspect="1"/>
+          </p:cNvPicPr>
+          <p:nvPr/>
+        </p:nvPicPr>
+        <p:blipFill>
+          <a:blip r:embed="rId2">
+            <a:extLst>
+              <a:ext uri="{28A0092B-C50C-407E-A947-70E740481C1C}">
+                <a14:useLocalDpi xmlns:a14="http://schemas.microsoft.com/office/drawing/2010/main" val="0"/>
+              </a:ext>
+              <a:ext uri="{96DAC541-7B7A-43D3-8B79-37D633B846F1}">
+                <asvg:svgBlip xmlns:asvg="http://schemas.microsoft.com/office/drawing/2016/SVG/main" r:embed="rId3"/>
+              </a:ext>
+            </a:extLst>
+          </a:blip>
+          <a:stretch>
+            <a:fillRect/>
+          </a:stretch>
+        </p:blipFill>
+        <p:spPr>
+          <a:xfrm>
+            <a:off x="5558070" y="1133637"/>
+            <a:ext cx="1075860" cy="1075860"/>
+          </a:xfrm>
+          <a:prstGeom prst="rect">
+            <a:avLst/>
+          </a:prstGeom>
+        </p:spPr>
+      </p:pic>
+    </p:spTree>
+    <p:extLst>
+      <p:ext uri="{BB962C8B-B14F-4D97-AF65-F5344CB8AC3E}">
+        <p14:creationId xmlns:p14="http://schemas.microsoft.com/office/powerpoint/2010/main" val="4044200368"/>
+      </p:ext>
+    </p:extLst>
+  </p:cSld>
+  <p:clrMapOvr>
+    <a:masterClrMapping/>
+  </p:clrMapOvr>
+</p:sld>
+</file>
+
+<file path=ppt/slides/slide4.xml><?xml version="1.0" encoding="utf-8"?>
 <p:sld xmlns:a="http://schemas.openxmlformats.org/drawingml/2006/main" xmlns:r="http://schemas.openxmlformats.org/officeDocument/2006/relationships" xmlns:p="http://schemas.openxmlformats.org/presentationml/2006/main">
   <p:cSld>
     <p:bg>
@@ -12125,7 +10778,7 @@
 </p:sld>
 </file>
 
-<file path=ppt/slides/slide3.xml><?xml version="1.0" encoding="utf-8"?>
+<file path=ppt/slides/slide5.xml><?xml version="1.0" encoding="utf-8"?>
 <p:sld xmlns:a="http://schemas.openxmlformats.org/drawingml/2006/main" xmlns:r="http://schemas.openxmlformats.org/officeDocument/2006/relationships" xmlns:p="http://schemas.openxmlformats.org/presentationml/2006/main">
   <p:cSld>
     <p:bg>
@@ -12492,7 +11145,7 @@
         </p:nvSpPr>
         <p:spPr>
           <a:xfrm>
-            <a:off x="1289304" y="2902913"/>
+            <a:off x="968292" y="1803687"/>
             <a:ext cx="9849751" cy="3032168"/>
           </a:xfrm>
         </p:spPr>
@@ -12502,16 +11155,9 @@
           </a:bodyPr>
           <a:lstStyle/>
           <a:p>
-            <a:r>
-              <a:rPr lang="en-US" sz="1600" kern="100" dirty="0">
-                <a:latin typeface="Arial" panose="020B0604020202020204" pitchFamily="34" charset="0"/>
-                <a:ea typeface="Aptos" panose="020B0004020202020204" pitchFamily="34" charset="0"/>
-                <a:cs typeface="Arial" panose="020B0604020202020204" pitchFamily="34" charset="0"/>
-              </a:rPr>
-              <a:t>21% of people feel like they never have work under control !</a:t>
-            </a:r>
-          </a:p>
-          <a:p>
+            <a:pPr marL="0" indent="0">
+              <a:buNone/>
+            </a:pPr>
             <a:endParaRPr lang="en-US" sz="1600" kern="100" dirty="0">
               <a:latin typeface="Arial" panose="020B0604020202020204" pitchFamily="34" charset="0"/>
               <a:ea typeface="Aptos" panose="020B0004020202020204" pitchFamily="34" charset="0"/>
@@ -12537,10 +11183,16 @@
                 <a:ea typeface="Aptos" panose="020B0004020202020204" pitchFamily="34" charset="0"/>
                 <a:cs typeface="Arial" panose="020B0604020202020204" pitchFamily="34" charset="0"/>
               </a:rPr>
-              <a:t>Most file readers available are merely content displayers without features that actually increase productivity. </a:t>
-            </a:r>
-          </a:p>
-          <a:p>
+              <a:t>Users spend </a:t>
+            </a:r>
+            <a:r>
+              <a:rPr lang="en-US" sz="1600" kern="100" dirty="0">
+                <a:latin typeface="Arial" panose="020B0604020202020204" pitchFamily="34" charset="0"/>
+                <a:ea typeface="Aptos" panose="020B0004020202020204" pitchFamily="34" charset="0"/>
+                <a:cs typeface="Arial" panose="020B0604020202020204" pitchFamily="34" charset="0"/>
+              </a:rPr>
+              <a:t>decent amount of </a:t>
+            </a:r>
             <a:r>
               <a:rPr lang="en-US" sz="1600" kern="100" dirty="0">
                 <a:effectLst/>
@@ -12548,7 +11200,7 @@
                 <a:ea typeface="Aptos" panose="020B0004020202020204" pitchFamily="34" charset="0"/>
                 <a:cs typeface="Arial" panose="020B0604020202020204" pitchFamily="34" charset="0"/>
               </a:rPr>
-              <a:t>Users spend precious time navigating between apps to summarize information, take notes, or manage their documents. </a:t>
+              <a:t>time navigating between apps to summarize information, take notes, or manage their documents. </a:t>
             </a:r>
           </a:p>
           <a:p>
@@ -12558,7 +11210,7 @@
                 <a:ea typeface="Aptos" panose="020B0004020202020204" pitchFamily="34" charset="0"/>
                 <a:cs typeface="Arial" panose="020B0604020202020204" pitchFamily="34" charset="0"/>
               </a:rPr>
-              <a:t>T</a:t>
+              <a:t>Existing applications </a:t>
             </a:r>
             <a:r>
               <a:rPr lang="en-US" sz="1600" kern="100" dirty="0">
@@ -12567,7 +11219,24 @@
                 <a:ea typeface="Aptos" panose="020B0004020202020204" pitchFamily="34" charset="0"/>
                 <a:cs typeface="Arial" panose="020B0604020202020204" pitchFamily="34" charset="0"/>
               </a:rPr>
-              <a:t>ools lack an integrated solution that harmoniously integrates smart AI-driven summarization, note-taking, and document organization all within one single workspace.</a:t>
+              <a:t>lack </a:t>
+            </a:r>
+            <a:r>
+              <a:rPr lang="en-US" sz="1600" kern="100" dirty="0">
+                <a:latin typeface="Arial" panose="020B0604020202020204" pitchFamily="34" charset="0"/>
+                <a:ea typeface="Aptos" panose="020B0004020202020204" pitchFamily="34" charset="0"/>
+                <a:cs typeface="Arial" panose="020B0604020202020204" pitchFamily="34" charset="0"/>
+              </a:rPr>
+              <a:t>useful features such as </a:t>
+            </a:r>
+            <a:r>
+              <a:rPr lang="en-US" sz="1600" kern="100" dirty="0">
+                <a:effectLst/>
+                <a:latin typeface="Arial" panose="020B0604020202020204" pitchFamily="34" charset="0"/>
+                <a:ea typeface="Aptos" panose="020B0004020202020204" pitchFamily="34" charset="0"/>
+                <a:cs typeface="Arial" panose="020B0604020202020204" pitchFamily="34" charset="0"/>
+              </a:rPr>
+              <a:t>integrating AI-driven summarization, note-taking, and document organization all within one single workspace.</a:t>
             </a:r>
           </a:p>
           <a:p>
@@ -12588,193 +11257,7 @@
 </p:sld>
 </file>
 
-<file path=ppt/slides/slide30.xml><?xml version="1.0" encoding="utf-8"?>
-<p:sld xmlns:a="http://schemas.openxmlformats.org/drawingml/2006/main" xmlns:r="http://schemas.openxmlformats.org/officeDocument/2006/relationships" xmlns:p="http://schemas.openxmlformats.org/presentationml/2006/main">
-  <p:cSld>
-    <p:bg>
-      <p:bgPr>
-        <a:solidFill>
-          <a:schemeClr val="bg1"/>
-        </a:solidFill>
-        <a:effectLst/>
-      </p:bgPr>
-    </p:bg>
-    <p:spTree>
-      <p:nvGrpSpPr>
-        <p:cNvPr id="1" name="">
-          <a:extLst>
-            <a:ext uri="{FF2B5EF4-FFF2-40B4-BE49-F238E27FC236}">
-              <a16:creationId xmlns:a16="http://schemas.microsoft.com/office/drawing/2014/main" id="{AD0B1ACC-02D5-5D7D-917A-84B2874377D7}"/>
-            </a:ext>
-          </a:extLst>
-        </p:cNvPr>
-        <p:cNvGrpSpPr/>
-        <p:nvPr/>
-      </p:nvGrpSpPr>
-      <p:grpSpPr>
-        <a:xfrm>
-          <a:off x="0" y="0"/>
-          <a:ext cx="0" cy="0"/>
-          <a:chOff x="0" y="0"/>
-          <a:chExt cx="0" cy="0"/>
-        </a:xfrm>
-      </p:grpSpPr>
-      <p:sp useBgFill="1">
-        <p:nvSpPr>
-          <p:cNvPr id="35" name="Rectangle 34">
-            <a:extLst>
-              <a:ext uri="{FF2B5EF4-FFF2-40B4-BE49-F238E27FC236}">
-                <a16:creationId xmlns:a16="http://schemas.microsoft.com/office/drawing/2014/main" id="{D4E68339-1B90-44F9-BCC4-4600A6E240A2}"/>
-              </a:ext>
-              <a:ext uri="{C183D7F6-B498-43B3-948B-1728B52AA6E4}">
-                <adec:decorative xmlns:adec="http://schemas.microsoft.com/office/drawing/2017/decorative" val="1"/>
-              </a:ext>
-            </a:extLst>
-          </p:cNvPr>
-          <p:cNvSpPr>
-            <a:spLocks noGrp="1" noRot="1" noChangeAspect="1" noMove="1" noResize="1" noEditPoints="1" noAdjustHandles="1" noChangeArrowheads="1" noChangeShapeType="1" noTextEdit="1"/>
-          </p:cNvSpPr>
-          <p:nvPr>
-            <p:extLst>
-              <p:ext uri="{386F3935-93C4-4BCD-93E2-E3B085C9AB24}">
-                <p16:designElem xmlns:p16="http://schemas.microsoft.com/office/powerpoint/2015/main" val="1"/>
-              </p:ext>
-            </p:extLst>
-          </p:nvPr>
-        </p:nvSpPr>
-        <p:spPr>
-          <a:xfrm>
-            <a:off x="-1" y="0"/>
-            <a:ext cx="12188952" cy="6858000"/>
-          </a:xfrm>
-          <a:prstGeom prst="rect">
-            <a:avLst/>
-          </a:prstGeom>
-          <a:ln>
-            <a:noFill/>
-          </a:ln>
-        </p:spPr>
-        <p:style>
-          <a:lnRef idx="2">
-            <a:schemeClr val="accent1">
-              <a:shade val="50000"/>
-            </a:schemeClr>
-          </a:lnRef>
-          <a:fillRef idx="1">
-            <a:schemeClr val="accent1"/>
-          </a:fillRef>
-          <a:effectRef idx="0">
-            <a:schemeClr val="accent1"/>
-          </a:effectRef>
-          <a:fontRef idx="minor">
-            <a:schemeClr val="lt1"/>
-          </a:fontRef>
-        </p:style>
-        <p:txBody>
-          <a:bodyPr rtlCol="0" anchor="ctr"/>
-          <a:lstStyle/>
-          <a:p>
-            <a:pPr algn="ctr"/>
-            <a:endParaRPr lang="en-US"/>
-          </a:p>
-        </p:txBody>
-      </p:sp>
-      <p:sp>
-        <p:nvSpPr>
-          <p:cNvPr id="2" name="Title 1">
-            <a:extLst>
-              <a:ext uri="{FF2B5EF4-FFF2-40B4-BE49-F238E27FC236}">
-                <a16:creationId xmlns:a16="http://schemas.microsoft.com/office/drawing/2014/main" id="{6608DC91-91BB-715C-8C59-B1E225F67F2B}"/>
-              </a:ext>
-            </a:extLst>
-          </p:cNvPr>
-          <p:cNvSpPr>
-            <a:spLocks noGrp="1"/>
-          </p:cNvSpPr>
-          <p:nvPr>
-            <p:ph type="title"/>
-          </p:nvPr>
-        </p:nvSpPr>
-        <p:spPr>
-          <a:xfrm>
-            <a:off x="1525712" y="2400475"/>
-            <a:ext cx="9142288" cy="2068222"/>
-          </a:xfrm>
-        </p:spPr>
-        <p:txBody>
-          <a:bodyPr vert="horz" lIns="91440" tIns="45720" rIns="91440" bIns="45720" rtlCol="0" anchor="b">
-            <a:normAutofit/>
-          </a:bodyPr>
-          <a:lstStyle/>
-          <a:p>
-            <a:pPr algn="ctr"/>
-            <a:r>
-              <a:rPr lang="en-US" sz="5200" kern="1200" dirty="0">
-                <a:solidFill>
-                  <a:schemeClr val="tx1"/>
-                </a:solidFill>
-                <a:latin typeface="+mj-lt"/>
-                <a:ea typeface="+mj-ea"/>
-                <a:cs typeface="+mj-cs"/>
-              </a:rPr>
-              <a:t>THANK YOU</a:t>
-            </a:r>
-          </a:p>
-        </p:txBody>
-      </p:sp>
-      <p:pic>
-        <p:nvPicPr>
-          <p:cNvPr id="62" name="Graphic 61" descr="Smiling Face with No Fill">
-            <a:extLst>
-              <a:ext uri="{FF2B5EF4-FFF2-40B4-BE49-F238E27FC236}">
-                <a16:creationId xmlns:a16="http://schemas.microsoft.com/office/drawing/2014/main" id="{22DBCA01-452E-500F-8B19-247E86FBFCC2}"/>
-              </a:ext>
-            </a:extLst>
-          </p:cNvPr>
-          <p:cNvPicPr>
-            <a:picLocks noChangeAspect="1"/>
-          </p:cNvPicPr>
-          <p:nvPr/>
-        </p:nvPicPr>
-        <p:blipFill>
-          <a:blip r:embed="rId2">
-            <a:extLst>
-              <a:ext uri="{28A0092B-C50C-407E-A947-70E740481C1C}">
-                <a14:useLocalDpi xmlns:a14="http://schemas.microsoft.com/office/drawing/2010/main" val="0"/>
-              </a:ext>
-              <a:ext uri="{96DAC541-7B7A-43D3-8B79-37D633B846F1}">
-                <asvg:svgBlip xmlns:asvg="http://schemas.microsoft.com/office/drawing/2016/SVG/main" r:embed="rId3"/>
-              </a:ext>
-            </a:extLst>
-          </a:blip>
-          <a:stretch>
-            <a:fillRect/>
-          </a:stretch>
-        </p:blipFill>
-        <p:spPr>
-          <a:xfrm>
-            <a:off x="5558070" y="1133637"/>
-            <a:ext cx="1075860" cy="1075860"/>
-          </a:xfrm>
-          <a:prstGeom prst="rect">
-            <a:avLst/>
-          </a:prstGeom>
-        </p:spPr>
-      </p:pic>
-    </p:spTree>
-    <p:extLst>
-      <p:ext uri="{BB962C8B-B14F-4D97-AF65-F5344CB8AC3E}">
-        <p14:creationId xmlns:p14="http://schemas.microsoft.com/office/powerpoint/2010/main" val="4044200368"/>
-      </p:ext>
-    </p:extLst>
-  </p:cSld>
-  <p:clrMapOvr>
-    <a:masterClrMapping/>
-  </p:clrMapOvr>
-</p:sld>
-</file>
-
-<file path=ppt/slides/slide4.xml><?xml version="1.0" encoding="utf-8"?>
+<file path=ppt/slides/slide6.xml><?xml version="1.0" encoding="utf-8"?>
 <p:sld xmlns:a="http://schemas.openxmlformats.org/drawingml/2006/main" xmlns:r="http://schemas.openxmlformats.org/officeDocument/2006/relationships" xmlns:p="http://schemas.openxmlformats.org/presentationml/2006/main">
   <p:cSld>
     <p:bg>
@@ -13156,7 +11639,7 @@
         <p:spPr>
           <a:xfrm>
             <a:off x="1153618" y="1239927"/>
-            <a:ext cx="4008586" cy="4680583"/>
+            <a:ext cx="4312904" cy="4680583"/>
           </a:xfrm>
         </p:spPr>
         <p:txBody>
@@ -13167,7 +11650,7 @@
           <a:p>
             <a:r>
               <a:rPr lang="en-US" sz="3600" b="1" dirty="0"/>
-              <a:t>The All-in-One Productivity App</a:t>
+              <a:t>The All-in-One App</a:t>
             </a:r>
             <a:br>
               <a:rPr lang="en-US" sz="3600" b="1" dirty="0"/>
@@ -13175,12 +11658,9 @@
             <a:br>
               <a:rPr lang="en-US" sz="3600" b="1" dirty="0"/>
             </a:br>
-            <a:br>
-              <a:rPr lang="en-US" sz="3600" dirty="0"/>
-            </a:br>
             <a:r>
               <a:rPr lang="en-US" sz="3600" i="1" dirty="0"/>
-              <a:t>AI-powered tools for chatting, summarizing, and organizing documents</a:t>
+              <a:t>Your application to:  summarize, translate, chat, search and organize documents</a:t>
             </a:r>
             <a:endParaRPr lang="en-US" sz="3600" dirty="0"/>
           </a:p>
@@ -13219,7 +11699,7 @@
             </a:pPr>
             <a:r>
               <a:rPr lang="en-US" sz="2000" dirty="0"/>
-              <a:t>It’s a Flutter-based mobile app that helps users manage tasks efficiently, combining Firebase Firestore and Auth for data storage and authentication, with a custom Python Flask backend to handle advanced logic and API integration.</a:t>
+              <a:t>It’s a Flutter-based mobile app that helps users manage tasks efficiently, combining Firebase Firestore and Auth for data storage and authentication, with a custom Python Flask backend to handle API communication.</a:t>
             </a:r>
           </a:p>
           <a:p>
@@ -13243,7 +11723,2022 @@
 </p:sld>
 </file>
 
-<file path=ppt/slides/slide5.xml><?xml version="1.0" encoding="utf-8"?>
+<file path=ppt/slides/slide7.xml><?xml version="1.0" encoding="utf-8"?>
+<p:sld xmlns:a="http://schemas.openxmlformats.org/drawingml/2006/main" xmlns:r="http://schemas.openxmlformats.org/officeDocument/2006/relationships" xmlns:p="http://schemas.openxmlformats.org/presentationml/2006/main">
+  <p:cSld>
+    <p:bg>
+      <p:bgPr>
+        <a:solidFill>
+          <a:schemeClr val="bg1">
+            <a:tint val="95000"/>
+            <a:satMod val="170000"/>
+          </a:schemeClr>
+        </a:solidFill>
+        <a:effectLst/>
+      </p:bgPr>
+    </p:bg>
+    <p:spTree>
+      <p:nvGrpSpPr>
+        <p:cNvPr id="1" name=""/>
+        <p:cNvGrpSpPr/>
+        <p:nvPr/>
+      </p:nvGrpSpPr>
+      <p:grpSpPr>
+        <a:xfrm>
+          <a:off x="0" y="0"/>
+          <a:ext cx="0" cy="0"/>
+          <a:chOff x="0" y="0"/>
+          <a:chExt cx="0" cy="0"/>
+        </a:xfrm>
+      </p:grpSpPr>
+      <p:sp>
+        <p:nvSpPr>
+          <p:cNvPr id="2" name="Title 1">
+            <a:extLst>
+              <a:ext uri="{FF2B5EF4-FFF2-40B4-BE49-F238E27FC236}">
+                <a16:creationId xmlns:a16="http://schemas.microsoft.com/office/drawing/2014/main" id="{E799C9A1-6887-0560-98BD-AADDEE8AC029}"/>
+              </a:ext>
+            </a:extLst>
+          </p:cNvPr>
+          <p:cNvSpPr>
+            <a:spLocks noGrp="1"/>
+          </p:cNvSpPr>
+          <p:nvPr>
+            <p:ph type="title"/>
+          </p:nvPr>
+        </p:nvSpPr>
+        <p:spPr>
+          <a:xfrm>
+            <a:off x="913872" y="1271531"/>
+            <a:ext cx="4426755" cy="761271"/>
+          </a:xfrm>
+        </p:spPr>
+        <p:txBody>
+          <a:bodyPr>
+            <a:normAutofit/>
+          </a:bodyPr>
+          <a:lstStyle/>
+          <a:p>
+            <a:r>
+              <a:rPr lang="en-US" sz="3200" b="1"/>
+              <a:t>Tech Stack</a:t>
+            </a:r>
+            <a:endParaRPr lang="en-US" sz="3200"/>
+          </a:p>
+        </p:txBody>
+      </p:sp>
+      <p:sp>
+        <p:nvSpPr>
+          <p:cNvPr id="26" name="Freeform: Shape 25">
+            <a:extLst>
+              <a:ext uri="{FF2B5EF4-FFF2-40B4-BE49-F238E27FC236}">
+                <a16:creationId xmlns:a16="http://schemas.microsoft.com/office/drawing/2014/main" id="{81F3642D-13C8-47D1-8141-3F5A7CEBA891}"/>
+              </a:ext>
+              <a:ext uri="{C183D7F6-B498-43B3-948B-1728B52AA6E4}">
+                <adec:decorative xmlns:adec="http://schemas.microsoft.com/office/drawing/2017/decorative" val="1"/>
+              </a:ext>
+            </a:extLst>
+          </p:cNvPr>
+          <p:cNvSpPr>
+            <a:spLocks noGrp="1" noRot="1" noChangeAspect="1" noMove="1" noResize="1" noEditPoints="1" noAdjustHandles="1" noChangeArrowheads="1" noChangeShapeType="1" noTextEdit="1"/>
+          </p:cNvSpPr>
+          <p:nvPr>
+            <p:extLst>
+              <p:ext uri="{386F3935-93C4-4BCD-93E2-E3B085C9AB24}">
+                <p16:designElem xmlns:p16="http://schemas.microsoft.com/office/powerpoint/2015/main" val="1"/>
+              </p:ext>
+            </p:extLst>
+          </p:nvPr>
+        </p:nvSpPr>
+        <p:spPr>
+          <a:xfrm>
+            <a:off x="5761975" y="361702"/>
+            <a:ext cx="1691640" cy="1691640"/>
+          </a:xfrm>
+          <a:custGeom>
+            <a:avLst/>
+            <a:gdLst>
+              <a:gd name="connsiteX0" fmla="*/ 845820 w 1691640"/>
+              <a:gd name="connsiteY0" fmla="*/ 0 h 1691640"/>
+              <a:gd name="connsiteX1" fmla="*/ 1691640 w 1691640"/>
+              <a:gd name="connsiteY1" fmla="*/ 845820 h 1691640"/>
+              <a:gd name="connsiteX2" fmla="*/ 845820 w 1691640"/>
+              <a:gd name="connsiteY2" fmla="*/ 1691640 h 1691640"/>
+              <a:gd name="connsiteX3" fmla="*/ 0 w 1691640"/>
+              <a:gd name="connsiteY3" fmla="*/ 845820 h 1691640"/>
+              <a:gd name="connsiteX4" fmla="*/ 845820 w 1691640"/>
+              <a:gd name="connsiteY4" fmla="*/ 0 h 1691640"/>
+            </a:gdLst>
+            <a:ahLst/>
+            <a:cxnLst>
+              <a:cxn ang="0">
+                <a:pos x="connsiteX0" y="connsiteY0"/>
+              </a:cxn>
+              <a:cxn ang="0">
+                <a:pos x="connsiteX1" y="connsiteY1"/>
+              </a:cxn>
+              <a:cxn ang="0">
+                <a:pos x="connsiteX2" y="connsiteY2"/>
+              </a:cxn>
+              <a:cxn ang="0">
+                <a:pos x="connsiteX3" y="connsiteY3"/>
+              </a:cxn>
+              <a:cxn ang="0">
+                <a:pos x="connsiteX4" y="connsiteY4"/>
+              </a:cxn>
+            </a:cxnLst>
+            <a:rect l="l" t="t" r="r" b="b"/>
+            <a:pathLst>
+              <a:path w="1691640" h="1691640">
+                <a:moveTo>
+                  <a:pt x="845820" y="0"/>
+                </a:moveTo>
+                <a:cubicBezTo>
+                  <a:pt x="1312954" y="0"/>
+                  <a:pt x="1691640" y="378686"/>
+                  <a:pt x="1691640" y="845820"/>
+                </a:cubicBezTo>
+                <a:cubicBezTo>
+                  <a:pt x="1691640" y="1312954"/>
+                  <a:pt x="1312954" y="1691640"/>
+                  <a:pt x="845820" y="1691640"/>
+                </a:cubicBezTo>
+                <a:cubicBezTo>
+                  <a:pt x="378687" y="1691640"/>
+                  <a:pt x="0" y="1312954"/>
+                  <a:pt x="0" y="845820"/>
+                </a:cubicBezTo>
+                <a:cubicBezTo>
+                  <a:pt x="0" y="378686"/>
+                  <a:pt x="378687" y="0"/>
+                  <a:pt x="845820" y="0"/>
+                </a:cubicBezTo>
+                <a:close/>
+              </a:path>
+            </a:pathLst>
+          </a:custGeom>
+          <a:solidFill>
+            <a:schemeClr val="tx1"/>
+          </a:solidFill>
+          <a:ln>
+            <a:noFill/>
+          </a:ln>
+        </p:spPr>
+        <p:style>
+          <a:lnRef idx="2">
+            <a:schemeClr val="accent1">
+              <a:shade val="50000"/>
+            </a:schemeClr>
+          </a:lnRef>
+          <a:fillRef idx="1">
+            <a:schemeClr val="accent1"/>
+          </a:fillRef>
+          <a:effectRef idx="0">
+            <a:schemeClr val="accent1"/>
+          </a:effectRef>
+          <a:fontRef idx="minor">
+            <a:schemeClr val="lt1"/>
+          </a:fontRef>
+        </p:style>
+        <p:txBody>
+          <a:bodyPr wrap="square" rtlCol="0" anchor="ctr">
+            <a:noAutofit/>
+          </a:bodyPr>
+          <a:lstStyle/>
+          <a:p>
+            <a:pPr algn="ctr"/>
+            <a:endParaRPr lang="en-US" dirty="0"/>
+          </a:p>
+        </p:txBody>
+      </p:sp>
+      <p:sp>
+        <p:nvSpPr>
+          <p:cNvPr id="28" name="Oval 27">
+            <a:extLst>
+              <a:ext uri="{FF2B5EF4-FFF2-40B4-BE49-F238E27FC236}">
+                <a16:creationId xmlns:a16="http://schemas.microsoft.com/office/drawing/2014/main" id="{07977D39-626F-40D7-B00F-16E02602DD5A}"/>
+              </a:ext>
+              <a:ext uri="{C183D7F6-B498-43B3-948B-1728B52AA6E4}">
+                <adec:decorative xmlns:adec="http://schemas.microsoft.com/office/drawing/2017/decorative" val="1"/>
+              </a:ext>
+            </a:extLst>
+          </p:cNvPr>
+          <p:cNvSpPr>
+            <a:spLocks noGrp="1" noRot="1" noChangeAspect="1" noMove="1" noResize="1" noEditPoints="1" noAdjustHandles="1" noChangeArrowheads="1" noChangeShapeType="1" noTextEdit="1"/>
+          </p:cNvSpPr>
+          <p:nvPr>
+            <p:extLst>
+              <p:ext uri="{386F3935-93C4-4BCD-93E2-E3B085C9AB24}">
+                <p16:designElem xmlns:p16="http://schemas.microsoft.com/office/powerpoint/2015/main" val="1"/>
+              </p:ext>
+            </p:extLst>
+          </p:nvPr>
+        </p:nvSpPr>
+        <p:spPr>
+          <a:xfrm>
+            <a:off x="5597383" y="197110"/>
+            <a:ext cx="2020824" cy="2020824"/>
+          </a:xfrm>
+          <a:prstGeom prst="ellipse">
+            <a:avLst/>
+          </a:prstGeom>
+          <a:solidFill>
+            <a:srgbClr val="FFFFFF">
+              <a:alpha val="80000"/>
+            </a:srgbClr>
+          </a:solidFill>
+          <a:ln>
+            <a:noFill/>
+          </a:ln>
+        </p:spPr>
+        <p:style>
+          <a:lnRef idx="2">
+            <a:schemeClr val="accent1">
+              <a:shade val="50000"/>
+            </a:schemeClr>
+          </a:lnRef>
+          <a:fillRef idx="1">
+            <a:schemeClr val="accent1"/>
+          </a:fillRef>
+          <a:effectRef idx="0">
+            <a:schemeClr val="accent1"/>
+          </a:effectRef>
+          <a:fontRef idx="minor">
+            <a:schemeClr val="lt1"/>
+          </a:fontRef>
+        </p:style>
+        <p:txBody>
+          <a:bodyPr rtlCol="0" anchor="ctr"/>
+          <a:lstStyle/>
+          <a:p>
+            <a:pPr marL="0" marR="0" lvl="0" indent="0" algn="ctr" defTabSz="914400" rtl="0" eaLnBrk="1" fontAlgn="auto" latinLnBrk="0" hangingPunct="1">
+              <a:lnSpc>
+                <a:spcPct val="100000"/>
+              </a:lnSpc>
+              <a:spcBef>
+                <a:spcPts val="0"/>
+              </a:spcBef>
+              <a:spcAft>
+                <a:spcPts val="0"/>
+              </a:spcAft>
+              <a:buClrTx/>
+              <a:buSzTx/>
+              <a:buFontTx/>
+              <a:buNone/>
+              <a:tabLst/>
+              <a:defRPr/>
+            </a:pPr>
+            <a:endParaRPr kumimoji="0" lang="en-US" sz="1800" b="0" i="0" u="none" strike="noStrike" kern="1200" cap="none" spc="0" normalizeH="0" baseline="0" noProof="0">
+              <a:ln>
+                <a:noFill/>
+              </a:ln>
+              <a:solidFill>
+                <a:prstClr val="white"/>
+              </a:solidFill>
+              <a:effectLst/>
+              <a:uLnTx/>
+              <a:uFillTx/>
+              <a:latin typeface="Calibri" panose="020F0502020204030204"/>
+              <a:ea typeface="+mn-ea"/>
+              <a:cs typeface="+mn-cs"/>
+            </a:endParaRPr>
+          </a:p>
+        </p:txBody>
+      </p:sp>
+      <p:pic>
+        <p:nvPicPr>
+          <p:cNvPr id="11" name="Picture 10" descr="A blue and yellow logo&#10;&#10;AI-generated content may be incorrect.">
+            <a:extLst>
+              <a:ext uri="{FF2B5EF4-FFF2-40B4-BE49-F238E27FC236}">
+                <a16:creationId xmlns:a16="http://schemas.microsoft.com/office/drawing/2014/main" id="{47D5332B-2FB3-E056-5126-FB7504B7A7E4}"/>
+              </a:ext>
+            </a:extLst>
+          </p:cNvPr>
+          <p:cNvPicPr>
+            <a:picLocks noChangeAspect="1"/>
+          </p:cNvPicPr>
+          <p:nvPr/>
+        </p:nvPicPr>
+        <p:blipFill>
+          <a:blip r:embed="rId2"/>
+          <a:stretch>
+            <a:fillRect/>
+          </a:stretch>
+        </p:blipFill>
+        <p:spPr>
+          <a:xfrm>
+            <a:off x="6060611" y="774675"/>
+            <a:ext cx="1094369" cy="865694"/>
+          </a:xfrm>
+          <a:prstGeom prst="roundRect">
+            <a:avLst>
+              <a:gd name="adj" fmla="val 8594"/>
+            </a:avLst>
+          </a:prstGeom>
+          <a:solidFill>
+            <a:srgbClr val="FFFFFF">
+              <a:shade val="85000"/>
+            </a:srgbClr>
+          </a:solidFill>
+          <a:ln>
+            <a:noFill/>
+          </a:ln>
+          <a:effectLst>
+            <a:reflection blurRad="12700" stA="38000" endPos="28000" dist="5000" dir="5400000" sy="-100000" algn="bl" rotWithShape="0"/>
+          </a:effectLst>
+        </p:spPr>
+      </p:pic>
+      <p:sp>
+        <p:nvSpPr>
+          <p:cNvPr id="30" name="Freeform: Shape 29">
+            <a:extLst>
+              <a:ext uri="{FF2B5EF4-FFF2-40B4-BE49-F238E27FC236}">
+                <a16:creationId xmlns:a16="http://schemas.microsoft.com/office/drawing/2014/main" id="{98E915F0-311A-4BDD-94EC-B0A3D6A3C546}"/>
+              </a:ext>
+              <a:ext uri="{C183D7F6-B498-43B3-948B-1728B52AA6E4}">
+                <adec:decorative xmlns:adec="http://schemas.microsoft.com/office/drawing/2017/decorative" val="1"/>
+              </a:ext>
+            </a:extLst>
+          </p:cNvPr>
+          <p:cNvSpPr>
+            <a:spLocks noGrp="1" noRot="1" noChangeAspect="1" noMove="1" noResize="1" noEditPoints="1" noAdjustHandles="1" noChangeArrowheads="1" noChangeShapeType="1" noTextEdit="1"/>
+          </p:cNvSpPr>
+          <p:nvPr>
+            <p:extLst>
+              <p:ext uri="{386F3935-93C4-4BCD-93E2-E3B085C9AB24}">
+                <p16:designElem xmlns:p16="http://schemas.microsoft.com/office/powerpoint/2015/main" val="1"/>
+              </p:ext>
+            </p:extLst>
+          </p:nvPr>
+        </p:nvSpPr>
+        <p:spPr>
+          <a:xfrm>
+            <a:off x="5933788" y="2715337"/>
+            <a:ext cx="2743200" cy="2743200"/>
+          </a:xfrm>
+          <a:custGeom>
+            <a:avLst/>
+            <a:gdLst>
+              <a:gd name="connsiteX0" fmla="*/ 1371600 w 2743200"/>
+              <a:gd name="connsiteY0" fmla="*/ 0 h 2743200"/>
+              <a:gd name="connsiteX1" fmla="*/ 2743200 w 2743200"/>
+              <a:gd name="connsiteY1" fmla="*/ 1371600 h 2743200"/>
+              <a:gd name="connsiteX2" fmla="*/ 1371600 w 2743200"/>
+              <a:gd name="connsiteY2" fmla="*/ 2743200 h 2743200"/>
+              <a:gd name="connsiteX3" fmla="*/ 0 w 2743200"/>
+              <a:gd name="connsiteY3" fmla="*/ 1371600 h 2743200"/>
+              <a:gd name="connsiteX4" fmla="*/ 1371600 w 2743200"/>
+              <a:gd name="connsiteY4" fmla="*/ 0 h 2743200"/>
+            </a:gdLst>
+            <a:ahLst/>
+            <a:cxnLst>
+              <a:cxn ang="0">
+                <a:pos x="connsiteX0" y="connsiteY0"/>
+              </a:cxn>
+              <a:cxn ang="0">
+                <a:pos x="connsiteX1" y="connsiteY1"/>
+              </a:cxn>
+              <a:cxn ang="0">
+                <a:pos x="connsiteX2" y="connsiteY2"/>
+              </a:cxn>
+              <a:cxn ang="0">
+                <a:pos x="connsiteX3" y="connsiteY3"/>
+              </a:cxn>
+              <a:cxn ang="0">
+                <a:pos x="connsiteX4" y="connsiteY4"/>
+              </a:cxn>
+            </a:cxnLst>
+            <a:rect l="l" t="t" r="r" b="b"/>
+            <a:pathLst>
+              <a:path w="2743200" h="2743200">
+                <a:moveTo>
+                  <a:pt x="1371600" y="0"/>
+                </a:moveTo>
+                <a:cubicBezTo>
+                  <a:pt x="2129114" y="0"/>
+                  <a:pt x="2743200" y="614087"/>
+                  <a:pt x="2743200" y="1371600"/>
+                </a:cubicBezTo>
+                <a:cubicBezTo>
+                  <a:pt x="2743200" y="2129114"/>
+                  <a:pt x="2129114" y="2743200"/>
+                  <a:pt x="1371600" y="2743200"/>
+                </a:cubicBezTo>
+                <a:cubicBezTo>
+                  <a:pt x="614087" y="2743200"/>
+                  <a:pt x="0" y="2129114"/>
+                  <a:pt x="0" y="1371600"/>
+                </a:cubicBezTo>
+                <a:cubicBezTo>
+                  <a:pt x="0" y="614087"/>
+                  <a:pt x="614087" y="0"/>
+                  <a:pt x="1371600" y="0"/>
+                </a:cubicBezTo>
+                <a:close/>
+              </a:path>
+            </a:pathLst>
+          </a:custGeom>
+          <a:solidFill>
+            <a:schemeClr val="tx1"/>
+          </a:solidFill>
+          <a:ln>
+            <a:noFill/>
+          </a:ln>
+        </p:spPr>
+        <p:style>
+          <a:lnRef idx="2">
+            <a:schemeClr val="accent1">
+              <a:shade val="50000"/>
+            </a:schemeClr>
+          </a:lnRef>
+          <a:fillRef idx="1">
+            <a:schemeClr val="accent1"/>
+          </a:fillRef>
+          <a:effectRef idx="0">
+            <a:schemeClr val="accent1"/>
+          </a:effectRef>
+          <a:fontRef idx="minor">
+            <a:schemeClr val="lt1"/>
+          </a:fontRef>
+        </p:style>
+        <p:txBody>
+          <a:bodyPr wrap="square" rtlCol="0" anchor="ctr">
+            <a:noAutofit/>
+          </a:bodyPr>
+          <a:lstStyle/>
+          <a:p>
+            <a:pPr algn="ctr"/>
+            <a:endParaRPr lang="en-US" dirty="0"/>
+          </a:p>
+        </p:txBody>
+      </p:sp>
+      <p:sp>
+        <p:nvSpPr>
+          <p:cNvPr id="32" name="Freeform: Shape 31">
+            <a:extLst>
+              <a:ext uri="{FF2B5EF4-FFF2-40B4-BE49-F238E27FC236}">
+                <a16:creationId xmlns:a16="http://schemas.microsoft.com/office/drawing/2014/main" id="{EF1CD662-C732-41EB-A08A-EFB9E7EB8990}"/>
+              </a:ext>
+              <a:ext uri="{C183D7F6-B498-43B3-948B-1728B52AA6E4}">
+                <adec:decorative xmlns:adec="http://schemas.microsoft.com/office/drawing/2017/decorative" val="1"/>
+              </a:ext>
+            </a:extLst>
+          </p:cNvPr>
+          <p:cNvSpPr>
+            <a:spLocks noGrp="1" noRot="1" noChangeAspect="1" noMove="1" noResize="1" noEditPoints="1" noAdjustHandles="1" noChangeArrowheads="1" noChangeShapeType="1" noTextEdit="1"/>
+          </p:cNvSpPr>
+          <p:nvPr>
+            <p:extLst>
+              <p:ext uri="{386F3935-93C4-4BCD-93E2-E3B085C9AB24}">
+                <p16:designElem xmlns:p16="http://schemas.microsoft.com/office/powerpoint/2015/main" val="1"/>
+              </p:ext>
+            </p:extLst>
+          </p:nvPr>
+        </p:nvSpPr>
+        <p:spPr>
+          <a:xfrm>
+            <a:off x="8278624" y="2"/>
+            <a:ext cx="3913376" cy="3281569"/>
+          </a:xfrm>
+          <a:custGeom>
+            <a:avLst/>
+            <a:gdLst>
+              <a:gd name="connsiteX0" fmla="*/ 267865 w 3913376"/>
+              <a:gd name="connsiteY0" fmla="*/ 0 h 3281569"/>
+              <a:gd name="connsiteX1" fmla="*/ 3913376 w 3913376"/>
+              <a:gd name="connsiteY1" fmla="*/ 0 h 3281569"/>
+              <a:gd name="connsiteX2" fmla="*/ 3913376 w 3913376"/>
+              <a:gd name="connsiteY2" fmla="*/ 2499938 h 3281569"/>
+              <a:gd name="connsiteX3" fmla="*/ 3794714 w 3913376"/>
+              <a:gd name="connsiteY3" fmla="*/ 2630499 h 3281569"/>
+              <a:gd name="connsiteX4" fmla="*/ 2222892 w 3913376"/>
+              <a:gd name="connsiteY4" fmla="*/ 3281569 h 3281569"/>
+              <a:gd name="connsiteX5" fmla="*/ 0 w 3913376"/>
+              <a:gd name="connsiteY5" fmla="*/ 1058677 h 3281569"/>
+              <a:gd name="connsiteX6" fmla="*/ 174686 w 3913376"/>
+              <a:gd name="connsiteY6" fmla="*/ 193427 h 3281569"/>
+            </a:gdLst>
+            <a:ahLst/>
+            <a:cxnLst>
+              <a:cxn ang="0">
+                <a:pos x="connsiteX0" y="connsiteY0"/>
+              </a:cxn>
+              <a:cxn ang="0">
+                <a:pos x="connsiteX1" y="connsiteY1"/>
+              </a:cxn>
+              <a:cxn ang="0">
+                <a:pos x="connsiteX2" y="connsiteY2"/>
+              </a:cxn>
+              <a:cxn ang="0">
+                <a:pos x="connsiteX3" y="connsiteY3"/>
+              </a:cxn>
+              <a:cxn ang="0">
+                <a:pos x="connsiteX4" y="connsiteY4"/>
+              </a:cxn>
+              <a:cxn ang="0">
+                <a:pos x="connsiteX5" y="connsiteY5"/>
+              </a:cxn>
+              <a:cxn ang="0">
+                <a:pos x="connsiteX6" y="connsiteY6"/>
+              </a:cxn>
+            </a:cxnLst>
+            <a:rect l="l" t="t" r="r" b="b"/>
+            <a:pathLst>
+              <a:path w="3913376" h="3281569">
+                <a:moveTo>
+                  <a:pt x="267865" y="0"/>
+                </a:moveTo>
+                <a:lnTo>
+                  <a:pt x="3913376" y="0"/>
+                </a:lnTo>
+                <a:lnTo>
+                  <a:pt x="3913376" y="2499938"/>
+                </a:lnTo>
+                <a:lnTo>
+                  <a:pt x="3794714" y="2630499"/>
+                </a:lnTo>
+                <a:cubicBezTo>
+                  <a:pt x="3392450" y="3032763"/>
+                  <a:pt x="2836727" y="3281569"/>
+                  <a:pt x="2222892" y="3281569"/>
+                </a:cubicBezTo>
+                <a:cubicBezTo>
+                  <a:pt x="995223" y="3281569"/>
+                  <a:pt x="0" y="2286346"/>
+                  <a:pt x="0" y="1058677"/>
+                </a:cubicBezTo>
+                <a:cubicBezTo>
+                  <a:pt x="0" y="751760"/>
+                  <a:pt x="62202" y="459370"/>
+                  <a:pt x="174686" y="193427"/>
+                </a:cubicBezTo>
+                <a:close/>
+              </a:path>
+            </a:pathLst>
+          </a:custGeom>
+          <a:solidFill>
+            <a:schemeClr val="tx1"/>
+          </a:solidFill>
+          <a:ln>
+            <a:noFill/>
+          </a:ln>
+        </p:spPr>
+        <p:style>
+          <a:lnRef idx="2">
+            <a:schemeClr val="accent1">
+              <a:shade val="50000"/>
+            </a:schemeClr>
+          </a:lnRef>
+          <a:fillRef idx="1">
+            <a:schemeClr val="accent1"/>
+          </a:fillRef>
+          <a:effectRef idx="0">
+            <a:schemeClr val="accent1"/>
+          </a:effectRef>
+          <a:fontRef idx="minor">
+            <a:schemeClr val="lt1"/>
+          </a:fontRef>
+        </p:style>
+        <p:txBody>
+          <a:bodyPr wrap="square" rtlCol="0" anchor="ctr">
+            <a:noAutofit/>
+          </a:bodyPr>
+          <a:lstStyle/>
+          <a:p>
+            <a:pPr algn="ctr"/>
+            <a:endParaRPr lang="en-US" dirty="0"/>
+          </a:p>
+        </p:txBody>
+      </p:sp>
+      <p:sp>
+        <p:nvSpPr>
+          <p:cNvPr id="34" name="Freeform: Shape 33">
+            <a:extLst>
+              <a:ext uri="{FF2B5EF4-FFF2-40B4-BE49-F238E27FC236}">
+                <a16:creationId xmlns:a16="http://schemas.microsoft.com/office/drawing/2014/main" id="{B905CDE4-B751-4B3E-B625-6E59F8903414}"/>
+              </a:ext>
+              <a:ext uri="{C183D7F6-B498-43B3-948B-1728B52AA6E4}">
+                <adec:decorative xmlns:adec="http://schemas.microsoft.com/office/drawing/2017/decorative" val="1"/>
+              </a:ext>
+            </a:extLst>
+          </p:cNvPr>
+          <p:cNvSpPr>
+            <a:spLocks noGrp="1" noRot="1" noChangeAspect="1" noMove="1" noResize="1" noEditPoints="1" noAdjustHandles="1" noChangeArrowheads="1" noChangeShapeType="1" noTextEdit="1"/>
+          </p:cNvSpPr>
+          <p:nvPr>
+            <p:extLst>
+              <p:ext uri="{386F3935-93C4-4BCD-93E2-E3B085C9AB24}">
+                <p16:designElem xmlns:p16="http://schemas.microsoft.com/office/powerpoint/2015/main" val="1"/>
+              </p:ext>
+            </p:extLst>
+          </p:nvPr>
+        </p:nvSpPr>
+        <p:spPr>
+          <a:xfrm>
+            <a:off x="8114932" y="1"/>
+            <a:ext cx="4077068" cy="3445261"/>
+          </a:xfrm>
+          <a:custGeom>
+            <a:avLst/>
+            <a:gdLst>
+              <a:gd name="connsiteX0" fmla="*/ 250035 w 4077068"/>
+              <a:gd name="connsiteY0" fmla="*/ 0 h 3445261"/>
+              <a:gd name="connsiteX1" fmla="*/ 4077068 w 4077068"/>
+              <a:gd name="connsiteY1" fmla="*/ 0 h 3445261"/>
+              <a:gd name="connsiteX2" fmla="*/ 4077068 w 4077068"/>
+              <a:gd name="connsiteY2" fmla="*/ 2743040 h 3445261"/>
+              <a:gd name="connsiteX3" fmla="*/ 4074154 w 4077068"/>
+              <a:gd name="connsiteY3" fmla="*/ 2746247 h 3445261"/>
+              <a:gd name="connsiteX4" fmla="*/ 2386584 w 4077068"/>
+              <a:gd name="connsiteY4" fmla="*/ 3445261 h 3445261"/>
+              <a:gd name="connsiteX5" fmla="*/ 0 w 4077068"/>
+              <a:gd name="connsiteY5" fmla="*/ 1058677 h 3445261"/>
+              <a:gd name="connsiteX6" fmla="*/ 187550 w 4077068"/>
+              <a:gd name="connsiteY6" fmla="*/ 129711 h 3445261"/>
+            </a:gdLst>
+            <a:ahLst/>
+            <a:cxnLst>
+              <a:cxn ang="0">
+                <a:pos x="connsiteX0" y="connsiteY0"/>
+              </a:cxn>
+              <a:cxn ang="0">
+                <a:pos x="connsiteX1" y="connsiteY1"/>
+              </a:cxn>
+              <a:cxn ang="0">
+                <a:pos x="connsiteX2" y="connsiteY2"/>
+              </a:cxn>
+              <a:cxn ang="0">
+                <a:pos x="connsiteX3" y="connsiteY3"/>
+              </a:cxn>
+              <a:cxn ang="0">
+                <a:pos x="connsiteX4" y="connsiteY4"/>
+              </a:cxn>
+              <a:cxn ang="0">
+                <a:pos x="connsiteX5" y="connsiteY5"/>
+              </a:cxn>
+              <a:cxn ang="0">
+                <a:pos x="connsiteX6" y="connsiteY6"/>
+              </a:cxn>
+            </a:cxnLst>
+            <a:rect l="l" t="t" r="r" b="b"/>
+            <a:pathLst>
+              <a:path w="4077068" h="3445261">
+                <a:moveTo>
+                  <a:pt x="250035" y="0"/>
+                </a:moveTo>
+                <a:lnTo>
+                  <a:pt x="4077068" y="0"/>
+                </a:lnTo>
+                <a:lnTo>
+                  <a:pt x="4077068" y="2743040"/>
+                </a:lnTo>
+                <a:lnTo>
+                  <a:pt x="4074154" y="2746247"/>
+                </a:lnTo>
+                <a:cubicBezTo>
+                  <a:pt x="3642267" y="3178134"/>
+                  <a:pt x="3045621" y="3445261"/>
+                  <a:pt x="2386584" y="3445261"/>
+                </a:cubicBezTo>
+                <a:cubicBezTo>
+                  <a:pt x="1068510" y="3445261"/>
+                  <a:pt x="0" y="2376751"/>
+                  <a:pt x="0" y="1058677"/>
+                </a:cubicBezTo>
+                <a:cubicBezTo>
+                  <a:pt x="0" y="729159"/>
+                  <a:pt x="66782" y="415238"/>
+                  <a:pt x="187550" y="129711"/>
+                </a:cubicBezTo>
+                <a:close/>
+              </a:path>
+            </a:pathLst>
+          </a:custGeom>
+          <a:solidFill>
+            <a:srgbClr val="FFFFFF">
+              <a:alpha val="80000"/>
+            </a:srgbClr>
+          </a:solidFill>
+          <a:ln>
+            <a:noFill/>
+          </a:ln>
+        </p:spPr>
+        <p:style>
+          <a:lnRef idx="2">
+            <a:schemeClr val="accent1">
+              <a:shade val="50000"/>
+            </a:schemeClr>
+          </a:lnRef>
+          <a:fillRef idx="1">
+            <a:schemeClr val="accent1"/>
+          </a:fillRef>
+          <a:effectRef idx="0">
+            <a:schemeClr val="accent1"/>
+          </a:effectRef>
+          <a:fontRef idx="minor">
+            <a:schemeClr val="lt1"/>
+          </a:fontRef>
+        </p:style>
+        <p:txBody>
+          <a:bodyPr wrap="square" rtlCol="0" anchor="ctr">
+            <a:noAutofit/>
+          </a:bodyPr>
+          <a:lstStyle/>
+          <a:p>
+            <a:pPr marL="0" marR="0" lvl="0" indent="0" algn="ctr" defTabSz="914400" rtl="0" eaLnBrk="1" fontAlgn="auto" latinLnBrk="0" hangingPunct="1">
+              <a:lnSpc>
+                <a:spcPct val="100000"/>
+              </a:lnSpc>
+              <a:spcBef>
+                <a:spcPts val="0"/>
+              </a:spcBef>
+              <a:spcAft>
+                <a:spcPts val="0"/>
+              </a:spcAft>
+              <a:buClrTx/>
+              <a:buSzTx/>
+              <a:buFontTx/>
+              <a:buNone/>
+              <a:tabLst/>
+              <a:defRPr/>
+            </a:pPr>
+            <a:endParaRPr kumimoji="0" lang="en-US" sz="1800" b="0" i="0" u="none" strike="noStrike" kern="1200" cap="none" spc="0" normalizeH="0" baseline="0" noProof="0">
+              <a:ln>
+                <a:noFill/>
+              </a:ln>
+              <a:solidFill>
+                <a:prstClr val="white"/>
+              </a:solidFill>
+              <a:effectLst/>
+              <a:uLnTx/>
+              <a:uFillTx/>
+              <a:latin typeface="Calibri" panose="020F0502020204030204"/>
+              <a:ea typeface="+mn-ea"/>
+              <a:cs typeface="+mn-cs"/>
+            </a:endParaRPr>
+          </a:p>
+        </p:txBody>
+      </p:sp>
+      <p:sp>
+        <p:nvSpPr>
+          <p:cNvPr id="36" name="Oval 35">
+            <a:extLst>
+              <a:ext uri="{FF2B5EF4-FFF2-40B4-BE49-F238E27FC236}">
+                <a16:creationId xmlns:a16="http://schemas.microsoft.com/office/drawing/2014/main" id="{08108C16-F4C0-44AA-999D-17BD39219B24}"/>
+              </a:ext>
+              <a:ext uri="{C183D7F6-B498-43B3-948B-1728B52AA6E4}">
+                <adec:decorative xmlns:adec="http://schemas.microsoft.com/office/drawing/2017/decorative" val="1"/>
+              </a:ext>
+            </a:extLst>
+          </p:cNvPr>
+          <p:cNvSpPr>
+            <a:spLocks noGrp="1" noRot="1" noChangeAspect="1" noMove="1" noResize="1" noEditPoints="1" noAdjustHandles="1" noChangeArrowheads="1" noChangeShapeType="1" noTextEdit="1"/>
+          </p:cNvSpPr>
+          <p:nvPr>
+            <p:extLst>
+              <p:ext uri="{386F3935-93C4-4BCD-93E2-E3B085C9AB24}">
+                <p16:designElem xmlns:p16="http://schemas.microsoft.com/office/powerpoint/2015/main" val="1"/>
+              </p:ext>
+            </p:extLst>
+          </p:nvPr>
+        </p:nvSpPr>
+        <p:spPr>
+          <a:xfrm>
+            <a:off x="5769196" y="2550745"/>
+            <a:ext cx="3072384" cy="3072384"/>
+          </a:xfrm>
+          <a:prstGeom prst="ellipse">
+            <a:avLst/>
+          </a:prstGeom>
+          <a:solidFill>
+            <a:srgbClr val="FFFFFF">
+              <a:alpha val="80000"/>
+            </a:srgbClr>
+          </a:solidFill>
+          <a:ln>
+            <a:noFill/>
+          </a:ln>
+        </p:spPr>
+        <p:style>
+          <a:lnRef idx="2">
+            <a:schemeClr val="accent1">
+              <a:shade val="50000"/>
+            </a:schemeClr>
+          </a:lnRef>
+          <a:fillRef idx="1">
+            <a:schemeClr val="accent1"/>
+          </a:fillRef>
+          <a:effectRef idx="0">
+            <a:schemeClr val="accent1"/>
+          </a:effectRef>
+          <a:fontRef idx="minor">
+            <a:schemeClr val="lt1"/>
+          </a:fontRef>
+        </p:style>
+        <p:txBody>
+          <a:bodyPr rtlCol="0" anchor="ctr"/>
+          <a:lstStyle/>
+          <a:p>
+            <a:pPr marL="0" marR="0" lvl="0" indent="0" algn="ctr" defTabSz="914400" rtl="0" eaLnBrk="1" fontAlgn="auto" latinLnBrk="0" hangingPunct="1">
+              <a:lnSpc>
+                <a:spcPct val="100000"/>
+              </a:lnSpc>
+              <a:spcBef>
+                <a:spcPts val="0"/>
+              </a:spcBef>
+              <a:spcAft>
+                <a:spcPts val="0"/>
+              </a:spcAft>
+              <a:buClrTx/>
+              <a:buSzTx/>
+              <a:buFontTx/>
+              <a:buNone/>
+              <a:tabLst/>
+              <a:defRPr/>
+            </a:pPr>
+            <a:endParaRPr kumimoji="0" lang="en-US" sz="1800" b="0" i="0" u="none" strike="noStrike" kern="1200" cap="none" spc="0" normalizeH="0" baseline="0" noProof="0">
+              <a:ln>
+                <a:noFill/>
+              </a:ln>
+              <a:solidFill>
+                <a:prstClr val="white"/>
+              </a:solidFill>
+              <a:effectLst/>
+              <a:uLnTx/>
+              <a:uFillTx/>
+              <a:latin typeface="Calibri" panose="020F0502020204030204"/>
+              <a:ea typeface="+mn-ea"/>
+              <a:cs typeface="+mn-cs"/>
+            </a:endParaRPr>
+          </a:p>
+        </p:txBody>
+      </p:sp>
+      <p:sp>
+        <p:nvSpPr>
+          <p:cNvPr id="38" name="Freeform: Shape 37">
+            <a:extLst>
+              <a:ext uri="{FF2B5EF4-FFF2-40B4-BE49-F238E27FC236}">
+                <a16:creationId xmlns:a16="http://schemas.microsoft.com/office/drawing/2014/main" id="{CDC29AC1-2821-4FCC-B597-88DAF39C36FE}"/>
+              </a:ext>
+              <a:ext uri="{C183D7F6-B498-43B3-948B-1728B52AA6E4}">
+                <adec:decorative xmlns:adec="http://schemas.microsoft.com/office/drawing/2017/decorative" val="1"/>
+              </a:ext>
+            </a:extLst>
+          </p:cNvPr>
+          <p:cNvSpPr>
+            <a:spLocks noGrp="1" noRot="1" noChangeAspect="1" noMove="1" noResize="1" noEditPoints="1" noAdjustHandles="1" noChangeArrowheads="1" noChangeShapeType="1" noTextEdit="1"/>
+          </p:cNvSpPr>
+          <p:nvPr>
+            <p:extLst>
+              <p:ext uri="{386F3935-93C4-4BCD-93E2-E3B085C9AB24}">
+                <p16:designElem xmlns:p16="http://schemas.microsoft.com/office/powerpoint/2015/main" val="1"/>
+              </p:ext>
+            </p:extLst>
+          </p:nvPr>
+        </p:nvSpPr>
+        <p:spPr>
+          <a:xfrm>
+            <a:off x="1700930" y="4604085"/>
+            <a:ext cx="4281112" cy="2253913"/>
+          </a:xfrm>
+          <a:custGeom>
+            <a:avLst/>
+            <a:gdLst>
+              <a:gd name="connsiteX0" fmla="*/ 2140556 w 4281112"/>
+              <a:gd name="connsiteY0" fmla="*/ 0 h 2253913"/>
+              <a:gd name="connsiteX1" fmla="*/ 4281112 w 4281112"/>
+              <a:gd name="connsiteY1" fmla="*/ 2140556 h 2253913"/>
+              <a:gd name="connsiteX2" fmla="*/ 4275388 w 4281112"/>
+              <a:gd name="connsiteY2" fmla="*/ 2253913 h 2253913"/>
+              <a:gd name="connsiteX3" fmla="*/ 5724 w 4281112"/>
+              <a:gd name="connsiteY3" fmla="*/ 2253913 h 2253913"/>
+              <a:gd name="connsiteX4" fmla="*/ 0 w 4281112"/>
+              <a:gd name="connsiteY4" fmla="*/ 2140556 h 2253913"/>
+              <a:gd name="connsiteX5" fmla="*/ 2140556 w 4281112"/>
+              <a:gd name="connsiteY5" fmla="*/ 0 h 2253913"/>
+            </a:gdLst>
+            <a:ahLst/>
+            <a:cxnLst>
+              <a:cxn ang="0">
+                <a:pos x="connsiteX0" y="connsiteY0"/>
+              </a:cxn>
+              <a:cxn ang="0">
+                <a:pos x="connsiteX1" y="connsiteY1"/>
+              </a:cxn>
+              <a:cxn ang="0">
+                <a:pos x="connsiteX2" y="connsiteY2"/>
+              </a:cxn>
+              <a:cxn ang="0">
+                <a:pos x="connsiteX3" y="connsiteY3"/>
+              </a:cxn>
+              <a:cxn ang="0">
+                <a:pos x="connsiteX4" y="connsiteY4"/>
+              </a:cxn>
+              <a:cxn ang="0">
+                <a:pos x="connsiteX5" y="connsiteY5"/>
+              </a:cxn>
+            </a:cxnLst>
+            <a:rect l="l" t="t" r="r" b="b"/>
+            <a:pathLst>
+              <a:path w="4281112" h="2253913">
+                <a:moveTo>
+                  <a:pt x="2140556" y="0"/>
+                </a:moveTo>
+                <a:cubicBezTo>
+                  <a:pt x="3322752" y="0"/>
+                  <a:pt x="4281112" y="958360"/>
+                  <a:pt x="4281112" y="2140556"/>
+                </a:cubicBezTo>
+                <a:lnTo>
+                  <a:pt x="4275388" y="2253913"/>
+                </a:lnTo>
+                <a:lnTo>
+                  <a:pt x="5724" y="2253913"/>
+                </a:lnTo>
+                <a:lnTo>
+                  <a:pt x="0" y="2140556"/>
+                </a:lnTo>
+                <a:cubicBezTo>
+                  <a:pt x="0" y="958360"/>
+                  <a:pt x="958360" y="0"/>
+                  <a:pt x="2140556" y="0"/>
+                </a:cubicBezTo>
+                <a:close/>
+              </a:path>
+            </a:pathLst>
+          </a:custGeom>
+          <a:solidFill>
+            <a:srgbClr val="FFFFFF">
+              <a:alpha val="80000"/>
+            </a:srgbClr>
+          </a:solidFill>
+          <a:ln>
+            <a:noFill/>
+          </a:ln>
+        </p:spPr>
+        <p:style>
+          <a:lnRef idx="2">
+            <a:schemeClr val="accent1">
+              <a:shade val="50000"/>
+            </a:schemeClr>
+          </a:lnRef>
+          <a:fillRef idx="1">
+            <a:schemeClr val="accent1"/>
+          </a:fillRef>
+          <a:effectRef idx="0">
+            <a:schemeClr val="accent1"/>
+          </a:effectRef>
+          <a:fontRef idx="minor">
+            <a:schemeClr val="lt1"/>
+          </a:fontRef>
+        </p:style>
+        <p:txBody>
+          <a:bodyPr wrap="square" rtlCol="0" anchor="ctr">
+            <a:noAutofit/>
+          </a:bodyPr>
+          <a:lstStyle/>
+          <a:p>
+            <a:pPr marL="0" marR="0" lvl="0" indent="0" algn="ctr" defTabSz="914400" rtl="0" eaLnBrk="1" fontAlgn="auto" latinLnBrk="0" hangingPunct="1">
+              <a:lnSpc>
+                <a:spcPct val="100000"/>
+              </a:lnSpc>
+              <a:spcBef>
+                <a:spcPts val="0"/>
+              </a:spcBef>
+              <a:spcAft>
+                <a:spcPts val="0"/>
+              </a:spcAft>
+              <a:buClrTx/>
+              <a:buSzTx/>
+              <a:buFontTx/>
+              <a:buNone/>
+              <a:tabLst/>
+              <a:defRPr/>
+            </a:pPr>
+            <a:endParaRPr kumimoji="0" lang="en-US" sz="1800" b="0" i="0" u="none" strike="noStrike" kern="1200" cap="none" spc="0" normalizeH="0" baseline="0" noProof="0">
+              <a:ln>
+                <a:noFill/>
+              </a:ln>
+              <a:solidFill>
+                <a:prstClr val="white"/>
+              </a:solidFill>
+              <a:effectLst/>
+              <a:uLnTx/>
+              <a:uFillTx/>
+              <a:latin typeface="Calibri" panose="020F0502020204030204"/>
+              <a:ea typeface="+mn-ea"/>
+              <a:cs typeface="+mn-cs"/>
+            </a:endParaRPr>
+          </a:p>
+        </p:txBody>
+      </p:sp>
+      <p:sp>
+        <p:nvSpPr>
+          <p:cNvPr id="40" name="Freeform: Shape 39">
+            <a:extLst>
+              <a:ext uri="{FF2B5EF4-FFF2-40B4-BE49-F238E27FC236}">
+                <a16:creationId xmlns:a16="http://schemas.microsoft.com/office/drawing/2014/main" id="{0640CCAE-325C-4DD0-BB26-38BF690F3BBB}"/>
+              </a:ext>
+              <a:ext uri="{C183D7F6-B498-43B3-948B-1728B52AA6E4}">
+                <adec:decorative xmlns:adec="http://schemas.microsoft.com/office/drawing/2017/decorative" val="1"/>
+              </a:ext>
+            </a:extLst>
+          </p:cNvPr>
+          <p:cNvSpPr>
+            <a:spLocks noGrp="1" noRot="1" noChangeAspect="1" noMove="1" noResize="1" noEditPoints="1" noAdjustHandles="1" noChangeArrowheads="1" noChangeShapeType="1" noTextEdit="1"/>
+          </p:cNvSpPr>
+          <p:nvPr>
+            <p:extLst>
+              <p:ext uri="{386F3935-93C4-4BCD-93E2-E3B085C9AB24}">
+                <p16:designElem xmlns:p16="http://schemas.microsoft.com/office/powerpoint/2015/main" val="1"/>
+              </p:ext>
+            </p:extLst>
+          </p:nvPr>
+        </p:nvSpPr>
+        <p:spPr>
+          <a:xfrm>
+            <a:off x="0" y="4250935"/>
+            <a:ext cx="1732108" cy="2175118"/>
+          </a:xfrm>
+          <a:custGeom>
+            <a:avLst/>
+            <a:gdLst>
+              <a:gd name="connsiteX0" fmla="*/ 644549 w 1732108"/>
+              <a:gd name="connsiteY0" fmla="*/ 0 h 2175118"/>
+              <a:gd name="connsiteX1" fmla="*/ 1732108 w 1732108"/>
+              <a:gd name="connsiteY1" fmla="*/ 1087559 h 2175118"/>
+              <a:gd name="connsiteX2" fmla="*/ 644549 w 1732108"/>
+              <a:gd name="connsiteY2" fmla="*/ 2175118 h 2175118"/>
+              <a:gd name="connsiteX3" fmla="*/ 36485 w 1732108"/>
+              <a:gd name="connsiteY3" fmla="*/ 1989380 h 2175118"/>
+              <a:gd name="connsiteX4" fmla="*/ 0 w 1732108"/>
+              <a:gd name="connsiteY4" fmla="*/ 1959278 h 2175118"/>
+              <a:gd name="connsiteX5" fmla="*/ 0 w 1732108"/>
+              <a:gd name="connsiteY5" fmla="*/ 215841 h 2175118"/>
+              <a:gd name="connsiteX6" fmla="*/ 36485 w 1732108"/>
+              <a:gd name="connsiteY6" fmla="*/ 185738 h 2175118"/>
+              <a:gd name="connsiteX7" fmla="*/ 644549 w 1732108"/>
+              <a:gd name="connsiteY7" fmla="*/ 0 h 2175118"/>
+            </a:gdLst>
+            <a:ahLst/>
+            <a:cxnLst>
+              <a:cxn ang="0">
+                <a:pos x="connsiteX0" y="connsiteY0"/>
+              </a:cxn>
+              <a:cxn ang="0">
+                <a:pos x="connsiteX1" y="connsiteY1"/>
+              </a:cxn>
+              <a:cxn ang="0">
+                <a:pos x="connsiteX2" y="connsiteY2"/>
+              </a:cxn>
+              <a:cxn ang="0">
+                <a:pos x="connsiteX3" y="connsiteY3"/>
+              </a:cxn>
+              <a:cxn ang="0">
+                <a:pos x="connsiteX4" y="connsiteY4"/>
+              </a:cxn>
+              <a:cxn ang="0">
+                <a:pos x="connsiteX5" y="connsiteY5"/>
+              </a:cxn>
+              <a:cxn ang="0">
+                <a:pos x="connsiteX6" y="connsiteY6"/>
+              </a:cxn>
+              <a:cxn ang="0">
+                <a:pos x="connsiteX7" y="connsiteY7"/>
+              </a:cxn>
+            </a:cxnLst>
+            <a:rect l="l" t="t" r="r" b="b"/>
+            <a:pathLst>
+              <a:path w="1732108" h="2175118">
+                <a:moveTo>
+                  <a:pt x="644549" y="0"/>
+                </a:moveTo>
+                <a:cubicBezTo>
+                  <a:pt x="1245191" y="0"/>
+                  <a:pt x="1732108" y="486917"/>
+                  <a:pt x="1732108" y="1087559"/>
+                </a:cubicBezTo>
+                <a:cubicBezTo>
+                  <a:pt x="1732108" y="1688201"/>
+                  <a:pt x="1245191" y="2175118"/>
+                  <a:pt x="644549" y="2175118"/>
+                </a:cubicBezTo>
+                <a:cubicBezTo>
+                  <a:pt x="419308" y="2175118"/>
+                  <a:pt x="210060" y="2106646"/>
+                  <a:pt x="36485" y="1989380"/>
+                </a:cubicBezTo>
+                <a:lnTo>
+                  <a:pt x="0" y="1959278"/>
+                </a:lnTo>
+                <a:lnTo>
+                  <a:pt x="0" y="215841"/>
+                </a:lnTo>
+                <a:lnTo>
+                  <a:pt x="36485" y="185738"/>
+                </a:lnTo>
+                <a:cubicBezTo>
+                  <a:pt x="210060" y="68473"/>
+                  <a:pt x="419308" y="0"/>
+                  <a:pt x="644549" y="0"/>
+                </a:cubicBezTo>
+                <a:close/>
+              </a:path>
+            </a:pathLst>
+          </a:custGeom>
+          <a:solidFill>
+            <a:srgbClr val="FFFFFF">
+              <a:alpha val="80000"/>
+            </a:srgbClr>
+          </a:solidFill>
+          <a:ln>
+            <a:noFill/>
+          </a:ln>
+        </p:spPr>
+        <p:style>
+          <a:lnRef idx="2">
+            <a:schemeClr val="accent1">
+              <a:shade val="50000"/>
+            </a:schemeClr>
+          </a:lnRef>
+          <a:fillRef idx="1">
+            <a:schemeClr val="accent1"/>
+          </a:fillRef>
+          <a:effectRef idx="0">
+            <a:schemeClr val="accent1"/>
+          </a:effectRef>
+          <a:fontRef idx="minor">
+            <a:schemeClr val="lt1"/>
+          </a:fontRef>
+        </p:style>
+        <p:txBody>
+          <a:bodyPr wrap="square" rtlCol="0" anchor="ctr">
+            <a:noAutofit/>
+          </a:bodyPr>
+          <a:lstStyle/>
+          <a:p>
+            <a:pPr marL="0" marR="0" lvl="0" indent="0" algn="ctr" defTabSz="914400" rtl="0" eaLnBrk="1" fontAlgn="auto" latinLnBrk="0" hangingPunct="1">
+              <a:lnSpc>
+                <a:spcPct val="100000"/>
+              </a:lnSpc>
+              <a:spcBef>
+                <a:spcPts val="0"/>
+              </a:spcBef>
+              <a:spcAft>
+                <a:spcPts val="0"/>
+              </a:spcAft>
+              <a:buClrTx/>
+              <a:buSzTx/>
+              <a:buFontTx/>
+              <a:buNone/>
+              <a:tabLst/>
+              <a:defRPr/>
+            </a:pPr>
+            <a:endParaRPr kumimoji="0" lang="en-US" sz="1800" b="0" i="0" u="none" strike="noStrike" kern="1200" cap="none" spc="0" normalizeH="0" baseline="0" noProof="0">
+              <a:ln>
+                <a:noFill/>
+              </a:ln>
+              <a:solidFill>
+                <a:prstClr val="white"/>
+              </a:solidFill>
+              <a:effectLst/>
+              <a:uLnTx/>
+              <a:uFillTx/>
+              <a:latin typeface="Calibri" panose="020F0502020204030204"/>
+              <a:ea typeface="+mn-ea"/>
+              <a:cs typeface="+mn-cs"/>
+            </a:endParaRPr>
+          </a:p>
+        </p:txBody>
+      </p:sp>
+      <p:sp>
+        <p:nvSpPr>
+          <p:cNvPr id="42" name="Freeform: Shape 41">
+            <a:extLst>
+              <a:ext uri="{FF2B5EF4-FFF2-40B4-BE49-F238E27FC236}">
+                <a16:creationId xmlns:a16="http://schemas.microsoft.com/office/drawing/2014/main" id="{49AC9A43-F5C5-4703-A0F0-78CBB9542E37}"/>
+              </a:ext>
+              <a:ext uri="{C183D7F6-B498-43B3-948B-1728B52AA6E4}">
+                <adec:decorative xmlns:adec="http://schemas.microsoft.com/office/drawing/2017/decorative" val="1"/>
+              </a:ext>
+            </a:extLst>
+          </p:cNvPr>
+          <p:cNvSpPr>
+            <a:spLocks noGrp="1" noRot="1" noChangeAspect="1" noMove="1" noResize="1" noEditPoints="1" noAdjustHandles="1" noChangeArrowheads="1" noChangeShapeType="1" noTextEdit="1"/>
+          </p:cNvSpPr>
+          <p:nvPr>
+            <p:extLst>
+              <p:ext uri="{386F3935-93C4-4BCD-93E2-E3B085C9AB24}">
+                <p16:designElem xmlns:p16="http://schemas.microsoft.com/office/powerpoint/2015/main" val="1"/>
+              </p:ext>
+            </p:extLst>
+          </p:nvPr>
+        </p:nvSpPr>
+        <p:spPr>
+          <a:xfrm>
+            <a:off x="0" y="4414950"/>
+            <a:ext cx="1568092" cy="1847088"/>
+          </a:xfrm>
+          <a:custGeom>
+            <a:avLst/>
+            <a:gdLst>
+              <a:gd name="connsiteX0" fmla="*/ 644548 w 1568092"/>
+              <a:gd name="connsiteY0" fmla="*/ 0 h 1847088"/>
+              <a:gd name="connsiteX1" fmla="*/ 1568092 w 1568092"/>
+              <a:gd name="connsiteY1" fmla="*/ 923544 h 1847088"/>
+              <a:gd name="connsiteX2" fmla="*/ 644548 w 1568092"/>
+              <a:gd name="connsiteY2" fmla="*/ 1847088 h 1847088"/>
+              <a:gd name="connsiteX3" fmla="*/ 128186 w 1568092"/>
+              <a:gd name="connsiteY3" fmla="*/ 1689361 h 1847088"/>
+              <a:gd name="connsiteX4" fmla="*/ 0 w 1568092"/>
+              <a:gd name="connsiteY4" fmla="*/ 1583598 h 1847088"/>
+              <a:gd name="connsiteX5" fmla="*/ 0 w 1568092"/>
+              <a:gd name="connsiteY5" fmla="*/ 263490 h 1847088"/>
+              <a:gd name="connsiteX6" fmla="*/ 128186 w 1568092"/>
+              <a:gd name="connsiteY6" fmla="*/ 157727 h 1847088"/>
+              <a:gd name="connsiteX7" fmla="*/ 644548 w 1568092"/>
+              <a:gd name="connsiteY7" fmla="*/ 0 h 1847088"/>
+            </a:gdLst>
+            <a:ahLst/>
+            <a:cxnLst>
+              <a:cxn ang="0">
+                <a:pos x="connsiteX0" y="connsiteY0"/>
+              </a:cxn>
+              <a:cxn ang="0">
+                <a:pos x="connsiteX1" y="connsiteY1"/>
+              </a:cxn>
+              <a:cxn ang="0">
+                <a:pos x="connsiteX2" y="connsiteY2"/>
+              </a:cxn>
+              <a:cxn ang="0">
+                <a:pos x="connsiteX3" y="connsiteY3"/>
+              </a:cxn>
+              <a:cxn ang="0">
+                <a:pos x="connsiteX4" y="connsiteY4"/>
+              </a:cxn>
+              <a:cxn ang="0">
+                <a:pos x="connsiteX5" y="connsiteY5"/>
+              </a:cxn>
+              <a:cxn ang="0">
+                <a:pos x="connsiteX6" y="connsiteY6"/>
+              </a:cxn>
+              <a:cxn ang="0">
+                <a:pos x="connsiteX7" y="connsiteY7"/>
+              </a:cxn>
+            </a:cxnLst>
+            <a:rect l="l" t="t" r="r" b="b"/>
+            <a:pathLst>
+              <a:path w="1568092" h="1847088">
+                <a:moveTo>
+                  <a:pt x="644548" y="0"/>
+                </a:moveTo>
+                <a:cubicBezTo>
+                  <a:pt x="1154607" y="0"/>
+                  <a:pt x="1568092" y="413485"/>
+                  <a:pt x="1568092" y="923544"/>
+                </a:cubicBezTo>
+                <a:cubicBezTo>
+                  <a:pt x="1568092" y="1433603"/>
+                  <a:pt x="1154607" y="1847088"/>
+                  <a:pt x="644548" y="1847088"/>
+                </a:cubicBezTo>
+                <a:cubicBezTo>
+                  <a:pt x="453276" y="1847088"/>
+                  <a:pt x="275584" y="1788942"/>
+                  <a:pt x="128186" y="1689361"/>
+                </a:cubicBezTo>
+                <a:lnTo>
+                  <a:pt x="0" y="1583598"/>
+                </a:lnTo>
+                <a:lnTo>
+                  <a:pt x="0" y="263490"/>
+                </a:lnTo>
+                <a:lnTo>
+                  <a:pt x="128186" y="157727"/>
+                </a:lnTo>
+                <a:cubicBezTo>
+                  <a:pt x="275584" y="58147"/>
+                  <a:pt x="453276" y="0"/>
+                  <a:pt x="644548" y="0"/>
+                </a:cubicBezTo>
+                <a:close/>
+              </a:path>
+            </a:pathLst>
+          </a:custGeom>
+          <a:solidFill>
+            <a:schemeClr val="tx1"/>
+          </a:solidFill>
+          <a:ln>
+            <a:noFill/>
+          </a:ln>
+        </p:spPr>
+        <p:style>
+          <a:lnRef idx="2">
+            <a:schemeClr val="accent1">
+              <a:shade val="50000"/>
+            </a:schemeClr>
+          </a:lnRef>
+          <a:fillRef idx="1">
+            <a:schemeClr val="accent1"/>
+          </a:fillRef>
+          <a:effectRef idx="0">
+            <a:schemeClr val="accent1"/>
+          </a:effectRef>
+          <a:fontRef idx="minor">
+            <a:schemeClr val="lt1"/>
+          </a:fontRef>
+        </p:style>
+        <p:txBody>
+          <a:bodyPr wrap="square" rtlCol="0" anchor="ctr">
+            <a:noAutofit/>
+          </a:bodyPr>
+          <a:lstStyle/>
+          <a:p>
+            <a:pPr algn="ctr"/>
+            <a:endParaRPr lang="en-US"/>
+          </a:p>
+        </p:txBody>
+      </p:sp>
+      <p:pic>
+        <p:nvPicPr>
+          <p:cNvPr id="13" name="Picture 12" descr="A black and white image of a flask&#10;&#10;AI-generated content may be incorrect.">
+            <a:extLst>
+              <a:ext uri="{FF2B5EF4-FFF2-40B4-BE49-F238E27FC236}">
+                <a16:creationId xmlns:a16="http://schemas.microsoft.com/office/drawing/2014/main" id="{12141A65-1FD9-C7DB-11DA-B2D350BD1FF3}"/>
+              </a:ext>
+            </a:extLst>
+          </p:cNvPr>
+          <p:cNvPicPr>
+            <a:picLocks noChangeAspect="1"/>
+          </p:cNvPicPr>
+          <p:nvPr/>
+        </p:nvPicPr>
+        <p:blipFill>
+          <a:blip r:embed="rId3"/>
+          <a:stretch>
+            <a:fillRect/>
+          </a:stretch>
+        </p:blipFill>
+        <p:spPr>
+          <a:xfrm>
+            <a:off x="143351" y="4794931"/>
+            <a:ext cx="1067540" cy="1122053"/>
+          </a:xfrm>
+          <a:prstGeom prst="roundRect">
+            <a:avLst>
+              <a:gd name="adj" fmla="val 8594"/>
+            </a:avLst>
+          </a:prstGeom>
+          <a:solidFill>
+            <a:srgbClr val="FFFFFF">
+              <a:shade val="85000"/>
+            </a:srgbClr>
+          </a:solidFill>
+          <a:ln>
+            <a:noFill/>
+          </a:ln>
+          <a:effectLst>
+            <a:reflection blurRad="12700" stA="38000" endPos="28000" dist="5000" dir="5400000" sy="-100000" algn="bl" rotWithShape="0"/>
+          </a:effectLst>
+        </p:spPr>
+      </p:pic>
+      <p:sp>
+        <p:nvSpPr>
+          <p:cNvPr id="44" name="Freeform: Shape 43">
+            <a:extLst>
+              <a:ext uri="{FF2B5EF4-FFF2-40B4-BE49-F238E27FC236}">
+                <a16:creationId xmlns:a16="http://schemas.microsoft.com/office/drawing/2014/main" id="{BE28351C-7EEF-428E-9B7A-5CC84F336216}"/>
+              </a:ext>
+              <a:ext uri="{C183D7F6-B498-43B3-948B-1728B52AA6E4}">
+                <adec:decorative xmlns:adec="http://schemas.microsoft.com/office/drawing/2017/decorative" val="1"/>
+              </a:ext>
+            </a:extLst>
+          </p:cNvPr>
+          <p:cNvSpPr>
+            <a:spLocks noGrp="1" noRot="1" noChangeAspect="1" noMove="1" noResize="1" noEditPoints="1" noAdjustHandles="1" noChangeArrowheads="1" noChangeShapeType="1" noTextEdit="1"/>
+          </p:cNvSpPr>
+          <p:nvPr>
+            <p:extLst>
+              <p:ext uri="{386F3935-93C4-4BCD-93E2-E3B085C9AB24}">
+                <p16:designElem xmlns:p16="http://schemas.microsoft.com/office/powerpoint/2015/main" val="1"/>
+              </p:ext>
+            </p:extLst>
+          </p:nvPr>
+        </p:nvSpPr>
+        <p:spPr>
+          <a:xfrm>
+            <a:off x="1866382" y="4769538"/>
+            <a:ext cx="3950208" cy="2088462"/>
+          </a:xfrm>
+          <a:custGeom>
+            <a:avLst/>
+            <a:gdLst>
+              <a:gd name="connsiteX0" fmla="*/ 1975104 w 3950208"/>
+              <a:gd name="connsiteY0" fmla="*/ 0 h 2088462"/>
+              <a:gd name="connsiteX1" fmla="*/ 3950208 w 3950208"/>
+              <a:gd name="connsiteY1" fmla="*/ 1975104 h 2088462"/>
+              <a:gd name="connsiteX2" fmla="*/ 3944484 w 3950208"/>
+              <a:gd name="connsiteY2" fmla="*/ 2088462 h 2088462"/>
+              <a:gd name="connsiteX3" fmla="*/ 5724 w 3950208"/>
+              <a:gd name="connsiteY3" fmla="*/ 2088462 h 2088462"/>
+              <a:gd name="connsiteX4" fmla="*/ 0 w 3950208"/>
+              <a:gd name="connsiteY4" fmla="*/ 1975104 h 2088462"/>
+              <a:gd name="connsiteX5" fmla="*/ 1975104 w 3950208"/>
+              <a:gd name="connsiteY5" fmla="*/ 0 h 2088462"/>
+            </a:gdLst>
+            <a:ahLst/>
+            <a:cxnLst>
+              <a:cxn ang="0">
+                <a:pos x="connsiteX0" y="connsiteY0"/>
+              </a:cxn>
+              <a:cxn ang="0">
+                <a:pos x="connsiteX1" y="connsiteY1"/>
+              </a:cxn>
+              <a:cxn ang="0">
+                <a:pos x="connsiteX2" y="connsiteY2"/>
+              </a:cxn>
+              <a:cxn ang="0">
+                <a:pos x="connsiteX3" y="connsiteY3"/>
+              </a:cxn>
+              <a:cxn ang="0">
+                <a:pos x="connsiteX4" y="connsiteY4"/>
+              </a:cxn>
+              <a:cxn ang="0">
+                <a:pos x="connsiteX5" y="connsiteY5"/>
+              </a:cxn>
+            </a:cxnLst>
+            <a:rect l="l" t="t" r="r" b="b"/>
+            <a:pathLst>
+              <a:path w="3950208" h="2088462">
+                <a:moveTo>
+                  <a:pt x="1975104" y="0"/>
+                </a:moveTo>
+                <a:cubicBezTo>
+                  <a:pt x="3065924" y="0"/>
+                  <a:pt x="3950208" y="884284"/>
+                  <a:pt x="3950208" y="1975104"/>
+                </a:cubicBezTo>
+                <a:lnTo>
+                  <a:pt x="3944484" y="2088462"/>
+                </a:lnTo>
+                <a:lnTo>
+                  <a:pt x="5724" y="2088462"/>
+                </a:lnTo>
+                <a:lnTo>
+                  <a:pt x="0" y="1975104"/>
+                </a:lnTo>
+                <a:cubicBezTo>
+                  <a:pt x="0" y="884284"/>
+                  <a:pt x="884284" y="0"/>
+                  <a:pt x="1975104" y="0"/>
+                </a:cubicBezTo>
+                <a:close/>
+              </a:path>
+            </a:pathLst>
+          </a:custGeom>
+          <a:solidFill>
+            <a:schemeClr val="tx1"/>
+          </a:solidFill>
+          <a:ln>
+            <a:noFill/>
+          </a:ln>
+        </p:spPr>
+        <p:style>
+          <a:lnRef idx="2">
+            <a:schemeClr val="accent1">
+              <a:shade val="50000"/>
+            </a:schemeClr>
+          </a:lnRef>
+          <a:fillRef idx="1">
+            <a:schemeClr val="accent1"/>
+          </a:fillRef>
+          <a:effectRef idx="0">
+            <a:schemeClr val="accent1"/>
+          </a:effectRef>
+          <a:fontRef idx="minor">
+            <a:schemeClr val="lt1"/>
+          </a:fontRef>
+        </p:style>
+        <p:txBody>
+          <a:bodyPr wrap="square" rtlCol="0" anchor="ctr">
+            <a:noAutofit/>
+          </a:bodyPr>
+          <a:lstStyle/>
+          <a:p>
+            <a:pPr algn="ctr"/>
+            <a:endParaRPr lang="en-US"/>
+          </a:p>
+        </p:txBody>
+      </p:sp>
+      <p:pic>
+        <p:nvPicPr>
+          <p:cNvPr id="7" name="Picture 6" descr="A logo with a red and yellow flame&#10;&#10;AI-generated content may be incorrect.">
+            <a:extLst>
+              <a:ext uri="{FF2B5EF4-FFF2-40B4-BE49-F238E27FC236}">
+                <a16:creationId xmlns:a16="http://schemas.microsoft.com/office/drawing/2014/main" id="{A161FF25-3CEB-3064-EF40-F7A8FEFF8627}"/>
+              </a:ext>
+            </a:extLst>
+          </p:cNvPr>
+          <p:cNvPicPr>
+            <a:picLocks noChangeAspect="1"/>
+          </p:cNvPicPr>
+          <p:nvPr/>
+        </p:nvPicPr>
+        <p:blipFill>
+          <a:blip r:embed="rId4"/>
+          <a:stretch>
+            <a:fillRect/>
+          </a:stretch>
+        </p:blipFill>
+        <p:spPr>
+          <a:xfrm>
+            <a:off x="6429530" y="3276384"/>
+            <a:ext cx="1751717" cy="1621106"/>
+          </a:xfrm>
+          <a:prstGeom prst="roundRect">
+            <a:avLst>
+              <a:gd name="adj" fmla="val 8594"/>
+            </a:avLst>
+          </a:prstGeom>
+          <a:solidFill>
+            <a:srgbClr val="FFFFFF">
+              <a:shade val="85000"/>
+            </a:srgbClr>
+          </a:solidFill>
+          <a:ln>
+            <a:noFill/>
+          </a:ln>
+          <a:effectLst>
+            <a:reflection blurRad="12700" stA="38000" endPos="28000" dist="5000" dir="5400000" sy="-100000" algn="bl" rotWithShape="0"/>
+          </a:effectLst>
+        </p:spPr>
+      </p:pic>
+      <p:pic>
+        <p:nvPicPr>
+          <p:cNvPr id="17" name="Picture 16" descr="A black and white logo&#10;&#10;AI-generated content may be incorrect.">
+            <a:extLst>
+              <a:ext uri="{FF2B5EF4-FFF2-40B4-BE49-F238E27FC236}">
+                <a16:creationId xmlns:a16="http://schemas.microsoft.com/office/drawing/2014/main" id="{901AFFA6-ADEC-1179-1C94-5122FC67E13C}"/>
+              </a:ext>
+            </a:extLst>
+          </p:cNvPr>
+          <p:cNvPicPr>
+            <a:picLocks noChangeAspect="1"/>
+          </p:cNvPicPr>
+          <p:nvPr/>
+        </p:nvPicPr>
+        <p:blipFill>
+          <a:blip r:embed="rId5"/>
+          <a:stretch>
+            <a:fillRect/>
+          </a:stretch>
+        </p:blipFill>
+        <p:spPr>
+          <a:xfrm>
+            <a:off x="2620499" y="5498684"/>
+            <a:ext cx="2394581" cy="670482"/>
+          </a:xfrm>
+          <a:prstGeom prst="roundRect">
+            <a:avLst>
+              <a:gd name="adj" fmla="val 8594"/>
+            </a:avLst>
+          </a:prstGeom>
+          <a:solidFill>
+            <a:srgbClr val="FFFFFF">
+              <a:shade val="85000"/>
+            </a:srgbClr>
+          </a:solidFill>
+          <a:ln>
+            <a:noFill/>
+          </a:ln>
+          <a:effectLst>
+            <a:reflection blurRad="12700" stA="38000" endPos="28000" dist="5000" dir="5400000" sy="-100000" algn="bl" rotWithShape="0"/>
+          </a:effectLst>
+        </p:spPr>
+      </p:pic>
+      <p:sp>
+        <p:nvSpPr>
+          <p:cNvPr id="46" name="Freeform: Shape 45">
+            <a:extLst>
+              <a:ext uri="{FF2B5EF4-FFF2-40B4-BE49-F238E27FC236}">
+                <a16:creationId xmlns:a16="http://schemas.microsoft.com/office/drawing/2014/main" id="{C8F10CB3-3B5E-4C7A-98CF-B87454DDFA39}"/>
+              </a:ext>
+              <a:ext uri="{C183D7F6-B498-43B3-948B-1728B52AA6E4}">
+                <adec:decorative xmlns:adec="http://schemas.microsoft.com/office/drawing/2017/decorative" val="1"/>
+              </a:ext>
+            </a:extLst>
+          </p:cNvPr>
+          <p:cNvSpPr>
+            <a:spLocks noGrp="1" noRot="1" noChangeAspect="1" noMove="1" noResize="1" noEditPoints="1" noAdjustHandles="1" noChangeArrowheads="1" noChangeShapeType="1" noTextEdit="1"/>
+          </p:cNvSpPr>
+          <p:nvPr>
+            <p:extLst>
+              <p:ext uri="{386F3935-93C4-4BCD-93E2-E3B085C9AB24}">
+                <p16:designElem xmlns:p16="http://schemas.microsoft.com/office/powerpoint/2015/main" val="1"/>
+              </p:ext>
+            </p:extLst>
+          </p:nvPr>
+        </p:nvSpPr>
+        <p:spPr>
+          <a:xfrm>
+            <a:off x="8848370" y="3966828"/>
+            <a:ext cx="3339958" cy="2891173"/>
+          </a:xfrm>
+          <a:custGeom>
+            <a:avLst/>
+            <a:gdLst>
+              <a:gd name="connsiteX0" fmla="*/ 2002536 w 3339958"/>
+              <a:gd name="connsiteY0" fmla="*/ 0 h 2891173"/>
+              <a:gd name="connsiteX1" fmla="*/ 3276335 w 3339958"/>
+              <a:gd name="connsiteY1" fmla="*/ 457282 h 2891173"/>
+              <a:gd name="connsiteX2" fmla="*/ 3339958 w 3339958"/>
+              <a:gd name="connsiteY2" fmla="*/ 515107 h 2891173"/>
+              <a:gd name="connsiteX3" fmla="*/ 3339958 w 3339958"/>
+              <a:gd name="connsiteY3" fmla="*/ 2891173 h 2891173"/>
+              <a:gd name="connsiteX4" fmla="*/ 209954 w 3339958"/>
+              <a:gd name="connsiteY4" fmla="*/ 2891173 h 2891173"/>
+              <a:gd name="connsiteX5" fmla="*/ 157369 w 3339958"/>
+              <a:gd name="connsiteY5" fmla="*/ 2782014 h 2891173"/>
+              <a:gd name="connsiteX6" fmla="*/ 0 w 3339958"/>
+              <a:gd name="connsiteY6" fmla="*/ 2002536 h 2891173"/>
+              <a:gd name="connsiteX7" fmla="*/ 2002536 w 3339958"/>
+              <a:gd name="connsiteY7" fmla="*/ 0 h 2891173"/>
+            </a:gdLst>
+            <a:ahLst/>
+            <a:cxnLst>
+              <a:cxn ang="0">
+                <a:pos x="connsiteX0" y="connsiteY0"/>
+              </a:cxn>
+              <a:cxn ang="0">
+                <a:pos x="connsiteX1" y="connsiteY1"/>
+              </a:cxn>
+              <a:cxn ang="0">
+                <a:pos x="connsiteX2" y="connsiteY2"/>
+              </a:cxn>
+              <a:cxn ang="0">
+                <a:pos x="connsiteX3" y="connsiteY3"/>
+              </a:cxn>
+              <a:cxn ang="0">
+                <a:pos x="connsiteX4" y="connsiteY4"/>
+              </a:cxn>
+              <a:cxn ang="0">
+                <a:pos x="connsiteX5" y="connsiteY5"/>
+              </a:cxn>
+              <a:cxn ang="0">
+                <a:pos x="connsiteX6" y="connsiteY6"/>
+              </a:cxn>
+              <a:cxn ang="0">
+                <a:pos x="connsiteX7" y="connsiteY7"/>
+              </a:cxn>
+            </a:cxnLst>
+            <a:rect l="l" t="t" r="r" b="b"/>
+            <a:pathLst>
+              <a:path w="3339958" h="2891173">
+                <a:moveTo>
+                  <a:pt x="2002536" y="0"/>
+                </a:moveTo>
+                <a:cubicBezTo>
+                  <a:pt x="2486398" y="0"/>
+                  <a:pt x="2930179" y="171609"/>
+                  <a:pt x="3276335" y="457282"/>
+                </a:cubicBezTo>
+                <a:lnTo>
+                  <a:pt x="3339958" y="515107"/>
+                </a:lnTo>
+                <a:lnTo>
+                  <a:pt x="3339958" y="2891173"/>
+                </a:lnTo>
+                <a:lnTo>
+                  <a:pt x="209954" y="2891173"/>
+                </a:lnTo>
+                <a:lnTo>
+                  <a:pt x="157369" y="2782014"/>
+                </a:lnTo>
+                <a:cubicBezTo>
+                  <a:pt x="56036" y="2542434"/>
+                  <a:pt x="0" y="2279029"/>
+                  <a:pt x="0" y="2002536"/>
+                </a:cubicBezTo>
+                <a:cubicBezTo>
+                  <a:pt x="0" y="896566"/>
+                  <a:pt x="896566" y="0"/>
+                  <a:pt x="2002536" y="0"/>
+                </a:cubicBezTo>
+                <a:close/>
+              </a:path>
+            </a:pathLst>
+          </a:custGeom>
+          <a:solidFill>
+            <a:srgbClr val="FFFFFF">
+              <a:alpha val="80000"/>
+            </a:srgbClr>
+          </a:solidFill>
+          <a:ln>
+            <a:noFill/>
+          </a:ln>
+        </p:spPr>
+        <p:style>
+          <a:lnRef idx="2">
+            <a:schemeClr val="accent1">
+              <a:shade val="50000"/>
+            </a:schemeClr>
+          </a:lnRef>
+          <a:fillRef idx="1">
+            <a:schemeClr val="accent1"/>
+          </a:fillRef>
+          <a:effectRef idx="0">
+            <a:schemeClr val="accent1"/>
+          </a:effectRef>
+          <a:fontRef idx="minor">
+            <a:schemeClr val="lt1"/>
+          </a:fontRef>
+        </p:style>
+        <p:txBody>
+          <a:bodyPr wrap="square" rtlCol="0" anchor="ctr">
+            <a:noAutofit/>
+          </a:bodyPr>
+          <a:lstStyle/>
+          <a:p>
+            <a:pPr marL="0" marR="0" lvl="0" indent="0" algn="ctr" defTabSz="914400" rtl="0" eaLnBrk="1" fontAlgn="auto" latinLnBrk="0" hangingPunct="1">
+              <a:lnSpc>
+                <a:spcPct val="100000"/>
+              </a:lnSpc>
+              <a:spcBef>
+                <a:spcPts val="0"/>
+              </a:spcBef>
+              <a:spcAft>
+                <a:spcPts val="0"/>
+              </a:spcAft>
+              <a:buClrTx/>
+              <a:buSzTx/>
+              <a:buFontTx/>
+              <a:buNone/>
+              <a:tabLst/>
+              <a:defRPr/>
+            </a:pPr>
+            <a:endParaRPr kumimoji="0" lang="en-US" sz="1800" b="0" i="0" u="none" strike="noStrike" kern="1200" cap="none" spc="0" normalizeH="0" baseline="0" noProof="0" dirty="0">
+              <a:ln>
+                <a:noFill/>
+              </a:ln>
+              <a:solidFill>
+                <a:prstClr val="white"/>
+              </a:solidFill>
+              <a:effectLst/>
+              <a:uLnTx/>
+              <a:uFillTx/>
+              <a:latin typeface="Calibri" panose="020F0502020204030204"/>
+              <a:ea typeface="+mn-ea"/>
+              <a:cs typeface="+mn-cs"/>
+            </a:endParaRPr>
+          </a:p>
+        </p:txBody>
+      </p:sp>
+      <p:sp>
+        <p:nvSpPr>
+          <p:cNvPr id="48" name="Freeform: Shape 47">
+            <a:extLst>
+              <a:ext uri="{FF2B5EF4-FFF2-40B4-BE49-F238E27FC236}">
+                <a16:creationId xmlns:a16="http://schemas.microsoft.com/office/drawing/2014/main" id="{B0B0DBC8-B5F0-40AE-A3D3-BCD504119D4C}"/>
+              </a:ext>
+              <a:ext uri="{C183D7F6-B498-43B3-948B-1728B52AA6E4}">
+                <adec:decorative xmlns:adec="http://schemas.microsoft.com/office/drawing/2017/decorative" val="1"/>
+              </a:ext>
+            </a:extLst>
+          </p:cNvPr>
+          <p:cNvSpPr>
+            <a:spLocks noGrp="1" noRot="1" noChangeAspect="1" noMove="1" noResize="1" noEditPoints="1" noAdjustHandles="1" noChangeArrowheads="1" noChangeShapeType="1" noTextEdit="1"/>
+          </p:cNvSpPr>
+          <p:nvPr>
+            <p:extLst>
+              <p:ext uri="{386F3935-93C4-4BCD-93E2-E3B085C9AB24}">
+                <p16:designElem xmlns:p16="http://schemas.microsoft.com/office/powerpoint/2015/main" val="1"/>
+              </p:ext>
+            </p:extLst>
+          </p:nvPr>
+        </p:nvSpPr>
+        <p:spPr>
+          <a:xfrm>
+            <a:off x="9009416" y="4131546"/>
+            <a:ext cx="3178912" cy="2726454"/>
+          </a:xfrm>
+          <a:custGeom>
+            <a:avLst/>
+            <a:gdLst>
+              <a:gd name="connsiteX0" fmla="*/ 1837818 w 3178912"/>
+              <a:gd name="connsiteY0" fmla="*/ 0 h 2726454"/>
+              <a:gd name="connsiteX1" fmla="*/ 3137352 w 3178912"/>
+              <a:gd name="connsiteY1" fmla="*/ 538285 h 2726454"/>
+              <a:gd name="connsiteX2" fmla="*/ 3178912 w 3178912"/>
+              <a:gd name="connsiteY2" fmla="*/ 584013 h 2726454"/>
+              <a:gd name="connsiteX3" fmla="*/ 3178912 w 3178912"/>
+              <a:gd name="connsiteY3" fmla="*/ 2726454 h 2726454"/>
+              <a:gd name="connsiteX4" fmla="*/ 229483 w 3178912"/>
+              <a:gd name="connsiteY4" fmla="*/ 2726454 h 2726454"/>
+              <a:gd name="connsiteX5" fmla="*/ 221815 w 3178912"/>
+              <a:gd name="connsiteY5" fmla="*/ 2713832 h 2726454"/>
+              <a:gd name="connsiteX6" fmla="*/ 0 w 3178912"/>
+              <a:gd name="connsiteY6" fmla="*/ 1837818 h 2726454"/>
+              <a:gd name="connsiteX7" fmla="*/ 1837818 w 3178912"/>
+              <a:gd name="connsiteY7" fmla="*/ 0 h 2726454"/>
+            </a:gdLst>
+            <a:ahLst/>
+            <a:cxnLst>
+              <a:cxn ang="0">
+                <a:pos x="connsiteX0" y="connsiteY0"/>
+              </a:cxn>
+              <a:cxn ang="0">
+                <a:pos x="connsiteX1" y="connsiteY1"/>
+              </a:cxn>
+              <a:cxn ang="0">
+                <a:pos x="connsiteX2" y="connsiteY2"/>
+              </a:cxn>
+              <a:cxn ang="0">
+                <a:pos x="connsiteX3" y="connsiteY3"/>
+              </a:cxn>
+              <a:cxn ang="0">
+                <a:pos x="connsiteX4" y="connsiteY4"/>
+              </a:cxn>
+              <a:cxn ang="0">
+                <a:pos x="connsiteX5" y="connsiteY5"/>
+              </a:cxn>
+              <a:cxn ang="0">
+                <a:pos x="connsiteX6" y="connsiteY6"/>
+              </a:cxn>
+              <a:cxn ang="0">
+                <a:pos x="connsiteX7" y="connsiteY7"/>
+              </a:cxn>
+            </a:cxnLst>
+            <a:rect l="l" t="t" r="r" b="b"/>
+            <a:pathLst>
+              <a:path w="3178912" h="2726454">
+                <a:moveTo>
+                  <a:pt x="1837818" y="0"/>
+                </a:moveTo>
+                <a:cubicBezTo>
+                  <a:pt x="2345318" y="0"/>
+                  <a:pt x="2804772" y="205705"/>
+                  <a:pt x="3137352" y="538285"/>
+                </a:cubicBezTo>
+                <a:lnTo>
+                  <a:pt x="3178912" y="584013"/>
+                </a:lnTo>
+                <a:lnTo>
+                  <a:pt x="3178912" y="2726454"/>
+                </a:lnTo>
+                <a:lnTo>
+                  <a:pt x="229483" y="2726454"/>
+                </a:lnTo>
+                <a:lnTo>
+                  <a:pt x="221815" y="2713832"/>
+                </a:lnTo>
+                <a:cubicBezTo>
+                  <a:pt x="80353" y="2453425"/>
+                  <a:pt x="0" y="2155005"/>
+                  <a:pt x="0" y="1837818"/>
+                </a:cubicBezTo>
+                <a:cubicBezTo>
+                  <a:pt x="0" y="822819"/>
+                  <a:pt x="822819" y="0"/>
+                  <a:pt x="1837818" y="0"/>
+                </a:cubicBezTo>
+                <a:close/>
+              </a:path>
+            </a:pathLst>
+          </a:custGeom>
+          <a:solidFill>
+            <a:schemeClr val="tx1"/>
+          </a:solidFill>
+          <a:ln>
+            <a:noFill/>
+          </a:ln>
+        </p:spPr>
+        <p:style>
+          <a:lnRef idx="2">
+            <a:schemeClr val="accent1">
+              <a:shade val="50000"/>
+            </a:schemeClr>
+          </a:lnRef>
+          <a:fillRef idx="1">
+            <a:schemeClr val="accent1"/>
+          </a:fillRef>
+          <a:effectRef idx="0">
+            <a:schemeClr val="accent1"/>
+          </a:effectRef>
+          <a:fontRef idx="minor">
+            <a:schemeClr val="lt1"/>
+          </a:fontRef>
+        </p:style>
+        <p:txBody>
+          <a:bodyPr wrap="square" rtlCol="0" anchor="ctr">
+            <a:noAutofit/>
+          </a:bodyPr>
+          <a:lstStyle/>
+          <a:p>
+            <a:pPr algn="ctr"/>
+            <a:endParaRPr lang="en-US"/>
+          </a:p>
+        </p:txBody>
+      </p:sp>
+      <p:pic>
+        <p:nvPicPr>
+          <p:cNvPr id="5" name="Picture 4" descr="A logo with blue and grey triangles&#10;&#10;AI-generated content may be incorrect.">
+            <a:extLst>
+              <a:ext uri="{FF2B5EF4-FFF2-40B4-BE49-F238E27FC236}">
+                <a16:creationId xmlns:a16="http://schemas.microsoft.com/office/drawing/2014/main" id="{B95DA5AC-B391-FFF9-A32E-6D85698BB9CC}"/>
+              </a:ext>
+            </a:extLst>
+          </p:cNvPr>
+          <p:cNvPicPr>
+            <a:picLocks noChangeAspect="1"/>
+          </p:cNvPicPr>
+          <p:nvPr/>
+        </p:nvPicPr>
+        <p:blipFill>
+          <a:blip r:embed="rId6"/>
+          <a:stretch>
+            <a:fillRect/>
+          </a:stretch>
+        </p:blipFill>
+        <p:spPr>
+          <a:xfrm>
+            <a:off x="8840382" y="372878"/>
+            <a:ext cx="3065082" cy="1502293"/>
+          </a:xfrm>
+          <a:prstGeom prst="roundRect">
+            <a:avLst>
+              <a:gd name="adj" fmla="val 8594"/>
+            </a:avLst>
+          </a:prstGeom>
+          <a:solidFill>
+            <a:srgbClr val="FFFFFF">
+              <a:shade val="85000"/>
+            </a:srgbClr>
+          </a:solidFill>
+          <a:ln>
+            <a:noFill/>
+          </a:ln>
+          <a:effectLst>
+            <a:reflection blurRad="12700" stA="38000" endPos="28000" dist="5000" dir="5400000" sy="-100000" algn="bl" rotWithShape="0"/>
+          </a:effectLst>
+        </p:spPr>
+      </p:pic>
+      <p:pic>
+        <p:nvPicPr>
+          <p:cNvPr id="23" name="Picture 22" descr="A close-up of a logo&#10;&#10;AI-generated content may be incorrect.">
+            <a:extLst>
+              <a:ext uri="{FF2B5EF4-FFF2-40B4-BE49-F238E27FC236}">
+                <a16:creationId xmlns:a16="http://schemas.microsoft.com/office/drawing/2014/main" id="{1113C8F1-BAE4-AA38-6BFB-EB55F5A672D8}"/>
+              </a:ext>
+            </a:extLst>
+          </p:cNvPr>
+          <p:cNvPicPr>
+            <a:picLocks noChangeAspect="1"/>
+          </p:cNvPicPr>
+          <p:nvPr/>
+        </p:nvPicPr>
+        <p:blipFill>
+          <a:blip r:embed="rId7"/>
+          <a:stretch>
+            <a:fillRect/>
+          </a:stretch>
+        </p:blipFill>
+        <p:spPr>
+          <a:xfrm>
+            <a:off x="9335466" y="5182729"/>
+            <a:ext cx="2852862" cy="1302393"/>
+          </a:xfrm>
+          <a:prstGeom prst="roundRect">
+            <a:avLst>
+              <a:gd name="adj" fmla="val 8594"/>
+            </a:avLst>
+          </a:prstGeom>
+          <a:solidFill>
+            <a:srgbClr val="FFFFFF">
+              <a:shade val="85000"/>
+            </a:srgbClr>
+          </a:solidFill>
+          <a:ln>
+            <a:noFill/>
+          </a:ln>
+          <a:effectLst>
+            <a:reflection blurRad="12700" stA="38000" endPos="28000" dist="5000" dir="5400000" sy="-100000" algn="bl" rotWithShape="0"/>
+          </a:effectLst>
+        </p:spPr>
+      </p:pic>
+    </p:spTree>
+    <p:extLst>
+      <p:ext uri="{BB962C8B-B14F-4D97-AF65-F5344CB8AC3E}">
+        <p14:creationId xmlns:p14="http://schemas.microsoft.com/office/powerpoint/2010/main" val="29907494"/>
+      </p:ext>
+    </p:extLst>
+  </p:cSld>
+  <p:clrMapOvr>
+    <a:overrideClrMapping bg1="dk1" tx1="lt1" bg2="dk2" tx2="lt2" accent1="accent1" accent2="accent2" accent3="accent3" accent4="accent4" accent5="accent5" accent6="accent6" hlink="hlink" folHlink="folHlink"/>
+  </p:clrMapOvr>
+</p:sld>
+</file>
+
+<file path=ppt/slides/slide8.xml><?xml version="1.0" encoding="utf-8"?>
 <p:sld xmlns:a="http://schemas.openxmlformats.org/drawingml/2006/main" xmlns:r="http://schemas.openxmlformats.org/officeDocument/2006/relationships" xmlns:p="http://schemas.openxmlformats.org/presentationml/2006/main">
   <p:cSld>
     <p:spTree>
@@ -13446,7 +13941,7 @@
 </p:sld>
 </file>
 
-<file path=ppt/slides/slide6.xml><?xml version="1.0" encoding="utf-8"?>
+<file path=ppt/slides/slide9.xml><?xml version="1.0" encoding="utf-8"?>
 <p:sld xmlns:a="http://schemas.openxmlformats.org/drawingml/2006/main" xmlns:r="http://schemas.openxmlformats.org/officeDocument/2006/relationships" xmlns:p="http://schemas.openxmlformats.org/presentationml/2006/main">
   <p:cSld>
     <p:spTree>
@@ -13648,589 +14143,6 @@
     <p:extLst>
       <p:ext uri="{BB962C8B-B14F-4D97-AF65-F5344CB8AC3E}">
         <p14:creationId xmlns:p14="http://schemas.microsoft.com/office/powerpoint/2010/main" val="3691667022"/>
-      </p:ext>
-    </p:extLst>
-  </p:cSld>
-  <p:clrMapOvr>
-    <a:masterClrMapping/>
-  </p:clrMapOvr>
-</p:sld>
-</file>
-
-<file path=ppt/slides/slide7.xml><?xml version="1.0" encoding="utf-8"?>
-<p:sld xmlns:a="http://schemas.openxmlformats.org/drawingml/2006/main" xmlns:r="http://schemas.openxmlformats.org/officeDocument/2006/relationships" xmlns:p="http://schemas.openxmlformats.org/presentationml/2006/main">
-  <p:cSld>
-    <p:spTree>
-      <p:nvGrpSpPr>
-        <p:cNvPr id="1" name="">
-          <a:extLst>
-            <a:ext uri="{FF2B5EF4-FFF2-40B4-BE49-F238E27FC236}">
-              <a16:creationId xmlns:a16="http://schemas.microsoft.com/office/drawing/2014/main" id="{54DCACEA-F692-E20F-3A40-24350966148A}"/>
-            </a:ext>
-          </a:extLst>
-        </p:cNvPr>
-        <p:cNvGrpSpPr/>
-        <p:nvPr/>
-      </p:nvGrpSpPr>
-      <p:grpSpPr>
-        <a:xfrm>
-          <a:off x="0" y="0"/>
-          <a:ext cx="0" cy="0"/>
-          <a:chOff x="0" y="0"/>
-          <a:chExt cx="0" cy="0"/>
-        </a:xfrm>
-      </p:grpSpPr>
-      <p:sp>
-        <p:nvSpPr>
-          <p:cNvPr id="2" name="Title 1">
-            <a:extLst>
-              <a:ext uri="{FF2B5EF4-FFF2-40B4-BE49-F238E27FC236}">
-                <a16:creationId xmlns:a16="http://schemas.microsoft.com/office/drawing/2014/main" id="{B4A47C69-C3EB-1B17-B1B3-8D97CDD0946E}"/>
-              </a:ext>
-            </a:extLst>
-          </p:cNvPr>
-          <p:cNvSpPr>
-            <a:spLocks noGrp="1"/>
-          </p:cNvSpPr>
-          <p:nvPr>
-            <p:ph type="title"/>
-          </p:nvPr>
-        </p:nvSpPr>
-        <p:spPr/>
-        <p:txBody>
-          <a:bodyPr/>
-          <a:lstStyle/>
-          <a:p>
-            <a:r>
-              <a:rPr lang="en-US" dirty="0"/>
-              <a:t>Add file sequence diagram</a:t>
-            </a:r>
-          </a:p>
-        </p:txBody>
-      </p:sp>
-      <p:pic>
-        <p:nvPicPr>
-          <p:cNvPr id="6" name="Picture 5">
-            <a:extLst>
-              <a:ext uri="{FF2B5EF4-FFF2-40B4-BE49-F238E27FC236}">
-                <a16:creationId xmlns:a16="http://schemas.microsoft.com/office/drawing/2014/main" id="{EB5C489D-DB94-E7F7-8137-045880E5FFA7}"/>
-              </a:ext>
-            </a:extLst>
-          </p:cNvPr>
-          <p:cNvPicPr>
-            <a:picLocks noChangeAspect="1"/>
-          </p:cNvPicPr>
-          <p:nvPr/>
-        </p:nvPicPr>
-        <p:blipFill>
-          <a:blip r:embed="rId2"/>
-          <a:stretch>
-            <a:fillRect/>
-          </a:stretch>
-        </p:blipFill>
-        <p:spPr>
-          <a:xfrm>
-            <a:off x="0" y="1509568"/>
-            <a:ext cx="5664148" cy="4983451"/>
-          </a:xfrm>
-          <a:prstGeom prst="rect">
-            <a:avLst/>
-          </a:prstGeom>
-        </p:spPr>
-      </p:pic>
-      <p:sp>
-        <p:nvSpPr>
-          <p:cNvPr id="5" name="Content Placeholder 4">
-            <a:extLst>
-              <a:ext uri="{FF2B5EF4-FFF2-40B4-BE49-F238E27FC236}">
-                <a16:creationId xmlns:a16="http://schemas.microsoft.com/office/drawing/2014/main" id="{058FCDEC-9E6E-0A35-F1E9-9FD78F1E09B0}"/>
-              </a:ext>
-            </a:extLst>
-          </p:cNvPr>
-          <p:cNvSpPr>
-            <a:spLocks noGrp="1"/>
-          </p:cNvSpPr>
-          <p:nvPr>
-            <p:ph idx="1"/>
-          </p:nvPr>
-        </p:nvSpPr>
-        <p:spPr/>
-        <p:txBody>
-          <a:bodyPr/>
-          <a:lstStyle/>
-          <a:p>
-            <a:pPr marL="0" indent="0">
-              <a:buNone/>
-            </a:pPr>
-            <a:r>
-              <a:rPr lang="en-US" dirty="0"/>
-              <a:t>                       </a:t>
-            </a:r>
-          </a:p>
-        </p:txBody>
-      </p:sp>
-      <p:pic>
-        <p:nvPicPr>
-          <p:cNvPr id="9" name="صورة 4">
-            <a:extLst>
-              <a:ext uri="{FF2B5EF4-FFF2-40B4-BE49-F238E27FC236}">
-                <a16:creationId xmlns:a16="http://schemas.microsoft.com/office/drawing/2014/main" id="{A559AE73-31DE-CB09-50D7-C65B30563758}"/>
-              </a:ext>
-            </a:extLst>
-          </p:cNvPr>
-          <p:cNvPicPr>
-            <a:picLocks noChangeAspect="1"/>
-          </p:cNvPicPr>
-          <p:nvPr/>
-        </p:nvPicPr>
-        <p:blipFill>
-          <a:blip r:embed="rId3">
-            <a:extLst>
-              <a:ext uri="{28A0092B-C50C-407E-A947-70E740481C1C}">
-                <a14:useLocalDpi xmlns:a14="http://schemas.microsoft.com/office/drawing/2010/main" val="0"/>
-              </a:ext>
-            </a:extLst>
-          </a:blip>
-          <a:stretch>
-            <a:fillRect/>
-          </a:stretch>
-        </p:blipFill>
-        <p:spPr>
-          <a:xfrm>
-            <a:off x="7571375" y="0"/>
-            <a:ext cx="3086100" cy="6858000"/>
-          </a:xfrm>
-          <a:prstGeom prst="rect">
-            <a:avLst/>
-          </a:prstGeom>
-        </p:spPr>
-      </p:pic>
-    </p:spTree>
-    <p:extLst>
-      <p:ext uri="{BB962C8B-B14F-4D97-AF65-F5344CB8AC3E}">
-        <p14:creationId xmlns:p14="http://schemas.microsoft.com/office/powerpoint/2010/main" val="2866937726"/>
-      </p:ext>
-    </p:extLst>
-  </p:cSld>
-  <p:clrMapOvr>
-    <a:masterClrMapping/>
-  </p:clrMapOvr>
-</p:sld>
-</file>
-
-<file path=ppt/slides/slide8.xml><?xml version="1.0" encoding="utf-8"?>
-<p:sld xmlns:a="http://schemas.openxmlformats.org/drawingml/2006/main" xmlns:r="http://schemas.openxmlformats.org/officeDocument/2006/relationships" xmlns:p="http://schemas.openxmlformats.org/presentationml/2006/main">
-  <p:cSld>
-    <p:spTree>
-      <p:nvGrpSpPr>
-        <p:cNvPr id="1" name=""/>
-        <p:cNvGrpSpPr/>
-        <p:nvPr/>
-      </p:nvGrpSpPr>
-      <p:grpSpPr>
-        <a:xfrm>
-          <a:off x="0" y="0"/>
-          <a:ext cx="0" cy="0"/>
-          <a:chOff x="0" y="0"/>
-          <a:chExt cx="0" cy="0"/>
-        </a:xfrm>
-      </p:grpSpPr>
-      <p:sp>
-        <p:nvSpPr>
-          <p:cNvPr id="2" name="Title 1">
-            <a:extLst>
-              <a:ext uri="{FF2B5EF4-FFF2-40B4-BE49-F238E27FC236}">
-                <a16:creationId xmlns:a16="http://schemas.microsoft.com/office/drawing/2014/main" id="{345B642C-0944-D199-609D-E509368DD77F}"/>
-              </a:ext>
-            </a:extLst>
-          </p:cNvPr>
-          <p:cNvSpPr>
-            <a:spLocks noGrp="1"/>
-          </p:cNvSpPr>
-          <p:nvPr>
-            <p:ph type="title"/>
-          </p:nvPr>
-        </p:nvSpPr>
-        <p:spPr/>
-        <p:txBody>
-          <a:bodyPr>
-            <a:normAutofit/>
-          </a:bodyPr>
-          <a:lstStyle/>
-          <a:p>
-            <a:r>
-              <a:rPr lang="en-US" dirty="0"/>
-              <a:t>File Page Component </a:t>
-            </a:r>
-            <a:br>
-              <a:rPr lang="en-US" dirty="0"/>
-            </a:br>
-            <a:r>
-              <a:rPr lang="en-US" dirty="0"/>
-              <a:t>diagram</a:t>
-            </a:r>
-          </a:p>
-        </p:txBody>
-      </p:sp>
-      <p:pic>
-        <p:nvPicPr>
-          <p:cNvPr id="7" name="Picture 6">
-            <a:extLst>
-              <a:ext uri="{FF2B5EF4-FFF2-40B4-BE49-F238E27FC236}">
-                <a16:creationId xmlns:a16="http://schemas.microsoft.com/office/drawing/2014/main" id="{FF5D453C-3442-C769-78DF-A26907D07AB0}"/>
-              </a:ext>
-            </a:extLst>
-          </p:cNvPr>
-          <p:cNvPicPr>
-            <a:picLocks noChangeAspect="1"/>
-          </p:cNvPicPr>
-          <p:nvPr/>
-        </p:nvPicPr>
-        <p:blipFill>
-          <a:blip r:embed="rId3"/>
-          <a:stretch>
-            <a:fillRect/>
-          </a:stretch>
-        </p:blipFill>
-        <p:spPr>
-          <a:xfrm>
-            <a:off x="1162681" y="1634040"/>
-            <a:ext cx="6181702" cy="5181625"/>
-          </a:xfrm>
-          <a:prstGeom prst="rect">
-            <a:avLst/>
-          </a:prstGeom>
-        </p:spPr>
-      </p:pic>
-      <p:pic>
-        <p:nvPicPr>
-          <p:cNvPr id="11" name="صورة 4" descr="صورة تحتوي على نص, لقطة شاشة, رسالة, المستند&#10;&#10;قد يكون المحتوى المعد بواسطة الذكاء الاصطناعي غير صحيح.">
-            <a:extLst>
-              <a:ext uri="{FF2B5EF4-FFF2-40B4-BE49-F238E27FC236}">
-                <a16:creationId xmlns:a16="http://schemas.microsoft.com/office/drawing/2014/main" id="{0A3183E5-F99E-E527-5C07-01023207654D}"/>
-              </a:ext>
-            </a:extLst>
-          </p:cNvPr>
-          <p:cNvPicPr>
-            <a:picLocks noChangeAspect="1"/>
-          </p:cNvPicPr>
-          <p:nvPr/>
-        </p:nvPicPr>
-        <p:blipFill>
-          <a:blip r:embed="rId4">
-            <a:extLst>
-              <a:ext uri="{28A0092B-C50C-407E-A947-70E740481C1C}">
-                <a14:useLocalDpi xmlns:a14="http://schemas.microsoft.com/office/drawing/2010/main" val="0"/>
-              </a:ext>
-            </a:extLst>
-          </a:blip>
-          <a:stretch>
-            <a:fillRect/>
-          </a:stretch>
-        </p:blipFill>
-        <p:spPr>
-          <a:xfrm>
-            <a:off x="8941437" y="0"/>
-            <a:ext cx="3086100" cy="6773333"/>
-          </a:xfrm>
-          <a:prstGeom prst="rect">
-            <a:avLst/>
-          </a:prstGeom>
-        </p:spPr>
-      </p:pic>
-      <p:pic>
-        <p:nvPicPr>
-          <p:cNvPr id="13" name="صورة 6" descr="صورة تحتوي على نص, لقطة شاشة, الخط, التصميم&#10;&#10;قد يكون المحتوى المعد بواسطة الذكاء الاصطناعي غير صحيح.">
-            <a:extLst>
-              <a:ext uri="{FF2B5EF4-FFF2-40B4-BE49-F238E27FC236}">
-                <a16:creationId xmlns:a16="http://schemas.microsoft.com/office/drawing/2014/main" id="{E9DE9E54-89DC-1F61-3EC6-AD662A79055E}"/>
-              </a:ext>
-            </a:extLst>
-          </p:cNvPr>
-          <p:cNvPicPr>
-            <a:picLocks noChangeAspect="1"/>
-          </p:cNvPicPr>
-          <p:nvPr/>
-        </p:nvPicPr>
-        <p:blipFill>
-          <a:blip r:embed="rId5">
-            <a:extLst>
-              <a:ext uri="{28A0092B-C50C-407E-A947-70E740481C1C}">
-                <a14:useLocalDpi xmlns:a14="http://schemas.microsoft.com/office/drawing/2010/main" val="0"/>
-              </a:ext>
-            </a:extLst>
-          </a:blip>
-          <a:stretch>
-            <a:fillRect/>
-          </a:stretch>
-        </p:blipFill>
-        <p:spPr>
-          <a:xfrm>
-            <a:off x="7052116" y="161426"/>
-            <a:ext cx="1457325" cy="3549377"/>
-          </a:xfrm>
-          <a:prstGeom prst="rect">
-            <a:avLst/>
-          </a:prstGeom>
-        </p:spPr>
-      </p:pic>
-      <p:cxnSp>
-        <p:nvCxnSpPr>
-          <p:cNvPr id="16" name="Straight Arrow Connector 15">
-            <a:extLst>
-              <a:ext uri="{FF2B5EF4-FFF2-40B4-BE49-F238E27FC236}">
-                <a16:creationId xmlns:a16="http://schemas.microsoft.com/office/drawing/2014/main" id="{F0E818CE-3D68-A8DB-C505-C62CD090CF24}"/>
-              </a:ext>
-            </a:extLst>
-          </p:cNvPr>
-          <p:cNvCxnSpPr/>
-          <p:nvPr/>
-        </p:nvCxnSpPr>
-        <p:spPr>
-          <a:xfrm flipH="1" flipV="1">
-            <a:off x="8267700" y="3386666"/>
-            <a:ext cx="3368043" cy="2575723"/>
-          </a:xfrm>
-          <a:prstGeom prst="straightConnector1">
-            <a:avLst/>
-          </a:prstGeom>
-          <a:ln>
-            <a:tailEnd type="triangle"/>
-          </a:ln>
-        </p:spPr>
-        <p:style>
-          <a:lnRef idx="2">
-            <a:schemeClr val="dk1"/>
-          </a:lnRef>
-          <a:fillRef idx="0">
-            <a:schemeClr val="dk1"/>
-          </a:fillRef>
-          <a:effectRef idx="1">
-            <a:schemeClr val="dk1"/>
-          </a:effectRef>
-          <a:fontRef idx="minor">
-            <a:schemeClr val="tx1"/>
-          </a:fontRef>
-        </p:style>
-      </p:cxnSp>
-    </p:spTree>
-    <p:extLst>
-      <p:ext uri="{BB962C8B-B14F-4D97-AF65-F5344CB8AC3E}">
-        <p14:creationId xmlns:p14="http://schemas.microsoft.com/office/powerpoint/2010/main" val="4116716672"/>
-      </p:ext>
-    </p:extLst>
-  </p:cSld>
-  <p:clrMapOvr>
-    <a:masterClrMapping/>
-  </p:clrMapOvr>
-</p:sld>
-</file>
-
-<file path=ppt/slides/slide9.xml><?xml version="1.0" encoding="utf-8"?>
-<p:sld xmlns:a="http://schemas.openxmlformats.org/drawingml/2006/main" xmlns:r="http://schemas.openxmlformats.org/officeDocument/2006/relationships" xmlns:p="http://schemas.openxmlformats.org/presentationml/2006/main">
-  <p:cSld>
-    <p:spTree>
-      <p:nvGrpSpPr>
-        <p:cNvPr id="1" name=""/>
-        <p:cNvGrpSpPr/>
-        <p:nvPr/>
-      </p:nvGrpSpPr>
-      <p:grpSpPr>
-        <a:xfrm>
-          <a:off x="0" y="0"/>
-          <a:ext cx="0" cy="0"/>
-          <a:chOff x="0" y="0"/>
-          <a:chExt cx="0" cy="0"/>
-        </a:xfrm>
-      </p:grpSpPr>
-      <p:sp>
-        <p:nvSpPr>
-          <p:cNvPr id="2" name="Title 1">
-            <a:extLst>
-              <a:ext uri="{FF2B5EF4-FFF2-40B4-BE49-F238E27FC236}">
-                <a16:creationId xmlns:a16="http://schemas.microsoft.com/office/drawing/2014/main" id="{4CC2C0C7-EE43-74F8-A23E-CE653B9E0F4D}"/>
-              </a:ext>
-            </a:extLst>
-          </p:cNvPr>
-          <p:cNvSpPr>
-            <a:spLocks noGrp="1"/>
-          </p:cNvSpPr>
-          <p:nvPr>
-            <p:ph type="title"/>
-          </p:nvPr>
-        </p:nvSpPr>
-        <p:spPr>
-          <a:xfrm>
-            <a:off x="3443614" y="301589"/>
-            <a:ext cx="10515600" cy="1325563"/>
-          </a:xfrm>
-        </p:spPr>
-        <p:txBody>
-          <a:bodyPr/>
-          <a:lstStyle/>
-          <a:p>
-            <a:r>
-              <a:rPr lang="en-US" dirty="0"/>
-              <a:t>Summarization</a:t>
-            </a:r>
-            <a:br>
-              <a:rPr lang="en-US" dirty="0"/>
-            </a:br>
-            <a:r>
-              <a:rPr lang="en-US" dirty="0"/>
-              <a:t> Component diagram</a:t>
-            </a:r>
-          </a:p>
-        </p:txBody>
-      </p:sp>
-      <p:pic>
-        <p:nvPicPr>
-          <p:cNvPr id="6" name="Content Placeholder 5">
-            <a:extLst>
-              <a:ext uri="{FF2B5EF4-FFF2-40B4-BE49-F238E27FC236}">
-                <a16:creationId xmlns:a16="http://schemas.microsoft.com/office/drawing/2014/main" id="{7182913E-B090-D1F2-8299-18E952D97139}"/>
-              </a:ext>
-            </a:extLst>
-          </p:cNvPr>
-          <p:cNvPicPr>
-            <a:picLocks noGrp="1" noChangeAspect="1"/>
-          </p:cNvPicPr>
-          <p:nvPr>
-            <p:ph idx="1"/>
-          </p:nvPr>
-        </p:nvPicPr>
-        <p:blipFill>
-          <a:blip r:embed="rId2"/>
-          <a:stretch>
-            <a:fillRect/>
-          </a:stretch>
-        </p:blipFill>
-        <p:spPr>
-          <a:xfrm>
-            <a:off x="8708525" y="149087"/>
-            <a:ext cx="3086100" cy="6407324"/>
-          </a:xfrm>
-          <a:prstGeom prst="rect">
-            <a:avLst/>
-          </a:prstGeom>
-        </p:spPr>
-      </p:pic>
-      <p:pic>
-        <p:nvPicPr>
-          <p:cNvPr id="9" name="Picture 8">
-            <a:extLst>
-              <a:ext uri="{FF2B5EF4-FFF2-40B4-BE49-F238E27FC236}">
-                <a16:creationId xmlns:a16="http://schemas.microsoft.com/office/drawing/2014/main" id="{2789F8CF-4A69-A858-B2E5-792562A859BB}"/>
-              </a:ext>
-            </a:extLst>
-          </p:cNvPr>
-          <p:cNvPicPr>
-            <a:picLocks noChangeAspect="1"/>
-          </p:cNvPicPr>
-          <p:nvPr/>
-        </p:nvPicPr>
-        <p:blipFill>
-          <a:blip r:embed="rId3"/>
-          <a:stretch>
-            <a:fillRect/>
-          </a:stretch>
-        </p:blipFill>
-        <p:spPr>
-          <a:xfrm>
-            <a:off x="140558" y="3875863"/>
-            <a:ext cx="6144533" cy="2964881"/>
-          </a:xfrm>
-          <a:prstGeom prst="rect">
-            <a:avLst/>
-          </a:prstGeom>
-        </p:spPr>
-      </p:pic>
-      <p:pic>
-        <p:nvPicPr>
-          <p:cNvPr id="10" name="صورة 4">
-            <a:extLst>
-              <a:ext uri="{FF2B5EF4-FFF2-40B4-BE49-F238E27FC236}">
-                <a16:creationId xmlns:a16="http://schemas.microsoft.com/office/drawing/2014/main" id="{E7A5B9AF-1E13-F155-67DC-A0D0CBA02287}"/>
-              </a:ext>
-            </a:extLst>
-          </p:cNvPr>
-          <p:cNvPicPr>
-            <a:picLocks noChangeAspect="1"/>
-          </p:cNvPicPr>
-          <p:nvPr/>
-        </p:nvPicPr>
-        <p:blipFill>
-          <a:blip r:embed="rId4">
-            <a:extLst>
-              <a:ext uri="{28A0092B-C50C-407E-A947-70E740481C1C}">
-                <a14:useLocalDpi xmlns:a14="http://schemas.microsoft.com/office/drawing/2010/main" val="0"/>
-              </a:ext>
-            </a:extLst>
-          </a:blip>
-          <a:srcRect t="5240" b="38659"/>
-          <a:stretch/>
-        </p:blipFill>
-        <p:spPr>
-          <a:xfrm>
-            <a:off x="0" y="17256"/>
-            <a:ext cx="3086100" cy="3908701"/>
-          </a:xfrm>
-          <a:prstGeom prst="rect">
-            <a:avLst/>
-          </a:prstGeom>
-        </p:spPr>
-      </p:pic>
-      <p:cxnSp>
-        <p:nvCxnSpPr>
-          <p:cNvPr id="12" name="Straight Arrow Connector 11">
-            <a:extLst>
-              <a:ext uri="{FF2B5EF4-FFF2-40B4-BE49-F238E27FC236}">
-                <a16:creationId xmlns:a16="http://schemas.microsoft.com/office/drawing/2014/main" id="{642BC43C-7622-BE8D-5466-0015AB2014C5}"/>
-              </a:ext>
-            </a:extLst>
-          </p:cNvPr>
-          <p:cNvCxnSpPr>
-            <a:cxnSpLocks/>
-          </p:cNvCxnSpPr>
-          <p:nvPr/>
-        </p:nvCxnSpPr>
-        <p:spPr>
-          <a:xfrm>
-            <a:off x="1987826" y="3617843"/>
-            <a:ext cx="1351722" cy="526774"/>
-          </a:xfrm>
-          <a:prstGeom prst="straightConnector1">
-            <a:avLst/>
-          </a:prstGeom>
-          <a:ln w="19050" cap="flat" cmpd="sng" algn="ctr">
-            <a:solidFill>
-              <a:schemeClr val="accent4"/>
-            </a:solidFill>
-            <a:prstDash val="solid"/>
-            <a:round/>
-            <a:headEnd type="arrow" w="med" len="med"/>
-            <a:tailEnd type="arrow" w="med" len="med"/>
-          </a:ln>
-        </p:spPr>
-        <p:style>
-          <a:lnRef idx="0">
-            <a:scrgbClr r="0" g="0" b="0"/>
-          </a:lnRef>
-          <a:fillRef idx="0">
-            <a:scrgbClr r="0" g="0" b="0"/>
-          </a:fillRef>
-          <a:effectRef idx="0">
-            <a:scrgbClr r="0" g="0" b="0"/>
-          </a:effectRef>
-          <a:fontRef idx="minor">
-            <a:schemeClr val="tx1"/>
-          </a:fontRef>
-        </p:style>
-      </p:cxnSp>
-    </p:spTree>
-    <p:extLst>
-      <p:ext uri="{BB962C8B-B14F-4D97-AF65-F5344CB8AC3E}">
-        <p14:creationId xmlns:p14="http://schemas.microsoft.com/office/powerpoint/2010/main" val="147557195"/>
       </p:ext>
     </p:extLst>
   </p:cSld>

--- a/documentations/GP2PowePoint.pptx
+++ b/documentations/GP2PowePoint.pptx
@@ -10,34 +10,34 @@
   <p:sldIdLst>
     <p:sldId id="257" r:id="rId2"/>
     <p:sldId id="267" r:id="rId3"/>
-    <p:sldId id="296" r:id="rId4"/>
-    <p:sldId id="297" r:id="rId5"/>
-    <p:sldId id="286" r:id="rId6"/>
-    <p:sldId id="268" r:id="rId7"/>
-    <p:sldId id="263" r:id="rId8"/>
-    <p:sldId id="259" r:id="rId9"/>
-    <p:sldId id="271" r:id="rId10"/>
-    <p:sldId id="287" r:id="rId11"/>
-    <p:sldId id="272" r:id="rId12"/>
-    <p:sldId id="273" r:id="rId13"/>
-    <p:sldId id="288" r:id="rId14"/>
-    <p:sldId id="276" r:id="rId15"/>
-    <p:sldId id="289" r:id="rId16"/>
-    <p:sldId id="278" r:id="rId17"/>
-    <p:sldId id="280" r:id="rId18"/>
-    <p:sldId id="290" r:id="rId19"/>
-    <p:sldId id="282" r:id="rId20"/>
-    <p:sldId id="291" r:id="rId21"/>
-    <p:sldId id="283" r:id="rId22"/>
-    <p:sldId id="260" r:id="rId23"/>
-    <p:sldId id="269" r:id="rId24"/>
-    <p:sldId id="293" r:id="rId25"/>
-    <p:sldId id="295" r:id="rId26"/>
-    <p:sldId id="264" r:id="rId27"/>
-    <p:sldId id="284" r:id="rId28"/>
-    <p:sldId id="265" r:id="rId29"/>
-    <p:sldId id="285" r:id="rId30"/>
-    <p:sldId id="294" r:id="rId31"/>
+    <p:sldId id="286" r:id="rId4"/>
+    <p:sldId id="268" r:id="rId5"/>
+    <p:sldId id="263" r:id="rId6"/>
+    <p:sldId id="260" r:id="rId7"/>
+    <p:sldId id="296" r:id="rId8"/>
+    <p:sldId id="294" r:id="rId9"/>
+    <p:sldId id="297" r:id="rId10"/>
+    <p:sldId id="269" r:id="rId11"/>
+    <p:sldId id="293" r:id="rId12"/>
+    <p:sldId id="259" r:id="rId13"/>
+    <p:sldId id="271" r:id="rId14"/>
+    <p:sldId id="287" r:id="rId15"/>
+    <p:sldId id="272" r:id="rId16"/>
+    <p:sldId id="273" r:id="rId17"/>
+    <p:sldId id="288" r:id="rId18"/>
+    <p:sldId id="276" r:id="rId19"/>
+    <p:sldId id="289" r:id="rId20"/>
+    <p:sldId id="278" r:id="rId21"/>
+    <p:sldId id="280" r:id="rId22"/>
+    <p:sldId id="290" r:id="rId23"/>
+    <p:sldId id="282" r:id="rId24"/>
+    <p:sldId id="291" r:id="rId25"/>
+    <p:sldId id="283" r:id="rId26"/>
+    <p:sldId id="295" r:id="rId27"/>
+    <p:sldId id="264" r:id="rId28"/>
+    <p:sldId id="284" r:id="rId29"/>
+    <p:sldId id="265" r:id="rId30"/>
+    <p:sldId id="285" r:id="rId31"/>
   </p:sldIdLst>
   <p:sldSz cx="12192000" cy="6858000"/>
   <p:notesSz cx="6858000" cy="9144000"/>
@@ -226,7 +226,7 @@
           <a:p>
             <a:fld id="{49320E1B-452F-4136-8BF5-9087857B3AA2}" type="datetimeFigureOut">
               <a:rPr lang="en-US" smtClean="0"/>
-              <a:t>5/14/2025</a:t>
+              <a:t>5/19/2025</a:t>
             </a:fld>
             <a:endParaRPr lang="en-US"/>
           </a:p>
@@ -559,7 +559,7 @@
           <a:p>
             <a:fld id="{6055F188-41BA-4BD6-8F6F-5332EE63763D}" type="slidenum">
               <a:rPr lang="en-US" smtClean="0"/>
-              <a:t>11</a:t>
+              <a:t>15</a:t>
             </a:fld>
             <a:endParaRPr lang="en-US"/>
           </a:p>
@@ -727,7 +727,7 @@
           <a:p>
             <a:fld id="{B3603FB0-37B9-428F-8E0F-630A653418DC}" type="datetimeFigureOut">
               <a:rPr lang="en-US" smtClean="0"/>
-              <a:t>5/14/2025</a:t>
+              <a:t>5/19/2025</a:t>
             </a:fld>
             <a:endParaRPr lang="en-US"/>
           </a:p>
@@ -927,7 +927,7 @@
           <a:p>
             <a:fld id="{B3603FB0-37B9-428F-8E0F-630A653418DC}" type="datetimeFigureOut">
               <a:rPr lang="en-US" smtClean="0"/>
-              <a:t>5/14/2025</a:t>
+              <a:t>5/19/2025</a:t>
             </a:fld>
             <a:endParaRPr lang="en-US"/>
           </a:p>
@@ -1137,7 +1137,7 @@
           <a:p>
             <a:fld id="{B3603FB0-37B9-428F-8E0F-630A653418DC}" type="datetimeFigureOut">
               <a:rPr lang="en-US" smtClean="0"/>
-              <a:t>5/14/2025</a:t>
+              <a:t>5/19/2025</a:t>
             </a:fld>
             <a:endParaRPr lang="en-US"/>
           </a:p>
@@ -1337,7 +1337,7 @@
           <a:p>
             <a:fld id="{B3603FB0-37B9-428F-8E0F-630A653418DC}" type="datetimeFigureOut">
               <a:rPr lang="en-US" smtClean="0"/>
-              <a:t>5/14/2025</a:t>
+              <a:t>5/19/2025</a:t>
             </a:fld>
             <a:endParaRPr lang="en-US"/>
           </a:p>
@@ -1613,7 +1613,7 @@
           <a:p>
             <a:fld id="{B3603FB0-37B9-428F-8E0F-630A653418DC}" type="datetimeFigureOut">
               <a:rPr lang="en-US" smtClean="0"/>
-              <a:t>5/14/2025</a:t>
+              <a:t>5/19/2025</a:t>
             </a:fld>
             <a:endParaRPr lang="en-US"/>
           </a:p>
@@ -1881,7 +1881,7 @@
           <a:p>
             <a:fld id="{B3603FB0-37B9-428F-8E0F-630A653418DC}" type="datetimeFigureOut">
               <a:rPr lang="en-US" smtClean="0"/>
-              <a:t>5/14/2025</a:t>
+              <a:t>5/19/2025</a:t>
             </a:fld>
             <a:endParaRPr lang="en-US"/>
           </a:p>
@@ -2296,7 +2296,7 @@
           <a:p>
             <a:fld id="{B3603FB0-37B9-428F-8E0F-630A653418DC}" type="datetimeFigureOut">
               <a:rPr lang="en-US" smtClean="0"/>
-              <a:t>5/14/2025</a:t>
+              <a:t>5/19/2025</a:t>
             </a:fld>
             <a:endParaRPr lang="en-US"/>
           </a:p>
@@ -2438,7 +2438,7 @@
           <a:p>
             <a:fld id="{B3603FB0-37B9-428F-8E0F-630A653418DC}" type="datetimeFigureOut">
               <a:rPr lang="en-US" smtClean="0"/>
-              <a:t>5/14/2025</a:t>
+              <a:t>5/19/2025</a:t>
             </a:fld>
             <a:endParaRPr lang="en-US"/>
           </a:p>
@@ -2551,7 +2551,7 @@
           <a:p>
             <a:fld id="{B3603FB0-37B9-428F-8E0F-630A653418DC}" type="datetimeFigureOut">
               <a:rPr lang="en-US" smtClean="0"/>
-              <a:t>5/14/2025</a:t>
+              <a:t>5/19/2025</a:t>
             </a:fld>
             <a:endParaRPr lang="en-US"/>
           </a:p>
@@ -2864,7 +2864,7 @@
           <a:p>
             <a:fld id="{B3603FB0-37B9-428F-8E0F-630A653418DC}" type="datetimeFigureOut">
               <a:rPr lang="en-US" smtClean="0"/>
-              <a:t>5/14/2025</a:t>
+              <a:t>5/19/2025</a:t>
             </a:fld>
             <a:endParaRPr lang="en-US"/>
           </a:p>
@@ -3153,7 +3153,7 @@
           <a:p>
             <a:fld id="{B3603FB0-37B9-428F-8E0F-630A653418DC}" type="datetimeFigureOut">
               <a:rPr lang="en-US" smtClean="0"/>
-              <a:t>5/14/2025</a:t>
+              <a:t>5/19/2025</a:t>
             </a:fld>
             <a:endParaRPr lang="en-US"/>
           </a:p>
@@ -3399,7 +3399,7 @@
           <a:p>
             <a:fld id="{B3603FB0-37B9-428F-8E0F-630A653418DC}" type="datetimeFigureOut">
               <a:rPr lang="en-US" smtClean="0"/>
-              <a:t>5/14/2025</a:t>
+              <a:t>5/19/2025</a:t>
             </a:fld>
             <a:endParaRPr lang="en-US"/>
           </a:p>
@@ -4097,8 +4097,8 @@
         </p:nvSpPr>
         <p:spPr>
           <a:xfrm>
-            <a:off x="696493" y="3559628"/>
-            <a:ext cx="10646634" cy="2769989"/>
+            <a:off x="986635" y="3559628"/>
+            <a:ext cx="10066346" cy="2769989"/>
           </a:xfrm>
           <a:prstGeom prst="rect">
             <a:avLst/>
@@ -4135,17 +4135,6 @@
           </a:p>
           <a:p>
             <a:pPr algn="ctr"/>
-            <a:r>
-              <a:rPr lang="en-US" sz="2400" b="1" dirty="0">
-                <a:solidFill>
-                  <a:srgbClr val="FF0000"/>
-                </a:solidFill>
-                <a:effectLst/>
-                <a:latin typeface="Bodoni MT" panose="02070603080606020203" pitchFamily="18" charset="0"/>
-                <a:ea typeface="Aptos" panose="020B0004020202020204" pitchFamily="34" charset="0"/>
-              </a:rPr>
-              <a:t> </a:t>
-            </a:r>
             <a:r>
               <a:rPr lang="en-US" sz="2400" b="1" dirty="0">
                 <a:solidFill>
@@ -4155,7 +4144,17 @@
                 <a:latin typeface="Bodoni MT" panose="02070603080606020203" pitchFamily="18" charset="0"/>
                 <a:ea typeface="Aptos" panose="020B0004020202020204" pitchFamily="34" charset="0"/>
               </a:rPr>
-              <a:t>[</a:t>
+              <a:t> [</a:t>
+            </a:r>
+            <a:r>
+              <a:rPr lang="en-US" sz="2400" b="1" dirty="0" err="1">
+                <a:solidFill>
+                  <a:srgbClr val="0070C0"/>
+                </a:solidFill>
+                <a:latin typeface="Bodoni MT" panose="02070603080606020203" pitchFamily="18" charset="0"/>
+                <a:ea typeface="Aptos" panose="020B0004020202020204" pitchFamily="34" charset="0"/>
+              </a:rPr>
+              <a:t>search|summarize|translate|bookmark|integtrate|save</a:t>
             </a:r>
             <a:r>
               <a:rPr lang="en-US" sz="2400" b="1" dirty="0">
@@ -4165,27 +4164,7 @@
                 <a:latin typeface="Bodoni MT" panose="02070603080606020203" pitchFamily="18" charset="0"/>
                 <a:ea typeface="Aptos" panose="020B0004020202020204" pitchFamily="34" charset="0"/>
               </a:rPr>
-              <a:t>search | summarize| translate| bookmark | </a:t>
-            </a:r>
-            <a:r>
-              <a:rPr lang="en-US" sz="2400" b="1" dirty="0" err="1">
-                <a:solidFill>
-                  <a:srgbClr val="0070C0"/>
-                </a:solidFill>
-                <a:latin typeface="Bodoni MT" panose="02070603080606020203" pitchFamily="18" charset="0"/>
-                <a:ea typeface="Aptos" panose="020B0004020202020204" pitchFamily="34" charset="0"/>
-              </a:rPr>
-              <a:t>integtrate</a:t>
-            </a:r>
-            <a:r>
-              <a:rPr lang="en-US" sz="2400" b="1" dirty="0">
-                <a:solidFill>
-                  <a:srgbClr val="0070C0"/>
-                </a:solidFill>
-                <a:latin typeface="Bodoni MT" panose="02070603080606020203" pitchFamily="18" charset="0"/>
-                <a:ea typeface="Aptos" panose="020B0004020202020204" pitchFamily="34" charset="0"/>
-              </a:rPr>
-              <a:t> | save |chat and present</a:t>
+              <a:t> |chat and present</a:t>
             </a:r>
             <a:r>
               <a:rPr lang="en-US" sz="2400" b="1" dirty="0">
@@ -4274,6 +4253,933 @@
 </file>
 
 <file path=ppt/slides/slide10.xml><?xml version="1.0" encoding="utf-8"?>
+<p:sld xmlns:a="http://schemas.openxmlformats.org/drawingml/2006/main" xmlns:r="http://schemas.openxmlformats.org/officeDocument/2006/relationships" xmlns:p="http://schemas.openxmlformats.org/presentationml/2006/main">
+  <p:cSld>
+    <p:spTree>
+      <p:nvGrpSpPr>
+        <p:cNvPr id="1" name=""/>
+        <p:cNvGrpSpPr/>
+        <p:nvPr/>
+      </p:nvGrpSpPr>
+      <p:grpSpPr>
+        <a:xfrm>
+          <a:off x="0" y="0"/>
+          <a:ext cx="0" cy="0"/>
+          <a:chOff x="0" y="0"/>
+          <a:chExt cx="0" cy="0"/>
+        </a:xfrm>
+      </p:grpSpPr>
+      <p:sp>
+        <p:nvSpPr>
+          <p:cNvPr id="2" name="Title 1">
+            <a:extLst>
+              <a:ext uri="{FF2B5EF4-FFF2-40B4-BE49-F238E27FC236}">
+                <a16:creationId xmlns:a16="http://schemas.microsoft.com/office/drawing/2014/main" id="{A09F3E11-6105-E3F8-C162-6AD736529CD3}"/>
+              </a:ext>
+            </a:extLst>
+          </p:cNvPr>
+          <p:cNvSpPr>
+            <a:spLocks noGrp="1"/>
+          </p:cNvSpPr>
+          <p:nvPr>
+            <p:ph type="title"/>
+          </p:nvPr>
+        </p:nvSpPr>
+        <p:spPr>
+          <a:xfrm>
+            <a:off x="225133" y="-100673"/>
+            <a:ext cx="10515600" cy="1325563"/>
+          </a:xfrm>
+        </p:spPr>
+        <p:txBody>
+          <a:bodyPr/>
+          <a:lstStyle/>
+          <a:p>
+            <a:r>
+              <a:rPr lang="en-US" b="1"/>
+              <a:t>Database</a:t>
+            </a:r>
+            <a:r>
+              <a:rPr lang="en-US"/>
+              <a:t> </a:t>
+            </a:r>
+            <a:r>
+              <a:rPr lang="en-US" b="1"/>
+              <a:t>Architecture</a:t>
+            </a:r>
+            <a:endParaRPr lang="en-US" dirty="0"/>
+          </a:p>
+        </p:txBody>
+      </p:sp>
+      <p:pic>
+        <p:nvPicPr>
+          <p:cNvPr id="4" name="Content Placeholder 3">
+            <a:extLst>
+              <a:ext uri="{FF2B5EF4-FFF2-40B4-BE49-F238E27FC236}">
+                <a16:creationId xmlns:a16="http://schemas.microsoft.com/office/drawing/2014/main" id="{06132AFB-833C-E9DE-C4BF-C239FD10F26C}"/>
+              </a:ext>
+            </a:extLst>
+          </p:cNvPr>
+          <p:cNvPicPr>
+            <a:picLocks noGrp="1" noChangeAspect="1"/>
+          </p:cNvPicPr>
+          <p:nvPr>
+            <p:ph idx="1"/>
+          </p:nvPr>
+        </p:nvPicPr>
+        <p:blipFill>
+          <a:blip r:embed="rId2"/>
+          <a:stretch>
+            <a:fillRect/>
+          </a:stretch>
+        </p:blipFill>
+        <p:spPr>
+          <a:xfrm>
+            <a:off x="459410" y="950876"/>
+            <a:ext cx="4522914" cy="5525165"/>
+          </a:xfrm>
+          <a:prstGeom prst="rect">
+            <a:avLst/>
+          </a:prstGeom>
+        </p:spPr>
+      </p:pic>
+      <p:sp>
+        <p:nvSpPr>
+          <p:cNvPr id="6" name="TextBox 5">
+            <a:extLst>
+              <a:ext uri="{FF2B5EF4-FFF2-40B4-BE49-F238E27FC236}">
+                <a16:creationId xmlns:a16="http://schemas.microsoft.com/office/drawing/2014/main" id="{CE3E1F7C-F52D-338A-3C92-A1FA3C877E6A}"/>
+              </a:ext>
+            </a:extLst>
+          </p:cNvPr>
+          <p:cNvSpPr txBox="1"/>
+          <p:nvPr/>
+        </p:nvSpPr>
+        <p:spPr>
+          <a:xfrm>
+            <a:off x="5372994" y="1251638"/>
+            <a:ext cx="6359596" cy="6031266"/>
+          </a:xfrm>
+          <a:prstGeom prst="rect">
+            <a:avLst/>
+          </a:prstGeom>
+          <a:noFill/>
+        </p:spPr>
+        <p:txBody>
+          <a:bodyPr wrap="square" rtlCol="0">
+            <a:spAutoFit/>
+          </a:bodyPr>
+          <a:lstStyle/>
+          <a:p>
+            <a:endParaRPr lang="en-US" sz="1800" kern="100" dirty="0">
+              <a:solidFill>
+                <a:srgbClr val="000000"/>
+              </a:solidFill>
+              <a:effectLst/>
+              <a:latin typeface="Aptos" panose="020B0004020202020204" pitchFamily="34" charset="0"/>
+              <a:ea typeface="Aptos" panose="020B0004020202020204" pitchFamily="34" charset="0"/>
+              <a:cs typeface="Arial" panose="020B0604020202020204" pitchFamily="34" charset="0"/>
+            </a:endParaRPr>
+          </a:p>
+          <a:p>
+            <a:r>
+              <a:rPr lang="en-US" sz="1800" kern="100" dirty="0">
+                <a:solidFill>
+                  <a:srgbClr val="000000"/>
+                </a:solidFill>
+                <a:effectLst/>
+                <a:latin typeface="Aptos" panose="020B0004020202020204" pitchFamily="34" charset="0"/>
+                <a:ea typeface="Aptos" panose="020B0004020202020204" pitchFamily="34" charset="0"/>
+                <a:cs typeface="Arial" panose="020B0604020202020204" pitchFamily="34" charset="0"/>
+              </a:rPr>
+              <a:t>Firebase (NoSQL – Cloud Firestore / Realtime Database) </a:t>
+            </a:r>
+          </a:p>
+          <a:p>
+            <a:endParaRPr lang="en-US" kern="100" dirty="0">
+              <a:solidFill>
+                <a:srgbClr val="000000"/>
+              </a:solidFill>
+              <a:latin typeface="Aptos" panose="020B0004020202020204" pitchFamily="34" charset="0"/>
+              <a:ea typeface="Aptos" panose="020B0004020202020204" pitchFamily="34" charset="0"/>
+              <a:cs typeface="Arial" panose="020B0604020202020204" pitchFamily="34" charset="0"/>
+            </a:endParaRPr>
+          </a:p>
+          <a:p>
+            <a:endParaRPr lang="en-US" sz="1800" kern="100" dirty="0">
+              <a:solidFill>
+                <a:srgbClr val="000000"/>
+              </a:solidFill>
+              <a:effectLst/>
+              <a:latin typeface="Aptos" panose="020B0004020202020204" pitchFamily="34" charset="0"/>
+              <a:ea typeface="Aptos" panose="020B0004020202020204" pitchFamily="34" charset="0"/>
+              <a:cs typeface="Arial" panose="020B0604020202020204" pitchFamily="34" charset="0"/>
+            </a:endParaRPr>
+          </a:p>
+          <a:p>
+            <a:endParaRPr lang="en-US" kern="100" dirty="0">
+              <a:solidFill>
+                <a:srgbClr val="000000"/>
+              </a:solidFill>
+              <a:latin typeface="Aptos" panose="020B0004020202020204" pitchFamily="34" charset="0"/>
+              <a:ea typeface="Aptos" panose="020B0004020202020204" pitchFamily="34" charset="0"/>
+              <a:cs typeface="Arial" panose="020B0604020202020204" pitchFamily="34" charset="0"/>
+            </a:endParaRPr>
+          </a:p>
+          <a:p>
+            <a:endParaRPr lang="en-US" sz="1800" kern="100" dirty="0">
+              <a:solidFill>
+                <a:srgbClr val="000000"/>
+              </a:solidFill>
+              <a:effectLst/>
+              <a:latin typeface="Aptos" panose="020B0004020202020204" pitchFamily="34" charset="0"/>
+              <a:ea typeface="Aptos" panose="020B0004020202020204" pitchFamily="34" charset="0"/>
+              <a:cs typeface="Arial" panose="020B0604020202020204" pitchFamily="34" charset="0"/>
+            </a:endParaRPr>
+          </a:p>
+          <a:p>
+            <a:r>
+              <a:rPr lang="en-US" sz="1800" kern="100" dirty="0">
+                <a:solidFill>
+                  <a:srgbClr val="000000"/>
+                </a:solidFill>
+                <a:effectLst/>
+                <a:latin typeface="Aptos" panose="020B0004020202020204" pitchFamily="34" charset="0"/>
+                <a:ea typeface="Aptos" panose="020B0004020202020204" pitchFamily="34" charset="0"/>
+                <a:cs typeface="Arial" panose="020B0604020202020204" pitchFamily="34" charset="0"/>
+              </a:rPr>
+              <a:t>Data Type:  Unstructured (JSON Format)</a:t>
+            </a:r>
+          </a:p>
+          <a:p>
+            <a:r>
+              <a:rPr lang="en-US" sz="1800" kern="100" dirty="0">
+                <a:solidFill>
+                  <a:srgbClr val="000000"/>
+                </a:solidFill>
+                <a:effectLst/>
+                <a:latin typeface="Aptos" panose="020B0004020202020204" pitchFamily="34" charset="0"/>
+                <a:ea typeface="Aptos" panose="020B0004020202020204" pitchFamily="34" charset="0"/>
+                <a:cs typeface="Arial" panose="020B0604020202020204" pitchFamily="34" charset="0"/>
+              </a:rPr>
+              <a:t>Firebase stores data in documents or JSON trees (Realtime Database). </a:t>
+            </a:r>
+          </a:p>
+          <a:p>
+            <a:endParaRPr lang="en-US" kern="100" dirty="0">
+              <a:solidFill>
+                <a:srgbClr val="000000"/>
+              </a:solidFill>
+              <a:latin typeface="Aptos" panose="020B0004020202020204" pitchFamily="34" charset="0"/>
+              <a:ea typeface="Aptos" panose="020B0004020202020204" pitchFamily="34" charset="0"/>
+              <a:cs typeface="Arial" panose="020B0604020202020204" pitchFamily="34" charset="0"/>
+            </a:endParaRPr>
+          </a:p>
+          <a:p>
+            <a:endParaRPr lang="en-US" sz="1800" kern="100" dirty="0">
+              <a:solidFill>
+                <a:srgbClr val="000000"/>
+              </a:solidFill>
+              <a:effectLst/>
+              <a:latin typeface="Aptos" panose="020B0004020202020204" pitchFamily="34" charset="0"/>
+              <a:ea typeface="Aptos" panose="020B0004020202020204" pitchFamily="34" charset="0"/>
+              <a:cs typeface="Arial" panose="020B0604020202020204" pitchFamily="34" charset="0"/>
+            </a:endParaRPr>
+          </a:p>
+          <a:p>
+            <a:endParaRPr lang="en-US" sz="1800" kern="100" dirty="0">
+              <a:solidFill>
+                <a:srgbClr val="000000"/>
+              </a:solidFill>
+              <a:effectLst/>
+              <a:latin typeface="Aptos" panose="020B0004020202020204" pitchFamily="34" charset="0"/>
+              <a:ea typeface="Aptos" panose="020B0004020202020204" pitchFamily="34" charset="0"/>
+              <a:cs typeface="Arial" panose="020B0604020202020204" pitchFamily="34" charset="0"/>
+            </a:endParaRPr>
+          </a:p>
+          <a:p>
+            <a:r>
+              <a:rPr lang="en-US" sz="1800" kern="100" dirty="0">
+                <a:effectLst/>
+                <a:latin typeface="Aptos" panose="020B0004020202020204" pitchFamily="34" charset="0"/>
+                <a:ea typeface="Aptos" panose="020B0004020202020204" pitchFamily="34" charset="0"/>
+                <a:cs typeface="Arial" panose="020B0604020202020204" pitchFamily="34" charset="0"/>
+              </a:rPr>
+              <a:t>Data is stored in key-value pairs, with</a:t>
+            </a:r>
+            <a:r>
+              <a:rPr lang="en-US" sz="1800" b="1" kern="100" dirty="0">
+                <a:effectLst/>
+                <a:latin typeface="Aptos" panose="020B0004020202020204" pitchFamily="34" charset="0"/>
+                <a:ea typeface="Aptos" panose="020B0004020202020204" pitchFamily="34" charset="0"/>
+                <a:cs typeface="Arial" panose="020B0604020202020204" pitchFamily="34" charset="0"/>
+              </a:rPr>
+              <a:t> flexible structure</a:t>
+            </a:r>
+            <a:r>
+              <a:rPr lang="en-US" sz="1800" kern="100" dirty="0">
+                <a:effectLst/>
+                <a:latin typeface="Aptos" panose="020B0004020202020204" pitchFamily="34" charset="0"/>
+                <a:ea typeface="Aptos" panose="020B0004020202020204" pitchFamily="34" charset="0"/>
+                <a:cs typeface="Arial" panose="020B0604020202020204" pitchFamily="34" charset="0"/>
+              </a:rPr>
+              <a:t>.</a:t>
+            </a:r>
+          </a:p>
+          <a:p>
+            <a:r>
+              <a:rPr lang="en-US" sz="1800" kern="100" dirty="0">
+                <a:effectLst/>
+                <a:latin typeface="Aptos" panose="020B0004020202020204" pitchFamily="34" charset="0"/>
+                <a:ea typeface="Aptos" panose="020B0004020202020204" pitchFamily="34" charset="0"/>
+                <a:cs typeface="Arial" panose="020B0604020202020204" pitchFamily="34" charset="0"/>
+              </a:rPr>
+              <a:t>Firebase supports: Flexible schema </a:t>
+            </a:r>
+            <a:r>
+              <a:rPr lang="en-US" sz="1800" b="1" kern="100" dirty="0">
+                <a:effectLst/>
+                <a:latin typeface="Aptos" panose="020B0004020202020204" pitchFamily="34" charset="0"/>
+                <a:ea typeface="Aptos" panose="020B0004020202020204" pitchFamily="34" charset="0"/>
+                <a:cs typeface="Arial" panose="020B0604020202020204" pitchFamily="34" charset="0"/>
+              </a:rPr>
+              <a:t>don’t need to define the structure before inserting</a:t>
+            </a:r>
+            <a:r>
+              <a:rPr lang="en-US" b="1" kern="100" dirty="0">
+                <a:latin typeface="Aptos" panose="020B0004020202020204" pitchFamily="34" charset="0"/>
+                <a:ea typeface="Aptos" panose="020B0004020202020204" pitchFamily="34" charset="0"/>
+                <a:cs typeface="Arial" panose="020B0604020202020204" pitchFamily="34" charset="0"/>
+              </a:rPr>
+              <a:t> data</a:t>
+            </a:r>
+          </a:p>
+          <a:p>
+            <a:endParaRPr lang="en-US" sz="1800" kern="100" dirty="0">
+              <a:solidFill>
+                <a:srgbClr val="000000"/>
+              </a:solidFill>
+              <a:effectLst/>
+              <a:latin typeface="Aptos" panose="020B0004020202020204" pitchFamily="34" charset="0"/>
+              <a:ea typeface="Aptos" panose="020B0004020202020204" pitchFamily="34" charset="0"/>
+              <a:cs typeface="Arial" panose="020B0604020202020204" pitchFamily="34" charset="0"/>
+            </a:endParaRPr>
+          </a:p>
+          <a:p>
+            <a:endParaRPr lang="en-US" kern="100" dirty="0">
+              <a:solidFill>
+                <a:srgbClr val="000000"/>
+              </a:solidFill>
+              <a:latin typeface="Aptos" panose="020B0004020202020204" pitchFamily="34" charset="0"/>
+              <a:ea typeface="Aptos" panose="020B0004020202020204" pitchFamily="34" charset="0"/>
+              <a:cs typeface="Arial" panose="020B0604020202020204" pitchFamily="34" charset="0"/>
+            </a:endParaRPr>
+          </a:p>
+          <a:p>
+            <a:endParaRPr lang="en-US" sz="1800" kern="100" dirty="0">
+              <a:solidFill>
+                <a:srgbClr val="000000"/>
+              </a:solidFill>
+              <a:effectLst/>
+              <a:latin typeface="Aptos" panose="020B0004020202020204" pitchFamily="34" charset="0"/>
+              <a:ea typeface="Aptos" panose="020B0004020202020204" pitchFamily="34" charset="0"/>
+              <a:cs typeface="Arial" panose="020B0604020202020204" pitchFamily="34" charset="0"/>
+            </a:endParaRPr>
+          </a:p>
+          <a:p>
+            <a:endParaRPr lang="en-US" kern="100" dirty="0">
+              <a:solidFill>
+                <a:srgbClr val="000000"/>
+              </a:solidFill>
+              <a:latin typeface="Aptos" panose="020B0004020202020204" pitchFamily="34" charset="0"/>
+              <a:ea typeface="Aptos" panose="020B0004020202020204" pitchFamily="34" charset="0"/>
+              <a:cs typeface="Arial" panose="020B0604020202020204" pitchFamily="34" charset="0"/>
+            </a:endParaRPr>
+          </a:p>
+          <a:p>
+            <a:endParaRPr lang="en-US" sz="1800" kern="100" dirty="0">
+              <a:solidFill>
+                <a:srgbClr val="000000"/>
+              </a:solidFill>
+              <a:effectLst/>
+              <a:latin typeface="Aptos" panose="020B0004020202020204" pitchFamily="34" charset="0"/>
+              <a:ea typeface="Aptos" panose="020B0004020202020204" pitchFamily="34" charset="0"/>
+              <a:cs typeface="Arial" panose="020B0604020202020204" pitchFamily="34" charset="0"/>
+            </a:endParaRPr>
+          </a:p>
+          <a:p>
+            <a:endParaRPr lang="en-US" dirty="0"/>
+          </a:p>
+        </p:txBody>
+      </p:sp>
+    </p:spTree>
+    <p:extLst>
+      <p:ext uri="{BB962C8B-B14F-4D97-AF65-F5344CB8AC3E}">
+        <p14:creationId xmlns:p14="http://schemas.microsoft.com/office/powerpoint/2010/main" val="2397515342"/>
+      </p:ext>
+    </p:extLst>
+  </p:cSld>
+  <p:clrMapOvr>
+    <a:masterClrMapping/>
+  </p:clrMapOvr>
+</p:sld>
+</file>
+
+<file path=ppt/slides/slide11.xml><?xml version="1.0" encoding="utf-8"?>
+<p:sld xmlns:a="http://schemas.openxmlformats.org/drawingml/2006/main" xmlns:r="http://schemas.openxmlformats.org/officeDocument/2006/relationships" xmlns:p="http://schemas.openxmlformats.org/presentationml/2006/main">
+  <p:cSld>
+    <p:spTree>
+      <p:nvGrpSpPr>
+        <p:cNvPr id="1" name="">
+          <a:extLst>
+            <a:ext uri="{FF2B5EF4-FFF2-40B4-BE49-F238E27FC236}">
+              <a16:creationId xmlns:a16="http://schemas.microsoft.com/office/drawing/2014/main" id="{ADCAF378-D444-6080-B51F-53A635DB1346}"/>
+            </a:ext>
+          </a:extLst>
+        </p:cNvPr>
+        <p:cNvGrpSpPr/>
+        <p:nvPr/>
+      </p:nvGrpSpPr>
+      <p:grpSpPr>
+        <a:xfrm>
+          <a:off x="0" y="0"/>
+          <a:ext cx="0" cy="0"/>
+          <a:chOff x="0" y="0"/>
+          <a:chExt cx="0" cy="0"/>
+        </a:xfrm>
+      </p:grpSpPr>
+      <p:sp>
+        <p:nvSpPr>
+          <p:cNvPr id="2" name="Title 1">
+            <a:extLst>
+              <a:ext uri="{FF2B5EF4-FFF2-40B4-BE49-F238E27FC236}">
+                <a16:creationId xmlns:a16="http://schemas.microsoft.com/office/drawing/2014/main" id="{E4CBE478-EEA3-709D-A5D0-9EB0B386FD09}"/>
+              </a:ext>
+            </a:extLst>
+          </p:cNvPr>
+          <p:cNvSpPr>
+            <a:spLocks noGrp="1"/>
+          </p:cNvSpPr>
+          <p:nvPr>
+            <p:ph type="title"/>
+          </p:nvPr>
+        </p:nvSpPr>
+        <p:spPr>
+          <a:xfrm>
+            <a:off x="225133" y="-100673"/>
+            <a:ext cx="10515600" cy="1325563"/>
+          </a:xfrm>
+        </p:spPr>
+        <p:txBody>
+          <a:bodyPr/>
+          <a:lstStyle/>
+          <a:p>
+            <a:r>
+              <a:rPr lang="en-US" b="1" dirty="0"/>
+              <a:t>Database</a:t>
+            </a:r>
+            <a:r>
+              <a:rPr lang="en-US" dirty="0"/>
+              <a:t> </a:t>
+            </a:r>
+            <a:r>
+              <a:rPr lang="en-US" b="1" dirty="0"/>
+              <a:t>Architecture</a:t>
+            </a:r>
+            <a:endParaRPr lang="en-US" dirty="0"/>
+          </a:p>
+        </p:txBody>
+      </p:sp>
+      <p:pic>
+        <p:nvPicPr>
+          <p:cNvPr id="5" name="Picture 4" descr="A diagram of a computer&#10;&#10;AI-generated content may be incorrect.">
+            <a:extLst>
+              <a:ext uri="{FF2B5EF4-FFF2-40B4-BE49-F238E27FC236}">
+                <a16:creationId xmlns:a16="http://schemas.microsoft.com/office/drawing/2014/main" id="{78DD5BE3-2100-69A7-E972-3120A8DFFF3E}"/>
+              </a:ext>
+            </a:extLst>
+          </p:cNvPr>
+          <p:cNvPicPr>
+            <a:picLocks noChangeAspect="1"/>
+          </p:cNvPicPr>
+          <p:nvPr/>
+        </p:nvPicPr>
+        <p:blipFill>
+          <a:blip r:embed="rId2"/>
+          <a:stretch>
+            <a:fillRect/>
+          </a:stretch>
+        </p:blipFill>
+        <p:spPr>
+          <a:xfrm>
+            <a:off x="217392" y="855338"/>
+            <a:ext cx="5292879" cy="5321625"/>
+          </a:xfrm>
+          <a:prstGeom prst="rect">
+            <a:avLst/>
+          </a:prstGeom>
+        </p:spPr>
+      </p:pic>
+      <p:pic>
+        <p:nvPicPr>
+          <p:cNvPr id="8" name="Content Placeholder 7">
+            <a:extLst>
+              <a:ext uri="{FF2B5EF4-FFF2-40B4-BE49-F238E27FC236}">
+                <a16:creationId xmlns:a16="http://schemas.microsoft.com/office/drawing/2014/main" id="{B8555953-D2BD-31C0-CF18-6D56FD3C0827}"/>
+              </a:ext>
+            </a:extLst>
+          </p:cNvPr>
+          <p:cNvPicPr>
+            <a:picLocks noGrp="1" noChangeAspect="1"/>
+          </p:cNvPicPr>
+          <p:nvPr>
+            <p:ph idx="1"/>
+          </p:nvPr>
+        </p:nvPicPr>
+        <p:blipFill>
+          <a:blip r:embed="rId3"/>
+          <a:stretch>
+            <a:fillRect/>
+          </a:stretch>
+        </p:blipFill>
+        <p:spPr>
+          <a:xfrm>
+            <a:off x="6096000" y="855338"/>
+            <a:ext cx="4869382" cy="4101155"/>
+          </a:xfrm>
+          <a:prstGeom prst="rect">
+            <a:avLst/>
+          </a:prstGeom>
+        </p:spPr>
+      </p:pic>
+    </p:spTree>
+    <p:extLst>
+      <p:ext uri="{BB962C8B-B14F-4D97-AF65-F5344CB8AC3E}">
+        <p14:creationId xmlns:p14="http://schemas.microsoft.com/office/powerpoint/2010/main" val="3330476320"/>
+      </p:ext>
+    </p:extLst>
+  </p:cSld>
+  <p:clrMapOvr>
+    <a:masterClrMapping/>
+  </p:clrMapOvr>
+</p:sld>
+</file>
+
+<file path=ppt/slides/slide12.xml><?xml version="1.0" encoding="utf-8"?>
+<p:sld xmlns:a="http://schemas.openxmlformats.org/drawingml/2006/main" xmlns:r="http://schemas.openxmlformats.org/officeDocument/2006/relationships" xmlns:p="http://schemas.openxmlformats.org/presentationml/2006/main">
+  <p:cSld>
+    <p:spTree>
+      <p:nvGrpSpPr>
+        <p:cNvPr id="1" name=""/>
+        <p:cNvGrpSpPr/>
+        <p:nvPr/>
+      </p:nvGrpSpPr>
+      <p:grpSpPr>
+        <a:xfrm>
+          <a:off x="0" y="0"/>
+          <a:ext cx="0" cy="0"/>
+          <a:chOff x="0" y="0"/>
+          <a:chExt cx="0" cy="0"/>
+        </a:xfrm>
+      </p:grpSpPr>
+      <p:sp>
+        <p:nvSpPr>
+          <p:cNvPr id="2" name="Title 1">
+            <a:extLst>
+              <a:ext uri="{FF2B5EF4-FFF2-40B4-BE49-F238E27FC236}">
+                <a16:creationId xmlns:a16="http://schemas.microsoft.com/office/drawing/2014/main" id="{A97A89EE-9DB2-731C-F6B6-AE2C2090E147}"/>
+              </a:ext>
+            </a:extLst>
+          </p:cNvPr>
+          <p:cNvSpPr>
+            <a:spLocks noGrp="1"/>
+          </p:cNvSpPr>
+          <p:nvPr>
+            <p:ph type="title"/>
+          </p:nvPr>
+        </p:nvSpPr>
+        <p:spPr/>
+        <p:txBody>
+          <a:bodyPr/>
+          <a:lstStyle/>
+          <a:p>
+            <a:r>
+              <a:rPr lang="en-US" b="1" dirty="0"/>
+              <a:t>App Walkthrough</a:t>
+            </a:r>
+            <a:endParaRPr lang="en-US" dirty="0"/>
+          </a:p>
+        </p:txBody>
+      </p:sp>
+      <p:sp>
+        <p:nvSpPr>
+          <p:cNvPr id="3" name="Content Placeholder 2">
+            <a:extLst>
+              <a:ext uri="{FF2B5EF4-FFF2-40B4-BE49-F238E27FC236}">
+                <a16:creationId xmlns:a16="http://schemas.microsoft.com/office/drawing/2014/main" id="{46F0AA8C-BB13-246E-C19F-96F5DC287340}"/>
+              </a:ext>
+            </a:extLst>
+          </p:cNvPr>
+          <p:cNvSpPr>
+            <a:spLocks noGrp="1"/>
+          </p:cNvSpPr>
+          <p:nvPr>
+            <p:ph idx="1"/>
+          </p:nvPr>
+        </p:nvSpPr>
+        <p:spPr>
+          <a:xfrm>
+            <a:off x="428017" y="1371600"/>
+            <a:ext cx="10925783" cy="4805363"/>
+          </a:xfrm>
+        </p:spPr>
+        <p:txBody>
+          <a:bodyPr/>
+          <a:lstStyle/>
+          <a:p>
+            <a:r>
+              <a:rPr lang="en-US" dirty="0"/>
+              <a:t>                                                     </a:t>
+            </a:r>
+          </a:p>
+        </p:txBody>
+      </p:sp>
+      <p:pic>
+        <p:nvPicPr>
+          <p:cNvPr id="5" name="صورة 4">
+            <a:extLst>
+              <a:ext uri="{FF2B5EF4-FFF2-40B4-BE49-F238E27FC236}">
+                <a16:creationId xmlns:a16="http://schemas.microsoft.com/office/drawing/2014/main" id="{68628F8F-63F2-F632-6D26-CDB8850FD8C6}"/>
+              </a:ext>
+            </a:extLst>
+          </p:cNvPr>
+          <p:cNvPicPr>
+            <a:picLocks noChangeAspect="1"/>
+          </p:cNvPicPr>
+          <p:nvPr/>
+        </p:nvPicPr>
+        <p:blipFill>
+          <a:blip r:embed="rId2">
+            <a:extLst>
+              <a:ext uri="{28A0092B-C50C-407E-A947-70E740481C1C}">
+                <a14:useLocalDpi xmlns:a14="http://schemas.microsoft.com/office/drawing/2010/main" val="0"/>
+              </a:ext>
+            </a:extLst>
+          </a:blip>
+          <a:stretch>
+            <a:fillRect/>
+          </a:stretch>
+        </p:blipFill>
+        <p:spPr>
+          <a:xfrm>
+            <a:off x="918616" y="1546699"/>
+            <a:ext cx="2390086" cy="5311301"/>
+          </a:xfrm>
+          <a:prstGeom prst="rect">
+            <a:avLst/>
+          </a:prstGeom>
+        </p:spPr>
+      </p:pic>
+      <p:cxnSp>
+        <p:nvCxnSpPr>
+          <p:cNvPr id="10" name="Straight Arrow Connector 9">
+            <a:extLst>
+              <a:ext uri="{FF2B5EF4-FFF2-40B4-BE49-F238E27FC236}">
+                <a16:creationId xmlns:a16="http://schemas.microsoft.com/office/drawing/2014/main" id="{53543B16-848E-BD88-BB7B-6F94EEC5E5FE}"/>
+              </a:ext>
+            </a:extLst>
+          </p:cNvPr>
+          <p:cNvCxnSpPr/>
+          <p:nvPr/>
+        </p:nvCxnSpPr>
+        <p:spPr>
+          <a:xfrm>
+            <a:off x="1099226" y="1984443"/>
+            <a:ext cx="4791682" cy="0"/>
+          </a:xfrm>
+          <a:prstGeom prst="straightConnector1">
+            <a:avLst/>
+          </a:prstGeom>
+          <a:ln>
+            <a:tailEnd type="triangle"/>
+          </a:ln>
+        </p:spPr>
+        <p:style>
+          <a:lnRef idx="2">
+            <a:schemeClr val="dk1"/>
+          </a:lnRef>
+          <a:fillRef idx="0">
+            <a:schemeClr val="dk1"/>
+          </a:fillRef>
+          <a:effectRef idx="1">
+            <a:schemeClr val="dk1"/>
+          </a:effectRef>
+          <a:fontRef idx="minor">
+            <a:schemeClr val="tx1"/>
+          </a:fontRef>
+        </p:style>
+      </p:cxnSp>
+      <p:pic>
+        <p:nvPicPr>
+          <p:cNvPr id="14" name="صورة 4" descr="صورة تحتوي على نص, لقطة شاشة, برمجيات&#10;&#10;قد يكون المحتوى المعد بواسطة الذكاء الاصطناعي غير صحيح.">
+            <a:extLst>
+              <a:ext uri="{FF2B5EF4-FFF2-40B4-BE49-F238E27FC236}">
+                <a16:creationId xmlns:a16="http://schemas.microsoft.com/office/drawing/2014/main" id="{ED167CA0-1FAA-ED8F-7D27-2A6A81A7DAC6}"/>
+              </a:ext>
+            </a:extLst>
+          </p:cNvPr>
+          <p:cNvPicPr>
+            <a:picLocks noChangeAspect="1"/>
+          </p:cNvPicPr>
+          <p:nvPr/>
+        </p:nvPicPr>
+        <p:blipFill>
+          <a:blip r:embed="rId3">
+            <a:extLst>
+              <a:ext uri="{28A0092B-C50C-407E-A947-70E740481C1C}">
+                <a14:useLocalDpi xmlns:a14="http://schemas.microsoft.com/office/drawing/2010/main" val="0"/>
+              </a:ext>
+            </a:extLst>
+          </a:blip>
+          <a:stretch>
+            <a:fillRect/>
+          </a:stretch>
+        </p:blipFill>
+        <p:spPr>
+          <a:xfrm>
+            <a:off x="6096000" y="681037"/>
+            <a:ext cx="2890942" cy="6047605"/>
+          </a:xfrm>
+          <a:prstGeom prst="rect">
+            <a:avLst/>
+          </a:prstGeom>
+        </p:spPr>
+      </p:pic>
+    </p:spTree>
+    <p:extLst>
+      <p:ext uri="{BB962C8B-B14F-4D97-AF65-F5344CB8AC3E}">
+        <p14:creationId xmlns:p14="http://schemas.microsoft.com/office/powerpoint/2010/main" val="3986947278"/>
+      </p:ext>
+    </p:extLst>
+  </p:cSld>
+  <p:clrMapOvr>
+    <a:masterClrMapping/>
+  </p:clrMapOvr>
+</p:sld>
+</file>
+
+<file path=ppt/slides/slide13.xml><?xml version="1.0" encoding="utf-8"?>
+<p:sld xmlns:a="http://schemas.openxmlformats.org/drawingml/2006/main" xmlns:r="http://schemas.openxmlformats.org/officeDocument/2006/relationships" xmlns:p="http://schemas.openxmlformats.org/presentationml/2006/main">
+  <p:cSld>
+    <p:spTree>
+      <p:nvGrpSpPr>
+        <p:cNvPr id="1" name="">
+          <a:extLst>
+            <a:ext uri="{FF2B5EF4-FFF2-40B4-BE49-F238E27FC236}">
+              <a16:creationId xmlns:a16="http://schemas.microsoft.com/office/drawing/2014/main" id="{F46D4E63-18BB-FFA7-BBA4-3EAAA6362CFE}"/>
+            </a:ext>
+          </a:extLst>
+        </p:cNvPr>
+        <p:cNvGrpSpPr/>
+        <p:nvPr/>
+      </p:nvGrpSpPr>
+      <p:grpSpPr>
+        <a:xfrm>
+          <a:off x="0" y="0"/>
+          <a:ext cx="0" cy="0"/>
+          <a:chOff x="0" y="0"/>
+          <a:chExt cx="0" cy="0"/>
+        </a:xfrm>
+      </p:grpSpPr>
+      <p:sp>
+        <p:nvSpPr>
+          <p:cNvPr id="2" name="Title 1">
+            <a:extLst>
+              <a:ext uri="{FF2B5EF4-FFF2-40B4-BE49-F238E27FC236}">
+                <a16:creationId xmlns:a16="http://schemas.microsoft.com/office/drawing/2014/main" id="{1D2A07C7-6015-4593-C0FE-56C1E50B8646}"/>
+              </a:ext>
+            </a:extLst>
+          </p:cNvPr>
+          <p:cNvSpPr>
+            <a:spLocks noGrp="1"/>
+          </p:cNvSpPr>
+          <p:nvPr>
+            <p:ph type="title"/>
+          </p:nvPr>
+        </p:nvSpPr>
+        <p:spPr/>
+        <p:txBody>
+          <a:bodyPr/>
+          <a:lstStyle/>
+          <a:p>
+            <a:r>
+              <a:rPr lang="en-US" b="1" dirty="0"/>
+              <a:t>App Walkthrough</a:t>
+            </a:r>
+            <a:endParaRPr lang="en-US" dirty="0"/>
+          </a:p>
+        </p:txBody>
+      </p:sp>
+      <p:sp>
+        <p:nvSpPr>
+          <p:cNvPr id="3" name="Content Placeholder 2">
+            <a:extLst>
+              <a:ext uri="{FF2B5EF4-FFF2-40B4-BE49-F238E27FC236}">
+                <a16:creationId xmlns:a16="http://schemas.microsoft.com/office/drawing/2014/main" id="{221DB341-7F92-3925-B3E7-ECC172E00D47}"/>
+              </a:ext>
+            </a:extLst>
+          </p:cNvPr>
+          <p:cNvSpPr>
+            <a:spLocks noGrp="1"/>
+          </p:cNvSpPr>
+          <p:nvPr>
+            <p:ph idx="1"/>
+          </p:nvPr>
+        </p:nvSpPr>
+        <p:spPr>
+          <a:xfrm>
+            <a:off x="428017" y="1371600"/>
+            <a:ext cx="10925783" cy="4805363"/>
+          </a:xfrm>
+        </p:spPr>
+        <p:txBody>
+          <a:bodyPr/>
+          <a:lstStyle/>
+          <a:p>
+            <a:r>
+              <a:rPr lang="en-US" dirty="0"/>
+              <a:t>                                                     </a:t>
+            </a:r>
+          </a:p>
+        </p:txBody>
+      </p:sp>
+      <p:cxnSp>
+        <p:nvCxnSpPr>
+          <p:cNvPr id="10" name="Connector: Elbow 9">
+            <a:extLst>
+              <a:ext uri="{FF2B5EF4-FFF2-40B4-BE49-F238E27FC236}">
+                <a16:creationId xmlns:a16="http://schemas.microsoft.com/office/drawing/2014/main" id="{B6301918-5784-AA27-7A5E-0D2D59805EBB}"/>
+              </a:ext>
+            </a:extLst>
+          </p:cNvPr>
+          <p:cNvCxnSpPr>
+            <a:cxnSpLocks/>
+          </p:cNvCxnSpPr>
+          <p:nvPr/>
+        </p:nvCxnSpPr>
+        <p:spPr>
+          <a:xfrm flipV="1">
+            <a:off x="3152465" y="4202349"/>
+            <a:ext cx="2552596" cy="2110902"/>
+          </a:xfrm>
+          <a:prstGeom prst="bentConnector3">
+            <a:avLst/>
+          </a:prstGeom>
+          <a:ln>
+            <a:tailEnd type="triangle"/>
+          </a:ln>
+        </p:spPr>
+        <p:style>
+          <a:lnRef idx="2">
+            <a:schemeClr val="dk1"/>
+          </a:lnRef>
+          <a:fillRef idx="0">
+            <a:schemeClr val="dk1"/>
+          </a:fillRef>
+          <a:effectRef idx="1">
+            <a:schemeClr val="dk1"/>
+          </a:effectRef>
+          <a:fontRef idx="minor">
+            <a:schemeClr val="tx1"/>
+          </a:fontRef>
+        </p:style>
+      </p:cxnSp>
+      <p:pic>
+        <p:nvPicPr>
+          <p:cNvPr id="6" name="صورة 4">
+            <a:extLst>
+              <a:ext uri="{FF2B5EF4-FFF2-40B4-BE49-F238E27FC236}">
+                <a16:creationId xmlns:a16="http://schemas.microsoft.com/office/drawing/2014/main" id="{97BF4C92-CF96-5E42-1FD2-F1AF3DE5118B}"/>
+              </a:ext>
+            </a:extLst>
+          </p:cNvPr>
+          <p:cNvPicPr>
+            <a:picLocks noChangeAspect="1"/>
+          </p:cNvPicPr>
+          <p:nvPr/>
+        </p:nvPicPr>
+        <p:blipFill>
+          <a:blip r:embed="rId2">
+            <a:extLst>
+              <a:ext uri="{28A0092B-C50C-407E-A947-70E740481C1C}">
+                <a14:useLocalDpi xmlns:a14="http://schemas.microsoft.com/office/drawing/2010/main" val="0"/>
+              </a:ext>
+            </a:extLst>
+          </a:blip>
+          <a:stretch>
+            <a:fillRect/>
+          </a:stretch>
+        </p:blipFill>
+        <p:spPr>
+          <a:xfrm>
+            <a:off x="762379" y="1546699"/>
+            <a:ext cx="2390086" cy="5311301"/>
+          </a:xfrm>
+          <a:prstGeom prst="rect">
+            <a:avLst/>
+          </a:prstGeom>
+        </p:spPr>
+      </p:pic>
+      <p:pic>
+        <p:nvPicPr>
+          <p:cNvPr id="14" name="صورة 4">
+            <a:extLst>
+              <a:ext uri="{FF2B5EF4-FFF2-40B4-BE49-F238E27FC236}">
+                <a16:creationId xmlns:a16="http://schemas.microsoft.com/office/drawing/2014/main" id="{10B4D7D5-CDB7-7B35-2E45-726BB26DC7DC}"/>
+              </a:ext>
+            </a:extLst>
+          </p:cNvPr>
+          <p:cNvPicPr>
+            <a:picLocks noChangeAspect="1"/>
+          </p:cNvPicPr>
+          <p:nvPr/>
+        </p:nvPicPr>
+        <p:blipFill>
+          <a:blip r:embed="rId3">
+            <a:extLst>
+              <a:ext uri="{28A0092B-C50C-407E-A947-70E740481C1C}">
+                <a14:useLocalDpi xmlns:a14="http://schemas.microsoft.com/office/drawing/2010/main" val="0"/>
+              </a:ext>
+            </a:extLst>
+          </a:blip>
+          <a:stretch>
+            <a:fillRect/>
+          </a:stretch>
+        </p:blipFill>
+        <p:spPr>
+          <a:xfrm>
+            <a:off x="6486941" y="0"/>
+            <a:ext cx="3086100" cy="6858000"/>
+          </a:xfrm>
+          <a:prstGeom prst="rect">
+            <a:avLst/>
+          </a:prstGeom>
+        </p:spPr>
+      </p:pic>
+    </p:spTree>
+    <p:extLst>
+      <p:ext uri="{BB962C8B-B14F-4D97-AF65-F5344CB8AC3E}">
+        <p14:creationId xmlns:p14="http://schemas.microsoft.com/office/powerpoint/2010/main" val="3691667022"/>
+      </p:ext>
+    </p:extLst>
+  </p:cSld>
+  <p:clrMapOvr>
+    <a:masterClrMapping/>
+  </p:clrMapOvr>
+</p:sld>
+</file>
+
+<file path=ppt/slides/slide14.xml><?xml version="1.0" encoding="utf-8"?>
 <p:sld xmlns:a="http://schemas.openxmlformats.org/drawingml/2006/main" xmlns:r="http://schemas.openxmlformats.org/officeDocument/2006/relationships" xmlns:p="http://schemas.openxmlformats.org/presentationml/2006/main">
   <p:cSld>
     <p:spTree>
@@ -4354,6 +5260,31 @@
           </a:prstGeom>
         </p:spPr>
       </p:pic>
+      <p:sp>
+        <p:nvSpPr>
+          <p:cNvPr id="5" name="Content Placeholder 4">
+            <a:extLst>
+              <a:ext uri="{FF2B5EF4-FFF2-40B4-BE49-F238E27FC236}">
+                <a16:creationId xmlns:a16="http://schemas.microsoft.com/office/drawing/2014/main" id="{058FCDEC-9E6E-0A35-F1E9-9FD78F1E09B0}"/>
+              </a:ext>
+            </a:extLst>
+          </p:cNvPr>
+          <p:cNvSpPr>
+            <a:spLocks noGrp="1"/>
+          </p:cNvSpPr>
+          <p:nvPr>
+            <p:ph idx="1"/>
+          </p:nvPr>
+        </p:nvSpPr>
+        <p:spPr/>
+        <p:txBody>
+          <a:bodyPr/>
+          <a:lstStyle/>
+          <a:p>
+            <a:endParaRPr lang="en-US" dirty="0"/>
+          </a:p>
+        </p:txBody>
+      </p:sp>
       <p:pic>
         <p:nvPicPr>
           <p:cNvPr id="9" name="صورة 4">
@@ -4403,7 +5334,7 @@
 </p:sld>
 </file>
 
-<file path=ppt/slides/slide11.xml><?xml version="1.0" encoding="utf-8"?>
+<file path=ppt/slides/slide15.xml><?xml version="1.0" encoding="utf-8"?>
 <p:sld xmlns:a="http://schemas.openxmlformats.org/drawingml/2006/main" xmlns:r="http://schemas.openxmlformats.org/officeDocument/2006/relationships" xmlns:p="http://schemas.openxmlformats.org/presentationml/2006/main">
   <p:cSld>
     <p:spTree>
@@ -4487,6 +5418,36 @@
           </a:prstGeom>
         </p:spPr>
       </p:pic>
+      <p:sp>
+        <p:nvSpPr>
+          <p:cNvPr id="10" name="Content Placeholder 9">
+            <a:extLst>
+              <a:ext uri="{FF2B5EF4-FFF2-40B4-BE49-F238E27FC236}">
+                <a16:creationId xmlns:a16="http://schemas.microsoft.com/office/drawing/2014/main" id="{2CF41F84-CD89-823D-641E-8D64DD203C7F}"/>
+              </a:ext>
+            </a:extLst>
+          </p:cNvPr>
+          <p:cNvSpPr>
+            <a:spLocks noGrp="1"/>
+          </p:cNvSpPr>
+          <p:nvPr>
+            <p:ph idx="1"/>
+          </p:nvPr>
+        </p:nvSpPr>
+        <p:spPr>
+          <a:xfrm flipV="1">
+            <a:off x="1519794" y="6176962"/>
+            <a:ext cx="9834006" cy="638703"/>
+          </a:xfrm>
+        </p:spPr>
+        <p:txBody>
+          <a:bodyPr/>
+          <a:lstStyle/>
+          <a:p>
+            <a:endParaRPr lang="en-US" dirty="0"/>
+          </a:p>
+        </p:txBody>
+      </p:sp>
       <p:pic>
         <p:nvPicPr>
           <p:cNvPr id="11" name="صورة 4" descr="صورة تحتوي على نص, لقطة شاشة, رسالة, المستند&#10;&#10;قد يكون المحتوى المعد بواسطة الذكاء الاصطناعي غير صحيح.">
@@ -4611,7 +5572,7 @@
 </p:sld>
 </file>
 
-<file path=ppt/slides/slide12.xml><?xml version="1.0" encoding="utf-8"?>
+<file path=ppt/slides/slide16.xml><?xml version="1.0" encoding="utf-8"?>
 <p:sld xmlns:a="http://schemas.openxmlformats.org/drawingml/2006/main" xmlns:r="http://schemas.openxmlformats.org/officeDocument/2006/relationships" xmlns:p="http://schemas.openxmlformats.org/presentationml/2006/main">
   <p:cSld>
     <p:spTree>
@@ -4825,7 +5786,7 @@
 </p:sld>
 </file>
 
-<file path=ppt/slides/slide13.xml><?xml version="1.0" encoding="utf-8"?>
+<file path=ppt/slides/slide17.xml><?xml version="1.0" encoding="utf-8"?>
 <p:sld xmlns:a="http://schemas.openxmlformats.org/drawingml/2006/main" xmlns:r="http://schemas.openxmlformats.org/officeDocument/2006/relationships" xmlns:p="http://schemas.openxmlformats.org/presentationml/2006/main">
   <p:cSld>
     <p:spTree>
@@ -4877,6 +5838,36 @@
           </a:p>
         </p:txBody>
       </p:sp>
+      <p:sp>
+        <p:nvSpPr>
+          <p:cNvPr id="5" name="Content Placeholder 4">
+            <a:extLst>
+              <a:ext uri="{FF2B5EF4-FFF2-40B4-BE49-F238E27FC236}">
+                <a16:creationId xmlns:a16="http://schemas.microsoft.com/office/drawing/2014/main" id="{A020F8BC-DF4A-E433-C748-7D44E0F0BD29}"/>
+              </a:ext>
+            </a:extLst>
+          </p:cNvPr>
+          <p:cNvSpPr>
+            <a:spLocks noGrp="1"/>
+          </p:cNvSpPr>
+          <p:nvPr>
+            <p:ph idx="1"/>
+          </p:nvPr>
+        </p:nvSpPr>
+        <p:spPr>
+          <a:xfrm flipV="1">
+            <a:off x="126460" y="6176963"/>
+            <a:ext cx="11227340" cy="544850"/>
+          </a:xfrm>
+        </p:spPr>
+        <p:txBody>
+          <a:bodyPr/>
+          <a:lstStyle/>
+          <a:p>
+            <a:endParaRPr lang="en-US" dirty="0"/>
+          </a:p>
+        </p:txBody>
+      </p:sp>
       <p:pic>
         <p:nvPicPr>
           <p:cNvPr id="6" name="Picture 5">
@@ -4899,7 +5890,7 @@
         </p:blipFill>
         <p:spPr>
           <a:xfrm>
-            <a:off x="1965052" y="1430910"/>
+            <a:off x="1965052" y="1411454"/>
             <a:ext cx="6005080" cy="4404742"/>
           </a:xfrm>
           <a:prstGeom prst="rect">
@@ -4920,7 +5911,7 @@
 </p:sld>
 </file>
 
-<file path=ppt/slides/slide14.xml><?xml version="1.0" encoding="utf-8"?>
+<file path=ppt/slides/slide18.xml><?xml version="1.0" encoding="utf-8"?>
 <p:sld xmlns:a="http://schemas.openxmlformats.org/drawingml/2006/main" xmlns:r="http://schemas.openxmlformats.org/officeDocument/2006/relationships" xmlns:p="http://schemas.openxmlformats.org/presentationml/2006/main">
   <p:cSld>
     <p:spTree>
@@ -5046,7 +6037,7 @@
 </p:sld>
 </file>
 
-<file path=ppt/slides/slide15.xml><?xml version="1.0" encoding="utf-8"?>
+<file path=ppt/slides/slide19.xml><?xml version="1.0" encoding="utf-8"?>
 <p:sld xmlns:a="http://schemas.openxmlformats.org/drawingml/2006/main" xmlns:r="http://schemas.openxmlformats.org/officeDocument/2006/relationships" xmlns:p="http://schemas.openxmlformats.org/presentationml/2006/main">
   <p:cSld>
     <p:spTree>
@@ -5097,6 +6088,31 @@
           </a:p>
         </p:txBody>
       </p:sp>
+      <p:sp>
+        <p:nvSpPr>
+          <p:cNvPr id="5" name="Content Placeholder 4">
+            <a:extLst>
+              <a:ext uri="{FF2B5EF4-FFF2-40B4-BE49-F238E27FC236}">
+                <a16:creationId xmlns:a16="http://schemas.microsoft.com/office/drawing/2014/main" id="{5C507029-992E-1C7E-05D6-DC33320784AA}"/>
+              </a:ext>
+            </a:extLst>
+          </p:cNvPr>
+          <p:cNvSpPr>
+            <a:spLocks noGrp="1"/>
+          </p:cNvSpPr>
+          <p:nvPr>
+            <p:ph idx="1"/>
+          </p:nvPr>
+        </p:nvSpPr>
+        <p:spPr/>
+        <p:txBody>
+          <a:bodyPr/>
+          <a:lstStyle/>
+          <a:p>
+            <a:endParaRPr lang="en-US" dirty="0"/>
+          </a:p>
+        </p:txBody>
+      </p:sp>
       <p:pic>
         <p:nvPicPr>
           <p:cNvPr id="6" name="صورة 4" descr="صورة تحتوي على نص, لقطة شاشة, برمجيات&#10;&#10;قد يكون المحتوى المعد بواسطة الذكاء الاصطناعي غير صحيح.">
@@ -5166,487 +6182,6 @@
     <p:extLst>
       <p:ext uri="{BB962C8B-B14F-4D97-AF65-F5344CB8AC3E}">
         <p14:creationId xmlns:p14="http://schemas.microsoft.com/office/powerpoint/2010/main" val="530858553"/>
-      </p:ext>
-    </p:extLst>
-  </p:cSld>
-  <p:clrMapOvr>
-    <a:masterClrMapping/>
-  </p:clrMapOvr>
-</p:sld>
-</file>
-
-<file path=ppt/slides/slide16.xml><?xml version="1.0" encoding="utf-8"?>
-<p:sld xmlns:a="http://schemas.openxmlformats.org/drawingml/2006/main" xmlns:r="http://schemas.openxmlformats.org/officeDocument/2006/relationships" xmlns:p="http://schemas.openxmlformats.org/presentationml/2006/main">
-  <p:cSld>
-    <p:spTree>
-      <p:nvGrpSpPr>
-        <p:cNvPr id="1" name="">
-          <a:extLst>
-            <a:ext uri="{FF2B5EF4-FFF2-40B4-BE49-F238E27FC236}">
-              <a16:creationId xmlns:a16="http://schemas.microsoft.com/office/drawing/2014/main" id="{F6EBBBD2-5A3C-FAE5-6C74-016D62394389}"/>
-            </a:ext>
-          </a:extLst>
-        </p:cNvPr>
-        <p:cNvGrpSpPr/>
-        <p:nvPr/>
-      </p:nvGrpSpPr>
-      <p:grpSpPr>
-        <a:xfrm>
-          <a:off x="0" y="0"/>
-          <a:ext cx="0" cy="0"/>
-          <a:chOff x="0" y="0"/>
-          <a:chExt cx="0" cy="0"/>
-        </a:xfrm>
-      </p:grpSpPr>
-      <p:sp>
-        <p:nvSpPr>
-          <p:cNvPr id="2" name="Title 1">
-            <a:extLst>
-              <a:ext uri="{FF2B5EF4-FFF2-40B4-BE49-F238E27FC236}">
-                <a16:creationId xmlns:a16="http://schemas.microsoft.com/office/drawing/2014/main" id="{DBC9C384-6747-495D-5290-1D0F82FAA1E0}"/>
-              </a:ext>
-            </a:extLst>
-          </p:cNvPr>
-          <p:cNvSpPr>
-            <a:spLocks noGrp="1"/>
-          </p:cNvSpPr>
-          <p:nvPr>
-            <p:ph type="title"/>
-          </p:nvPr>
-        </p:nvSpPr>
-        <p:spPr/>
-        <p:txBody>
-          <a:bodyPr/>
-          <a:lstStyle/>
-          <a:p>
-            <a:r>
-              <a:rPr lang="en-US" dirty="0"/>
-              <a:t>Chatbot Component diagram</a:t>
-            </a:r>
-          </a:p>
-        </p:txBody>
-      </p:sp>
-      <p:pic>
-        <p:nvPicPr>
-          <p:cNvPr id="3" name="Picture 2">
-            <a:extLst>
-              <a:ext uri="{FF2B5EF4-FFF2-40B4-BE49-F238E27FC236}">
-                <a16:creationId xmlns:a16="http://schemas.microsoft.com/office/drawing/2014/main" id="{C17699FB-CCD5-4120-4749-87B1EA19BD6B}"/>
-              </a:ext>
-            </a:extLst>
-          </p:cNvPr>
-          <p:cNvPicPr>
-            <a:picLocks noChangeAspect="1"/>
-          </p:cNvPicPr>
-          <p:nvPr/>
-        </p:nvPicPr>
-        <p:blipFill>
-          <a:blip r:embed="rId2"/>
-          <a:stretch>
-            <a:fillRect/>
-          </a:stretch>
-        </p:blipFill>
-        <p:spPr>
-          <a:xfrm>
-            <a:off x="942110" y="1690688"/>
-            <a:ext cx="7658149" cy="4360984"/>
-          </a:xfrm>
-          <a:prstGeom prst="rect">
-            <a:avLst/>
-          </a:prstGeom>
-        </p:spPr>
-      </p:pic>
-      <p:pic>
-        <p:nvPicPr>
-          <p:cNvPr id="7" name="صورة 4" descr="صورة تحتوي على نص, لقطة شاشة, التصميم&#10;&#10;قد يكون المحتوى المعد بواسطة الذكاء الاصطناعي غير صحيح.">
-            <a:extLst>
-              <a:ext uri="{FF2B5EF4-FFF2-40B4-BE49-F238E27FC236}">
-                <a16:creationId xmlns:a16="http://schemas.microsoft.com/office/drawing/2014/main" id="{D6776357-DFF0-63E7-C1BE-F8D53F9CE925}"/>
-              </a:ext>
-            </a:extLst>
-          </p:cNvPr>
-          <p:cNvPicPr>
-            <a:picLocks noChangeAspect="1"/>
-          </p:cNvPicPr>
-          <p:nvPr/>
-        </p:nvPicPr>
-        <p:blipFill>
-          <a:blip r:embed="rId3">
-            <a:extLst>
-              <a:ext uri="{28A0092B-C50C-407E-A947-70E740481C1C}">
-                <a14:useLocalDpi xmlns:a14="http://schemas.microsoft.com/office/drawing/2010/main" val="0"/>
-              </a:ext>
-            </a:extLst>
-          </a:blip>
-          <a:srcRect t="3456" b="3937"/>
-          <a:stretch/>
-        </p:blipFill>
-        <p:spPr>
-          <a:xfrm>
-            <a:off x="8288528" y="365125"/>
-            <a:ext cx="2961362" cy="5910726"/>
-          </a:xfrm>
-          <a:prstGeom prst="rect">
-            <a:avLst/>
-          </a:prstGeom>
-        </p:spPr>
-      </p:pic>
-    </p:spTree>
-    <p:extLst>
-      <p:ext uri="{BB962C8B-B14F-4D97-AF65-F5344CB8AC3E}">
-        <p14:creationId xmlns:p14="http://schemas.microsoft.com/office/powerpoint/2010/main" val="1973797133"/>
-      </p:ext>
-    </p:extLst>
-  </p:cSld>
-  <p:clrMapOvr>
-    <a:masterClrMapping/>
-  </p:clrMapOvr>
-</p:sld>
-</file>
-
-<file path=ppt/slides/slide17.xml><?xml version="1.0" encoding="utf-8"?>
-<p:sld xmlns:a="http://schemas.openxmlformats.org/drawingml/2006/main" xmlns:r="http://schemas.openxmlformats.org/officeDocument/2006/relationships" xmlns:p="http://schemas.openxmlformats.org/presentationml/2006/main">
-  <p:cSld>
-    <p:spTree>
-      <p:nvGrpSpPr>
-        <p:cNvPr id="1" name="">
-          <a:extLst>
-            <a:ext uri="{FF2B5EF4-FFF2-40B4-BE49-F238E27FC236}">
-              <a16:creationId xmlns:a16="http://schemas.microsoft.com/office/drawing/2014/main" id="{5241A1CF-7737-1529-BB6C-CB1E4C5678E6}"/>
-            </a:ext>
-          </a:extLst>
-        </p:cNvPr>
-        <p:cNvGrpSpPr/>
-        <p:nvPr/>
-      </p:nvGrpSpPr>
-      <p:grpSpPr>
-        <a:xfrm>
-          <a:off x="0" y="0"/>
-          <a:ext cx="0" cy="0"/>
-          <a:chOff x="0" y="0"/>
-          <a:chExt cx="0" cy="0"/>
-        </a:xfrm>
-      </p:grpSpPr>
-      <p:sp>
-        <p:nvSpPr>
-          <p:cNvPr id="2" name="Title 1">
-            <a:extLst>
-              <a:ext uri="{FF2B5EF4-FFF2-40B4-BE49-F238E27FC236}">
-                <a16:creationId xmlns:a16="http://schemas.microsoft.com/office/drawing/2014/main" id="{2B319143-5B6E-8DF5-4F8A-0A751B3D847B}"/>
-              </a:ext>
-            </a:extLst>
-          </p:cNvPr>
-          <p:cNvSpPr>
-            <a:spLocks noGrp="1"/>
-          </p:cNvSpPr>
-          <p:nvPr>
-            <p:ph type="title"/>
-          </p:nvPr>
-        </p:nvSpPr>
-        <p:spPr/>
-        <p:txBody>
-          <a:bodyPr/>
-          <a:lstStyle/>
-          <a:p>
-            <a:r>
-              <a:rPr lang="en-US" dirty="0"/>
-              <a:t>Notes Component diagram</a:t>
-            </a:r>
-          </a:p>
-        </p:txBody>
-      </p:sp>
-      <p:pic>
-        <p:nvPicPr>
-          <p:cNvPr id="5" name="Picture 4">
-            <a:extLst>
-              <a:ext uri="{FF2B5EF4-FFF2-40B4-BE49-F238E27FC236}">
-                <a16:creationId xmlns:a16="http://schemas.microsoft.com/office/drawing/2014/main" id="{B7745D31-9620-4977-5D8B-AB5B09F8E21E}"/>
-              </a:ext>
-            </a:extLst>
-          </p:cNvPr>
-          <p:cNvPicPr>
-            <a:picLocks noChangeAspect="1"/>
-          </p:cNvPicPr>
-          <p:nvPr/>
-        </p:nvPicPr>
-        <p:blipFill>
-          <a:blip r:embed="rId2"/>
-          <a:stretch>
-            <a:fillRect/>
-          </a:stretch>
-        </p:blipFill>
-        <p:spPr>
-          <a:xfrm>
-            <a:off x="838200" y="1395551"/>
-            <a:ext cx="6572741" cy="4781412"/>
-          </a:xfrm>
-          <a:prstGeom prst="rect">
-            <a:avLst/>
-          </a:prstGeom>
-        </p:spPr>
-      </p:pic>
-      <p:pic>
-        <p:nvPicPr>
-          <p:cNvPr id="7" name="صورة 4" descr="صورة تحتوي على نص, لقطة شاشة, التصميم&#10;&#10;قد يكون المحتوى المعد بواسطة الذكاء الاصطناعي غير صحيح.">
-            <a:extLst>
-              <a:ext uri="{FF2B5EF4-FFF2-40B4-BE49-F238E27FC236}">
-                <a16:creationId xmlns:a16="http://schemas.microsoft.com/office/drawing/2014/main" id="{9D6BA59F-B408-9911-1B72-7C5F7E22C337}"/>
-              </a:ext>
-            </a:extLst>
-          </p:cNvPr>
-          <p:cNvPicPr>
-            <a:picLocks noChangeAspect="1"/>
-          </p:cNvPicPr>
-          <p:nvPr/>
-        </p:nvPicPr>
-        <p:blipFill>
-          <a:blip r:embed="rId3">
-            <a:extLst>
-              <a:ext uri="{28A0092B-C50C-407E-A947-70E740481C1C}">
-                <a14:useLocalDpi xmlns:a14="http://schemas.microsoft.com/office/drawing/2010/main" val="0"/>
-              </a:ext>
-            </a:extLst>
-          </a:blip>
-          <a:srcRect t="4777" b="5355"/>
-          <a:stretch/>
-        </p:blipFill>
-        <p:spPr>
-          <a:xfrm>
-            <a:off x="8267700" y="365124"/>
-            <a:ext cx="3086100" cy="6127751"/>
-          </a:xfrm>
-          <a:prstGeom prst="rect">
-            <a:avLst/>
-          </a:prstGeom>
-        </p:spPr>
-      </p:pic>
-    </p:spTree>
-    <p:extLst>
-      <p:ext uri="{BB962C8B-B14F-4D97-AF65-F5344CB8AC3E}">
-        <p14:creationId xmlns:p14="http://schemas.microsoft.com/office/powerpoint/2010/main" val="3310599422"/>
-      </p:ext>
-    </p:extLst>
-  </p:cSld>
-  <p:clrMapOvr>
-    <a:masterClrMapping/>
-  </p:clrMapOvr>
-</p:sld>
-</file>
-
-<file path=ppt/slides/slide18.xml><?xml version="1.0" encoding="utf-8"?>
-<p:sld xmlns:a="http://schemas.openxmlformats.org/drawingml/2006/main" xmlns:r="http://schemas.openxmlformats.org/officeDocument/2006/relationships" xmlns:p="http://schemas.openxmlformats.org/presentationml/2006/main">
-  <p:cSld>
-    <p:spTree>
-      <p:nvGrpSpPr>
-        <p:cNvPr id="1" name="">
-          <a:extLst>
-            <a:ext uri="{FF2B5EF4-FFF2-40B4-BE49-F238E27FC236}">
-              <a16:creationId xmlns:a16="http://schemas.microsoft.com/office/drawing/2014/main" id="{6E2B27ED-FBF6-BA88-9E0C-E2FE6D72BAB5}"/>
-            </a:ext>
-          </a:extLst>
-        </p:cNvPr>
-        <p:cNvGrpSpPr/>
-        <p:nvPr/>
-      </p:nvGrpSpPr>
-      <p:grpSpPr>
-        <a:xfrm>
-          <a:off x="0" y="0"/>
-          <a:ext cx="0" cy="0"/>
-          <a:chOff x="0" y="0"/>
-          <a:chExt cx="0" cy="0"/>
-        </a:xfrm>
-      </p:grpSpPr>
-      <p:sp>
-        <p:nvSpPr>
-          <p:cNvPr id="2" name="Title 1">
-            <a:extLst>
-              <a:ext uri="{FF2B5EF4-FFF2-40B4-BE49-F238E27FC236}">
-                <a16:creationId xmlns:a16="http://schemas.microsoft.com/office/drawing/2014/main" id="{DA05C582-0656-4329-C43C-3FC85E419996}"/>
-              </a:ext>
-            </a:extLst>
-          </p:cNvPr>
-          <p:cNvSpPr>
-            <a:spLocks noGrp="1"/>
-          </p:cNvSpPr>
-          <p:nvPr>
-            <p:ph type="title"/>
-          </p:nvPr>
-        </p:nvSpPr>
-        <p:spPr/>
-        <p:txBody>
-          <a:bodyPr/>
-          <a:lstStyle/>
-          <a:p>
-            <a:r>
-              <a:rPr lang="en-US" dirty="0"/>
-              <a:t>Notes sequence diagram</a:t>
-            </a:r>
-          </a:p>
-        </p:txBody>
-      </p:sp>
-      <p:pic>
-        <p:nvPicPr>
-          <p:cNvPr id="7" name="Picture 6">
-            <a:extLst>
-              <a:ext uri="{FF2B5EF4-FFF2-40B4-BE49-F238E27FC236}">
-                <a16:creationId xmlns:a16="http://schemas.microsoft.com/office/drawing/2014/main" id="{FDA75069-536B-6CC4-7CF2-BCA093220AE6}"/>
-              </a:ext>
-            </a:extLst>
-          </p:cNvPr>
-          <p:cNvPicPr>
-            <a:picLocks noChangeAspect="1"/>
-          </p:cNvPicPr>
-          <p:nvPr/>
-        </p:nvPicPr>
-        <p:blipFill>
-          <a:blip r:embed="rId2"/>
-          <a:stretch>
-            <a:fillRect/>
-          </a:stretch>
-        </p:blipFill>
-        <p:spPr>
-          <a:xfrm>
-            <a:off x="3181611" y="1495758"/>
-            <a:ext cx="7741417" cy="5287719"/>
-          </a:xfrm>
-          <a:prstGeom prst="rect">
-            <a:avLst/>
-          </a:prstGeom>
-        </p:spPr>
-      </p:pic>
-    </p:spTree>
-    <p:extLst>
-      <p:ext uri="{BB962C8B-B14F-4D97-AF65-F5344CB8AC3E}">
-        <p14:creationId xmlns:p14="http://schemas.microsoft.com/office/powerpoint/2010/main" val="2019088058"/>
-      </p:ext>
-    </p:extLst>
-  </p:cSld>
-  <p:clrMapOvr>
-    <a:masterClrMapping/>
-  </p:clrMapOvr>
-</p:sld>
-</file>
-
-<file path=ppt/slides/slide19.xml><?xml version="1.0" encoding="utf-8"?>
-<p:sld xmlns:a="http://schemas.openxmlformats.org/drawingml/2006/main" xmlns:r="http://schemas.openxmlformats.org/officeDocument/2006/relationships" xmlns:p="http://schemas.openxmlformats.org/presentationml/2006/main">
-  <p:cSld>
-    <p:spTree>
-      <p:nvGrpSpPr>
-        <p:cNvPr id="1" name="">
-          <a:extLst>
-            <a:ext uri="{FF2B5EF4-FFF2-40B4-BE49-F238E27FC236}">
-              <a16:creationId xmlns:a16="http://schemas.microsoft.com/office/drawing/2014/main" id="{8707545F-83B2-D20F-947E-0432BDFE510C}"/>
-            </a:ext>
-          </a:extLst>
-        </p:cNvPr>
-        <p:cNvGrpSpPr/>
-        <p:nvPr/>
-      </p:nvGrpSpPr>
-      <p:grpSpPr>
-        <a:xfrm>
-          <a:off x="0" y="0"/>
-          <a:ext cx="0" cy="0"/>
-          <a:chOff x="0" y="0"/>
-          <a:chExt cx="0" cy="0"/>
-        </a:xfrm>
-      </p:grpSpPr>
-      <p:sp>
-        <p:nvSpPr>
-          <p:cNvPr id="2" name="Title 1">
-            <a:extLst>
-              <a:ext uri="{FF2B5EF4-FFF2-40B4-BE49-F238E27FC236}">
-                <a16:creationId xmlns:a16="http://schemas.microsoft.com/office/drawing/2014/main" id="{2C5C900C-E07E-45B8-A085-7F7D5CAE9F64}"/>
-              </a:ext>
-            </a:extLst>
-          </p:cNvPr>
-          <p:cNvSpPr>
-            <a:spLocks noGrp="1"/>
-          </p:cNvSpPr>
-          <p:nvPr>
-            <p:ph type="title"/>
-          </p:nvPr>
-        </p:nvSpPr>
-        <p:spPr/>
-        <p:txBody>
-          <a:bodyPr/>
-          <a:lstStyle/>
-          <a:p>
-            <a:r>
-              <a:rPr lang="en-US" dirty="0"/>
-              <a:t>Todo List Component diagram</a:t>
-            </a:r>
-          </a:p>
-        </p:txBody>
-      </p:sp>
-      <p:pic>
-        <p:nvPicPr>
-          <p:cNvPr id="3" name="Picture 2">
-            <a:extLst>
-              <a:ext uri="{FF2B5EF4-FFF2-40B4-BE49-F238E27FC236}">
-                <a16:creationId xmlns:a16="http://schemas.microsoft.com/office/drawing/2014/main" id="{9CD2AE63-A076-986F-EE47-CFDC56E43172}"/>
-              </a:ext>
-            </a:extLst>
-          </p:cNvPr>
-          <p:cNvPicPr>
-            <a:picLocks noChangeAspect="1"/>
-          </p:cNvPicPr>
-          <p:nvPr/>
-        </p:nvPicPr>
-        <p:blipFill>
-          <a:blip r:embed="rId2"/>
-          <a:stretch>
-            <a:fillRect/>
-          </a:stretch>
-        </p:blipFill>
-        <p:spPr>
-          <a:xfrm>
-            <a:off x="0" y="1673526"/>
-            <a:ext cx="6832552" cy="4819349"/>
-          </a:xfrm>
-          <a:prstGeom prst="rect">
-            <a:avLst/>
-          </a:prstGeom>
-        </p:spPr>
-      </p:pic>
-      <p:pic>
-        <p:nvPicPr>
-          <p:cNvPr id="9" name="صورة 4" descr="صورة تحتوي على نص, لقطة شاشة, التصميم&#10;&#10;قد يكون المحتوى المعد بواسطة الذكاء الاصطناعي غير صحيح.">
-            <a:extLst>
-              <a:ext uri="{FF2B5EF4-FFF2-40B4-BE49-F238E27FC236}">
-                <a16:creationId xmlns:a16="http://schemas.microsoft.com/office/drawing/2014/main" id="{E9F2D047-F41F-819A-3F22-1B7F46514D6D}"/>
-              </a:ext>
-            </a:extLst>
-          </p:cNvPr>
-          <p:cNvPicPr>
-            <a:picLocks noChangeAspect="1"/>
-          </p:cNvPicPr>
-          <p:nvPr/>
-        </p:nvPicPr>
-        <p:blipFill>
-          <a:blip r:embed="rId3">
-            <a:extLst>
-              <a:ext uri="{28A0092B-C50C-407E-A947-70E740481C1C}">
-                <a14:useLocalDpi xmlns:a14="http://schemas.microsoft.com/office/drawing/2010/main" val="0"/>
-              </a:ext>
-            </a:extLst>
-          </a:blip>
-          <a:srcRect t="4076" b="4422"/>
-          <a:stretch/>
-        </p:blipFill>
-        <p:spPr>
-          <a:xfrm>
-            <a:off x="7954027" y="475989"/>
-            <a:ext cx="3399773" cy="6016886"/>
-          </a:xfrm>
-          <a:prstGeom prst="rect">
-            <a:avLst/>
-          </a:prstGeom>
-        </p:spPr>
-      </p:pic>
-    </p:spTree>
-    <p:extLst>
-      <p:ext uri="{BB962C8B-B14F-4D97-AF65-F5344CB8AC3E}">
-        <p14:creationId xmlns:p14="http://schemas.microsoft.com/office/powerpoint/2010/main" val="908718979"/>
       </p:ext>
     </p:extLst>
   </p:cSld>
@@ -6130,6 +6665,597 @@
         <p:cNvPr id="1" name="">
           <a:extLst>
             <a:ext uri="{FF2B5EF4-FFF2-40B4-BE49-F238E27FC236}">
+              <a16:creationId xmlns:a16="http://schemas.microsoft.com/office/drawing/2014/main" id="{F6EBBBD2-5A3C-FAE5-6C74-016D62394389}"/>
+            </a:ext>
+          </a:extLst>
+        </p:cNvPr>
+        <p:cNvGrpSpPr/>
+        <p:nvPr/>
+      </p:nvGrpSpPr>
+      <p:grpSpPr>
+        <a:xfrm>
+          <a:off x="0" y="0"/>
+          <a:ext cx="0" cy="0"/>
+          <a:chOff x="0" y="0"/>
+          <a:chExt cx="0" cy="0"/>
+        </a:xfrm>
+      </p:grpSpPr>
+      <p:sp>
+        <p:nvSpPr>
+          <p:cNvPr id="2" name="Title 1">
+            <a:extLst>
+              <a:ext uri="{FF2B5EF4-FFF2-40B4-BE49-F238E27FC236}">
+                <a16:creationId xmlns:a16="http://schemas.microsoft.com/office/drawing/2014/main" id="{DBC9C384-6747-495D-5290-1D0F82FAA1E0}"/>
+              </a:ext>
+            </a:extLst>
+          </p:cNvPr>
+          <p:cNvSpPr>
+            <a:spLocks noGrp="1"/>
+          </p:cNvSpPr>
+          <p:nvPr>
+            <p:ph type="title"/>
+          </p:nvPr>
+        </p:nvSpPr>
+        <p:spPr/>
+        <p:txBody>
+          <a:bodyPr/>
+          <a:lstStyle/>
+          <a:p>
+            <a:r>
+              <a:rPr lang="en-US" dirty="0"/>
+              <a:t>Chatbot Component diagram</a:t>
+            </a:r>
+          </a:p>
+        </p:txBody>
+      </p:sp>
+      <p:pic>
+        <p:nvPicPr>
+          <p:cNvPr id="3" name="Picture 2">
+            <a:extLst>
+              <a:ext uri="{FF2B5EF4-FFF2-40B4-BE49-F238E27FC236}">
+                <a16:creationId xmlns:a16="http://schemas.microsoft.com/office/drawing/2014/main" id="{C17699FB-CCD5-4120-4749-87B1EA19BD6B}"/>
+              </a:ext>
+            </a:extLst>
+          </p:cNvPr>
+          <p:cNvPicPr>
+            <a:picLocks noChangeAspect="1"/>
+          </p:cNvPicPr>
+          <p:nvPr/>
+        </p:nvPicPr>
+        <p:blipFill>
+          <a:blip r:embed="rId2"/>
+          <a:stretch>
+            <a:fillRect/>
+          </a:stretch>
+        </p:blipFill>
+        <p:spPr>
+          <a:xfrm>
+            <a:off x="942110" y="1690688"/>
+            <a:ext cx="7658149" cy="4360984"/>
+          </a:xfrm>
+          <a:prstGeom prst="rect">
+            <a:avLst/>
+          </a:prstGeom>
+        </p:spPr>
+      </p:pic>
+      <p:sp>
+        <p:nvSpPr>
+          <p:cNvPr id="6" name="Content Placeholder 5">
+            <a:extLst>
+              <a:ext uri="{FF2B5EF4-FFF2-40B4-BE49-F238E27FC236}">
+                <a16:creationId xmlns:a16="http://schemas.microsoft.com/office/drawing/2014/main" id="{F54546B7-B569-FD0E-DD2C-4D7955513B9D}"/>
+              </a:ext>
+            </a:extLst>
+          </p:cNvPr>
+          <p:cNvSpPr>
+            <a:spLocks noGrp="1"/>
+          </p:cNvSpPr>
+          <p:nvPr>
+            <p:ph idx="1"/>
+          </p:nvPr>
+        </p:nvSpPr>
+        <p:spPr>
+          <a:xfrm>
+            <a:off x="838200" y="1528175"/>
+            <a:ext cx="7006871" cy="4648788"/>
+          </a:xfrm>
+        </p:spPr>
+        <p:txBody>
+          <a:bodyPr/>
+          <a:lstStyle/>
+          <a:p>
+            <a:endParaRPr lang="en-US" dirty="0"/>
+          </a:p>
+        </p:txBody>
+      </p:sp>
+      <p:pic>
+        <p:nvPicPr>
+          <p:cNvPr id="7" name="صورة 4" descr="صورة تحتوي على نص, لقطة شاشة, التصميم&#10;&#10;قد يكون المحتوى المعد بواسطة الذكاء الاصطناعي غير صحيح.">
+            <a:extLst>
+              <a:ext uri="{FF2B5EF4-FFF2-40B4-BE49-F238E27FC236}">
+                <a16:creationId xmlns:a16="http://schemas.microsoft.com/office/drawing/2014/main" id="{D6776357-DFF0-63E7-C1BE-F8D53F9CE925}"/>
+              </a:ext>
+            </a:extLst>
+          </p:cNvPr>
+          <p:cNvPicPr>
+            <a:picLocks noChangeAspect="1"/>
+          </p:cNvPicPr>
+          <p:nvPr/>
+        </p:nvPicPr>
+        <p:blipFill>
+          <a:blip r:embed="rId3">
+            <a:extLst>
+              <a:ext uri="{28A0092B-C50C-407E-A947-70E740481C1C}">
+                <a14:useLocalDpi xmlns:a14="http://schemas.microsoft.com/office/drawing/2010/main" val="0"/>
+              </a:ext>
+            </a:extLst>
+          </a:blip>
+          <a:srcRect t="3456" b="3937"/>
+          <a:stretch/>
+        </p:blipFill>
+        <p:spPr>
+          <a:xfrm>
+            <a:off x="8288528" y="365125"/>
+            <a:ext cx="2961362" cy="5910726"/>
+          </a:xfrm>
+          <a:prstGeom prst="rect">
+            <a:avLst/>
+          </a:prstGeom>
+        </p:spPr>
+      </p:pic>
+    </p:spTree>
+    <p:extLst>
+      <p:ext uri="{BB962C8B-B14F-4D97-AF65-F5344CB8AC3E}">
+        <p14:creationId xmlns:p14="http://schemas.microsoft.com/office/powerpoint/2010/main" val="1973797133"/>
+      </p:ext>
+    </p:extLst>
+  </p:cSld>
+  <p:clrMapOvr>
+    <a:masterClrMapping/>
+  </p:clrMapOvr>
+</p:sld>
+</file>
+
+<file path=ppt/slides/slide21.xml><?xml version="1.0" encoding="utf-8"?>
+<p:sld xmlns:a="http://schemas.openxmlformats.org/drawingml/2006/main" xmlns:r="http://schemas.openxmlformats.org/officeDocument/2006/relationships" xmlns:p="http://schemas.openxmlformats.org/presentationml/2006/main">
+  <p:cSld>
+    <p:spTree>
+      <p:nvGrpSpPr>
+        <p:cNvPr id="1" name="">
+          <a:extLst>
+            <a:ext uri="{FF2B5EF4-FFF2-40B4-BE49-F238E27FC236}">
+              <a16:creationId xmlns:a16="http://schemas.microsoft.com/office/drawing/2014/main" id="{5241A1CF-7737-1529-BB6C-CB1E4C5678E6}"/>
+            </a:ext>
+          </a:extLst>
+        </p:cNvPr>
+        <p:cNvGrpSpPr/>
+        <p:nvPr/>
+      </p:nvGrpSpPr>
+      <p:grpSpPr>
+        <a:xfrm>
+          <a:off x="0" y="0"/>
+          <a:ext cx="0" cy="0"/>
+          <a:chOff x="0" y="0"/>
+          <a:chExt cx="0" cy="0"/>
+        </a:xfrm>
+      </p:grpSpPr>
+      <p:sp>
+        <p:nvSpPr>
+          <p:cNvPr id="2" name="Title 1">
+            <a:extLst>
+              <a:ext uri="{FF2B5EF4-FFF2-40B4-BE49-F238E27FC236}">
+                <a16:creationId xmlns:a16="http://schemas.microsoft.com/office/drawing/2014/main" id="{2B319143-5B6E-8DF5-4F8A-0A751B3D847B}"/>
+              </a:ext>
+            </a:extLst>
+          </p:cNvPr>
+          <p:cNvSpPr>
+            <a:spLocks noGrp="1"/>
+          </p:cNvSpPr>
+          <p:nvPr>
+            <p:ph type="title"/>
+          </p:nvPr>
+        </p:nvSpPr>
+        <p:spPr/>
+        <p:txBody>
+          <a:bodyPr/>
+          <a:lstStyle/>
+          <a:p>
+            <a:r>
+              <a:rPr lang="en-US" dirty="0"/>
+              <a:t>Notes Component diagram</a:t>
+            </a:r>
+          </a:p>
+        </p:txBody>
+      </p:sp>
+      <p:pic>
+        <p:nvPicPr>
+          <p:cNvPr id="5" name="Picture 4">
+            <a:extLst>
+              <a:ext uri="{FF2B5EF4-FFF2-40B4-BE49-F238E27FC236}">
+                <a16:creationId xmlns:a16="http://schemas.microsoft.com/office/drawing/2014/main" id="{B7745D31-9620-4977-5D8B-AB5B09F8E21E}"/>
+              </a:ext>
+            </a:extLst>
+          </p:cNvPr>
+          <p:cNvPicPr>
+            <a:picLocks noChangeAspect="1"/>
+          </p:cNvPicPr>
+          <p:nvPr/>
+        </p:nvPicPr>
+        <p:blipFill>
+          <a:blip r:embed="rId2"/>
+          <a:stretch>
+            <a:fillRect/>
+          </a:stretch>
+        </p:blipFill>
+        <p:spPr>
+          <a:xfrm>
+            <a:off x="838200" y="1395551"/>
+            <a:ext cx="6572741" cy="4781412"/>
+          </a:xfrm>
+          <a:prstGeom prst="rect">
+            <a:avLst/>
+          </a:prstGeom>
+        </p:spPr>
+      </p:pic>
+      <p:sp>
+        <p:nvSpPr>
+          <p:cNvPr id="6" name="Content Placeholder 5">
+            <a:extLst>
+              <a:ext uri="{FF2B5EF4-FFF2-40B4-BE49-F238E27FC236}">
+                <a16:creationId xmlns:a16="http://schemas.microsoft.com/office/drawing/2014/main" id="{C8304F40-31E8-2609-D7DD-6D3E05027B5F}"/>
+              </a:ext>
+            </a:extLst>
+          </p:cNvPr>
+          <p:cNvSpPr>
+            <a:spLocks noGrp="1"/>
+          </p:cNvSpPr>
+          <p:nvPr>
+            <p:ph idx="1"/>
+          </p:nvPr>
+        </p:nvSpPr>
+        <p:spPr/>
+        <p:txBody>
+          <a:bodyPr/>
+          <a:lstStyle/>
+          <a:p>
+            <a:endParaRPr lang="en-US" dirty="0"/>
+          </a:p>
+        </p:txBody>
+      </p:sp>
+      <p:pic>
+        <p:nvPicPr>
+          <p:cNvPr id="7" name="صورة 4" descr="صورة تحتوي على نص, لقطة شاشة, التصميم&#10;&#10;قد يكون المحتوى المعد بواسطة الذكاء الاصطناعي غير صحيح.">
+            <a:extLst>
+              <a:ext uri="{FF2B5EF4-FFF2-40B4-BE49-F238E27FC236}">
+                <a16:creationId xmlns:a16="http://schemas.microsoft.com/office/drawing/2014/main" id="{9D6BA59F-B408-9911-1B72-7C5F7E22C337}"/>
+              </a:ext>
+            </a:extLst>
+          </p:cNvPr>
+          <p:cNvPicPr>
+            <a:picLocks noChangeAspect="1"/>
+          </p:cNvPicPr>
+          <p:nvPr/>
+        </p:nvPicPr>
+        <p:blipFill>
+          <a:blip r:embed="rId3">
+            <a:extLst>
+              <a:ext uri="{28A0092B-C50C-407E-A947-70E740481C1C}">
+                <a14:useLocalDpi xmlns:a14="http://schemas.microsoft.com/office/drawing/2010/main" val="0"/>
+              </a:ext>
+            </a:extLst>
+          </a:blip>
+          <a:srcRect t="4777" b="5355"/>
+          <a:stretch/>
+        </p:blipFill>
+        <p:spPr>
+          <a:xfrm>
+            <a:off x="8267700" y="365124"/>
+            <a:ext cx="3086100" cy="6127751"/>
+          </a:xfrm>
+          <a:prstGeom prst="rect">
+            <a:avLst/>
+          </a:prstGeom>
+        </p:spPr>
+      </p:pic>
+    </p:spTree>
+    <p:extLst>
+      <p:ext uri="{BB962C8B-B14F-4D97-AF65-F5344CB8AC3E}">
+        <p14:creationId xmlns:p14="http://schemas.microsoft.com/office/powerpoint/2010/main" val="3310599422"/>
+      </p:ext>
+    </p:extLst>
+  </p:cSld>
+  <p:clrMapOvr>
+    <a:masterClrMapping/>
+  </p:clrMapOvr>
+</p:sld>
+</file>
+
+<file path=ppt/slides/slide22.xml><?xml version="1.0" encoding="utf-8"?>
+<p:sld xmlns:a="http://schemas.openxmlformats.org/drawingml/2006/main" xmlns:r="http://schemas.openxmlformats.org/officeDocument/2006/relationships" xmlns:p="http://schemas.openxmlformats.org/presentationml/2006/main">
+  <p:cSld>
+    <p:spTree>
+      <p:nvGrpSpPr>
+        <p:cNvPr id="1" name="">
+          <a:extLst>
+            <a:ext uri="{FF2B5EF4-FFF2-40B4-BE49-F238E27FC236}">
+              <a16:creationId xmlns:a16="http://schemas.microsoft.com/office/drawing/2014/main" id="{6E2B27ED-FBF6-BA88-9E0C-E2FE6D72BAB5}"/>
+            </a:ext>
+          </a:extLst>
+        </p:cNvPr>
+        <p:cNvGrpSpPr/>
+        <p:nvPr/>
+      </p:nvGrpSpPr>
+      <p:grpSpPr>
+        <a:xfrm>
+          <a:off x="0" y="0"/>
+          <a:ext cx="0" cy="0"/>
+          <a:chOff x="0" y="0"/>
+          <a:chExt cx="0" cy="0"/>
+        </a:xfrm>
+      </p:grpSpPr>
+      <p:sp>
+        <p:nvSpPr>
+          <p:cNvPr id="2" name="Title 1">
+            <a:extLst>
+              <a:ext uri="{FF2B5EF4-FFF2-40B4-BE49-F238E27FC236}">
+                <a16:creationId xmlns:a16="http://schemas.microsoft.com/office/drawing/2014/main" id="{DA05C582-0656-4329-C43C-3FC85E419996}"/>
+              </a:ext>
+            </a:extLst>
+          </p:cNvPr>
+          <p:cNvSpPr>
+            <a:spLocks noGrp="1"/>
+          </p:cNvSpPr>
+          <p:nvPr>
+            <p:ph type="title"/>
+          </p:nvPr>
+        </p:nvSpPr>
+        <p:spPr/>
+        <p:txBody>
+          <a:bodyPr/>
+          <a:lstStyle/>
+          <a:p>
+            <a:r>
+              <a:rPr lang="en-US" dirty="0"/>
+              <a:t>Notes sequence diagram</a:t>
+            </a:r>
+          </a:p>
+        </p:txBody>
+      </p:sp>
+      <p:pic>
+        <p:nvPicPr>
+          <p:cNvPr id="7" name="Picture 6">
+            <a:extLst>
+              <a:ext uri="{FF2B5EF4-FFF2-40B4-BE49-F238E27FC236}">
+                <a16:creationId xmlns:a16="http://schemas.microsoft.com/office/drawing/2014/main" id="{FDA75069-536B-6CC4-7CF2-BCA093220AE6}"/>
+              </a:ext>
+            </a:extLst>
+          </p:cNvPr>
+          <p:cNvPicPr>
+            <a:picLocks noChangeAspect="1"/>
+          </p:cNvPicPr>
+          <p:nvPr/>
+        </p:nvPicPr>
+        <p:blipFill>
+          <a:blip r:embed="rId2"/>
+          <a:stretch>
+            <a:fillRect/>
+          </a:stretch>
+        </p:blipFill>
+        <p:spPr>
+          <a:xfrm>
+            <a:off x="3181611" y="1495758"/>
+            <a:ext cx="7741417" cy="5287719"/>
+          </a:xfrm>
+          <a:prstGeom prst="rect">
+            <a:avLst/>
+          </a:prstGeom>
+        </p:spPr>
+      </p:pic>
+      <p:sp>
+        <p:nvSpPr>
+          <p:cNvPr id="5" name="Content Placeholder 4">
+            <a:extLst>
+              <a:ext uri="{FF2B5EF4-FFF2-40B4-BE49-F238E27FC236}">
+                <a16:creationId xmlns:a16="http://schemas.microsoft.com/office/drawing/2014/main" id="{D457CD69-59FA-DE6C-6A6C-14B342668319}"/>
+              </a:ext>
+            </a:extLst>
+          </p:cNvPr>
+          <p:cNvSpPr>
+            <a:spLocks noGrp="1"/>
+          </p:cNvSpPr>
+          <p:nvPr>
+            <p:ph idx="1"/>
+          </p:nvPr>
+        </p:nvSpPr>
+        <p:spPr>
+          <a:xfrm>
+            <a:off x="838200" y="2102275"/>
+            <a:ext cx="3445701" cy="4074687"/>
+          </a:xfrm>
+        </p:spPr>
+        <p:txBody>
+          <a:bodyPr/>
+          <a:lstStyle/>
+          <a:p>
+            <a:endParaRPr lang="en-US" dirty="0"/>
+          </a:p>
+        </p:txBody>
+      </p:sp>
+    </p:spTree>
+    <p:extLst>
+      <p:ext uri="{BB962C8B-B14F-4D97-AF65-F5344CB8AC3E}">
+        <p14:creationId xmlns:p14="http://schemas.microsoft.com/office/powerpoint/2010/main" val="2019088058"/>
+      </p:ext>
+    </p:extLst>
+  </p:cSld>
+  <p:clrMapOvr>
+    <a:masterClrMapping/>
+  </p:clrMapOvr>
+</p:sld>
+</file>
+
+<file path=ppt/slides/slide23.xml><?xml version="1.0" encoding="utf-8"?>
+<p:sld xmlns:a="http://schemas.openxmlformats.org/drawingml/2006/main" xmlns:r="http://schemas.openxmlformats.org/officeDocument/2006/relationships" xmlns:p="http://schemas.openxmlformats.org/presentationml/2006/main">
+  <p:cSld>
+    <p:spTree>
+      <p:nvGrpSpPr>
+        <p:cNvPr id="1" name="">
+          <a:extLst>
+            <a:ext uri="{FF2B5EF4-FFF2-40B4-BE49-F238E27FC236}">
+              <a16:creationId xmlns:a16="http://schemas.microsoft.com/office/drawing/2014/main" id="{8707545F-83B2-D20F-947E-0432BDFE510C}"/>
+            </a:ext>
+          </a:extLst>
+        </p:cNvPr>
+        <p:cNvGrpSpPr/>
+        <p:nvPr/>
+      </p:nvGrpSpPr>
+      <p:grpSpPr>
+        <a:xfrm>
+          <a:off x="0" y="0"/>
+          <a:ext cx="0" cy="0"/>
+          <a:chOff x="0" y="0"/>
+          <a:chExt cx="0" cy="0"/>
+        </a:xfrm>
+      </p:grpSpPr>
+      <p:sp>
+        <p:nvSpPr>
+          <p:cNvPr id="2" name="Title 1">
+            <a:extLst>
+              <a:ext uri="{FF2B5EF4-FFF2-40B4-BE49-F238E27FC236}">
+                <a16:creationId xmlns:a16="http://schemas.microsoft.com/office/drawing/2014/main" id="{2C5C900C-E07E-45B8-A085-7F7D5CAE9F64}"/>
+              </a:ext>
+            </a:extLst>
+          </p:cNvPr>
+          <p:cNvSpPr>
+            <a:spLocks noGrp="1"/>
+          </p:cNvSpPr>
+          <p:nvPr>
+            <p:ph type="title"/>
+          </p:nvPr>
+        </p:nvSpPr>
+        <p:spPr/>
+        <p:txBody>
+          <a:bodyPr/>
+          <a:lstStyle/>
+          <a:p>
+            <a:r>
+              <a:rPr lang="en-US" dirty="0"/>
+              <a:t>Todo List Component diagram</a:t>
+            </a:r>
+          </a:p>
+        </p:txBody>
+      </p:sp>
+      <p:pic>
+        <p:nvPicPr>
+          <p:cNvPr id="3" name="Picture 2">
+            <a:extLst>
+              <a:ext uri="{FF2B5EF4-FFF2-40B4-BE49-F238E27FC236}">
+                <a16:creationId xmlns:a16="http://schemas.microsoft.com/office/drawing/2014/main" id="{9CD2AE63-A076-986F-EE47-CFDC56E43172}"/>
+              </a:ext>
+            </a:extLst>
+          </p:cNvPr>
+          <p:cNvPicPr>
+            <a:picLocks noChangeAspect="1"/>
+          </p:cNvPicPr>
+          <p:nvPr/>
+        </p:nvPicPr>
+        <p:blipFill>
+          <a:blip r:embed="rId2"/>
+          <a:stretch>
+            <a:fillRect/>
+          </a:stretch>
+        </p:blipFill>
+        <p:spPr>
+          <a:xfrm>
+            <a:off x="0" y="1673526"/>
+            <a:ext cx="6832552" cy="4819349"/>
+          </a:xfrm>
+          <a:prstGeom prst="rect">
+            <a:avLst/>
+          </a:prstGeom>
+        </p:spPr>
+      </p:pic>
+      <p:sp>
+        <p:nvSpPr>
+          <p:cNvPr id="8" name="Content Placeholder 7">
+            <a:extLst>
+              <a:ext uri="{FF2B5EF4-FFF2-40B4-BE49-F238E27FC236}">
+                <a16:creationId xmlns:a16="http://schemas.microsoft.com/office/drawing/2014/main" id="{71A108F1-3537-FA6F-3C99-CADE755060E1}"/>
+              </a:ext>
+            </a:extLst>
+          </p:cNvPr>
+          <p:cNvSpPr>
+            <a:spLocks noGrp="1"/>
+          </p:cNvSpPr>
+          <p:nvPr>
+            <p:ph idx="1"/>
+          </p:nvPr>
+        </p:nvSpPr>
+        <p:spPr/>
+        <p:txBody>
+          <a:bodyPr/>
+          <a:lstStyle/>
+          <a:p>
+            <a:endParaRPr lang="en-US"/>
+          </a:p>
+        </p:txBody>
+      </p:sp>
+      <p:pic>
+        <p:nvPicPr>
+          <p:cNvPr id="9" name="صورة 4" descr="صورة تحتوي على نص, لقطة شاشة, التصميم&#10;&#10;قد يكون المحتوى المعد بواسطة الذكاء الاصطناعي غير صحيح.">
+            <a:extLst>
+              <a:ext uri="{FF2B5EF4-FFF2-40B4-BE49-F238E27FC236}">
+                <a16:creationId xmlns:a16="http://schemas.microsoft.com/office/drawing/2014/main" id="{E9F2D047-F41F-819A-3F22-1B7F46514D6D}"/>
+              </a:ext>
+            </a:extLst>
+          </p:cNvPr>
+          <p:cNvPicPr>
+            <a:picLocks noChangeAspect="1"/>
+          </p:cNvPicPr>
+          <p:nvPr/>
+        </p:nvPicPr>
+        <p:blipFill>
+          <a:blip r:embed="rId3">
+            <a:extLst>
+              <a:ext uri="{28A0092B-C50C-407E-A947-70E740481C1C}">
+                <a14:useLocalDpi xmlns:a14="http://schemas.microsoft.com/office/drawing/2010/main" val="0"/>
+              </a:ext>
+            </a:extLst>
+          </a:blip>
+          <a:srcRect t="4076" b="4422"/>
+          <a:stretch/>
+        </p:blipFill>
+        <p:spPr>
+          <a:xfrm>
+            <a:off x="7954027" y="475989"/>
+            <a:ext cx="3399773" cy="6016886"/>
+          </a:xfrm>
+          <a:prstGeom prst="rect">
+            <a:avLst/>
+          </a:prstGeom>
+        </p:spPr>
+      </p:pic>
+    </p:spTree>
+    <p:extLst>
+      <p:ext uri="{BB962C8B-B14F-4D97-AF65-F5344CB8AC3E}">
+        <p14:creationId xmlns:p14="http://schemas.microsoft.com/office/powerpoint/2010/main" val="908718979"/>
+      </p:ext>
+    </p:extLst>
+  </p:cSld>
+  <p:clrMapOvr>
+    <a:masterClrMapping/>
+  </p:clrMapOvr>
+</p:sld>
+</file>
+
+<file path=ppt/slides/slide24.xml><?xml version="1.0" encoding="utf-8"?>
+<p:sld xmlns:a="http://schemas.openxmlformats.org/drawingml/2006/main" xmlns:r="http://schemas.openxmlformats.org/officeDocument/2006/relationships" xmlns:p="http://schemas.openxmlformats.org/presentationml/2006/main">
+  <p:cSld>
+    <p:spTree>
+      <p:nvGrpSpPr>
+        <p:cNvPr id="1" name="">
+          <a:extLst>
+            <a:ext uri="{FF2B5EF4-FFF2-40B4-BE49-F238E27FC236}">
               <a16:creationId xmlns:a16="http://schemas.microsoft.com/office/drawing/2014/main" id="{1C49AC3A-B839-0E8E-E7F1-C08EDF54EC3E}"/>
             </a:ext>
           </a:extLst>
@@ -6170,6 +7296,36 @@
               <a:rPr lang="en-US" dirty="0"/>
               <a:t>Todo List sequence diagram</a:t>
             </a:r>
+          </a:p>
+        </p:txBody>
+      </p:sp>
+      <p:sp>
+        <p:nvSpPr>
+          <p:cNvPr id="5" name="Content Placeholder 4">
+            <a:extLst>
+              <a:ext uri="{FF2B5EF4-FFF2-40B4-BE49-F238E27FC236}">
+                <a16:creationId xmlns:a16="http://schemas.microsoft.com/office/drawing/2014/main" id="{A2A410C4-A6D7-1713-786E-AE43B03DE239}"/>
+              </a:ext>
+            </a:extLst>
+          </p:cNvPr>
+          <p:cNvSpPr>
+            <a:spLocks noGrp="1"/>
+          </p:cNvSpPr>
+          <p:nvPr>
+            <p:ph idx="1"/>
+          </p:nvPr>
+        </p:nvSpPr>
+        <p:spPr>
+          <a:xfrm>
+            <a:off x="838200" y="1825625"/>
+            <a:ext cx="3910439" cy="4351338"/>
+          </a:xfrm>
+        </p:spPr>
+        <p:txBody>
+          <a:bodyPr/>
+          <a:lstStyle/>
+          <a:p>
+            <a:endParaRPr lang="en-US" dirty="0"/>
           </a:p>
         </p:txBody>
       </p:sp>
@@ -6216,7 +7372,7 @@
 </p:sld>
 </file>
 
-<file path=ppt/slides/slide21.xml><?xml version="1.0" encoding="utf-8"?>
+<file path=ppt/slides/slide25.xml><?xml version="1.0" encoding="utf-8"?>
 <p:sld xmlns:a="http://schemas.openxmlformats.org/drawingml/2006/main" xmlns:r="http://schemas.openxmlformats.org/officeDocument/2006/relationships" xmlns:p="http://schemas.openxmlformats.org/presentationml/2006/main">
   <p:cSld>
     <p:spTree>
@@ -6391,624 +7547,7 @@
 </p:sld>
 </file>
 
-<file path=ppt/slides/slide22.xml><?xml version="1.0" encoding="utf-8"?>
-<p:sld xmlns:a="http://schemas.openxmlformats.org/drawingml/2006/main" xmlns:r="http://schemas.openxmlformats.org/officeDocument/2006/relationships" xmlns:p="http://schemas.openxmlformats.org/presentationml/2006/main">
-  <p:cSld>
-    <p:spTree>
-      <p:nvGrpSpPr>
-        <p:cNvPr id="1" name=""/>
-        <p:cNvGrpSpPr/>
-        <p:nvPr/>
-      </p:nvGrpSpPr>
-      <p:grpSpPr>
-        <a:xfrm>
-          <a:off x="0" y="0"/>
-          <a:ext cx="0" cy="0"/>
-          <a:chOff x="0" y="0"/>
-          <a:chExt cx="0" cy="0"/>
-        </a:xfrm>
-      </p:grpSpPr>
-      <p:sp>
-        <p:nvSpPr>
-          <p:cNvPr id="2" name="Title 1">
-            <a:extLst>
-              <a:ext uri="{FF2B5EF4-FFF2-40B4-BE49-F238E27FC236}">
-                <a16:creationId xmlns:a16="http://schemas.microsoft.com/office/drawing/2014/main" id="{007D2874-C39E-7554-DDD9-ABE6FD2CC294}"/>
-              </a:ext>
-            </a:extLst>
-          </p:cNvPr>
-          <p:cNvSpPr>
-            <a:spLocks noGrp="1"/>
-          </p:cNvSpPr>
-          <p:nvPr>
-            <p:ph type="title"/>
-          </p:nvPr>
-        </p:nvSpPr>
-        <p:spPr/>
-        <p:txBody>
-          <a:bodyPr/>
-          <a:lstStyle/>
-          <a:p>
-            <a:pPr algn="ctr"/>
-            <a:r>
-              <a:rPr lang="en-US" b="1" dirty="0"/>
-              <a:t>System Architecture</a:t>
-            </a:r>
-            <a:br>
-              <a:rPr lang="en-US" b="1" dirty="0"/>
-            </a:br>
-            <a:r>
-              <a:rPr lang="en-US" sz="1800" kern="100" dirty="0">
-                <a:effectLst/>
-                <a:latin typeface="Times New Roman" panose="02020603050405020304" pitchFamily="18" charset="0"/>
-                <a:ea typeface="Times New Roman" panose="02020603050405020304" pitchFamily="18" charset="0"/>
-                <a:cs typeface="Arial" panose="020B0604020202020204" pitchFamily="34" charset="0"/>
-              </a:rPr>
-              <a:t>with major components</a:t>
-            </a:r>
-            <a:endParaRPr lang="en-US" dirty="0"/>
-          </a:p>
-        </p:txBody>
-      </p:sp>
-      <p:pic>
-        <p:nvPicPr>
-          <p:cNvPr id="4" name="Content Placeholder 3">
-            <a:extLst>
-              <a:ext uri="{FF2B5EF4-FFF2-40B4-BE49-F238E27FC236}">
-                <a16:creationId xmlns:a16="http://schemas.microsoft.com/office/drawing/2014/main" id="{048DCE21-8FB6-4E37-1E4F-D3B28434978A}"/>
-              </a:ext>
-            </a:extLst>
-          </p:cNvPr>
-          <p:cNvPicPr>
-            <a:picLocks noGrp="1" noChangeAspect="1"/>
-          </p:cNvPicPr>
-          <p:nvPr>
-            <p:ph idx="1"/>
-          </p:nvPr>
-        </p:nvPicPr>
-        <p:blipFill>
-          <a:blip r:embed="rId2"/>
-          <a:stretch>
-            <a:fillRect/>
-          </a:stretch>
-        </p:blipFill>
-        <p:spPr>
-          <a:xfrm>
-            <a:off x="628098" y="1440834"/>
-            <a:ext cx="9923318" cy="5417166"/>
-          </a:xfrm>
-          <a:prstGeom prst="rect">
-            <a:avLst/>
-          </a:prstGeom>
-        </p:spPr>
-      </p:pic>
-    </p:spTree>
-    <p:extLst>
-      <p:ext uri="{BB962C8B-B14F-4D97-AF65-F5344CB8AC3E}">
-        <p14:creationId xmlns:p14="http://schemas.microsoft.com/office/powerpoint/2010/main" val="4038652978"/>
-      </p:ext>
-    </p:extLst>
-  </p:cSld>
-  <p:clrMapOvr>
-    <a:masterClrMapping/>
-  </p:clrMapOvr>
-</p:sld>
-</file>
-
-<file path=ppt/slides/slide23.xml><?xml version="1.0" encoding="utf-8"?>
-<p:sld xmlns:a="http://schemas.openxmlformats.org/drawingml/2006/main" xmlns:r="http://schemas.openxmlformats.org/officeDocument/2006/relationships" xmlns:p="http://schemas.openxmlformats.org/presentationml/2006/main">
-  <p:cSld>
-    <p:spTree>
-      <p:nvGrpSpPr>
-        <p:cNvPr id="1" name=""/>
-        <p:cNvGrpSpPr/>
-        <p:nvPr/>
-      </p:nvGrpSpPr>
-      <p:grpSpPr>
-        <a:xfrm>
-          <a:off x="0" y="0"/>
-          <a:ext cx="0" cy="0"/>
-          <a:chOff x="0" y="0"/>
-          <a:chExt cx="0" cy="0"/>
-        </a:xfrm>
-      </p:grpSpPr>
-      <p:sp>
-        <p:nvSpPr>
-          <p:cNvPr id="2" name="Title 1">
-            <a:extLst>
-              <a:ext uri="{FF2B5EF4-FFF2-40B4-BE49-F238E27FC236}">
-                <a16:creationId xmlns:a16="http://schemas.microsoft.com/office/drawing/2014/main" id="{A09F3E11-6105-E3F8-C162-6AD736529CD3}"/>
-              </a:ext>
-            </a:extLst>
-          </p:cNvPr>
-          <p:cNvSpPr>
-            <a:spLocks noGrp="1"/>
-          </p:cNvSpPr>
-          <p:nvPr>
-            <p:ph type="title"/>
-          </p:nvPr>
-        </p:nvSpPr>
-        <p:spPr>
-          <a:xfrm>
-            <a:off x="225133" y="-100673"/>
-            <a:ext cx="10515600" cy="1325563"/>
-          </a:xfrm>
-        </p:spPr>
-        <p:txBody>
-          <a:bodyPr/>
-          <a:lstStyle/>
-          <a:p>
-            <a:r>
-              <a:rPr lang="en-US" b="1"/>
-              <a:t>Database</a:t>
-            </a:r>
-            <a:r>
-              <a:rPr lang="en-US"/>
-              <a:t> </a:t>
-            </a:r>
-            <a:r>
-              <a:rPr lang="en-US" b="1"/>
-              <a:t>Architecture</a:t>
-            </a:r>
-            <a:endParaRPr lang="en-US" dirty="0"/>
-          </a:p>
-        </p:txBody>
-      </p:sp>
-      <p:pic>
-        <p:nvPicPr>
-          <p:cNvPr id="4" name="Content Placeholder 3">
-            <a:extLst>
-              <a:ext uri="{FF2B5EF4-FFF2-40B4-BE49-F238E27FC236}">
-                <a16:creationId xmlns:a16="http://schemas.microsoft.com/office/drawing/2014/main" id="{06132AFB-833C-E9DE-C4BF-C239FD10F26C}"/>
-              </a:ext>
-            </a:extLst>
-          </p:cNvPr>
-          <p:cNvPicPr>
-            <a:picLocks noGrp="1" noChangeAspect="1"/>
-          </p:cNvPicPr>
-          <p:nvPr>
-            <p:ph idx="1"/>
-          </p:nvPr>
-        </p:nvPicPr>
-        <p:blipFill>
-          <a:blip r:embed="rId2"/>
-          <a:stretch>
-            <a:fillRect/>
-          </a:stretch>
-        </p:blipFill>
-        <p:spPr>
-          <a:xfrm>
-            <a:off x="459410" y="950876"/>
-            <a:ext cx="4522914" cy="5525165"/>
-          </a:xfrm>
-          <a:prstGeom prst="rect">
-            <a:avLst/>
-          </a:prstGeom>
-        </p:spPr>
-      </p:pic>
-      <p:sp>
-        <p:nvSpPr>
-          <p:cNvPr id="6" name="TextBox 5">
-            <a:extLst>
-              <a:ext uri="{FF2B5EF4-FFF2-40B4-BE49-F238E27FC236}">
-                <a16:creationId xmlns:a16="http://schemas.microsoft.com/office/drawing/2014/main" id="{CE3E1F7C-F52D-338A-3C92-A1FA3C877E6A}"/>
-              </a:ext>
-            </a:extLst>
-          </p:cNvPr>
-          <p:cNvSpPr txBox="1"/>
-          <p:nvPr/>
-        </p:nvSpPr>
-        <p:spPr>
-          <a:xfrm>
-            <a:off x="5372994" y="1251638"/>
-            <a:ext cx="6359596" cy="6031266"/>
-          </a:xfrm>
-          <a:prstGeom prst="rect">
-            <a:avLst/>
-          </a:prstGeom>
-          <a:noFill/>
-        </p:spPr>
-        <p:txBody>
-          <a:bodyPr wrap="square" rtlCol="0">
-            <a:spAutoFit/>
-          </a:bodyPr>
-          <a:lstStyle/>
-          <a:p>
-            <a:endParaRPr lang="en-US" sz="1800" kern="100">
-              <a:solidFill>
-                <a:srgbClr val="000000"/>
-              </a:solidFill>
-              <a:effectLst/>
-              <a:latin typeface="Aptos" panose="020B0004020202020204" pitchFamily="34" charset="0"/>
-              <a:ea typeface="Aptos" panose="020B0004020202020204" pitchFamily="34" charset="0"/>
-              <a:cs typeface="Arial" panose="020B0604020202020204" pitchFamily="34" charset="0"/>
-            </a:endParaRPr>
-          </a:p>
-          <a:p>
-            <a:r>
-              <a:rPr lang="en-US" sz="1800" kern="100">
-                <a:solidFill>
-                  <a:srgbClr val="000000"/>
-                </a:solidFill>
-                <a:effectLst/>
-                <a:latin typeface="Aptos" panose="020B0004020202020204" pitchFamily="34" charset="0"/>
-                <a:ea typeface="Aptos" panose="020B0004020202020204" pitchFamily="34" charset="0"/>
-                <a:cs typeface="Arial" panose="020B0604020202020204" pitchFamily="34" charset="0"/>
-              </a:rPr>
-              <a:t>Firebase (NoSQL – Cloud Firestore / Realtime Database) </a:t>
-            </a:r>
-          </a:p>
-          <a:p>
-            <a:endParaRPr lang="en-US" kern="100">
-              <a:solidFill>
-                <a:srgbClr val="000000"/>
-              </a:solidFill>
-              <a:latin typeface="Aptos" panose="020B0004020202020204" pitchFamily="34" charset="0"/>
-              <a:ea typeface="Aptos" panose="020B0004020202020204" pitchFamily="34" charset="0"/>
-              <a:cs typeface="Arial" panose="020B0604020202020204" pitchFamily="34" charset="0"/>
-            </a:endParaRPr>
-          </a:p>
-          <a:p>
-            <a:endParaRPr lang="en-US" sz="1800" kern="100">
-              <a:solidFill>
-                <a:srgbClr val="000000"/>
-              </a:solidFill>
-              <a:effectLst/>
-              <a:latin typeface="Aptos" panose="020B0004020202020204" pitchFamily="34" charset="0"/>
-              <a:ea typeface="Aptos" panose="020B0004020202020204" pitchFamily="34" charset="0"/>
-              <a:cs typeface="Arial" panose="020B0604020202020204" pitchFamily="34" charset="0"/>
-            </a:endParaRPr>
-          </a:p>
-          <a:p>
-            <a:endParaRPr lang="en-US" kern="100">
-              <a:solidFill>
-                <a:srgbClr val="000000"/>
-              </a:solidFill>
-              <a:latin typeface="Aptos" panose="020B0004020202020204" pitchFamily="34" charset="0"/>
-              <a:ea typeface="Aptos" panose="020B0004020202020204" pitchFamily="34" charset="0"/>
-              <a:cs typeface="Arial" panose="020B0604020202020204" pitchFamily="34" charset="0"/>
-            </a:endParaRPr>
-          </a:p>
-          <a:p>
-            <a:endParaRPr lang="en-US" sz="1800" kern="100">
-              <a:solidFill>
-                <a:srgbClr val="000000"/>
-              </a:solidFill>
-              <a:effectLst/>
-              <a:latin typeface="Aptos" panose="020B0004020202020204" pitchFamily="34" charset="0"/>
-              <a:ea typeface="Aptos" panose="020B0004020202020204" pitchFamily="34" charset="0"/>
-              <a:cs typeface="Arial" panose="020B0604020202020204" pitchFamily="34" charset="0"/>
-            </a:endParaRPr>
-          </a:p>
-          <a:p>
-            <a:r>
-              <a:rPr lang="en-US" sz="1800" kern="100">
-                <a:solidFill>
-                  <a:srgbClr val="000000"/>
-                </a:solidFill>
-                <a:effectLst/>
-                <a:latin typeface="Aptos" panose="020B0004020202020204" pitchFamily="34" charset="0"/>
-                <a:ea typeface="Aptos" panose="020B0004020202020204" pitchFamily="34" charset="0"/>
-                <a:cs typeface="Arial" panose="020B0604020202020204" pitchFamily="34" charset="0"/>
-              </a:rPr>
-              <a:t>Data Type:  Unstructured (JSON Format)</a:t>
-            </a:r>
-          </a:p>
-          <a:p>
-            <a:r>
-              <a:rPr lang="en-US" sz="1800" kern="100">
-                <a:solidFill>
-                  <a:srgbClr val="000000"/>
-                </a:solidFill>
-                <a:effectLst/>
-                <a:latin typeface="Aptos" panose="020B0004020202020204" pitchFamily="34" charset="0"/>
-                <a:ea typeface="Aptos" panose="020B0004020202020204" pitchFamily="34" charset="0"/>
-                <a:cs typeface="Arial" panose="020B0604020202020204" pitchFamily="34" charset="0"/>
-              </a:rPr>
-              <a:t>Firebase stores data in documents or JSON trees (Realtime Database). </a:t>
-            </a:r>
-          </a:p>
-          <a:p>
-            <a:endParaRPr lang="en-US" kern="100">
-              <a:solidFill>
-                <a:srgbClr val="000000"/>
-              </a:solidFill>
-              <a:latin typeface="Aptos" panose="020B0004020202020204" pitchFamily="34" charset="0"/>
-              <a:ea typeface="Aptos" panose="020B0004020202020204" pitchFamily="34" charset="0"/>
-              <a:cs typeface="Arial" panose="020B0604020202020204" pitchFamily="34" charset="0"/>
-            </a:endParaRPr>
-          </a:p>
-          <a:p>
-            <a:endParaRPr lang="en-US" sz="1800" kern="100">
-              <a:solidFill>
-                <a:srgbClr val="000000"/>
-              </a:solidFill>
-              <a:effectLst/>
-              <a:latin typeface="Aptos" panose="020B0004020202020204" pitchFamily="34" charset="0"/>
-              <a:ea typeface="Aptos" panose="020B0004020202020204" pitchFamily="34" charset="0"/>
-              <a:cs typeface="Arial" panose="020B0604020202020204" pitchFamily="34" charset="0"/>
-            </a:endParaRPr>
-          </a:p>
-          <a:p>
-            <a:endParaRPr lang="en-US" sz="1800" kern="100">
-              <a:solidFill>
-                <a:srgbClr val="000000"/>
-              </a:solidFill>
-              <a:effectLst/>
-              <a:latin typeface="Aptos" panose="020B0004020202020204" pitchFamily="34" charset="0"/>
-              <a:ea typeface="Aptos" panose="020B0004020202020204" pitchFamily="34" charset="0"/>
-              <a:cs typeface="Arial" panose="020B0604020202020204" pitchFamily="34" charset="0"/>
-            </a:endParaRPr>
-          </a:p>
-          <a:p>
-            <a:r>
-              <a:rPr lang="en-US" sz="1800" kern="100">
-                <a:effectLst/>
-                <a:latin typeface="Aptos" panose="020B0004020202020204" pitchFamily="34" charset="0"/>
-                <a:ea typeface="Aptos" panose="020B0004020202020204" pitchFamily="34" charset="0"/>
-                <a:cs typeface="Arial" panose="020B0604020202020204" pitchFamily="34" charset="0"/>
-              </a:rPr>
-              <a:t>Data is stored in key-value pairs, with</a:t>
-            </a:r>
-            <a:r>
-              <a:rPr lang="en-US" sz="1800" b="1" kern="100">
-                <a:effectLst/>
-                <a:latin typeface="Aptos" panose="020B0004020202020204" pitchFamily="34" charset="0"/>
-                <a:ea typeface="Aptos" panose="020B0004020202020204" pitchFamily="34" charset="0"/>
-                <a:cs typeface="Arial" panose="020B0604020202020204" pitchFamily="34" charset="0"/>
-              </a:rPr>
-              <a:t> flexible structure</a:t>
-            </a:r>
-            <a:r>
-              <a:rPr lang="en-US" sz="1800" kern="100">
-                <a:effectLst/>
-                <a:latin typeface="Aptos" panose="020B0004020202020204" pitchFamily="34" charset="0"/>
-                <a:ea typeface="Aptos" panose="020B0004020202020204" pitchFamily="34" charset="0"/>
-                <a:cs typeface="Arial" panose="020B0604020202020204" pitchFamily="34" charset="0"/>
-              </a:rPr>
-              <a:t>.</a:t>
-            </a:r>
-          </a:p>
-          <a:p>
-            <a:r>
-              <a:rPr lang="en-US" sz="1800" kern="100">
-                <a:effectLst/>
-                <a:latin typeface="Aptos" panose="020B0004020202020204" pitchFamily="34" charset="0"/>
-                <a:ea typeface="Aptos" panose="020B0004020202020204" pitchFamily="34" charset="0"/>
-                <a:cs typeface="Arial" panose="020B0604020202020204" pitchFamily="34" charset="0"/>
-              </a:rPr>
-              <a:t>Firebase supports: Flexible schema </a:t>
-            </a:r>
-            <a:r>
-              <a:rPr lang="en-US" sz="1800" b="1" kern="100">
-                <a:effectLst/>
-                <a:latin typeface="Aptos" panose="020B0004020202020204" pitchFamily="34" charset="0"/>
-                <a:ea typeface="Aptos" panose="020B0004020202020204" pitchFamily="34" charset="0"/>
-                <a:cs typeface="Arial" panose="020B0604020202020204" pitchFamily="34" charset="0"/>
-              </a:rPr>
-              <a:t>don’t need to define the structure before inserting</a:t>
-            </a:r>
-            <a:r>
-              <a:rPr lang="en-US" b="1" kern="100">
-                <a:latin typeface="Aptos" panose="020B0004020202020204" pitchFamily="34" charset="0"/>
-                <a:ea typeface="Aptos" panose="020B0004020202020204" pitchFamily="34" charset="0"/>
-                <a:cs typeface="Arial" panose="020B0604020202020204" pitchFamily="34" charset="0"/>
-              </a:rPr>
-              <a:t> data</a:t>
-            </a:r>
-          </a:p>
-          <a:p>
-            <a:endParaRPr lang="en-US" sz="1800" kern="100">
-              <a:solidFill>
-                <a:srgbClr val="000000"/>
-              </a:solidFill>
-              <a:effectLst/>
-              <a:latin typeface="Aptos" panose="020B0004020202020204" pitchFamily="34" charset="0"/>
-              <a:ea typeface="Aptos" panose="020B0004020202020204" pitchFamily="34" charset="0"/>
-              <a:cs typeface="Arial" panose="020B0604020202020204" pitchFamily="34" charset="0"/>
-            </a:endParaRPr>
-          </a:p>
-          <a:p>
-            <a:endParaRPr lang="en-US" kern="100">
-              <a:solidFill>
-                <a:srgbClr val="000000"/>
-              </a:solidFill>
-              <a:latin typeface="Aptos" panose="020B0004020202020204" pitchFamily="34" charset="0"/>
-              <a:ea typeface="Aptos" panose="020B0004020202020204" pitchFamily="34" charset="0"/>
-              <a:cs typeface="Arial" panose="020B0604020202020204" pitchFamily="34" charset="0"/>
-            </a:endParaRPr>
-          </a:p>
-          <a:p>
-            <a:endParaRPr lang="en-US" sz="1800" kern="100">
-              <a:solidFill>
-                <a:srgbClr val="000000"/>
-              </a:solidFill>
-              <a:effectLst/>
-              <a:latin typeface="Aptos" panose="020B0004020202020204" pitchFamily="34" charset="0"/>
-              <a:ea typeface="Aptos" panose="020B0004020202020204" pitchFamily="34" charset="0"/>
-              <a:cs typeface="Arial" panose="020B0604020202020204" pitchFamily="34" charset="0"/>
-            </a:endParaRPr>
-          </a:p>
-          <a:p>
-            <a:endParaRPr lang="en-US" kern="100">
-              <a:solidFill>
-                <a:srgbClr val="000000"/>
-              </a:solidFill>
-              <a:latin typeface="Aptos" panose="020B0004020202020204" pitchFamily="34" charset="0"/>
-              <a:ea typeface="Aptos" panose="020B0004020202020204" pitchFamily="34" charset="0"/>
-              <a:cs typeface="Arial" panose="020B0604020202020204" pitchFamily="34" charset="0"/>
-            </a:endParaRPr>
-          </a:p>
-          <a:p>
-            <a:endParaRPr lang="en-US" sz="1800" kern="100">
-              <a:solidFill>
-                <a:srgbClr val="000000"/>
-              </a:solidFill>
-              <a:effectLst/>
-              <a:latin typeface="Aptos" panose="020B0004020202020204" pitchFamily="34" charset="0"/>
-              <a:ea typeface="Aptos" panose="020B0004020202020204" pitchFamily="34" charset="0"/>
-              <a:cs typeface="Arial" panose="020B0604020202020204" pitchFamily="34" charset="0"/>
-            </a:endParaRPr>
-          </a:p>
-          <a:p>
-            <a:endParaRPr lang="en-US" dirty="0"/>
-          </a:p>
-        </p:txBody>
-      </p:sp>
-    </p:spTree>
-    <p:extLst>
-      <p:ext uri="{BB962C8B-B14F-4D97-AF65-F5344CB8AC3E}">
-        <p14:creationId xmlns:p14="http://schemas.microsoft.com/office/powerpoint/2010/main" val="2397515342"/>
-      </p:ext>
-    </p:extLst>
-  </p:cSld>
-  <p:clrMapOvr>
-    <a:masterClrMapping/>
-  </p:clrMapOvr>
-</p:sld>
-</file>
-
-<file path=ppt/slides/slide24.xml><?xml version="1.0" encoding="utf-8"?>
-<p:sld xmlns:a="http://schemas.openxmlformats.org/drawingml/2006/main" xmlns:r="http://schemas.openxmlformats.org/officeDocument/2006/relationships" xmlns:p="http://schemas.openxmlformats.org/presentationml/2006/main">
-  <p:cSld>
-    <p:spTree>
-      <p:nvGrpSpPr>
-        <p:cNvPr id="1" name="">
-          <a:extLst>
-            <a:ext uri="{FF2B5EF4-FFF2-40B4-BE49-F238E27FC236}">
-              <a16:creationId xmlns:a16="http://schemas.microsoft.com/office/drawing/2014/main" id="{ADCAF378-D444-6080-B51F-53A635DB1346}"/>
-            </a:ext>
-          </a:extLst>
-        </p:cNvPr>
-        <p:cNvGrpSpPr/>
-        <p:nvPr/>
-      </p:nvGrpSpPr>
-      <p:grpSpPr>
-        <a:xfrm>
-          <a:off x="0" y="0"/>
-          <a:ext cx="0" cy="0"/>
-          <a:chOff x="0" y="0"/>
-          <a:chExt cx="0" cy="0"/>
-        </a:xfrm>
-      </p:grpSpPr>
-      <p:sp>
-        <p:nvSpPr>
-          <p:cNvPr id="2" name="Title 1">
-            <a:extLst>
-              <a:ext uri="{FF2B5EF4-FFF2-40B4-BE49-F238E27FC236}">
-                <a16:creationId xmlns:a16="http://schemas.microsoft.com/office/drawing/2014/main" id="{E4CBE478-EEA3-709D-A5D0-9EB0B386FD09}"/>
-              </a:ext>
-            </a:extLst>
-          </p:cNvPr>
-          <p:cNvSpPr>
-            <a:spLocks noGrp="1"/>
-          </p:cNvSpPr>
-          <p:nvPr>
-            <p:ph type="title"/>
-          </p:nvPr>
-        </p:nvSpPr>
-        <p:spPr>
-          <a:xfrm>
-            <a:off x="225133" y="-100673"/>
-            <a:ext cx="10515600" cy="1325563"/>
-          </a:xfrm>
-        </p:spPr>
-        <p:txBody>
-          <a:bodyPr/>
-          <a:lstStyle/>
-          <a:p>
-            <a:r>
-              <a:rPr lang="en-US" b="1" dirty="0"/>
-              <a:t>Database</a:t>
-            </a:r>
-            <a:r>
-              <a:rPr lang="en-US" dirty="0"/>
-              <a:t> </a:t>
-            </a:r>
-            <a:r>
-              <a:rPr lang="en-US" b="1" dirty="0"/>
-              <a:t>Architecture</a:t>
-            </a:r>
-            <a:endParaRPr lang="en-US" dirty="0"/>
-          </a:p>
-        </p:txBody>
-      </p:sp>
-      <p:pic>
-        <p:nvPicPr>
-          <p:cNvPr id="5" name="Picture 4" descr="A diagram of a computer&#10;&#10;AI-generated content may be incorrect.">
-            <a:extLst>
-              <a:ext uri="{FF2B5EF4-FFF2-40B4-BE49-F238E27FC236}">
-                <a16:creationId xmlns:a16="http://schemas.microsoft.com/office/drawing/2014/main" id="{78DD5BE3-2100-69A7-E972-3120A8DFFF3E}"/>
-              </a:ext>
-            </a:extLst>
-          </p:cNvPr>
-          <p:cNvPicPr>
-            <a:picLocks noChangeAspect="1"/>
-          </p:cNvPicPr>
-          <p:nvPr/>
-        </p:nvPicPr>
-        <p:blipFill>
-          <a:blip r:embed="rId2"/>
-          <a:stretch>
-            <a:fillRect/>
-          </a:stretch>
-        </p:blipFill>
-        <p:spPr>
-          <a:xfrm>
-            <a:off x="217392" y="855338"/>
-            <a:ext cx="5292879" cy="5321625"/>
-          </a:xfrm>
-          <a:prstGeom prst="rect">
-            <a:avLst/>
-          </a:prstGeom>
-        </p:spPr>
-      </p:pic>
-      <p:pic>
-        <p:nvPicPr>
-          <p:cNvPr id="8" name="Content Placeholder 7">
-            <a:extLst>
-              <a:ext uri="{FF2B5EF4-FFF2-40B4-BE49-F238E27FC236}">
-                <a16:creationId xmlns:a16="http://schemas.microsoft.com/office/drawing/2014/main" id="{B8555953-D2BD-31C0-CF18-6D56FD3C0827}"/>
-              </a:ext>
-            </a:extLst>
-          </p:cNvPr>
-          <p:cNvPicPr>
-            <a:picLocks noGrp="1" noChangeAspect="1"/>
-          </p:cNvPicPr>
-          <p:nvPr>
-            <p:ph idx="1"/>
-          </p:nvPr>
-        </p:nvPicPr>
-        <p:blipFill>
-          <a:blip r:embed="rId3"/>
-          <a:stretch>
-            <a:fillRect/>
-          </a:stretch>
-        </p:blipFill>
-        <p:spPr>
-          <a:xfrm>
-            <a:off x="6096000" y="855338"/>
-            <a:ext cx="4869382" cy="4101155"/>
-          </a:xfrm>
-          <a:prstGeom prst="rect">
-            <a:avLst/>
-          </a:prstGeom>
-        </p:spPr>
-      </p:pic>
-    </p:spTree>
-    <p:extLst>
-      <p:ext uri="{BB962C8B-B14F-4D97-AF65-F5344CB8AC3E}">
-        <p14:creationId xmlns:p14="http://schemas.microsoft.com/office/powerpoint/2010/main" val="3330476320"/>
-      </p:ext>
-    </p:extLst>
-  </p:cSld>
-  <p:clrMapOvr>
-    <a:masterClrMapping/>
-  </p:clrMapOvr>
-</p:sld>
-</file>
-
-<file path=ppt/slides/slide25.xml><?xml version="1.0" encoding="utf-8"?>
+<file path=ppt/slides/slide26.xml><?xml version="1.0" encoding="utf-8"?>
 <p:sld xmlns:a="http://schemas.openxmlformats.org/drawingml/2006/main" xmlns:r="http://schemas.openxmlformats.org/officeDocument/2006/relationships" xmlns:p="http://schemas.openxmlformats.org/presentationml/2006/main">
   <p:cSld>
     <p:bg>
@@ -7409,7 +7948,7 @@
 </p:sld>
 </file>
 
-<file path=ppt/slides/slide26.xml><?xml version="1.0" encoding="utf-8"?>
+<file path=ppt/slides/slide27.xml><?xml version="1.0" encoding="utf-8"?>
 <p:sld xmlns:a="http://schemas.openxmlformats.org/drawingml/2006/main" xmlns:r="http://schemas.openxmlformats.org/officeDocument/2006/relationships" xmlns:p="http://schemas.openxmlformats.org/presentationml/2006/main">
   <p:cSld>
     <p:bg>
@@ -7927,7 +8466,7 @@
 </p:sld>
 </file>
 
-<file path=ppt/slides/slide27.xml><?xml version="1.0" encoding="utf-8"?>
+<file path=ppt/slides/slide28.xml><?xml version="1.0" encoding="utf-8"?>
 <p:sld xmlns:a="http://schemas.openxmlformats.org/drawingml/2006/main" xmlns:r="http://schemas.openxmlformats.org/officeDocument/2006/relationships" xmlns:p="http://schemas.openxmlformats.org/presentationml/2006/main">
   <p:cSld>
     <p:bg>
@@ -8512,7 +9051,7 @@
 </p:sld>
 </file>
 
-<file path=ppt/slides/slide28.xml><?xml version="1.0" encoding="utf-8"?>
+<file path=ppt/slides/slide29.xml><?xml version="1.0" encoding="utf-8"?>
 <p:sld xmlns:a="http://schemas.openxmlformats.org/drawingml/2006/main" xmlns:r="http://schemas.openxmlformats.org/officeDocument/2006/relationships" xmlns:p="http://schemas.openxmlformats.org/presentationml/2006/main">
   <p:cSld>
     <p:bg>
@@ -9087,7 +9626,486 @@
 </p:sld>
 </file>
 
-<file path=ppt/slides/slide29.xml><?xml version="1.0" encoding="utf-8"?>
+<file path=ppt/slides/slide3.xml><?xml version="1.0" encoding="utf-8"?>
+<p:sld xmlns:a="http://schemas.openxmlformats.org/drawingml/2006/main" xmlns:r="http://schemas.openxmlformats.org/officeDocument/2006/relationships" xmlns:p="http://schemas.openxmlformats.org/presentationml/2006/main">
+  <p:cSld>
+    <p:bg>
+      <p:bgPr>
+        <a:solidFill>
+          <a:schemeClr val="bg1"/>
+        </a:solidFill>
+        <a:effectLst/>
+      </p:bgPr>
+    </p:bg>
+    <p:spTree>
+      <p:nvGrpSpPr>
+        <p:cNvPr id="1" name="">
+          <a:extLst>
+            <a:ext uri="{FF2B5EF4-FFF2-40B4-BE49-F238E27FC236}">
+              <a16:creationId xmlns:a16="http://schemas.microsoft.com/office/drawing/2014/main" id="{1B6BEA72-09B2-182D-B94E-40D3A3A5FD0B}"/>
+            </a:ext>
+          </a:extLst>
+        </p:cNvPr>
+        <p:cNvGrpSpPr/>
+        <p:nvPr/>
+      </p:nvGrpSpPr>
+      <p:grpSpPr>
+        <a:xfrm>
+          <a:off x="0" y="0"/>
+          <a:ext cx="0" cy="0"/>
+          <a:chOff x="0" y="0"/>
+          <a:chExt cx="0" cy="0"/>
+        </a:xfrm>
+      </p:grpSpPr>
+      <p:sp useBgFill="1">
+        <p:nvSpPr>
+          <p:cNvPr id="47" name="Rectangle 46">
+            <a:extLst>
+              <a:ext uri="{FF2B5EF4-FFF2-40B4-BE49-F238E27FC236}">
+                <a16:creationId xmlns:a16="http://schemas.microsoft.com/office/drawing/2014/main" id="{C50627CD-3C11-9759-5F42-1324A87DCD57}"/>
+              </a:ext>
+              <a:ext uri="{C183D7F6-B498-43B3-948B-1728B52AA6E4}">
+                <adec:decorative xmlns:adec="http://schemas.microsoft.com/office/drawing/2017/decorative" val="1"/>
+              </a:ext>
+            </a:extLst>
+          </p:cNvPr>
+          <p:cNvSpPr>
+            <a:spLocks noGrp="1" noRot="1" noChangeAspect="1" noMove="1" noResize="1" noEditPoints="1" noAdjustHandles="1" noChangeArrowheads="1" noChangeShapeType="1" noTextEdit="1"/>
+          </p:cNvSpPr>
+          <p:nvPr>
+            <p:extLst>
+              <p:ext uri="{386F3935-93C4-4BCD-93E2-E3B085C9AB24}">
+                <p16:designElem xmlns:p16="http://schemas.microsoft.com/office/powerpoint/2015/main" val="1"/>
+              </p:ext>
+            </p:extLst>
+          </p:nvPr>
+        </p:nvSpPr>
+        <p:spPr>
+          <a:xfrm>
+            <a:off x="0" y="0"/>
+            <a:ext cx="12191999" cy="6857365"/>
+          </a:xfrm>
+          <a:prstGeom prst="rect">
+            <a:avLst/>
+          </a:prstGeom>
+          <a:ln>
+            <a:noFill/>
+          </a:ln>
+        </p:spPr>
+        <p:style>
+          <a:lnRef idx="2">
+            <a:schemeClr val="accent1">
+              <a:shade val="50000"/>
+            </a:schemeClr>
+          </a:lnRef>
+          <a:fillRef idx="1">
+            <a:schemeClr val="accent1"/>
+          </a:fillRef>
+          <a:effectRef idx="0">
+            <a:schemeClr val="accent1"/>
+          </a:effectRef>
+          <a:fontRef idx="minor">
+            <a:schemeClr val="lt1"/>
+          </a:fontRef>
+        </p:style>
+        <p:txBody>
+          <a:bodyPr rtlCol="0" anchor="ctr"/>
+          <a:lstStyle/>
+          <a:p>
+            <a:pPr algn="ctr"/>
+            <a:endParaRPr lang="en-US"/>
+          </a:p>
+        </p:txBody>
+      </p:sp>
+      <p:grpSp>
+        <p:nvGrpSpPr>
+          <p:cNvPr id="49" name="Group 48">
+            <a:extLst>
+              <a:ext uri="{FF2B5EF4-FFF2-40B4-BE49-F238E27FC236}">
+                <a16:creationId xmlns:a16="http://schemas.microsoft.com/office/drawing/2014/main" id="{C34E894E-71F1-528C-8FC3-7D8FDF9808D1}"/>
+              </a:ext>
+              <a:ext uri="{C183D7F6-B498-43B3-948B-1728B52AA6E4}">
+                <adec:decorative xmlns:adec="http://schemas.microsoft.com/office/drawing/2017/decorative" val="1"/>
+              </a:ext>
+            </a:extLst>
+          </p:cNvPr>
+          <p:cNvGrpSpPr>
+            <a:grpSpLocks noGrp="1" noUngrp="1" noRot="1" noChangeAspect="1" noMove="1" noResize="1"/>
+          </p:cNvGrpSpPr>
+          <p:nvPr>
+            <p:extLst>
+              <p:ext uri="{386F3935-93C4-4BCD-93E2-E3B085C9AB24}">
+                <p16:designElem xmlns:p16="http://schemas.microsoft.com/office/powerpoint/2015/main" val="1"/>
+              </p:ext>
+            </p:extLst>
+          </p:nvPr>
+        </p:nvGrpSpPr>
+        <p:grpSpPr>
+          <a:xfrm rot="5400000">
+            <a:off x="-2340441" y="2666183"/>
+            <a:ext cx="5860051" cy="527712"/>
+            <a:chOff x="6081624" y="1998368"/>
+            <a:chExt cx="5613457" cy="782175"/>
+          </a:xfrm>
+          <a:solidFill>
+            <a:schemeClr val="accent4"/>
+          </a:solidFill>
+        </p:grpSpPr>
+        <p:sp>
+          <p:nvSpPr>
+            <p:cNvPr id="50" name="Rectangle 49">
+              <a:extLst>
+                <a:ext uri="{FF2B5EF4-FFF2-40B4-BE49-F238E27FC236}">
+                  <a16:creationId xmlns:a16="http://schemas.microsoft.com/office/drawing/2014/main" id="{86581E7F-A13D-E588-7BAF-DBE6F64A8688}"/>
+                </a:ext>
+                <a:ext uri="{C183D7F6-B498-43B3-948B-1728B52AA6E4}">
+                  <adec:decorative xmlns:adec="http://schemas.microsoft.com/office/drawing/2017/decorative" val="1"/>
+                </a:ext>
+              </a:extLst>
+            </p:cNvPr>
+            <p:cNvSpPr/>
+            <p:nvPr>
+              <p:extLst>
+                <p:ext uri="{386F3935-93C4-4BCD-93E2-E3B085C9AB24}">
+                  <p16:designElem xmlns:p16="http://schemas.microsoft.com/office/powerpoint/2015/main" val="1"/>
+                </p:ext>
+              </p:extLst>
+            </p:nvPr>
+          </p:nvSpPr>
+          <p:spPr>
+            <a:xfrm rot="5400000">
+              <a:off x="11228040" y="2313027"/>
+              <a:ext cx="781700" cy="152382"/>
+            </a:xfrm>
+            <a:prstGeom prst="rect">
+              <a:avLst/>
+            </a:prstGeom>
+            <a:grpFill/>
+            <a:ln>
+              <a:noFill/>
+            </a:ln>
+          </p:spPr>
+          <p:style>
+            <a:lnRef idx="2">
+              <a:schemeClr val="accent1">
+                <a:shade val="50000"/>
+              </a:schemeClr>
+            </a:lnRef>
+            <a:fillRef idx="1">
+              <a:schemeClr val="accent1"/>
+            </a:fillRef>
+            <a:effectRef idx="0">
+              <a:schemeClr val="accent1"/>
+            </a:effectRef>
+            <a:fontRef idx="minor">
+              <a:schemeClr val="lt1"/>
+            </a:fontRef>
+          </p:style>
+          <p:txBody>
+            <a:bodyPr rtlCol="0" anchor="ctr"/>
+            <a:lstStyle/>
+            <a:p>
+              <a:pPr algn="ctr"/>
+              <a:endParaRPr lang="en-US"/>
+            </a:p>
+          </p:txBody>
+        </p:sp>
+        <p:sp>
+          <p:nvSpPr>
+            <p:cNvPr id="51" name="Rectangle 50">
+              <a:extLst>
+                <a:ext uri="{FF2B5EF4-FFF2-40B4-BE49-F238E27FC236}">
+                  <a16:creationId xmlns:a16="http://schemas.microsoft.com/office/drawing/2014/main" id="{2EFDC847-D7DF-5D34-25B6-74BB5D27BE55}"/>
+                </a:ext>
+                <a:ext uri="{C183D7F6-B498-43B3-948B-1728B52AA6E4}">
+                  <adec:decorative xmlns:adec="http://schemas.microsoft.com/office/drawing/2017/decorative" val="1"/>
+                </a:ext>
+              </a:extLst>
+            </p:cNvPr>
+            <p:cNvSpPr/>
+            <p:nvPr>
+              <p:extLst>
+                <p:ext uri="{386F3935-93C4-4BCD-93E2-E3B085C9AB24}">
+                  <p16:designElem xmlns:p16="http://schemas.microsoft.com/office/powerpoint/2015/main" val="1"/>
+                </p:ext>
+              </p:extLst>
+            </p:nvPr>
+          </p:nvSpPr>
+          <p:spPr>
+            <a:xfrm flipH="1" flipV="1">
+              <a:off x="6081624" y="1998844"/>
+              <a:ext cx="5372968" cy="781699"/>
+            </a:xfrm>
+            <a:prstGeom prst="rect">
+              <a:avLst/>
+            </a:prstGeom>
+            <a:grpFill/>
+            <a:ln>
+              <a:noFill/>
+            </a:ln>
+          </p:spPr>
+          <p:style>
+            <a:lnRef idx="2">
+              <a:schemeClr val="accent1">
+                <a:shade val="50000"/>
+              </a:schemeClr>
+            </a:lnRef>
+            <a:fillRef idx="1">
+              <a:schemeClr val="accent1"/>
+            </a:fillRef>
+            <a:effectRef idx="0">
+              <a:schemeClr val="accent1"/>
+            </a:effectRef>
+            <a:fontRef idx="minor">
+              <a:schemeClr val="lt1"/>
+            </a:fontRef>
+          </p:style>
+          <p:txBody>
+            <a:bodyPr rtlCol="0" anchor="ctr"/>
+            <a:lstStyle/>
+            <a:p>
+              <a:pPr algn="ctr"/>
+              <a:endParaRPr lang="en-US"/>
+            </a:p>
+          </p:txBody>
+        </p:sp>
+      </p:grpSp>
+      <p:sp>
+        <p:nvSpPr>
+          <p:cNvPr id="53" name="Rectangle 52">
+            <a:extLst>
+              <a:ext uri="{FF2B5EF4-FFF2-40B4-BE49-F238E27FC236}">
+                <a16:creationId xmlns:a16="http://schemas.microsoft.com/office/drawing/2014/main" id="{28AAF173-B962-28C1-2285-1CF5C3797881}"/>
+              </a:ext>
+              <a:ext uri="{C183D7F6-B498-43B3-948B-1728B52AA6E4}">
+                <adec:decorative xmlns:adec="http://schemas.microsoft.com/office/drawing/2017/decorative" val="1"/>
+              </a:ext>
+            </a:extLst>
+          </p:cNvPr>
+          <p:cNvSpPr>
+            <a:spLocks noGrp="1" noRot="1" noChangeAspect="1" noMove="1" noResize="1" noEditPoints="1" noAdjustHandles="1" noChangeArrowheads="1" noChangeShapeType="1" noTextEdit="1"/>
+          </p:cNvSpPr>
+          <p:nvPr>
+            <p:extLst>
+              <p:ext uri="{386F3935-93C4-4BCD-93E2-E3B085C9AB24}">
+                <p16:designElem xmlns:p16="http://schemas.microsoft.com/office/powerpoint/2015/main" val="1"/>
+              </p:ext>
+            </p:extLst>
+          </p:nvPr>
+        </p:nvSpPr>
+        <p:spPr>
+          <a:xfrm>
+            <a:off x="579528" y="922919"/>
+            <a:ext cx="11111729" cy="5461252"/>
+          </a:xfrm>
+          <a:prstGeom prst="rect">
+            <a:avLst/>
+          </a:prstGeom>
+          <a:solidFill>
+            <a:schemeClr val="bg1"/>
+          </a:solidFill>
+          <a:ln>
+            <a:noFill/>
+          </a:ln>
+          <a:effectLst>
+            <a:outerShdw blurRad="139700" dist="127000" dir="5400000" algn="t" rotWithShape="0">
+              <a:prstClr val="black">
+                <a:alpha val="15000"/>
+              </a:prstClr>
+            </a:outerShdw>
+          </a:effectLst>
+        </p:spPr>
+        <p:style>
+          <a:lnRef idx="2">
+            <a:schemeClr val="accent1">
+              <a:shade val="50000"/>
+            </a:schemeClr>
+          </a:lnRef>
+          <a:fillRef idx="1">
+            <a:schemeClr val="accent1"/>
+          </a:fillRef>
+          <a:effectRef idx="0">
+            <a:schemeClr val="accent1"/>
+          </a:effectRef>
+          <a:fontRef idx="minor">
+            <a:schemeClr val="lt1"/>
+          </a:fontRef>
+        </p:style>
+        <p:txBody>
+          <a:bodyPr rtlCol="0" anchor="ctr"/>
+          <a:lstStyle/>
+          <a:p>
+            <a:pPr algn="ctr"/>
+            <a:endParaRPr lang="en-US"/>
+          </a:p>
+        </p:txBody>
+      </p:sp>
+      <p:sp>
+        <p:nvSpPr>
+          <p:cNvPr id="2" name="Title 1">
+            <a:extLst>
+              <a:ext uri="{FF2B5EF4-FFF2-40B4-BE49-F238E27FC236}">
+                <a16:creationId xmlns:a16="http://schemas.microsoft.com/office/drawing/2014/main" id="{38BAC84D-EF0B-E217-75BF-692EABA15DEB}"/>
+              </a:ext>
+            </a:extLst>
+          </p:cNvPr>
+          <p:cNvSpPr>
+            <a:spLocks noGrp="1"/>
+          </p:cNvSpPr>
+          <p:nvPr>
+            <p:ph type="title"/>
+          </p:nvPr>
+        </p:nvSpPr>
+        <p:spPr>
+          <a:xfrm>
+            <a:off x="853120" y="555941"/>
+            <a:ext cx="9849751" cy="1349671"/>
+          </a:xfrm>
+        </p:spPr>
+        <p:txBody>
+          <a:bodyPr anchor="b">
+            <a:normAutofit/>
+          </a:bodyPr>
+          <a:lstStyle/>
+          <a:p>
+            <a:r>
+              <a:rPr lang="en-US" sz="5400" dirty="0"/>
+              <a:t>Problem Statement</a:t>
+            </a:r>
+          </a:p>
+        </p:txBody>
+      </p:sp>
+      <p:sp>
+        <p:nvSpPr>
+          <p:cNvPr id="3" name="Content Placeholder 2">
+            <a:extLst>
+              <a:ext uri="{FF2B5EF4-FFF2-40B4-BE49-F238E27FC236}">
+                <a16:creationId xmlns:a16="http://schemas.microsoft.com/office/drawing/2014/main" id="{7B877421-BDD4-672E-A203-DEEFB8B96D03}"/>
+              </a:ext>
+            </a:extLst>
+          </p:cNvPr>
+          <p:cNvSpPr>
+            <a:spLocks noGrp="1"/>
+          </p:cNvSpPr>
+          <p:nvPr>
+            <p:ph idx="1"/>
+          </p:nvPr>
+        </p:nvSpPr>
+        <p:spPr>
+          <a:xfrm>
+            <a:off x="968292" y="1803687"/>
+            <a:ext cx="9849751" cy="3032168"/>
+          </a:xfrm>
+        </p:spPr>
+        <p:txBody>
+          <a:bodyPr anchor="ctr">
+            <a:normAutofit/>
+          </a:bodyPr>
+          <a:lstStyle/>
+          <a:p>
+            <a:pPr marL="0" indent="0">
+              <a:buNone/>
+            </a:pPr>
+            <a:endParaRPr lang="en-US" sz="1600" kern="100" dirty="0">
+              <a:latin typeface="Arial" panose="020B0604020202020204" pitchFamily="34" charset="0"/>
+              <a:ea typeface="Aptos" panose="020B0004020202020204" pitchFamily="34" charset="0"/>
+              <a:cs typeface="Arial" panose="020B0604020202020204" pitchFamily="34" charset="0"/>
+            </a:endParaRPr>
+          </a:p>
+          <a:p>
+            <a:r>
+              <a:rPr lang="en-US" sz="1600" kern="100" dirty="0">
+                <a:effectLst/>
+                <a:latin typeface="Arial" panose="020B0604020202020204" pitchFamily="34" charset="0"/>
+                <a:ea typeface="Aptos" panose="020B0004020202020204" pitchFamily="34" charset="0"/>
+                <a:cs typeface="Arial" panose="020B0604020202020204" pitchFamily="34" charset="0"/>
+              </a:rPr>
+              <a:t>In the modern digital era, document management and staying productive mean switching between several applications. </a:t>
+            </a:r>
+          </a:p>
+          <a:p>
+            <a:r>
+              <a:rPr lang="en-US" sz="1600" kern="100" dirty="0">
+                <a:effectLst/>
+                <a:latin typeface="Arial" panose="020B0604020202020204" pitchFamily="34" charset="0"/>
+                <a:ea typeface="Aptos" panose="020B0004020202020204" pitchFamily="34" charset="0"/>
+                <a:cs typeface="Arial" panose="020B0604020202020204" pitchFamily="34" charset="0"/>
+              </a:rPr>
+              <a:t>Users spend </a:t>
+            </a:r>
+            <a:r>
+              <a:rPr lang="en-US" sz="1600" kern="100" dirty="0">
+                <a:latin typeface="Arial" panose="020B0604020202020204" pitchFamily="34" charset="0"/>
+                <a:ea typeface="Aptos" panose="020B0004020202020204" pitchFamily="34" charset="0"/>
+                <a:cs typeface="Arial" panose="020B0604020202020204" pitchFamily="34" charset="0"/>
+              </a:rPr>
+              <a:t>decent amount of </a:t>
+            </a:r>
+            <a:r>
+              <a:rPr lang="en-US" sz="1600" kern="100" dirty="0">
+                <a:effectLst/>
+                <a:latin typeface="Arial" panose="020B0604020202020204" pitchFamily="34" charset="0"/>
+                <a:ea typeface="Aptos" panose="020B0004020202020204" pitchFamily="34" charset="0"/>
+                <a:cs typeface="Arial" panose="020B0604020202020204" pitchFamily="34" charset="0"/>
+              </a:rPr>
+              <a:t>time navigating between apps to summarize information, take notes, or manage their documents. </a:t>
+            </a:r>
+          </a:p>
+          <a:p>
+            <a:r>
+              <a:rPr lang="en-US" sz="1600" kern="100" dirty="0">
+                <a:latin typeface="Arial" panose="020B0604020202020204" pitchFamily="34" charset="0"/>
+                <a:ea typeface="Aptos" panose="020B0004020202020204" pitchFamily="34" charset="0"/>
+                <a:cs typeface="Arial" panose="020B0604020202020204" pitchFamily="34" charset="0"/>
+              </a:rPr>
+              <a:t>Existing applications </a:t>
+            </a:r>
+            <a:r>
+              <a:rPr lang="en-US" sz="1600" kern="100" dirty="0">
+                <a:effectLst/>
+                <a:latin typeface="Arial" panose="020B0604020202020204" pitchFamily="34" charset="0"/>
+                <a:ea typeface="Aptos" panose="020B0004020202020204" pitchFamily="34" charset="0"/>
+                <a:cs typeface="Arial" panose="020B0604020202020204" pitchFamily="34" charset="0"/>
+              </a:rPr>
+              <a:t>lack </a:t>
+            </a:r>
+            <a:r>
+              <a:rPr lang="en-US" sz="1600" kern="100" dirty="0">
+                <a:latin typeface="Arial" panose="020B0604020202020204" pitchFamily="34" charset="0"/>
+                <a:ea typeface="Aptos" panose="020B0004020202020204" pitchFamily="34" charset="0"/>
+                <a:cs typeface="Arial" panose="020B0604020202020204" pitchFamily="34" charset="0"/>
+              </a:rPr>
+              <a:t>useful features such as </a:t>
+            </a:r>
+            <a:r>
+              <a:rPr lang="en-US" sz="1600" kern="100" dirty="0">
+                <a:effectLst/>
+                <a:latin typeface="Arial" panose="020B0604020202020204" pitchFamily="34" charset="0"/>
+                <a:ea typeface="Aptos" panose="020B0004020202020204" pitchFamily="34" charset="0"/>
+                <a:cs typeface="Arial" panose="020B0604020202020204" pitchFamily="34" charset="0"/>
+              </a:rPr>
+              <a:t>integrating AI-driven summarization, note-taking, and document organization all within one single workspace.</a:t>
+            </a:r>
+          </a:p>
+          <a:p>
+            <a:endParaRPr lang="en-US" sz="1600" dirty="0"/>
+          </a:p>
+        </p:txBody>
+      </p:sp>
+    </p:spTree>
+    <p:extLst>
+      <p:ext uri="{BB962C8B-B14F-4D97-AF65-F5344CB8AC3E}">
+        <p14:creationId xmlns:p14="http://schemas.microsoft.com/office/powerpoint/2010/main" val="696665445"/>
+      </p:ext>
+    </p:extLst>
+  </p:cSld>
+  <p:clrMapOvr>
+    <a:masterClrMapping/>
+  </p:clrMapOvr>
+</p:sld>
+</file>
+
+<file path=ppt/slides/slide30.xml><?xml version="1.0" encoding="utf-8"?>
 <p:sld xmlns:a="http://schemas.openxmlformats.org/drawingml/2006/main" xmlns:r="http://schemas.openxmlformats.org/officeDocument/2006/relationships" xmlns:p="http://schemas.openxmlformats.org/presentationml/2006/main">
   <p:cSld>
     <p:bg>
@@ -9611,1653 +10629,7 @@
 </p:sld>
 </file>
 
-<file path=ppt/slides/slide3.xml><?xml version="1.0" encoding="utf-8"?>
-<p:sld xmlns:a="http://schemas.openxmlformats.org/drawingml/2006/main" xmlns:r="http://schemas.openxmlformats.org/officeDocument/2006/relationships" xmlns:p="http://schemas.openxmlformats.org/presentationml/2006/main">
-  <p:cSld>
-    <p:bg>
-      <p:bgPr>
-        <a:solidFill>
-          <a:schemeClr val="bg1"/>
-        </a:solidFill>
-        <a:effectLst/>
-      </p:bgPr>
-    </p:bg>
-    <p:spTree>
-      <p:nvGrpSpPr>
-        <p:cNvPr id="1" name=""/>
-        <p:cNvGrpSpPr/>
-        <p:nvPr/>
-      </p:nvGrpSpPr>
-      <p:grpSpPr>
-        <a:xfrm>
-          <a:off x="0" y="0"/>
-          <a:ext cx="0" cy="0"/>
-          <a:chOff x="0" y="0"/>
-          <a:chExt cx="0" cy="0"/>
-        </a:xfrm>
-      </p:grpSpPr>
-      <p:sp useBgFill="1">
-        <p:nvSpPr>
-          <p:cNvPr id="12" name="Rectangle 11">
-            <a:extLst>
-              <a:ext uri="{FF2B5EF4-FFF2-40B4-BE49-F238E27FC236}">
-                <a16:creationId xmlns:a16="http://schemas.microsoft.com/office/drawing/2014/main" id="{2151139A-886F-4B97-8815-729AD3831BBD}"/>
-              </a:ext>
-              <a:ext uri="{C183D7F6-B498-43B3-948B-1728B52AA6E4}">
-                <adec:decorative xmlns:adec="http://schemas.microsoft.com/office/drawing/2017/decorative" val="1"/>
-              </a:ext>
-            </a:extLst>
-          </p:cNvPr>
-          <p:cNvSpPr>
-            <a:spLocks noGrp="1" noRot="1" noChangeAspect="1" noMove="1" noResize="1" noEditPoints="1" noAdjustHandles="1" noChangeArrowheads="1" noChangeShapeType="1" noTextEdit="1"/>
-          </p:cNvSpPr>
-          <p:nvPr>
-            <p:extLst>
-              <p:ext uri="{386F3935-93C4-4BCD-93E2-E3B085C9AB24}">
-                <p16:designElem xmlns:p16="http://schemas.microsoft.com/office/powerpoint/2015/main" val="1"/>
-              </p:ext>
-            </p:extLst>
-          </p:nvPr>
-        </p:nvSpPr>
-        <p:spPr>
-          <a:xfrm>
-            <a:off x="0" y="0"/>
-            <a:ext cx="12192000" cy="6858000"/>
-          </a:xfrm>
-          <a:prstGeom prst="rect">
-            <a:avLst/>
-          </a:prstGeom>
-          <a:ln w="12700" cap="flat" cmpd="sng" algn="ctr">
-            <a:noFill/>
-            <a:prstDash val="solid"/>
-            <a:miter lim="800000"/>
-          </a:ln>
-          <a:effectLst/>
-          <a:extLst>
-            <a:ext uri="{91240B29-F687-4F45-9708-019B960494DF}">
-              <a14:hiddenLine xmlns:a14="http://schemas.microsoft.com/office/drawing/2010/main" w="12700" cap="flat" cmpd="sng" algn="ctr">
-                <a:solidFill>
-                  <a:schemeClr val="accent1">
-                    <a:shade val="50000"/>
-                  </a:schemeClr>
-                </a:solidFill>
-                <a:prstDash val="solid"/>
-                <a:miter lim="800000"/>
-              </a14:hiddenLine>
-            </a:ext>
-          </a:extLst>
-        </p:spPr>
-        <p:style>
-          <a:lnRef idx="2">
-            <a:schemeClr val="accent1">
-              <a:shade val="50000"/>
-            </a:schemeClr>
-          </a:lnRef>
-          <a:fillRef idx="1">
-            <a:schemeClr val="accent1"/>
-          </a:fillRef>
-          <a:effectRef idx="0">
-            <a:schemeClr val="accent1"/>
-          </a:effectRef>
-          <a:fontRef idx="minor">
-            <a:schemeClr val="lt1"/>
-          </a:fontRef>
-        </p:style>
-        <p:txBody>
-          <a:bodyPr rtlCol="0" anchor="ctr"/>
-          <a:lstStyle/>
-          <a:p>
-            <a:pPr algn="ctr"/>
-            <a:endParaRPr lang="en-US" sz="2000"/>
-          </a:p>
-        </p:txBody>
-      </p:sp>
-      <p:sp>
-        <p:nvSpPr>
-          <p:cNvPr id="14" name="Rectangle 13">
-            <a:extLst>
-              <a:ext uri="{FF2B5EF4-FFF2-40B4-BE49-F238E27FC236}">
-                <a16:creationId xmlns:a16="http://schemas.microsoft.com/office/drawing/2014/main" id="{AB5E08C4-8CDD-4623-A5B8-E998C6DEE3B7}"/>
-              </a:ext>
-              <a:ext uri="{C183D7F6-B498-43B3-948B-1728B52AA6E4}">
-                <adec:decorative xmlns:adec="http://schemas.microsoft.com/office/drawing/2017/decorative" val="1"/>
-              </a:ext>
-            </a:extLst>
-          </p:cNvPr>
-          <p:cNvSpPr>
-            <a:spLocks noGrp="1" noRot="1" noChangeAspect="1" noMove="1" noResize="1" noEditPoints="1" noAdjustHandles="1" noChangeArrowheads="1" noChangeShapeType="1" noTextEdit="1"/>
-          </p:cNvSpPr>
-          <p:nvPr>
-            <p:extLst>
-              <p:ext uri="{386F3935-93C4-4BCD-93E2-E3B085C9AB24}">
-                <p16:designElem xmlns:p16="http://schemas.microsoft.com/office/powerpoint/2015/main" val="1"/>
-              </p:ext>
-            </p:extLst>
-          </p:nvPr>
-        </p:nvSpPr>
-        <p:spPr>
-          <a:xfrm flipH="1">
-            <a:off x="2" y="492"/>
-            <a:ext cx="12191998" cy="1575955"/>
-          </a:xfrm>
-          <a:prstGeom prst="rect">
-            <a:avLst/>
-          </a:prstGeom>
-          <a:gradFill>
-            <a:gsLst>
-              <a:gs pos="0">
-                <a:schemeClr val="accent1">
-                  <a:lumMod val="50000"/>
-                </a:schemeClr>
-              </a:gs>
-              <a:gs pos="100000">
-                <a:schemeClr val="accent1">
-                  <a:lumMod val="75000"/>
-                </a:schemeClr>
-              </a:gs>
-            </a:gsLst>
-            <a:lin ang="8400000" scaled="0"/>
-          </a:gradFill>
-          <a:ln>
-            <a:noFill/>
-          </a:ln>
-        </p:spPr>
-        <p:style>
-          <a:lnRef idx="2">
-            <a:schemeClr val="accent1">
-              <a:shade val="50000"/>
-            </a:schemeClr>
-          </a:lnRef>
-          <a:fillRef idx="1">
-            <a:schemeClr val="accent1"/>
-          </a:fillRef>
-          <a:effectRef idx="0">
-            <a:schemeClr val="accent1"/>
-          </a:effectRef>
-          <a:fontRef idx="minor">
-            <a:schemeClr val="lt1"/>
-          </a:fontRef>
-        </p:style>
-        <p:txBody>
-          <a:bodyPr rtlCol="0" anchor="ctr"/>
-          <a:lstStyle/>
-          <a:p>
-            <a:pPr algn="ctr"/>
-            <a:endParaRPr lang="en-US"/>
-          </a:p>
-        </p:txBody>
-      </p:sp>
-      <p:sp>
-        <p:nvSpPr>
-          <p:cNvPr id="16" name="Rectangle 15">
-            <a:extLst>
-              <a:ext uri="{FF2B5EF4-FFF2-40B4-BE49-F238E27FC236}">
-                <a16:creationId xmlns:a16="http://schemas.microsoft.com/office/drawing/2014/main" id="{15F33878-D502-4FFA-8ACE-F2AECDB2A23F}"/>
-              </a:ext>
-              <a:ext uri="{C183D7F6-B498-43B3-948B-1728B52AA6E4}">
-                <adec:decorative xmlns:adec="http://schemas.microsoft.com/office/drawing/2017/decorative" val="1"/>
-              </a:ext>
-            </a:extLst>
-          </p:cNvPr>
-          <p:cNvSpPr>
-            <a:spLocks noGrp="1" noRot="1" noChangeAspect="1" noMove="1" noResize="1" noEditPoints="1" noAdjustHandles="1" noChangeArrowheads="1" noChangeShapeType="1" noTextEdit="1"/>
-          </p:cNvSpPr>
-          <p:nvPr>
-            <p:extLst>
-              <p:ext uri="{386F3935-93C4-4BCD-93E2-E3B085C9AB24}">
-                <p16:designElem xmlns:p16="http://schemas.microsoft.com/office/powerpoint/2015/main" val="1"/>
-              </p:ext>
-            </p:extLst>
-          </p:nvPr>
-        </p:nvSpPr>
-        <p:spPr>
-          <a:xfrm rot="10800000" flipH="1">
-            <a:off x="8128857" y="35"/>
-            <a:ext cx="4063143" cy="1576412"/>
-          </a:xfrm>
-          <a:prstGeom prst="rect">
-            <a:avLst/>
-          </a:prstGeom>
-          <a:gradFill>
-            <a:gsLst>
-              <a:gs pos="19000">
-                <a:schemeClr val="accent1">
-                  <a:lumMod val="50000"/>
-                  <a:alpha val="68000"/>
-                </a:schemeClr>
-              </a:gs>
-              <a:gs pos="100000">
-                <a:schemeClr val="accent1">
-                  <a:alpha val="79000"/>
-                </a:schemeClr>
-              </a:gs>
-            </a:gsLst>
-            <a:lin ang="19200000" scaled="0"/>
-          </a:gradFill>
-          <a:ln>
-            <a:noFill/>
-          </a:ln>
-        </p:spPr>
-        <p:style>
-          <a:lnRef idx="2">
-            <a:schemeClr val="accent1">
-              <a:shade val="50000"/>
-            </a:schemeClr>
-          </a:lnRef>
-          <a:fillRef idx="1">
-            <a:schemeClr val="accent1"/>
-          </a:fillRef>
-          <a:effectRef idx="0">
-            <a:schemeClr val="accent1"/>
-          </a:effectRef>
-          <a:fontRef idx="minor">
-            <a:schemeClr val="lt1"/>
-          </a:fontRef>
-        </p:style>
-        <p:txBody>
-          <a:bodyPr rtlCol="0" anchor="ctr"/>
-          <a:lstStyle/>
-          <a:p>
-            <a:pPr algn="ctr"/>
-            <a:endParaRPr lang="en-US"/>
-          </a:p>
-        </p:txBody>
-      </p:sp>
-      <p:sp>
-        <p:nvSpPr>
-          <p:cNvPr id="18" name="Rectangle 17">
-            <a:extLst>
-              <a:ext uri="{FF2B5EF4-FFF2-40B4-BE49-F238E27FC236}">
-                <a16:creationId xmlns:a16="http://schemas.microsoft.com/office/drawing/2014/main" id="{D3539FEE-81D3-4406-802E-60B20B16F4F6}"/>
-              </a:ext>
-              <a:ext uri="{C183D7F6-B498-43B3-948B-1728B52AA6E4}">
-                <adec:decorative xmlns:adec="http://schemas.microsoft.com/office/drawing/2017/decorative" val="1"/>
-              </a:ext>
-            </a:extLst>
-          </p:cNvPr>
-          <p:cNvSpPr>
-            <a:spLocks noGrp="1" noRot="1" noChangeAspect="1" noMove="1" noResize="1" noEditPoints="1" noAdjustHandles="1" noChangeArrowheads="1" noChangeShapeType="1" noTextEdit="1"/>
-          </p:cNvSpPr>
-          <p:nvPr>
-            <p:extLst>
-              <p:ext uri="{386F3935-93C4-4BCD-93E2-E3B085C9AB24}">
-                <p16:designElem xmlns:p16="http://schemas.microsoft.com/office/powerpoint/2015/main" val="1"/>
-              </p:ext>
-            </p:extLst>
-          </p:nvPr>
-        </p:nvSpPr>
-        <p:spPr>
-          <a:xfrm rot="5400000">
-            <a:off x="5307778" y="-5307777"/>
-            <a:ext cx="1576446" cy="12192001"/>
-          </a:xfrm>
-          <a:prstGeom prst="rect">
-            <a:avLst/>
-          </a:prstGeom>
-          <a:gradFill>
-            <a:gsLst>
-              <a:gs pos="16000">
-                <a:srgbClr val="000000">
-                  <a:alpha val="0"/>
-                </a:srgbClr>
-              </a:gs>
-              <a:gs pos="99000">
-                <a:srgbClr val="000000">
-                  <a:alpha val="87000"/>
-                </a:srgbClr>
-              </a:gs>
-            </a:gsLst>
-            <a:lin ang="11400000" scaled="0"/>
-          </a:gradFill>
-          <a:ln>
-            <a:noFill/>
-          </a:ln>
-        </p:spPr>
-        <p:style>
-          <a:lnRef idx="2">
-            <a:schemeClr val="accent1">
-              <a:shade val="50000"/>
-            </a:schemeClr>
-          </a:lnRef>
-          <a:fillRef idx="1">
-            <a:schemeClr val="accent1"/>
-          </a:fillRef>
-          <a:effectRef idx="0">
-            <a:schemeClr val="accent1"/>
-          </a:effectRef>
-          <a:fontRef idx="minor">
-            <a:schemeClr val="lt1"/>
-          </a:fontRef>
-        </p:style>
-        <p:txBody>
-          <a:bodyPr rtlCol="0" anchor="ctr"/>
-          <a:lstStyle/>
-          <a:p>
-            <a:pPr algn="ctr"/>
-            <a:endParaRPr lang="en-US" dirty="0"/>
-          </a:p>
-        </p:txBody>
-      </p:sp>
-      <p:sp>
-        <p:nvSpPr>
-          <p:cNvPr id="20" name="Rectangle 19">
-            <a:extLst>
-              <a:ext uri="{FF2B5EF4-FFF2-40B4-BE49-F238E27FC236}">
-                <a16:creationId xmlns:a16="http://schemas.microsoft.com/office/drawing/2014/main" id="{DC701763-729E-462F-A5A8-E0DEFEB1E2E4}"/>
-              </a:ext>
-              <a:ext uri="{C183D7F6-B498-43B3-948B-1728B52AA6E4}">
-                <adec:decorative xmlns:adec="http://schemas.microsoft.com/office/drawing/2017/decorative" val="1"/>
-              </a:ext>
-            </a:extLst>
-          </p:cNvPr>
-          <p:cNvSpPr>
-            <a:spLocks noGrp="1" noRot="1" noChangeAspect="1" noMove="1" noResize="1" noEditPoints="1" noAdjustHandles="1" noChangeArrowheads="1" noChangeShapeType="1" noTextEdit="1"/>
-          </p:cNvSpPr>
-          <p:nvPr>
-            <p:extLst>
-              <p:ext uri="{386F3935-93C4-4BCD-93E2-E3B085C9AB24}">
-                <p16:designElem xmlns:p16="http://schemas.microsoft.com/office/powerpoint/2015/main" val="1"/>
-              </p:ext>
-            </p:extLst>
-          </p:nvPr>
-        </p:nvSpPr>
-        <p:spPr>
-          <a:xfrm>
-            <a:off x="3825434" y="986"/>
-            <a:ext cx="4303422" cy="1575461"/>
-          </a:xfrm>
-          <a:prstGeom prst="rect">
-            <a:avLst/>
-          </a:prstGeom>
-          <a:gradFill>
-            <a:gsLst>
-              <a:gs pos="0">
-                <a:schemeClr val="accent1">
-                  <a:alpha val="17000"/>
-                </a:schemeClr>
-              </a:gs>
-              <a:gs pos="74000">
-                <a:schemeClr val="accent1">
-                  <a:lumMod val="50000"/>
-                  <a:alpha val="0"/>
-                </a:schemeClr>
-              </a:gs>
-            </a:gsLst>
-            <a:lin ang="14400000" scaled="0"/>
-          </a:gradFill>
-          <a:ln>
-            <a:noFill/>
-          </a:ln>
-        </p:spPr>
-        <p:style>
-          <a:lnRef idx="2">
-            <a:schemeClr val="accent1">
-              <a:shade val="50000"/>
-            </a:schemeClr>
-          </a:lnRef>
-          <a:fillRef idx="1">
-            <a:schemeClr val="accent1"/>
-          </a:fillRef>
-          <a:effectRef idx="0">
-            <a:schemeClr val="accent1"/>
-          </a:effectRef>
-          <a:fontRef idx="minor">
-            <a:schemeClr val="lt1"/>
-          </a:fontRef>
-        </p:style>
-        <p:txBody>
-          <a:bodyPr rtlCol="0" anchor="ctr"/>
-          <a:lstStyle/>
-          <a:p>
-            <a:pPr algn="ctr"/>
-            <a:endParaRPr lang="en-US"/>
-          </a:p>
-        </p:txBody>
-      </p:sp>
-      <p:sp>
-        <p:nvSpPr>
-          <p:cNvPr id="2" name="Title 1">
-            <a:extLst>
-              <a:ext uri="{FF2B5EF4-FFF2-40B4-BE49-F238E27FC236}">
-                <a16:creationId xmlns:a16="http://schemas.microsoft.com/office/drawing/2014/main" id="{7E460F83-1196-1326-67EF-959ABB48F121}"/>
-              </a:ext>
-            </a:extLst>
-          </p:cNvPr>
-          <p:cNvSpPr>
-            <a:spLocks noGrp="1"/>
-          </p:cNvSpPr>
-          <p:nvPr>
-            <p:ph type="title"/>
-          </p:nvPr>
-        </p:nvSpPr>
-        <p:spPr>
-          <a:xfrm>
-            <a:off x="699714" y="353160"/>
-            <a:ext cx="7091300" cy="898581"/>
-          </a:xfrm>
-        </p:spPr>
-        <p:txBody>
-          <a:bodyPr vert="horz" lIns="91440" tIns="45720" rIns="91440" bIns="45720" rtlCol="0" anchor="ctr">
-            <a:normAutofit/>
-          </a:bodyPr>
-          <a:lstStyle/>
-          <a:p>
-            <a:r>
-              <a:rPr lang="en-US" sz="4000">
-                <a:solidFill>
-                  <a:srgbClr val="FFFFFF"/>
-                </a:solidFill>
-              </a:rPr>
-              <a:t>Feature Comparison Table</a:t>
-            </a:r>
-            <a:endParaRPr lang="en-US" sz="4000" dirty="0">
-              <a:solidFill>
-                <a:srgbClr val="FFFFFF"/>
-              </a:solidFill>
-            </a:endParaRPr>
-          </a:p>
-        </p:txBody>
-      </p:sp>
-      <p:pic>
-        <p:nvPicPr>
-          <p:cNvPr id="11" name="Picture 10">
-            <a:extLst>
-              <a:ext uri="{FF2B5EF4-FFF2-40B4-BE49-F238E27FC236}">
-                <a16:creationId xmlns:a16="http://schemas.microsoft.com/office/drawing/2014/main" id="{1D512053-E91A-D120-DE74-FE8B24D8C3C6}"/>
-              </a:ext>
-            </a:extLst>
-          </p:cNvPr>
-          <p:cNvPicPr>
-            <a:picLocks noChangeAspect="1"/>
-          </p:cNvPicPr>
-          <p:nvPr/>
-        </p:nvPicPr>
-        <p:blipFill>
-          <a:blip r:embed="rId2"/>
-          <a:stretch>
-            <a:fillRect/>
-          </a:stretch>
-        </p:blipFill>
-        <p:spPr>
-          <a:xfrm>
-            <a:off x="1694365" y="1603915"/>
-            <a:ext cx="8176969" cy="4991533"/>
-          </a:xfrm>
-          <a:prstGeom prst="rect">
-            <a:avLst/>
-          </a:prstGeom>
-        </p:spPr>
-      </p:pic>
-    </p:spTree>
-    <p:extLst>
-      <p:ext uri="{BB962C8B-B14F-4D97-AF65-F5344CB8AC3E}">
-        <p14:creationId xmlns:p14="http://schemas.microsoft.com/office/powerpoint/2010/main" val="3011052913"/>
-      </p:ext>
-    </p:extLst>
-  </p:cSld>
-  <p:clrMapOvr>
-    <a:masterClrMapping/>
-  </p:clrMapOvr>
-</p:sld>
-</file>
-
-<file path=ppt/slides/slide30.xml><?xml version="1.0" encoding="utf-8"?>
-<p:sld xmlns:a="http://schemas.openxmlformats.org/drawingml/2006/main" xmlns:r="http://schemas.openxmlformats.org/officeDocument/2006/relationships" xmlns:p="http://schemas.openxmlformats.org/presentationml/2006/main">
-  <p:cSld>
-    <p:bg>
-      <p:bgPr>
-        <a:solidFill>
-          <a:schemeClr val="bg1"/>
-        </a:solidFill>
-        <a:effectLst/>
-      </p:bgPr>
-    </p:bg>
-    <p:spTree>
-      <p:nvGrpSpPr>
-        <p:cNvPr id="1" name="">
-          <a:extLst>
-            <a:ext uri="{FF2B5EF4-FFF2-40B4-BE49-F238E27FC236}">
-              <a16:creationId xmlns:a16="http://schemas.microsoft.com/office/drawing/2014/main" id="{AD0B1ACC-02D5-5D7D-917A-84B2874377D7}"/>
-            </a:ext>
-          </a:extLst>
-        </p:cNvPr>
-        <p:cNvGrpSpPr/>
-        <p:nvPr/>
-      </p:nvGrpSpPr>
-      <p:grpSpPr>
-        <a:xfrm>
-          <a:off x="0" y="0"/>
-          <a:ext cx="0" cy="0"/>
-          <a:chOff x="0" y="0"/>
-          <a:chExt cx="0" cy="0"/>
-        </a:xfrm>
-      </p:grpSpPr>
-      <p:sp useBgFill="1">
-        <p:nvSpPr>
-          <p:cNvPr id="35" name="Rectangle 34">
-            <a:extLst>
-              <a:ext uri="{FF2B5EF4-FFF2-40B4-BE49-F238E27FC236}">
-                <a16:creationId xmlns:a16="http://schemas.microsoft.com/office/drawing/2014/main" id="{D4E68339-1B90-44F9-BCC4-4600A6E240A2}"/>
-              </a:ext>
-              <a:ext uri="{C183D7F6-B498-43B3-948B-1728B52AA6E4}">
-                <adec:decorative xmlns:adec="http://schemas.microsoft.com/office/drawing/2017/decorative" val="1"/>
-              </a:ext>
-            </a:extLst>
-          </p:cNvPr>
-          <p:cNvSpPr>
-            <a:spLocks noGrp="1" noRot="1" noChangeAspect="1" noMove="1" noResize="1" noEditPoints="1" noAdjustHandles="1" noChangeArrowheads="1" noChangeShapeType="1" noTextEdit="1"/>
-          </p:cNvSpPr>
-          <p:nvPr>
-            <p:extLst>
-              <p:ext uri="{386F3935-93C4-4BCD-93E2-E3B085C9AB24}">
-                <p16:designElem xmlns:p16="http://schemas.microsoft.com/office/powerpoint/2015/main" val="1"/>
-              </p:ext>
-            </p:extLst>
-          </p:nvPr>
-        </p:nvSpPr>
-        <p:spPr>
-          <a:xfrm>
-            <a:off x="-1" y="0"/>
-            <a:ext cx="12188952" cy="6858000"/>
-          </a:xfrm>
-          <a:prstGeom prst="rect">
-            <a:avLst/>
-          </a:prstGeom>
-          <a:ln>
-            <a:noFill/>
-          </a:ln>
-        </p:spPr>
-        <p:style>
-          <a:lnRef idx="2">
-            <a:schemeClr val="accent1">
-              <a:shade val="50000"/>
-            </a:schemeClr>
-          </a:lnRef>
-          <a:fillRef idx="1">
-            <a:schemeClr val="accent1"/>
-          </a:fillRef>
-          <a:effectRef idx="0">
-            <a:schemeClr val="accent1"/>
-          </a:effectRef>
-          <a:fontRef idx="minor">
-            <a:schemeClr val="lt1"/>
-          </a:fontRef>
-        </p:style>
-        <p:txBody>
-          <a:bodyPr rtlCol="0" anchor="ctr"/>
-          <a:lstStyle/>
-          <a:p>
-            <a:pPr algn="ctr"/>
-            <a:endParaRPr lang="en-US"/>
-          </a:p>
-        </p:txBody>
-      </p:sp>
-      <p:sp>
-        <p:nvSpPr>
-          <p:cNvPr id="2" name="Title 1">
-            <a:extLst>
-              <a:ext uri="{FF2B5EF4-FFF2-40B4-BE49-F238E27FC236}">
-                <a16:creationId xmlns:a16="http://schemas.microsoft.com/office/drawing/2014/main" id="{6608DC91-91BB-715C-8C59-B1E225F67F2B}"/>
-              </a:ext>
-            </a:extLst>
-          </p:cNvPr>
-          <p:cNvSpPr>
-            <a:spLocks noGrp="1"/>
-          </p:cNvSpPr>
-          <p:nvPr>
-            <p:ph type="title"/>
-          </p:nvPr>
-        </p:nvSpPr>
-        <p:spPr>
-          <a:xfrm>
-            <a:off x="1525712" y="2400475"/>
-            <a:ext cx="9142288" cy="2068222"/>
-          </a:xfrm>
-        </p:spPr>
-        <p:txBody>
-          <a:bodyPr vert="horz" lIns="91440" tIns="45720" rIns="91440" bIns="45720" rtlCol="0" anchor="b">
-            <a:normAutofit/>
-          </a:bodyPr>
-          <a:lstStyle/>
-          <a:p>
-            <a:pPr algn="ctr"/>
-            <a:r>
-              <a:rPr lang="en-US" sz="5200" kern="1200" dirty="0">
-                <a:solidFill>
-                  <a:schemeClr val="tx1"/>
-                </a:solidFill>
-                <a:latin typeface="+mj-lt"/>
-                <a:ea typeface="+mj-ea"/>
-                <a:cs typeface="+mj-cs"/>
-              </a:rPr>
-              <a:t>THANK YOU</a:t>
-            </a:r>
-          </a:p>
-        </p:txBody>
-      </p:sp>
-      <p:pic>
-        <p:nvPicPr>
-          <p:cNvPr id="62" name="Graphic 61" descr="Smiling Face with No Fill">
-            <a:extLst>
-              <a:ext uri="{FF2B5EF4-FFF2-40B4-BE49-F238E27FC236}">
-                <a16:creationId xmlns:a16="http://schemas.microsoft.com/office/drawing/2014/main" id="{22DBCA01-452E-500F-8B19-247E86FBFCC2}"/>
-              </a:ext>
-            </a:extLst>
-          </p:cNvPr>
-          <p:cNvPicPr>
-            <a:picLocks noChangeAspect="1"/>
-          </p:cNvPicPr>
-          <p:nvPr/>
-        </p:nvPicPr>
-        <p:blipFill>
-          <a:blip r:embed="rId2">
-            <a:extLst>
-              <a:ext uri="{28A0092B-C50C-407E-A947-70E740481C1C}">
-                <a14:useLocalDpi xmlns:a14="http://schemas.microsoft.com/office/drawing/2010/main" val="0"/>
-              </a:ext>
-              <a:ext uri="{96DAC541-7B7A-43D3-8B79-37D633B846F1}">
-                <asvg:svgBlip xmlns:asvg="http://schemas.microsoft.com/office/drawing/2016/SVG/main" r:embed="rId3"/>
-              </a:ext>
-            </a:extLst>
-          </a:blip>
-          <a:stretch>
-            <a:fillRect/>
-          </a:stretch>
-        </p:blipFill>
-        <p:spPr>
-          <a:xfrm>
-            <a:off x="5558070" y="1133637"/>
-            <a:ext cx="1075860" cy="1075860"/>
-          </a:xfrm>
-          <a:prstGeom prst="rect">
-            <a:avLst/>
-          </a:prstGeom>
-        </p:spPr>
-      </p:pic>
-    </p:spTree>
-    <p:extLst>
-      <p:ext uri="{BB962C8B-B14F-4D97-AF65-F5344CB8AC3E}">
-        <p14:creationId xmlns:p14="http://schemas.microsoft.com/office/powerpoint/2010/main" val="4044200368"/>
-      </p:ext>
-    </p:extLst>
-  </p:cSld>
-  <p:clrMapOvr>
-    <a:masterClrMapping/>
-  </p:clrMapOvr>
-</p:sld>
-</file>
-
 <file path=ppt/slides/slide4.xml><?xml version="1.0" encoding="utf-8"?>
-<p:sld xmlns:a="http://schemas.openxmlformats.org/drawingml/2006/main" xmlns:r="http://schemas.openxmlformats.org/officeDocument/2006/relationships" xmlns:p="http://schemas.openxmlformats.org/presentationml/2006/main">
-  <p:cSld>
-    <p:bg>
-      <p:bgPr>
-        <a:solidFill>
-          <a:schemeClr val="bg1"/>
-        </a:solidFill>
-        <a:effectLst/>
-      </p:bgPr>
-    </p:bg>
-    <p:spTree>
-      <p:nvGrpSpPr>
-        <p:cNvPr id="1" name="">
-          <a:extLst>
-            <a:ext uri="{FF2B5EF4-FFF2-40B4-BE49-F238E27FC236}">
-              <a16:creationId xmlns:a16="http://schemas.microsoft.com/office/drawing/2014/main" id="{1FF494E3-E17D-AFB7-EA3B-68010AE085DA}"/>
-            </a:ext>
-          </a:extLst>
-        </p:cNvPr>
-        <p:cNvGrpSpPr/>
-        <p:nvPr/>
-      </p:nvGrpSpPr>
-      <p:grpSpPr>
-        <a:xfrm>
-          <a:off x="0" y="0"/>
-          <a:ext cx="0" cy="0"/>
-          <a:chOff x="0" y="0"/>
-          <a:chExt cx="0" cy="0"/>
-        </a:xfrm>
-      </p:grpSpPr>
-      <p:sp useBgFill="1">
-        <p:nvSpPr>
-          <p:cNvPr id="12" name="Rectangle 11">
-            <a:extLst>
-              <a:ext uri="{FF2B5EF4-FFF2-40B4-BE49-F238E27FC236}">
-                <a16:creationId xmlns:a16="http://schemas.microsoft.com/office/drawing/2014/main" id="{870F371A-3698-D9D7-E541-8DADFFD8ABBF}"/>
-              </a:ext>
-              <a:ext uri="{C183D7F6-B498-43B3-948B-1728B52AA6E4}">
-                <adec:decorative xmlns:adec="http://schemas.microsoft.com/office/drawing/2017/decorative" val="1"/>
-              </a:ext>
-            </a:extLst>
-          </p:cNvPr>
-          <p:cNvSpPr>
-            <a:spLocks noGrp="1" noRot="1" noChangeAspect="1" noMove="1" noResize="1" noEditPoints="1" noAdjustHandles="1" noChangeArrowheads="1" noChangeShapeType="1" noTextEdit="1"/>
-          </p:cNvSpPr>
-          <p:nvPr>
-            <p:extLst>
-              <p:ext uri="{386F3935-93C4-4BCD-93E2-E3B085C9AB24}">
-                <p16:designElem xmlns:p16="http://schemas.microsoft.com/office/powerpoint/2015/main" val="1"/>
-              </p:ext>
-            </p:extLst>
-          </p:nvPr>
-        </p:nvSpPr>
-        <p:spPr>
-          <a:xfrm>
-            <a:off x="0" y="0"/>
-            <a:ext cx="12192000" cy="6858000"/>
-          </a:xfrm>
-          <a:prstGeom prst="rect">
-            <a:avLst/>
-          </a:prstGeom>
-          <a:ln w="12700" cap="flat" cmpd="sng" algn="ctr">
-            <a:noFill/>
-            <a:prstDash val="solid"/>
-            <a:miter lim="800000"/>
-          </a:ln>
-          <a:effectLst/>
-          <a:extLst>
-            <a:ext uri="{91240B29-F687-4F45-9708-019B960494DF}">
-              <a14:hiddenLine xmlns:a14="http://schemas.microsoft.com/office/drawing/2010/main" w="12700" cap="flat" cmpd="sng" algn="ctr">
-                <a:solidFill>
-                  <a:schemeClr val="accent1">
-                    <a:shade val="50000"/>
-                  </a:schemeClr>
-                </a:solidFill>
-                <a:prstDash val="solid"/>
-                <a:miter lim="800000"/>
-              </a14:hiddenLine>
-            </a:ext>
-          </a:extLst>
-        </p:spPr>
-        <p:style>
-          <a:lnRef idx="2">
-            <a:schemeClr val="accent1">
-              <a:shade val="50000"/>
-            </a:schemeClr>
-          </a:lnRef>
-          <a:fillRef idx="1">
-            <a:schemeClr val="accent1"/>
-          </a:fillRef>
-          <a:effectRef idx="0">
-            <a:schemeClr val="accent1"/>
-          </a:effectRef>
-          <a:fontRef idx="minor">
-            <a:schemeClr val="lt1"/>
-          </a:fontRef>
-        </p:style>
-        <p:txBody>
-          <a:bodyPr rtlCol="0" anchor="ctr"/>
-          <a:lstStyle/>
-          <a:p>
-            <a:pPr algn="ctr"/>
-            <a:endParaRPr lang="en-US" sz="2000"/>
-          </a:p>
-        </p:txBody>
-      </p:sp>
-      <p:sp>
-        <p:nvSpPr>
-          <p:cNvPr id="14" name="Rectangle 13">
-            <a:extLst>
-              <a:ext uri="{FF2B5EF4-FFF2-40B4-BE49-F238E27FC236}">
-                <a16:creationId xmlns:a16="http://schemas.microsoft.com/office/drawing/2014/main" id="{C67B3610-88B3-602D-6126-2B026C97C4C4}"/>
-              </a:ext>
-              <a:ext uri="{C183D7F6-B498-43B3-948B-1728B52AA6E4}">
-                <adec:decorative xmlns:adec="http://schemas.microsoft.com/office/drawing/2017/decorative" val="1"/>
-              </a:ext>
-            </a:extLst>
-          </p:cNvPr>
-          <p:cNvSpPr>
-            <a:spLocks noGrp="1" noRot="1" noChangeAspect="1" noMove="1" noResize="1" noEditPoints="1" noAdjustHandles="1" noChangeArrowheads="1" noChangeShapeType="1" noTextEdit="1"/>
-          </p:cNvSpPr>
-          <p:nvPr>
-            <p:extLst>
-              <p:ext uri="{386F3935-93C4-4BCD-93E2-E3B085C9AB24}">
-                <p16:designElem xmlns:p16="http://schemas.microsoft.com/office/powerpoint/2015/main" val="1"/>
-              </p:ext>
-            </p:extLst>
-          </p:nvPr>
-        </p:nvSpPr>
-        <p:spPr>
-          <a:xfrm flipH="1">
-            <a:off x="2" y="492"/>
-            <a:ext cx="12191998" cy="1575955"/>
-          </a:xfrm>
-          <a:prstGeom prst="rect">
-            <a:avLst/>
-          </a:prstGeom>
-          <a:gradFill>
-            <a:gsLst>
-              <a:gs pos="0">
-                <a:schemeClr val="accent1">
-                  <a:lumMod val="50000"/>
-                </a:schemeClr>
-              </a:gs>
-              <a:gs pos="100000">
-                <a:schemeClr val="accent1">
-                  <a:lumMod val="75000"/>
-                </a:schemeClr>
-              </a:gs>
-            </a:gsLst>
-            <a:lin ang="8400000" scaled="0"/>
-          </a:gradFill>
-          <a:ln>
-            <a:noFill/>
-          </a:ln>
-        </p:spPr>
-        <p:style>
-          <a:lnRef idx="2">
-            <a:schemeClr val="accent1">
-              <a:shade val="50000"/>
-            </a:schemeClr>
-          </a:lnRef>
-          <a:fillRef idx="1">
-            <a:schemeClr val="accent1"/>
-          </a:fillRef>
-          <a:effectRef idx="0">
-            <a:schemeClr val="accent1"/>
-          </a:effectRef>
-          <a:fontRef idx="minor">
-            <a:schemeClr val="lt1"/>
-          </a:fontRef>
-        </p:style>
-        <p:txBody>
-          <a:bodyPr rtlCol="0" anchor="ctr"/>
-          <a:lstStyle/>
-          <a:p>
-            <a:pPr algn="ctr"/>
-            <a:endParaRPr lang="en-US"/>
-          </a:p>
-        </p:txBody>
-      </p:sp>
-      <p:sp>
-        <p:nvSpPr>
-          <p:cNvPr id="16" name="Rectangle 15">
-            <a:extLst>
-              <a:ext uri="{FF2B5EF4-FFF2-40B4-BE49-F238E27FC236}">
-                <a16:creationId xmlns:a16="http://schemas.microsoft.com/office/drawing/2014/main" id="{5C34DF7F-9848-83A0-82B1-1DC0E4090F90}"/>
-              </a:ext>
-              <a:ext uri="{C183D7F6-B498-43B3-948B-1728B52AA6E4}">
-                <adec:decorative xmlns:adec="http://schemas.microsoft.com/office/drawing/2017/decorative" val="1"/>
-              </a:ext>
-            </a:extLst>
-          </p:cNvPr>
-          <p:cNvSpPr>
-            <a:spLocks noGrp="1" noRot="1" noChangeAspect="1" noMove="1" noResize="1" noEditPoints="1" noAdjustHandles="1" noChangeArrowheads="1" noChangeShapeType="1" noTextEdit="1"/>
-          </p:cNvSpPr>
-          <p:nvPr>
-            <p:extLst>
-              <p:ext uri="{386F3935-93C4-4BCD-93E2-E3B085C9AB24}">
-                <p16:designElem xmlns:p16="http://schemas.microsoft.com/office/powerpoint/2015/main" val="1"/>
-              </p:ext>
-            </p:extLst>
-          </p:nvPr>
-        </p:nvSpPr>
-        <p:spPr>
-          <a:xfrm rot="10800000" flipH="1">
-            <a:off x="8128857" y="35"/>
-            <a:ext cx="4063143" cy="1576412"/>
-          </a:xfrm>
-          <a:prstGeom prst="rect">
-            <a:avLst/>
-          </a:prstGeom>
-          <a:gradFill>
-            <a:gsLst>
-              <a:gs pos="19000">
-                <a:schemeClr val="accent1">
-                  <a:lumMod val="50000"/>
-                  <a:alpha val="68000"/>
-                </a:schemeClr>
-              </a:gs>
-              <a:gs pos="100000">
-                <a:schemeClr val="accent1">
-                  <a:alpha val="79000"/>
-                </a:schemeClr>
-              </a:gs>
-            </a:gsLst>
-            <a:lin ang="19200000" scaled="0"/>
-          </a:gradFill>
-          <a:ln>
-            <a:noFill/>
-          </a:ln>
-        </p:spPr>
-        <p:style>
-          <a:lnRef idx="2">
-            <a:schemeClr val="accent1">
-              <a:shade val="50000"/>
-            </a:schemeClr>
-          </a:lnRef>
-          <a:fillRef idx="1">
-            <a:schemeClr val="accent1"/>
-          </a:fillRef>
-          <a:effectRef idx="0">
-            <a:schemeClr val="accent1"/>
-          </a:effectRef>
-          <a:fontRef idx="minor">
-            <a:schemeClr val="lt1"/>
-          </a:fontRef>
-        </p:style>
-        <p:txBody>
-          <a:bodyPr rtlCol="0" anchor="ctr"/>
-          <a:lstStyle/>
-          <a:p>
-            <a:pPr algn="ctr"/>
-            <a:endParaRPr lang="en-US"/>
-          </a:p>
-        </p:txBody>
-      </p:sp>
-      <p:sp>
-        <p:nvSpPr>
-          <p:cNvPr id="18" name="Rectangle 17">
-            <a:extLst>
-              <a:ext uri="{FF2B5EF4-FFF2-40B4-BE49-F238E27FC236}">
-                <a16:creationId xmlns:a16="http://schemas.microsoft.com/office/drawing/2014/main" id="{4EF9C683-81D5-5589-A15B-57E74D73D5B9}"/>
-              </a:ext>
-              <a:ext uri="{C183D7F6-B498-43B3-948B-1728B52AA6E4}">
-                <adec:decorative xmlns:adec="http://schemas.microsoft.com/office/drawing/2017/decorative" val="1"/>
-              </a:ext>
-            </a:extLst>
-          </p:cNvPr>
-          <p:cNvSpPr>
-            <a:spLocks noGrp="1" noRot="1" noChangeAspect="1" noMove="1" noResize="1" noEditPoints="1" noAdjustHandles="1" noChangeArrowheads="1" noChangeShapeType="1" noTextEdit="1"/>
-          </p:cNvSpPr>
-          <p:nvPr>
-            <p:extLst>
-              <p:ext uri="{386F3935-93C4-4BCD-93E2-E3B085C9AB24}">
-                <p16:designElem xmlns:p16="http://schemas.microsoft.com/office/powerpoint/2015/main" val="1"/>
-              </p:ext>
-            </p:extLst>
-          </p:nvPr>
-        </p:nvSpPr>
-        <p:spPr>
-          <a:xfrm rot="5400000">
-            <a:off x="5307778" y="-5307777"/>
-            <a:ext cx="1576446" cy="12192001"/>
-          </a:xfrm>
-          <a:prstGeom prst="rect">
-            <a:avLst/>
-          </a:prstGeom>
-          <a:gradFill>
-            <a:gsLst>
-              <a:gs pos="16000">
-                <a:srgbClr val="000000">
-                  <a:alpha val="0"/>
-                </a:srgbClr>
-              </a:gs>
-              <a:gs pos="99000">
-                <a:srgbClr val="000000">
-                  <a:alpha val="87000"/>
-                </a:srgbClr>
-              </a:gs>
-            </a:gsLst>
-            <a:lin ang="11400000" scaled="0"/>
-          </a:gradFill>
-          <a:ln>
-            <a:noFill/>
-          </a:ln>
-        </p:spPr>
-        <p:style>
-          <a:lnRef idx="2">
-            <a:schemeClr val="accent1">
-              <a:shade val="50000"/>
-            </a:schemeClr>
-          </a:lnRef>
-          <a:fillRef idx="1">
-            <a:schemeClr val="accent1"/>
-          </a:fillRef>
-          <a:effectRef idx="0">
-            <a:schemeClr val="accent1"/>
-          </a:effectRef>
-          <a:fontRef idx="minor">
-            <a:schemeClr val="lt1"/>
-          </a:fontRef>
-        </p:style>
-        <p:txBody>
-          <a:bodyPr rtlCol="0" anchor="ctr"/>
-          <a:lstStyle/>
-          <a:p>
-            <a:pPr algn="ctr"/>
-            <a:endParaRPr lang="en-US" dirty="0"/>
-          </a:p>
-        </p:txBody>
-      </p:sp>
-      <p:sp>
-        <p:nvSpPr>
-          <p:cNvPr id="20" name="Rectangle 19">
-            <a:extLst>
-              <a:ext uri="{FF2B5EF4-FFF2-40B4-BE49-F238E27FC236}">
-                <a16:creationId xmlns:a16="http://schemas.microsoft.com/office/drawing/2014/main" id="{ECED3FC5-A1A2-186A-022B-6D631E9DAFDD}"/>
-              </a:ext>
-              <a:ext uri="{C183D7F6-B498-43B3-948B-1728B52AA6E4}">
-                <adec:decorative xmlns:adec="http://schemas.microsoft.com/office/drawing/2017/decorative" val="1"/>
-              </a:ext>
-            </a:extLst>
-          </p:cNvPr>
-          <p:cNvSpPr>
-            <a:spLocks noGrp="1" noRot="1" noChangeAspect="1" noMove="1" noResize="1" noEditPoints="1" noAdjustHandles="1" noChangeArrowheads="1" noChangeShapeType="1" noTextEdit="1"/>
-          </p:cNvSpPr>
-          <p:nvPr>
-            <p:extLst>
-              <p:ext uri="{386F3935-93C4-4BCD-93E2-E3B085C9AB24}">
-                <p16:designElem xmlns:p16="http://schemas.microsoft.com/office/powerpoint/2015/main" val="1"/>
-              </p:ext>
-            </p:extLst>
-          </p:nvPr>
-        </p:nvSpPr>
-        <p:spPr>
-          <a:xfrm>
-            <a:off x="3825434" y="986"/>
-            <a:ext cx="4303422" cy="1575461"/>
-          </a:xfrm>
-          <a:prstGeom prst="rect">
-            <a:avLst/>
-          </a:prstGeom>
-          <a:gradFill>
-            <a:gsLst>
-              <a:gs pos="0">
-                <a:schemeClr val="accent1">
-                  <a:alpha val="17000"/>
-                </a:schemeClr>
-              </a:gs>
-              <a:gs pos="74000">
-                <a:schemeClr val="accent1">
-                  <a:lumMod val="50000"/>
-                  <a:alpha val="0"/>
-                </a:schemeClr>
-              </a:gs>
-            </a:gsLst>
-            <a:lin ang="14400000" scaled="0"/>
-          </a:gradFill>
-          <a:ln>
-            <a:noFill/>
-          </a:ln>
-        </p:spPr>
-        <p:style>
-          <a:lnRef idx="2">
-            <a:schemeClr val="accent1">
-              <a:shade val="50000"/>
-            </a:schemeClr>
-          </a:lnRef>
-          <a:fillRef idx="1">
-            <a:schemeClr val="accent1"/>
-          </a:fillRef>
-          <a:effectRef idx="0">
-            <a:schemeClr val="accent1"/>
-          </a:effectRef>
-          <a:fontRef idx="minor">
-            <a:schemeClr val="lt1"/>
-          </a:fontRef>
-        </p:style>
-        <p:txBody>
-          <a:bodyPr rtlCol="0" anchor="ctr"/>
-          <a:lstStyle/>
-          <a:p>
-            <a:pPr algn="ctr"/>
-            <a:endParaRPr lang="en-US"/>
-          </a:p>
-        </p:txBody>
-      </p:sp>
-      <p:sp>
-        <p:nvSpPr>
-          <p:cNvPr id="2" name="Title 1">
-            <a:extLst>
-              <a:ext uri="{FF2B5EF4-FFF2-40B4-BE49-F238E27FC236}">
-                <a16:creationId xmlns:a16="http://schemas.microsoft.com/office/drawing/2014/main" id="{9F14756A-4402-7E4F-9338-1E81FAE4B99B}"/>
-              </a:ext>
-            </a:extLst>
-          </p:cNvPr>
-          <p:cNvSpPr>
-            <a:spLocks noGrp="1"/>
-          </p:cNvSpPr>
-          <p:nvPr>
-            <p:ph type="title"/>
-          </p:nvPr>
-        </p:nvSpPr>
-        <p:spPr>
-          <a:xfrm>
-            <a:off x="699714" y="353160"/>
-            <a:ext cx="7091300" cy="898581"/>
-          </a:xfrm>
-        </p:spPr>
-        <p:txBody>
-          <a:bodyPr vert="horz" lIns="91440" tIns="45720" rIns="91440" bIns="45720" rtlCol="0" anchor="ctr">
-            <a:normAutofit/>
-          </a:bodyPr>
-          <a:lstStyle/>
-          <a:p>
-            <a:r>
-              <a:rPr lang="en-US" sz="4000">
-                <a:solidFill>
-                  <a:srgbClr val="FFFFFF"/>
-                </a:solidFill>
-              </a:rPr>
-              <a:t>Feature Comparison Table</a:t>
-            </a:r>
-          </a:p>
-        </p:txBody>
-      </p:sp>
-      <p:pic>
-        <p:nvPicPr>
-          <p:cNvPr id="8" name="Picture 7">
-            <a:extLst>
-              <a:ext uri="{FF2B5EF4-FFF2-40B4-BE49-F238E27FC236}">
-                <a16:creationId xmlns:a16="http://schemas.microsoft.com/office/drawing/2014/main" id="{C2AF1005-E8C6-CB10-A333-39D7DCD42AD5}"/>
-              </a:ext>
-            </a:extLst>
-          </p:cNvPr>
-          <p:cNvPicPr>
-            <a:picLocks noChangeAspect="1"/>
-          </p:cNvPicPr>
-          <p:nvPr/>
-        </p:nvPicPr>
-        <p:blipFill>
-          <a:blip r:embed="rId2"/>
-          <a:stretch>
-            <a:fillRect/>
-          </a:stretch>
-        </p:blipFill>
-        <p:spPr>
-          <a:xfrm>
-            <a:off x="838200" y="2062956"/>
-            <a:ext cx="9486900" cy="3876675"/>
-          </a:xfrm>
-          <a:prstGeom prst="rect">
-            <a:avLst/>
-          </a:prstGeom>
-        </p:spPr>
-      </p:pic>
-    </p:spTree>
-    <p:extLst>
-      <p:ext uri="{BB962C8B-B14F-4D97-AF65-F5344CB8AC3E}">
-        <p14:creationId xmlns:p14="http://schemas.microsoft.com/office/powerpoint/2010/main" val="3111249299"/>
-      </p:ext>
-    </p:extLst>
-  </p:cSld>
-  <p:clrMapOvr>
-    <a:masterClrMapping/>
-  </p:clrMapOvr>
-</p:sld>
-</file>
-
-<file path=ppt/slides/slide5.xml><?xml version="1.0" encoding="utf-8"?>
-<p:sld xmlns:a="http://schemas.openxmlformats.org/drawingml/2006/main" xmlns:r="http://schemas.openxmlformats.org/officeDocument/2006/relationships" xmlns:p="http://schemas.openxmlformats.org/presentationml/2006/main">
-  <p:cSld>
-    <p:bg>
-      <p:bgPr>
-        <a:solidFill>
-          <a:schemeClr val="bg1"/>
-        </a:solidFill>
-        <a:effectLst/>
-      </p:bgPr>
-    </p:bg>
-    <p:spTree>
-      <p:nvGrpSpPr>
-        <p:cNvPr id="1" name="">
-          <a:extLst>
-            <a:ext uri="{FF2B5EF4-FFF2-40B4-BE49-F238E27FC236}">
-              <a16:creationId xmlns:a16="http://schemas.microsoft.com/office/drawing/2014/main" id="{1B6BEA72-09B2-182D-B94E-40D3A3A5FD0B}"/>
-            </a:ext>
-          </a:extLst>
-        </p:cNvPr>
-        <p:cNvGrpSpPr/>
-        <p:nvPr/>
-      </p:nvGrpSpPr>
-      <p:grpSpPr>
-        <a:xfrm>
-          <a:off x="0" y="0"/>
-          <a:ext cx="0" cy="0"/>
-          <a:chOff x="0" y="0"/>
-          <a:chExt cx="0" cy="0"/>
-        </a:xfrm>
-      </p:grpSpPr>
-      <p:sp useBgFill="1">
-        <p:nvSpPr>
-          <p:cNvPr id="47" name="Rectangle 46">
-            <a:extLst>
-              <a:ext uri="{FF2B5EF4-FFF2-40B4-BE49-F238E27FC236}">
-                <a16:creationId xmlns:a16="http://schemas.microsoft.com/office/drawing/2014/main" id="{C50627CD-3C11-9759-5F42-1324A87DCD57}"/>
-              </a:ext>
-              <a:ext uri="{C183D7F6-B498-43B3-948B-1728B52AA6E4}">
-                <adec:decorative xmlns:adec="http://schemas.microsoft.com/office/drawing/2017/decorative" val="1"/>
-              </a:ext>
-            </a:extLst>
-          </p:cNvPr>
-          <p:cNvSpPr>
-            <a:spLocks noGrp="1" noRot="1" noChangeAspect="1" noMove="1" noResize="1" noEditPoints="1" noAdjustHandles="1" noChangeArrowheads="1" noChangeShapeType="1" noTextEdit="1"/>
-          </p:cNvSpPr>
-          <p:nvPr>
-            <p:extLst>
-              <p:ext uri="{386F3935-93C4-4BCD-93E2-E3B085C9AB24}">
-                <p16:designElem xmlns:p16="http://schemas.microsoft.com/office/powerpoint/2015/main" val="1"/>
-              </p:ext>
-            </p:extLst>
-          </p:nvPr>
-        </p:nvSpPr>
-        <p:spPr>
-          <a:xfrm>
-            <a:off x="0" y="0"/>
-            <a:ext cx="12191999" cy="6857365"/>
-          </a:xfrm>
-          <a:prstGeom prst="rect">
-            <a:avLst/>
-          </a:prstGeom>
-          <a:ln>
-            <a:noFill/>
-          </a:ln>
-        </p:spPr>
-        <p:style>
-          <a:lnRef idx="2">
-            <a:schemeClr val="accent1">
-              <a:shade val="50000"/>
-            </a:schemeClr>
-          </a:lnRef>
-          <a:fillRef idx="1">
-            <a:schemeClr val="accent1"/>
-          </a:fillRef>
-          <a:effectRef idx="0">
-            <a:schemeClr val="accent1"/>
-          </a:effectRef>
-          <a:fontRef idx="minor">
-            <a:schemeClr val="lt1"/>
-          </a:fontRef>
-        </p:style>
-        <p:txBody>
-          <a:bodyPr rtlCol="0" anchor="ctr"/>
-          <a:lstStyle/>
-          <a:p>
-            <a:pPr algn="ctr"/>
-            <a:endParaRPr lang="en-US"/>
-          </a:p>
-        </p:txBody>
-      </p:sp>
-      <p:grpSp>
-        <p:nvGrpSpPr>
-          <p:cNvPr id="49" name="Group 48">
-            <a:extLst>
-              <a:ext uri="{FF2B5EF4-FFF2-40B4-BE49-F238E27FC236}">
-                <a16:creationId xmlns:a16="http://schemas.microsoft.com/office/drawing/2014/main" id="{C34E894E-71F1-528C-8FC3-7D8FDF9808D1}"/>
-              </a:ext>
-              <a:ext uri="{C183D7F6-B498-43B3-948B-1728B52AA6E4}">
-                <adec:decorative xmlns:adec="http://schemas.microsoft.com/office/drawing/2017/decorative" val="1"/>
-              </a:ext>
-            </a:extLst>
-          </p:cNvPr>
-          <p:cNvGrpSpPr>
-            <a:grpSpLocks noGrp="1" noUngrp="1" noRot="1" noChangeAspect="1" noMove="1" noResize="1"/>
-          </p:cNvGrpSpPr>
-          <p:nvPr>
-            <p:extLst>
-              <p:ext uri="{386F3935-93C4-4BCD-93E2-E3B085C9AB24}">
-                <p16:designElem xmlns:p16="http://schemas.microsoft.com/office/powerpoint/2015/main" val="1"/>
-              </p:ext>
-            </p:extLst>
-          </p:nvPr>
-        </p:nvGrpSpPr>
-        <p:grpSpPr>
-          <a:xfrm rot="5400000">
-            <a:off x="-2340441" y="2666183"/>
-            <a:ext cx="5860051" cy="527712"/>
-            <a:chOff x="6081624" y="1998368"/>
-            <a:chExt cx="5613457" cy="782175"/>
-          </a:xfrm>
-          <a:solidFill>
-            <a:schemeClr val="accent4"/>
-          </a:solidFill>
-        </p:grpSpPr>
-        <p:sp>
-          <p:nvSpPr>
-            <p:cNvPr id="50" name="Rectangle 49">
-              <a:extLst>
-                <a:ext uri="{FF2B5EF4-FFF2-40B4-BE49-F238E27FC236}">
-                  <a16:creationId xmlns:a16="http://schemas.microsoft.com/office/drawing/2014/main" id="{86581E7F-A13D-E588-7BAF-DBE6F64A8688}"/>
-                </a:ext>
-                <a:ext uri="{C183D7F6-B498-43B3-948B-1728B52AA6E4}">
-                  <adec:decorative xmlns:adec="http://schemas.microsoft.com/office/drawing/2017/decorative" val="1"/>
-                </a:ext>
-              </a:extLst>
-            </p:cNvPr>
-            <p:cNvSpPr/>
-            <p:nvPr>
-              <p:extLst>
-                <p:ext uri="{386F3935-93C4-4BCD-93E2-E3B085C9AB24}">
-                  <p16:designElem xmlns:p16="http://schemas.microsoft.com/office/powerpoint/2015/main" val="1"/>
-                </p:ext>
-              </p:extLst>
-            </p:nvPr>
-          </p:nvSpPr>
-          <p:spPr>
-            <a:xfrm rot="5400000">
-              <a:off x="11228040" y="2313027"/>
-              <a:ext cx="781700" cy="152382"/>
-            </a:xfrm>
-            <a:prstGeom prst="rect">
-              <a:avLst/>
-            </a:prstGeom>
-            <a:grpFill/>
-            <a:ln>
-              <a:noFill/>
-            </a:ln>
-          </p:spPr>
-          <p:style>
-            <a:lnRef idx="2">
-              <a:schemeClr val="accent1">
-                <a:shade val="50000"/>
-              </a:schemeClr>
-            </a:lnRef>
-            <a:fillRef idx="1">
-              <a:schemeClr val="accent1"/>
-            </a:fillRef>
-            <a:effectRef idx="0">
-              <a:schemeClr val="accent1"/>
-            </a:effectRef>
-            <a:fontRef idx="minor">
-              <a:schemeClr val="lt1"/>
-            </a:fontRef>
-          </p:style>
-          <p:txBody>
-            <a:bodyPr rtlCol="0" anchor="ctr"/>
-            <a:lstStyle/>
-            <a:p>
-              <a:pPr algn="ctr"/>
-              <a:endParaRPr lang="en-US"/>
-            </a:p>
-          </p:txBody>
-        </p:sp>
-        <p:sp>
-          <p:nvSpPr>
-            <p:cNvPr id="51" name="Rectangle 50">
-              <a:extLst>
-                <a:ext uri="{FF2B5EF4-FFF2-40B4-BE49-F238E27FC236}">
-                  <a16:creationId xmlns:a16="http://schemas.microsoft.com/office/drawing/2014/main" id="{2EFDC847-D7DF-5D34-25B6-74BB5D27BE55}"/>
-                </a:ext>
-                <a:ext uri="{C183D7F6-B498-43B3-948B-1728B52AA6E4}">
-                  <adec:decorative xmlns:adec="http://schemas.microsoft.com/office/drawing/2017/decorative" val="1"/>
-                </a:ext>
-              </a:extLst>
-            </p:cNvPr>
-            <p:cNvSpPr/>
-            <p:nvPr>
-              <p:extLst>
-                <p:ext uri="{386F3935-93C4-4BCD-93E2-E3B085C9AB24}">
-                  <p16:designElem xmlns:p16="http://schemas.microsoft.com/office/powerpoint/2015/main" val="1"/>
-                </p:ext>
-              </p:extLst>
-            </p:nvPr>
-          </p:nvSpPr>
-          <p:spPr>
-            <a:xfrm flipH="1" flipV="1">
-              <a:off x="6081624" y="1998844"/>
-              <a:ext cx="5372968" cy="781699"/>
-            </a:xfrm>
-            <a:prstGeom prst="rect">
-              <a:avLst/>
-            </a:prstGeom>
-            <a:grpFill/>
-            <a:ln>
-              <a:noFill/>
-            </a:ln>
-          </p:spPr>
-          <p:style>
-            <a:lnRef idx="2">
-              <a:schemeClr val="accent1">
-                <a:shade val="50000"/>
-              </a:schemeClr>
-            </a:lnRef>
-            <a:fillRef idx="1">
-              <a:schemeClr val="accent1"/>
-            </a:fillRef>
-            <a:effectRef idx="0">
-              <a:schemeClr val="accent1"/>
-            </a:effectRef>
-            <a:fontRef idx="minor">
-              <a:schemeClr val="lt1"/>
-            </a:fontRef>
-          </p:style>
-          <p:txBody>
-            <a:bodyPr rtlCol="0" anchor="ctr"/>
-            <a:lstStyle/>
-            <a:p>
-              <a:pPr algn="ctr"/>
-              <a:endParaRPr lang="en-US"/>
-            </a:p>
-          </p:txBody>
-        </p:sp>
-      </p:grpSp>
-      <p:sp>
-        <p:nvSpPr>
-          <p:cNvPr id="53" name="Rectangle 52">
-            <a:extLst>
-              <a:ext uri="{FF2B5EF4-FFF2-40B4-BE49-F238E27FC236}">
-                <a16:creationId xmlns:a16="http://schemas.microsoft.com/office/drawing/2014/main" id="{28AAF173-B962-28C1-2285-1CF5C3797881}"/>
-              </a:ext>
-              <a:ext uri="{C183D7F6-B498-43B3-948B-1728B52AA6E4}">
-                <adec:decorative xmlns:adec="http://schemas.microsoft.com/office/drawing/2017/decorative" val="1"/>
-              </a:ext>
-            </a:extLst>
-          </p:cNvPr>
-          <p:cNvSpPr>
-            <a:spLocks noGrp="1" noRot="1" noChangeAspect="1" noMove="1" noResize="1" noEditPoints="1" noAdjustHandles="1" noChangeArrowheads="1" noChangeShapeType="1" noTextEdit="1"/>
-          </p:cNvSpPr>
-          <p:nvPr>
-            <p:extLst>
-              <p:ext uri="{386F3935-93C4-4BCD-93E2-E3B085C9AB24}">
-                <p16:designElem xmlns:p16="http://schemas.microsoft.com/office/powerpoint/2015/main" val="1"/>
-              </p:ext>
-            </p:extLst>
-          </p:nvPr>
-        </p:nvSpPr>
-        <p:spPr>
-          <a:xfrm>
-            <a:off x="579528" y="922919"/>
-            <a:ext cx="11111729" cy="5461252"/>
-          </a:xfrm>
-          <a:prstGeom prst="rect">
-            <a:avLst/>
-          </a:prstGeom>
-          <a:solidFill>
-            <a:schemeClr val="bg1"/>
-          </a:solidFill>
-          <a:ln>
-            <a:noFill/>
-          </a:ln>
-          <a:effectLst>
-            <a:outerShdw blurRad="139700" dist="127000" dir="5400000" algn="t" rotWithShape="0">
-              <a:prstClr val="black">
-                <a:alpha val="15000"/>
-              </a:prstClr>
-            </a:outerShdw>
-          </a:effectLst>
-        </p:spPr>
-        <p:style>
-          <a:lnRef idx="2">
-            <a:schemeClr val="accent1">
-              <a:shade val="50000"/>
-            </a:schemeClr>
-          </a:lnRef>
-          <a:fillRef idx="1">
-            <a:schemeClr val="accent1"/>
-          </a:fillRef>
-          <a:effectRef idx="0">
-            <a:schemeClr val="accent1"/>
-          </a:effectRef>
-          <a:fontRef idx="minor">
-            <a:schemeClr val="lt1"/>
-          </a:fontRef>
-        </p:style>
-        <p:txBody>
-          <a:bodyPr rtlCol="0" anchor="ctr"/>
-          <a:lstStyle/>
-          <a:p>
-            <a:pPr algn="ctr"/>
-            <a:endParaRPr lang="en-US"/>
-          </a:p>
-        </p:txBody>
-      </p:sp>
-      <p:sp>
-        <p:nvSpPr>
-          <p:cNvPr id="2" name="Title 1">
-            <a:extLst>
-              <a:ext uri="{FF2B5EF4-FFF2-40B4-BE49-F238E27FC236}">
-                <a16:creationId xmlns:a16="http://schemas.microsoft.com/office/drawing/2014/main" id="{38BAC84D-EF0B-E217-75BF-692EABA15DEB}"/>
-              </a:ext>
-            </a:extLst>
-          </p:cNvPr>
-          <p:cNvSpPr>
-            <a:spLocks noGrp="1"/>
-          </p:cNvSpPr>
-          <p:nvPr>
-            <p:ph type="title"/>
-          </p:nvPr>
-        </p:nvSpPr>
-        <p:spPr>
-          <a:xfrm>
-            <a:off x="853120" y="555941"/>
-            <a:ext cx="9849751" cy="1349671"/>
-          </a:xfrm>
-        </p:spPr>
-        <p:txBody>
-          <a:bodyPr anchor="b">
-            <a:normAutofit/>
-          </a:bodyPr>
-          <a:lstStyle/>
-          <a:p>
-            <a:r>
-              <a:rPr lang="en-US" sz="5400" dirty="0"/>
-              <a:t>Problem Statement</a:t>
-            </a:r>
-          </a:p>
-        </p:txBody>
-      </p:sp>
-      <p:sp>
-        <p:nvSpPr>
-          <p:cNvPr id="3" name="Content Placeholder 2">
-            <a:extLst>
-              <a:ext uri="{FF2B5EF4-FFF2-40B4-BE49-F238E27FC236}">
-                <a16:creationId xmlns:a16="http://schemas.microsoft.com/office/drawing/2014/main" id="{7B877421-BDD4-672E-A203-DEEFB8B96D03}"/>
-              </a:ext>
-            </a:extLst>
-          </p:cNvPr>
-          <p:cNvSpPr>
-            <a:spLocks noGrp="1"/>
-          </p:cNvSpPr>
-          <p:nvPr>
-            <p:ph idx="1"/>
-          </p:nvPr>
-        </p:nvSpPr>
-        <p:spPr>
-          <a:xfrm>
-            <a:off x="968292" y="1803687"/>
-            <a:ext cx="9849751" cy="3032168"/>
-          </a:xfrm>
-        </p:spPr>
-        <p:txBody>
-          <a:bodyPr anchor="ctr">
-            <a:normAutofit/>
-          </a:bodyPr>
-          <a:lstStyle/>
-          <a:p>
-            <a:pPr marL="0" indent="0">
-              <a:buNone/>
-            </a:pPr>
-            <a:endParaRPr lang="en-US" sz="1600" kern="100" dirty="0">
-              <a:latin typeface="Arial" panose="020B0604020202020204" pitchFamily="34" charset="0"/>
-              <a:ea typeface="Aptos" panose="020B0004020202020204" pitchFamily="34" charset="0"/>
-              <a:cs typeface="Arial" panose="020B0604020202020204" pitchFamily="34" charset="0"/>
-            </a:endParaRPr>
-          </a:p>
-          <a:p>
-            <a:r>
-              <a:rPr lang="en-US" sz="1600" kern="100" dirty="0">
-                <a:effectLst/>
-                <a:latin typeface="Arial" panose="020B0604020202020204" pitchFamily="34" charset="0"/>
-                <a:ea typeface="Aptos" panose="020B0004020202020204" pitchFamily="34" charset="0"/>
-                <a:cs typeface="Arial" panose="020B0604020202020204" pitchFamily="34" charset="0"/>
-              </a:rPr>
-              <a:t>In the modern digital era, document management and staying productive mean switching between several applications. </a:t>
-            </a:r>
-          </a:p>
-          <a:p>
-            <a:r>
-              <a:rPr lang="en-US" sz="1600" kern="100" dirty="0">
-                <a:effectLst/>
-                <a:latin typeface="Arial" panose="020B0604020202020204" pitchFamily="34" charset="0"/>
-                <a:ea typeface="Aptos" panose="020B0004020202020204" pitchFamily="34" charset="0"/>
-                <a:cs typeface="Arial" panose="020B0604020202020204" pitchFamily="34" charset="0"/>
-              </a:rPr>
-              <a:t>Users spend </a:t>
-            </a:r>
-            <a:r>
-              <a:rPr lang="en-US" sz="1600" kern="100" dirty="0">
-                <a:latin typeface="Arial" panose="020B0604020202020204" pitchFamily="34" charset="0"/>
-                <a:ea typeface="Aptos" panose="020B0004020202020204" pitchFamily="34" charset="0"/>
-                <a:cs typeface="Arial" panose="020B0604020202020204" pitchFamily="34" charset="0"/>
-              </a:rPr>
-              <a:t>decent amount of </a:t>
-            </a:r>
-            <a:r>
-              <a:rPr lang="en-US" sz="1600" kern="100" dirty="0">
-                <a:effectLst/>
-                <a:latin typeface="Arial" panose="020B0604020202020204" pitchFamily="34" charset="0"/>
-                <a:ea typeface="Aptos" panose="020B0004020202020204" pitchFamily="34" charset="0"/>
-                <a:cs typeface="Arial" panose="020B0604020202020204" pitchFamily="34" charset="0"/>
-              </a:rPr>
-              <a:t>time navigating between apps to summarize information, take notes, or manage their documents. </a:t>
-            </a:r>
-          </a:p>
-          <a:p>
-            <a:r>
-              <a:rPr lang="en-US" sz="1600" kern="100" dirty="0">
-                <a:latin typeface="Arial" panose="020B0604020202020204" pitchFamily="34" charset="0"/>
-                <a:ea typeface="Aptos" panose="020B0004020202020204" pitchFamily="34" charset="0"/>
-                <a:cs typeface="Arial" panose="020B0604020202020204" pitchFamily="34" charset="0"/>
-              </a:rPr>
-              <a:t>Existing applications </a:t>
-            </a:r>
-            <a:r>
-              <a:rPr lang="en-US" sz="1600" kern="100" dirty="0">
-                <a:effectLst/>
-                <a:latin typeface="Arial" panose="020B0604020202020204" pitchFamily="34" charset="0"/>
-                <a:ea typeface="Aptos" panose="020B0004020202020204" pitchFamily="34" charset="0"/>
-                <a:cs typeface="Arial" panose="020B0604020202020204" pitchFamily="34" charset="0"/>
-              </a:rPr>
-              <a:t>lack </a:t>
-            </a:r>
-            <a:r>
-              <a:rPr lang="en-US" sz="1600" kern="100" dirty="0">
-                <a:latin typeface="Arial" panose="020B0604020202020204" pitchFamily="34" charset="0"/>
-                <a:ea typeface="Aptos" panose="020B0004020202020204" pitchFamily="34" charset="0"/>
-                <a:cs typeface="Arial" panose="020B0604020202020204" pitchFamily="34" charset="0"/>
-              </a:rPr>
-              <a:t>useful features such as </a:t>
-            </a:r>
-            <a:r>
-              <a:rPr lang="en-US" sz="1600" kern="100" dirty="0">
-                <a:effectLst/>
-                <a:latin typeface="Arial" panose="020B0604020202020204" pitchFamily="34" charset="0"/>
-                <a:ea typeface="Aptos" panose="020B0004020202020204" pitchFamily="34" charset="0"/>
-                <a:cs typeface="Arial" panose="020B0604020202020204" pitchFamily="34" charset="0"/>
-              </a:rPr>
-              <a:t>integrating AI-driven summarization, note-taking, and document organization all within one single workspace.</a:t>
-            </a:r>
-          </a:p>
-          <a:p>
-            <a:endParaRPr lang="en-US" sz="1600" dirty="0"/>
-          </a:p>
-        </p:txBody>
-      </p:sp>
-    </p:spTree>
-    <p:extLst>
-      <p:ext uri="{BB962C8B-B14F-4D97-AF65-F5344CB8AC3E}">
-        <p14:creationId xmlns:p14="http://schemas.microsoft.com/office/powerpoint/2010/main" val="696665445"/>
-      </p:ext>
-    </p:extLst>
-  </p:cSld>
-  <p:clrMapOvr>
-    <a:masterClrMapping/>
-  </p:clrMapOvr>
-</p:sld>
-</file>
-
-<file path=ppt/slides/slide6.xml><?xml version="1.0" encoding="utf-8"?>
 <p:sld xmlns:a="http://schemas.openxmlformats.org/drawingml/2006/main" xmlns:r="http://schemas.openxmlformats.org/officeDocument/2006/relationships" xmlns:p="http://schemas.openxmlformats.org/presentationml/2006/main">
   <p:cSld>
     <p:bg>
@@ -11639,7 +11011,7 @@
         <p:spPr>
           <a:xfrm>
             <a:off x="1153618" y="1239927"/>
-            <a:ext cx="4312904" cy="4680583"/>
+            <a:ext cx="4820462" cy="4680583"/>
           </a:xfrm>
         </p:spPr>
         <p:txBody>
@@ -11660,7 +11032,7 @@
             </a:br>
             <a:r>
               <a:rPr lang="en-US" sz="3600" i="1" dirty="0"/>
-              <a:t>Your application to:  summarize, translate, chat, search and organize documents</a:t>
+              <a:t>AI-powered digital content application that combines key productivity features into a single, seamless platform.</a:t>
             </a:r>
             <a:endParaRPr lang="en-US" sz="3600" dirty="0"/>
           </a:p>
@@ -11699,11 +11071,8 @@
             </a:pPr>
             <a:r>
               <a:rPr lang="en-US" sz="2000" dirty="0"/>
-              <a:t>It’s a Flutter-based mobile app that helps users manage tasks efficiently, combining Firebase Firestore and Auth for data storage and authentication, with a custom Python Flask backend to handle API communication.</a:t>
-            </a:r>
-          </a:p>
-          <a:p>
-            <a:endParaRPr lang="en-US" sz="2000" dirty="0"/>
+              <a:t>Our solution integrates smart summarization, real-time translation, note-taking, to-do lists, and an AI chatbot for instant assistance — all within one unified interface</a:t>
+            </a:r>
           </a:p>
           <a:p>
             <a:endParaRPr lang="en-US" sz="2000" dirty="0"/>
@@ -11723,7 +11092,7 @@
 </p:sld>
 </file>
 
-<file path=ppt/slides/slide7.xml><?xml version="1.0" encoding="utf-8"?>
+<file path=ppt/slides/slide5.xml><?xml version="1.0" encoding="utf-8"?>
 <p:sld xmlns:a="http://schemas.openxmlformats.org/drawingml/2006/main" xmlns:r="http://schemas.openxmlformats.org/officeDocument/2006/relationships" xmlns:p="http://schemas.openxmlformats.org/presentationml/2006/main">
   <p:cSld>
     <p:bg>
@@ -13738,7 +13107,7 @@
 </p:sld>
 </file>
 
-<file path=ppt/slides/slide8.xml><?xml version="1.0" encoding="utf-8"?>
+<file path=ppt/slides/slide6.xml><?xml version="1.0" encoding="utf-8"?>
 <p:sld xmlns:a="http://schemas.openxmlformats.org/drawingml/2006/main" xmlns:r="http://schemas.openxmlformats.org/officeDocument/2006/relationships" xmlns:p="http://schemas.openxmlformats.org/presentationml/2006/main">
   <p:cSld>
     <p:spTree>
@@ -13760,7 +13129,7 @@
           <p:cNvPr id="2" name="Title 1">
             <a:extLst>
               <a:ext uri="{FF2B5EF4-FFF2-40B4-BE49-F238E27FC236}">
-                <a16:creationId xmlns:a16="http://schemas.microsoft.com/office/drawing/2014/main" id="{A97A89EE-9DB2-731C-F6B6-AE2C2090E147}"/>
+                <a16:creationId xmlns:a16="http://schemas.microsoft.com/office/drawing/2014/main" id="{007D2874-C39E-7554-DDD9-ABE6FD2CC294}"/>
               </a:ext>
             </a:extLst>
           </p:cNvPr>
@@ -13776,152 +13145,53 @@
           <a:bodyPr/>
           <a:lstStyle/>
           <a:p>
+            <a:pPr algn="ctr"/>
             <a:r>
               <a:rPr lang="en-US" b="1" dirty="0"/>
-              <a:t>App Walkthrough</a:t>
+              <a:t>System Architecture</a:t>
+            </a:r>
+            <a:br>
+              <a:rPr lang="en-US" b="1" dirty="0"/>
+            </a:br>
+            <a:r>
+              <a:rPr lang="en-US" sz="1800" kern="100" dirty="0">
+                <a:effectLst/>
+                <a:latin typeface="Times New Roman" panose="02020603050405020304" pitchFamily="18" charset="0"/>
+                <a:ea typeface="Times New Roman" panose="02020603050405020304" pitchFamily="18" charset="0"/>
+                <a:cs typeface="Arial" panose="020B0604020202020204" pitchFamily="34" charset="0"/>
+              </a:rPr>
+              <a:t>with major components</a:t>
             </a:r>
             <a:endParaRPr lang="en-US" dirty="0"/>
-          </a:p>
-        </p:txBody>
-      </p:sp>
-      <p:sp>
-        <p:nvSpPr>
-          <p:cNvPr id="3" name="Content Placeholder 2">
-            <a:extLst>
-              <a:ext uri="{FF2B5EF4-FFF2-40B4-BE49-F238E27FC236}">
-                <a16:creationId xmlns:a16="http://schemas.microsoft.com/office/drawing/2014/main" id="{46F0AA8C-BB13-246E-C19F-96F5DC287340}"/>
-              </a:ext>
-            </a:extLst>
-          </p:cNvPr>
-          <p:cNvSpPr>
-            <a:spLocks noGrp="1"/>
-          </p:cNvSpPr>
-          <p:nvPr>
-            <p:ph idx="1"/>
-          </p:nvPr>
-        </p:nvSpPr>
-        <p:spPr>
-          <a:xfrm>
-            <a:off x="428017" y="1371600"/>
-            <a:ext cx="10925783" cy="4805363"/>
-          </a:xfrm>
-        </p:spPr>
-        <p:txBody>
-          <a:bodyPr/>
-          <a:lstStyle/>
-          <a:p>
-            <a:r>
-              <a:rPr lang="en-US" dirty="0"/>
-              <a:t>                                                     </a:t>
-            </a:r>
           </a:p>
         </p:txBody>
       </p:sp>
       <p:pic>
         <p:nvPicPr>
-          <p:cNvPr id="5" name="صورة 4">
-            <a:extLst>
-              <a:ext uri="{FF2B5EF4-FFF2-40B4-BE49-F238E27FC236}">
-                <a16:creationId xmlns:a16="http://schemas.microsoft.com/office/drawing/2014/main" id="{68628F8F-63F2-F632-6D26-CDB8850FD8C6}"/>
+          <p:cNvPr id="4" name="Content Placeholder 3">
+            <a:extLst>
+              <a:ext uri="{FF2B5EF4-FFF2-40B4-BE49-F238E27FC236}">
+                <a16:creationId xmlns:a16="http://schemas.microsoft.com/office/drawing/2014/main" id="{048DCE21-8FB6-4E37-1E4F-D3B28434978A}"/>
               </a:ext>
             </a:extLst>
           </p:cNvPr>
           <p:cNvPicPr>
-            <a:picLocks noChangeAspect="1"/>
+            <a:picLocks noGrp="1" noChangeAspect="1"/>
           </p:cNvPicPr>
-          <p:nvPr/>
+          <p:nvPr>
+            <p:ph idx="1"/>
+          </p:nvPr>
         </p:nvPicPr>
         <p:blipFill>
-          <a:blip r:embed="rId2">
-            <a:extLst>
-              <a:ext uri="{28A0092B-C50C-407E-A947-70E740481C1C}">
-                <a14:useLocalDpi xmlns:a14="http://schemas.microsoft.com/office/drawing/2010/main" val="0"/>
-              </a:ext>
-            </a:extLst>
-          </a:blip>
+          <a:blip r:embed="rId2"/>
           <a:stretch>
             <a:fillRect/>
           </a:stretch>
         </p:blipFill>
         <p:spPr>
           <a:xfrm>
-            <a:off x="918616" y="1546699"/>
-            <a:ext cx="2390086" cy="5311301"/>
-          </a:xfrm>
-          <a:prstGeom prst="rect">
-            <a:avLst/>
-          </a:prstGeom>
-        </p:spPr>
-      </p:pic>
-      <p:cxnSp>
-        <p:nvCxnSpPr>
-          <p:cNvPr id="10" name="Straight Arrow Connector 9">
-            <a:extLst>
-              <a:ext uri="{FF2B5EF4-FFF2-40B4-BE49-F238E27FC236}">
-                <a16:creationId xmlns:a16="http://schemas.microsoft.com/office/drawing/2014/main" id="{53543B16-848E-BD88-BB7B-6F94EEC5E5FE}"/>
-              </a:ext>
-            </a:extLst>
-          </p:cNvPr>
-          <p:cNvCxnSpPr/>
-          <p:nvPr/>
-        </p:nvCxnSpPr>
-        <p:spPr>
-          <a:xfrm>
-            <a:off x="1099226" y="1984443"/>
-            <a:ext cx="4791682" cy="0"/>
-          </a:xfrm>
-          <a:prstGeom prst="straightConnector1">
-            <a:avLst/>
-          </a:prstGeom>
-          <a:ln>
-            <a:tailEnd type="triangle"/>
-          </a:ln>
-        </p:spPr>
-        <p:style>
-          <a:lnRef idx="2">
-            <a:schemeClr val="dk1"/>
-          </a:lnRef>
-          <a:fillRef idx="0">
-            <a:schemeClr val="dk1"/>
-          </a:fillRef>
-          <a:effectRef idx="1">
-            <a:schemeClr val="dk1"/>
-          </a:effectRef>
-          <a:fontRef idx="minor">
-            <a:schemeClr val="tx1"/>
-          </a:fontRef>
-        </p:style>
-      </p:cxnSp>
-      <p:pic>
-        <p:nvPicPr>
-          <p:cNvPr id="14" name="صورة 4" descr="صورة تحتوي على نص, لقطة شاشة, برمجيات&#10;&#10;قد يكون المحتوى المعد بواسطة الذكاء الاصطناعي غير صحيح.">
-            <a:extLst>
-              <a:ext uri="{FF2B5EF4-FFF2-40B4-BE49-F238E27FC236}">
-                <a16:creationId xmlns:a16="http://schemas.microsoft.com/office/drawing/2014/main" id="{ED167CA0-1FAA-ED8F-7D27-2A6A81A7DAC6}"/>
-              </a:ext>
-            </a:extLst>
-          </p:cNvPr>
-          <p:cNvPicPr>
-            <a:picLocks noChangeAspect="1"/>
-          </p:cNvPicPr>
-          <p:nvPr/>
-        </p:nvPicPr>
-        <p:blipFill>
-          <a:blip r:embed="rId3">
-            <a:extLst>
-              <a:ext uri="{28A0092B-C50C-407E-A947-70E740481C1C}">
-                <a14:useLocalDpi xmlns:a14="http://schemas.microsoft.com/office/drawing/2010/main" val="0"/>
-              </a:ext>
-            </a:extLst>
-          </a:blip>
-          <a:stretch>
-            <a:fillRect/>
-          </a:stretch>
-        </p:blipFill>
-        <p:spPr>
-          <a:xfrm>
-            <a:off x="6096000" y="681037"/>
-            <a:ext cx="2890942" cy="6047605"/>
+            <a:off x="628098" y="1440834"/>
+            <a:ext cx="9923318" cy="5417166"/>
           </a:xfrm>
           <a:prstGeom prst="rect">
             <a:avLst/>
@@ -13931,7 +13201,735 @@
     </p:spTree>
     <p:extLst>
       <p:ext uri="{BB962C8B-B14F-4D97-AF65-F5344CB8AC3E}">
-        <p14:creationId xmlns:p14="http://schemas.microsoft.com/office/powerpoint/2010/main" val="3986947278"/>
+        <p14:creationId xmlns:p14="http://schemas.microsoft.com/office/powerpoint/2010/main" val="4038652978"/>
+      </p:ext>
+    </p:extLst>
+  </p:cSld>
+  <p:clrMapOvr>
+    <a:masterClrMapping/>
+  </p:clrMapOvr>
+</p:sld>
+</file>
+
+<file path=ppt/slides/slide7.xml><?xml version="1.0" encoding="utf-8"?>
+<p:sld xmlns:a="http://schemas.openxmlformats.org/drawingml/2006/main" xmlns:r="http://schemas.openxmlformats.org/officeDocument/2006/relationships" xmlns:p="http://schemas.openxmlformats.org/presentationml/2006/main">
+  <p:cSld>
+    <p:bg>
+      <p:bgPr>
+        <a:solidFill>
+          <a:schemeClr val="bg1"/>
+        </a:solidFill>
+        <a:effectLst/>
+      </p:bgPr>
+    </p:bg>
+    <p:spTree>
+      <p:nvGrpSpPr>
+        <p:cNvPr id="1" name=""/>
+        <p:cNvGrpSpPr/>
+        <p:nvPr/>
+      </p:nvGrpSpPr>
+      <p:grpSpPr>
+        <a:xfrm>
+          <a:off x="0" y="0"/>
+          <a:ext cx="0" cy="0"/>
+          <a:chOff x="0" y="0"/>
+          <a:chExt cx="0" cy="0"/>
+        </a:xfrm>
+      </p:grpSpPr>
+      <p:sp useBgFill="1">
+        <p:nvSpPr>
+          <p:cNvPr id="25" name="Rectangle 24">
+            <a:extLst>
+              <a:ext uri="{FF2B5EF4-FFF2-40B4-BE49-F238E27FC236}">
+                <a16:creationId xmlns:a16="http://schemas.microsoft.com/office/drawing/2014/main" id="{47942995-B07F-4636-9A06-C6A104B260A8}"/>
+              </a:ext>
+              <a:ext uri="{C183D7F6-B498-43B3-948B-1728B52AA6E4}">
+                <adec:decorative xmlns:adec="http://schemas.microsoft.com/office/drawing/2017/decorative" val="1"/>
+              </a:ext>
+            </a:extLst>
+          </p:cNvPr>
+          <p:cNvSpPr>
+            <a:spLocks noGrp="1" noRot="1" noChangeAspect="1" noMove="1" noResize="1" noEditPoints="1" noAdjustHandles="1" noChangeArrowheads="1" noChangeShapeType="1" noTextEdit="1"/>
+          </p:cNvSpPr>
+          <p:nvPr>
+            <p:extLst>
+              <p:ext uri="{386F3935-93C4-4BCD-93E2-E3B085C9AB24}">
+                <p16:designElem xmlns:p16="http://schemas.microsoft.com/office/powerpoint/2015/main" val="1"/>
+              </p:ext>
+            </p:extLst>
+          </p:nvPr>
+        </p:nvSpPr>
+        <p:spPr>
+          <a:xfrm>
+            <a:off x="0" y="0"/>
+            <a:ext cx="12191999" cy="6857365"/>
+          </a:xfrm>
+          <a:prstGeom prst="rect">
+            <a:avLst/>
+          </a:prstGeom>
+          <a:ln>
+            <a:noFill/>
+          </a:ln>
+        </p:spPr>
+        <p:style>
+          <a:lnRef idx="2">
+            <a:schemeClr val="accent1">
+              <a:shade val="50000"/>
+            </a:schemeClr>
+          </a:lnRef>
+          <a:fillRef idx="1">
+            <a:schemeClr val="accent1"/>
+          </a:fillRef>
+          <a:effectRef idx="0">
+            <a:schemeClr val="accent1"/>
+          </a:effectRef>
+          <a:fontRef idx="minor">
+            <a:schemeClr val="lt1"/>
+          </a:fontRef>
+        </p:style>
+        <p:txBody>
+          <a:bodyPr rtlCol="0" anchor="ctr"/>
+          <a:lstStyle/>
+          <a:p>
+            <a:pPr algn="ctr"/>
+            <a:endParaRPr lang="en-US"/>
+          </a:p>
+        </p:txBody>
+      </p:sp>
+      <p:sp>
+        <p:nvSpPr>
+          <p:cNvPr id="2" name="Title 1">
+            <a:extLst>
+              <a:ext uri="{FF2B5EF4-FFF2-40B4-BE49-F238E27FC236}">
+                <a16:creationId xmlns:a16="http://schemas.microsoft.com/office/drawing/2014/main" id="{7E460F83-1196-1326-67EF-959ABB48F121}"/>
+              </a:ext>
+            </a:extLst>
+          </p:cNvPr>
+          <p:cNvSpPr>
+            <a:spLocks noGrp="1"/>
+          </p:cNvSpPr>
+          <p:nvPr>
+            <p:ph type="title"/>
+          </p:nvPr>
+        </p:nvSpPr>
+        <p:spPr>
+          <a:xfrm>
+            <a:off x="1113810" y="2960716"/>
+            <a:ext cx="4036334" cy="2387600"/>
+          </a:xfrm>
+        </p:spPr>
+        <p:txBody>
+          <a:bodyPr vert="horz" lIns="91440" tIns="45720" rIns="91440" bIns="45720" rtlCol="0" anchor="t">
+            <a:normAutofit/>
+          </a:bodyPr>
+          <a:lstStyle/>
+          <a:p>
+            <a:r>
+              <a:rPr lang="en-US" sz="5400" kern="1200">
+                <a:solidFill>
+                  <a:schemeClr val="tx1"/>
+                </a:solidFill>
+                <a:latin typeface="+mj-lt"/>
+                <a:ea typeface="+mj-ea"/>
+                <a:cs typeface="+mj-cs"/>
+              </a:rPr>
+              <a:t>Feature Comparison Table</a:t>
+            </a:r>
+          </a:p>
+        </p:txBody>
+      </p:sp>
+      <p:grpSp>
+        <p:nvGrpSpPr>
+          <p:cNvPr id="27" name="Group 26">
+            <a:extLst>
+              <a:ext uri="{FF2B5EF4-FFF2-40B4-BE49-F238E27FC236}">
+                <a16:creationId xmlns:a16="http://schemas.microsoft.com/office/drawing/2014/main" id="{032D8612-31EB-44CF-A1D0-14FD4C705424}"/>
+              </a:ext>
+              <a:ext uri="{C183D7F6-B498-43B3-948B-1728B52AA6E4}">
+                <adec:decorative xmlns:adec="http://schemas.microsoft.com/office/drawing/2017/decorative" val="1"/>
+              </a:ext>
+            </a:extLst>
+          </p:cNvPr>
+          <p:cNvGrpSpPr>
+            <a:grpSpLocks noGrp="1" noUngrp="1" noRot="1" noChangeAspect="1" noMove="1" noResize="1"/>
+          </p:cNvGrpSpPr>
+          <p:nvPr>
+            <p:extLst>
+              <p:ext uri="{386F3935-93C4-4BCD-93E2-E3B085C9AB24}">
+                <p16:designElem xmlns:p16="http://schemas.microsoft.com/office/powerpoint/2015/main" val="1"/>
+              </p:ext>
+            </p:extLst>
+          </p:nvPr>
+        </p:nvGrpSpPr>
+        <p:grpSpPr>
+          <a:xfrm>
+            <a:off x="0" y="2984992"/>
+            <a:ext cx="731521" cy="673460"/>
+            <a:chOff x="3940602" y="308034"/>
+            <a:chExt cx="2116791" cy="3428999"/>
+          </a:xfrm>
+          <a:solidFill>
+            <a:schemeClr val="accent4"/>
+          </a:solidFill>
+        </p:grpSpPr>
+        <p:sp>
+          <p:nvSpPr>
+            <p:cNvPr id="28" name="Rectangle 27">
+              <a:extLst>
+                <a:ext uri="{FF2B5EF4-FFF2-40B4-BE49-F238E27FC236}">
+                  <a16:creationId xmlns:a16="http://schemas.microsoft.com/office/drawing/2014/main" id="{F19A4A0F-1B59-4DB0-9764-D10936E98770}"/>
+                </a:ext>
+                <a:ext uri="{C183D7F6-B498-43B3-948B-1728B52AA6E4}">
+                  <adec:decorative xmlns:adec="http://schemas.microsoft.com/office/drawing/2017/decorative" val="1"/>
+                </a:ext>
+              </a:extLst>
+            </p:cNvPr>
+            <p:cNvSpPr/>
+            <p:nvPr>
+              <p:extLst>
+                <p:ext uri="{386F3935-93C4-4BCD-93E2-E3B085C9AB24}">
+                  <p16:designElem xmlns:p16="http://schemas.microsoft.com/office/powerpoint/2015/main" val="1"/>
+                </p:ext>
+              </p:extLst>
+            </p:nvPr>
+          </p:nvSpPr>
+          <p:spPr>
+            <a:xfrm>
+              <a:off x="3940602" y="308034"/>
+              <a:ext cx="566743" cy="3428999"/>
+            </a:xfrm>
+            <a:prstGeom prst="rect">
+              <a:avLst/>
+            </a:prstGeom>
+            <a:grpFill/>
+            <a:ln>
+              <a:noFill/>
+            </a:ln>
+          </p:spPr>
+          <p:style>
+            <a:lnRef idx="2">
+              <a:schemeClr val="accent1">
+                <a:shade val="50000"/>
+              </a:schemeClr>
+            </a:lnRef>
+            <a:fillRef idx="1">
+              <a:schemeClr val="accent1"/>
+            </a:fillRef>
+            <a:effectRef idx="0">
+              <a:schemeClr val="accent1"/>
+            </a:effectRef>
+            <a:fontRef idx="minor">
+              <a:schemeClr val="lt1"/>
+            </a:fontRef>
+          </p:style>
+          <p:txBody>
+            <a:bodyPr rtlCol="0" anchor="ctr"/>
+            <a:lstStyle/>
+            <a:p>
+              <a:pPr algn="ctr"/>
+              <a:endParaRPr lang="en-US"/>
+            </a:p>
+          </p:txBody>
+        </p:sp>
+        <p:sp>
+          <p:nvSpPr>
+            <p:cNvPr id="29" name="Rectangle 28">
+              <a:extLst>
+                <a:ext uri="{FF2B5EF4-FFF2-40B4-BE49-F238E27FC236}">
+                  <a16:creationId xmlns:a16="http://schemas.microsoft.com/office/drawing/2014/main" id="{F399A70F-F8CD-4992-9EF5-6CF15472E73F}"/>
+                </a:ext>
+                <a:ext uri="{C183D7F6-B498-43B3-948B-1728B52AA6E4}">
+                  <adec:decorative xmlns:adec="http://schemas.microsoft.com/office/drawing/2017/decorative" val="1"/>
+                </a:ext>
+              </a:extLst>
+            </p:cNvPr>
+            <p:cNvSpPr/>
+            <p:nvPr>
+              <p:extLst>
+                <p:ext uri="{386F3935-93C4-4BCD-93E2-E3B085C9AB24}">
+                  <p16:designElem xmlns:p16="http://schemas.microsoft.com/office/powerpoint/2015/main" val="1"/>
+                </p:ext>
+              </p:extLst>
+            </p:nvPr>
+          </p:nvSpPr>
+          <p:spPr>
+            <a:xfrm>
+              <a:off x="4715626" y="308034"/>
+              <a:ext cx="566743" cy="3428999"/>
+            </a:xfrm>
+            <a:prstGeom prst="rect">
+              <a:avLst/>
+            </a:prstGeom>
+            <a:grpFill/>
+            <a:ln>
+              <a:noFill/>
+            </a:ln>
+          </p:spPr>
+          <p:style>
+            <a:lnRef idx="2">
+              <a:schemeClr val="accent1">
+                <a:shade val="50000"/>
+              </a:schemeClr>
+            </a:lnRef>
+            <a:fillRef idx="1">
+              <a:schemeClr val="accent1"/>
+            </a:fillRef>
+            <a:effectRef idx="0">
+              <a:schemeClr val="accent1"/>
+            </a:effectRef>
+            <a:fontRef idx="minor">
+              <a:schemeClr val="lt1"/>
+            </a:fontRef>
+          </p:style>
+          <p:txBody>
+            <a:bodyPr rtlCol="0" anchor="ctr"/>
+            <a:lstStyle/>
+            <a:p>
+              <a:pPr algn="ctr"/>
+              <a:endParaRPr lang="en-US"/>
+            </a:p>
+          </p:txBody>
+        </p:sp>
+        <p:sp>
+          <p:nvSpPr>
+            <p:cNvPr id="30" name="Rectangle 29">
+              <a:extLst>
+                <a:ext uri="{FF2B5EF4-FFF2-40B4-BE49-F238E27FC236}">
+                  <a16:creationId xmlns:a16="http://schemas.microsoft.com/office/drawing/2014/main" id="{48F4FEDC-6D80-458C-A665-075D9B9500FD}"/>
+                </a:ext>
+                <a:ext uri="{C183D7F6-B498-43B3-948B-1728B52AA6E4}">
+                  <adec:decorative xmlns:adec="http://schemas.microsoft.com/office/drawing/2017/decorative" val="1"/>
+                </a:ext>
+              </a:extLst>
+            </p:cNvPr>
+            <p:cNvSpPr/>
+            <p:nvPr>
+              <p:extLst>
+                <p:ext uri="{386F3935-93C4-4BCD-93E2-E3B085C9AB24}">
+                  <p16:designElem xmlns:p16="http://schemas.microsoft.com/office/powerpoint/2015/main" val="1"/>
+                </p:ext>
+              </p:extLst>
+            </p:nvPr>
+          </p:nvSpPr>
+          <p:spPr>
+            <a:xfrm>
+              <a:off x="5490650" y="308034"/>
+              <a:ext cx="566743" cy="3428999"/>
+            </a:xfrm>
+            <a:prstGeom prst="rect">
+              <a:avLst/>
+            </a:prstGeom>
+            <a:grpFill/>
+            <a:ln>
+              <a:noFill/>
+            </a:ln>
+          </p:spPr>
+          <p:style>
+            <a:lnRef idx="2">
+              <a:schemeClr val="accent1">
+                <a:shade val="50000"/>
+              </a:schemeClr>
+            </a:lnRef>
+            <a:fillRef idx="1">
+              <a:schemeClr val="accent1"/>
+            </a:fillRef>
+            <a:effectRef idx="0">
+              <a:schemeClr val="accent1"/>
+            </a:effectRef>
+            <a:fontRef idx="minor">
+              <a:schemeClr val="lt1"/>
+            </a:fontRef>
+          </p:style>
+          <p:txBody>
+            <a:bodyPr rtlCol="0" anchor="ctr"/>
+            <a:lstStyle/>
+            <a:p>
+              <a:pPr algn="ctr"/>
+              <a:endParaRPr lang="en-US"/>
+            </a:p>
+          </p:txBody>
+        </p:sp>
+      </p:grpSp>
+      <p:sp>
+        <p:nvSpPr>
+          <p:cNvPr id="32" name="Rectangle 31">
+            <a:extLst>
+              <a:ext uri="{FF2B5EF4-FFF2-40B4-BE49-F238E27FC236}">
+                <a16:creationId xmlns:a16="http://schemas.microsoft.com/office/drawing/2014/main" id="{B81933D1-5615-42C7-9C0B-4EB7105CCE2D}"/>
+              </a:ext>
+              <a:ext uri="{C183D7F6-B498-43B3-948B-1728B52AA6E4}">
+                <adec:decorative xmlns:adec="http://schemas.microsoft.com/office/drawing/2017/decorative" val="1"/>
+              </a:ext>
+            </a:extLst>
+          </p:cNvPr>
+          <p:cNvSpPr>
+            <a:spLocks noGrp="1" noRot="1" noChangeAspect="1" noMove="1" noResize="1" noEditPoints="1" noAdjustHandles="1" noChangeArrowheads="1" noChangeShapeType="1" noTextEdit="1"/>
+          </p:cNvSpPr>
+          <p:nvPr>
+            <p:extLst>
+              <p:ext uri="{386F3935-93C4-4BCD-93E2-E3B085C9AB24}">
+                <p16:designElem xmlns:p16="http://schemas.microsoft.com/office/powerpoint/2015/main" val="1"/>
+              </p:ext>
+            </p:extLst>
+          </p:nvPr>
+        </p:nvSpPr>
+        <p:spPr>
+          <a:xfrm flipH="1">
+            <a:off x="10697670" y="0"/>
+            <a:ext cx="1494330" cy="6858000"/>
+          </a:xfrm>
+          <a:prstGeom prst="rect">
+            <a:avLst/>
+          </a:prstGeom>
+          <a:solidFill>
+            <a:schemeClr val="accent4"/>
+          </a:solidFill>
+          <a:ln>
+            <a:noFill/>
+          </a:ln>
+        </p:spPr>
+        <p:style>
+          <a:lnRef idx="2">
+            <a:schemeClr val="accent1">
+              <a:shade val="50000"/>
+            </a:schemeClr>
+          </a:lnRef>
+          <a:fillRef idx="1">
+            <a:schemeClr val="accent1"/>
+          </a:fillRef>
+          <a:effectRef idx="0">
+            <a:schemeClr val="accent1"/>
+          </a:effectRef>
+          <a:fontRef idx="minor">
+            <a:schemeClr val="lt1"/>
+          </a:fontRef>
+        </p:style>
+        <p:txBody>
+          <a:bodyPr rtlCol="0" anchor="ctr"/>
+          <a:lstStyle/>
+          <a:p>
+            <a:pPr algn="ctr"/>
+            <a:endParaRPr lang="en-US"/>
+          </a:p>
+        </p:txBody>
+      </p:sp>
+      <p:sp>
+        <p:nvSpPr>
+          <p:cNvPr id="34" name="Rectangle 33">
+            <a:extLst>
+              <a:ext uri="{FF2B5EF4-FFF2-40B4-BE49-F238E27FC236}">
+                <a16:creationId xmlns:a16="http://schemas.microsoft.com/office/drawing/2014/main" id="{19C9EAEA-39D0-4B0E-A0EB-51E7B26740B1}"/>
+              </a:ext>
+              <a:ext uri="{C183D7F6-B498-43B3-948B-1728B52AA6E4}">
+                <adec:decorative xmlns:adec="http://schemas.microsoft.com/office/drawing/2017/decorative" val="1"/>
+              </a:ext>
+            </a:extLst>
+          </p:cNvPr>
+          <p:cNvSpPr>
+            <a:spLocks noGrp="1" noRot="1" noChangeAspect="1" noMove="1" noResize="1" noEditPoints="1" noAdjustHandles="1" noChangeArrowheads="1" noChangeShapeType="1" noTextEdit="1"/>
+          </p:cNvSpPr>
+          <p:nvPr>
+            <p:extLst>
+              <p:ext uri="{386F3935-93C4-4BCD-93E2-E3B085C9AB24}">
+                <p16:designElem xmlns:p16="http://schemas.microsoft.com/office/powerpoint/2015/main" val="1"/>
+              </p:ext>
+            </p:extLst>
+          </p:nvPr>
+        </p:nvSpPr>
+        <p:spPr>
+          <a:xfrm>
+            <a:off x="5685810" y="391886"/>
+            <a:ext cx="6009366" cy="6017078"/>
+          </a:xfrm>
+          <a:prstGeom prst="rect">
+            <a:avLst/>
+          </a:prstGeom>
+          <a:solidFill>
+            <a:schemeClr val="bg1"/>
+          </a:solidFill>
+          <a:ln>
+            <a:noFill/>
+          </a:ln>
+          <a:effectLst>
+            <a:outerShdw blurRad="139700" dist="127000" dir="5400000" algn="t" rotWithShape="0">
+              <a:prstClr val="black">
+                <a:alpha val="15000"/>
+              </a:prstClr>
+            </a:outerShdw>
+          </a:effectLst>
+        </p:spPr>
+        <p:style>
+          <a:lnRef idx="2">
+            <a:schemeClr val="accent1">
+              <a:shade val="50000"/>
+            </a:schemeClr>
+          </a:lnRef>
+          <a:fillRef idx="1">
+            <a:schemeClr val="accent1"/>
+          </a:fillRef>
+          <a:effectRef idx="0">
+            <a:schemeClr val="accent1"/>
+          </a:effectRef>
+          <a:fontRef idx="minor">
+            <a:schemeClr val="lt1"/>
+          </a:fontRef>
+        </p:style>
+        <p:txBody>
+          <a:bodyPr rtlCol="0" anchor="ctr"/>
+          <a:lstStyle/>
+          <a:p>
+            <a:pPr algn="ctr"/>
+            <a:endParaRPr lang="en-US"/>
+          </a:p>
+        </p:txBody>
+      </p:sp>
+      <p:pic>
+        <p:nvPicPr>
+          <p:cNvPr id="4" name="Picture 3" descr="A screenshot of a computer program&#10;&#10;AI-generated content may be incorrect.">
+            <a:extLst>
+              <a:ext uri="{FF2B5EF4-FFF2-40B4-BE49-F238E27FC236}">
+                <a16:creationId xmlns:a16="http://schemas.microsoft.com/office/drawing/2014/main" id="{0B0DEC0E-9D7F-FDBA-4D78-15094BA4560B}"/>
+              </a:ext>
+            </a:extLst>
+          </p:cNvPr>
+          <p:cNvPicPr>
+            <a:picLocks noChangeAspect="1"/>
+          </p:cNvPicPr>
+          <p:nvPr/>
+        </p:nvPicPr>
+        <p:blipFill>
+          <a:blip r:embed="rId2">
+            <a:extLst>
+              <a:ext uri="{28A0092B-C50C-407E-A947-70E740481C1C}">
+                <a14:useLocalDpi xmlns:a14="http://schemas.microsoft.com/office/drawing/2010/main" val="0"/>
+              </a:ext>
+            </a:extLst>
+          </a:blip>
+          <a:stretch>
+            <a:fillRect/>
+          </a:stretch>
+        </p:blipFill>
+        <p:spPr>
+          <a:xfrm>
+            <a:off x="5922492" y="1122943"/>
+            <a:ext cx="5536001" cy="4553360"/>
+          </a:xfrm>
+          <a:prstGeom prst="rect">
+            <a:avLst/>
+          </a:prstGeom>
+        </p:spPr>
+      </p:pic>
+    </p:spTree>
+    <p:extLst>
+      <p:ext uri="{BB962C8B-B14F-4D97-AF65-F5344CB8AC3E}">
+        <p14:creationId xmlns:p14="http://schemas.microsoft.com/office/powerpoint/2010/main" val="3011052913"/>
+      </p:ext>
+    </p:extLst>
+  </p:cSld>
+  <p:clrMapOvr>
+    <a:masterClrMapping/>
+  </p:clrMapOvr>
+</p:sld>
+</file>
+
+<file path=ppt/slides/slide8.xml><?xml version="1.0" encoding="utf-8"?>
+<p:sld xmlns:a="http://schemas.openxmlformats.org/drawingml/2006/main" xmlns:r="http://schemas.openxmlformats.org/officeDocument/2006/relationships" xmlns:p="http://schemas.openxmlformats.org/presentationml/2006/main">
+  <p:cSld>
+    <p:bg>
+      <p:bgPr>
+        <a:solidFill>
+          <a:schemeClr val="bg1"/>
+        </a:solidFill>
+        <a:effectLst/>
+      </p:bgPr>
+    </p:bg>
+    <p:spTree>
+      <p:nvGrpSpPr>
+        <p:cNvPr id="1" name="">
+          <a:extLst>
+            <a:ext uri="{FF2B5EF4-FFF2-40B4-BE49-F238E27FC236}">
+              <a16:creationId xmlns:a16="http://schemas.microsoft.com/office/drawing/2014/main" id="{AD0B1ACC-02D5-5D7D-917A-84B2874377D7}"/>
+            </a:ext>
+          </a:extLst>
+        </p:cNvPr>
+        <p:cNvGrpSpPr/>
+        <p:nvPr/>
+      </p:nvGrpSpPr>
+      <p:grpSpPr>
+        <a:xfrm>
+          <a:off x="0" y="0"/>
+          <a:ext cx="0" cy="0"/>
+          <a:chOff x="0" y="0"/>
+          <a:chExt cx="0" cy="0"/>
+        </a:xfrm>
+      </p:grpSpPr>
+      <p:sp useBgFill="1">
+        <p:nvSpPr>
+          <p:cNvPr id="35" name="Rectangle 34">
+            <a:extLst>
+              <a:ext uri="{FF2B5EF4-FFF2-40B4-BE49-F238E27FC236}">
+                <a16:creationId xmlns:a16="http://schemas.microsoft.com/office/drawing/2014/main" id="{D4E68339-1B90-44F9-BCC4-4600A6E240A2}"/>
+              </a:ext>
+              <a:ext uri="{C183D7F6-B498-43B3-948B-1728B52AA6E4}">
+                <adec:decorative xmlns:adec="http://schemas.microsoft.com/office/drawing/2017/decorative" val="1"/>
+              </a:ext>
+            </a:extLst>
+          </p:cNvPr>
+          <p:cNvSpPr>
+            <a:spLocks noGrp="1" noRot="1" noChangeAspect="1" noMove="1" noResize="1" noEditPoints="1" noAdjustHandles="1" noChangeArrowheads="1" noChangeShapeType="1" noTextEdit="1"/>
+          </p:cNvSpPr>
+          <p:nvPr>
+            <p:extLst>
+              <p:ext uri="{386F3935-93C4-4BCD-93E2-E3B085C9AB24}">
+                <p16:designElem xmlns:p16="http://schemas.microsoft.com/office/powerpoint/2015/main" val="1"/>
+              </p:ext>
+            </p:extLst>
+          </p:nvPr>
+        </p:nvSpPr>
+        <p:spPr>
+          <a:xfrm>
+            <a:off x="-1" y="0"/>
+            <a:ext cx="12188952" cy="6858000"/>
+          </a:xfrm>
+          <a:prstGeom prst="rect">
+            <a:avLst/>
+          </a:prstGeom>
+          <a:ln>
+            <a:noFill/>
+          </a:ln>
+        </p:spPr>
+        <p:style>
+          <a:lnRef idx="2">
+            <a:schemeClr val="accent1">
+              <a:shade val="50000"/>
+            </a:schemeClr>
+          </a:lnRef>
+          <a:fillRef idx="1">
+            <a:schemeClr val="accent1"/>
+          </a:fillRef>
+          <a:effectRef idx="0">
+            <a:schemeClr val="accent1"/>
+          </a:effectRef>
+          <a:fontRef idx="minor">
+            <a:schemeClr val="lt1"/>
+          </a:fontRef>
+        </p:style>
+        <p:txBody>
+          <a:bodyPr rtlCol="0" anchor="ctr"/>
+          <a:lstStyle/>
+          <a:p>
+            <a:pPr algn="ctr"/>
+            <a:endParaRPr lang="en-US"/>
+          </a:p>
+        </p:txBody>
+      </p:sp>
+      <p:sp>
+        <p:nvSpPr>
+          <p:cNvPr id="2" name="Title 1">
+            <a:extLst>
+              <a:ext uri="{FF2B5EF4-FFF2-40B4-BE49-F238E27FC236}">
+                <a16:creationId xmlns:a16="http://schemas.microsoft.com/office/drawing/2014/main" id="{6608DC91-91BB-715C-8C59-B1E225F67F2B}"/>
+              </a:ext>
+            </a:extLst>
+          </p:cNvPr>
+          <p:cNvSpPr>
+            <a:spLocks noGrp="1"/>
+          </p:cNvSpPr>
+          <p:nvPr>
+            <p:ph type="title"/>
+          </p:nvPr>
+        </p:nvSpPr>
+        <p:spPr>
+          <a:xfrm>
+            <a:off x="1525712" y="2400475"/>
+            <a:ext cx="9142288" cy="2068222"/>
+          </a:xfrm>
+        </p:spPr>
+        <p:txBody>
+          <a:bodyPr vert="horz" lIns="91440" tIns="45720" rIns="91440" bIns="45720" rtlCol="0" anchor="b">
+            <a:normAutofit/>
+          </a:bodyPr>
+          <a:lstStyle/>
+          <a:p>
+            <a:pPr algn="ctr"/>
+            <a:r>
+              <a:rPr lang="en-US" sz="5200" kern="1200" dirty="0">
+                <a:solidFill>
+                  <a:schemeClr val="tx1"/>
+                </a:solidFill>
+                <a:latin typeface="+mj-lt"/>
+                <a:ea typeface="+mj-ea"/>
+                <a:cs typeface="+mj-cs"/>
+              </a:rPr>
+              <a:t>THANK YOU</a:t>
+            </a:r>
+            <a:br>
+              <a:rPr lang="en-US" sz="5200" kern="1200" dirty="0">
+                <a:solidFill>
+                  <a:schemeClr val="tx1"/>
+                </a:solidFill>
+                <a:latin typeface="+mj-lt"/>
+                <a:ea typeface="+mj-ea"/>
+                <a:cs typeface="+mj-cs"/>
+              </a:rPr>
+            </a:br>
+            <a:r>
+              <a:rPr lang="en-US" sz="5200" kern="1200" dirty="0">
+                <a:solidFill>
+                  <a:schemeClr val="tx1"/>
+                </a:solidFill>
+                <a:latin typeface="+mj-lt"/>
+                <a:ea typeface="+mj-ea"/>
+                <a:cs typeface="+mj-cs"/>
+              </a:rPr>
+              <a:t>Any question?</a:t>
+            </a:r>
+          </a:p>
+        </p:txBody>
+      </p:sp>
+      <p:pic>
+        <p:nvPicPr>
+          <p:cNvPr id="62" name="Graphic 61" descr="Smiling Face with No Fill">
+            <a:extLst>
+              <a:ext uri="{FF2B5EF4-FFF2-40B4-BE49-F238E27FC236}">
+                <a16:creationId xmlns:a16="http://schemas.microsoft.com/office/drawing/2014/main" id="{22DBCA01-452E-500F-8B19-247E86FBFCC2}"/>
+              </a:ext>
+            </a:extLst>
+          </p:cNvPr>
+          <p:cNvPicPr>
+            <a:picLocks noChangeAspect="1"/>
+          </p:cNvPicPr>
+          <p:nvPr/>
+        </p:nvPicPr>
+        <p:blipFill>
+          <a:blip r:embed="rId2">
+            <a:extLst>
+              <a:ext uri="{28A0092B-C50C-407E-A947-70E740481C1C}">
+                <a14:useLocalDpi xmlns:a14="http://schemas.microsoft.com/office/drawing/2010/main" val="0"/>
+              </a:ext>
+              <a:ext uri="{96DAC541-7B7A-43D3-8B79-37D633B846F1}">
+                <asvg:svgBlip xmlns:asvg="http://schemas.microsoft.com/office/drawing/2016/SVG/main" r:embed="rId3"/>
+              </a:ext>
+            </a:extLst>
+          </a:blip>
+          <a:stretch>
+            <a:fillRect/>
+          </a:stretch>
+        </p:blipFill>
+        <p:spPr>
+          <a:xfrm>
+            <a:off x="5558070" y="1133637"/>
+            <a:ext cx="1075860" cy="1075860"/>
+          </a:xfrm>
+          <a:prstGeom prst="rect">
+            <a:avLst/>
+          </a:prstGeom>
+        </p:spPr>
+      </p:pic>
+    </p:spTree>
+    <p:extLst>
+      <p:ext uri="{BB962C8B-B14F-4D97-AF65-F5344CB8AC3E}">
+        <p14:creationId xmlns:p14="http://schemas.microsoft.com/office/powerpoint/2010/main" val="4044200368"/>
       </p:ext>
     </p:extLst>
   </p:cSld>
@@ -13946,13 +13944,7 @@
   <p:cSld>
     <p:spTree>
       <p:nvGrpSpPr>
-        <p:cNvPr id="1" name="">
-          <a:extLst>
-            <a:ext uri="{FF2B5EF4-FFF2-40B4-BE49-F238E27FC236}">
-              <a16:creationId xmlns:a16="http://schemas.microsoft.com/office/drawing/2014/main" id="{F46D4E63-18BB-FFA7-BBA4-3EAAA6362CFE}"/>
-            </a:ext>
-          </a:extLst>
-        </p:cNvPr>
+        <p:cNvPr id="1" name=""/>
         <p:cNvGrpSpPr/>
         <p:nvPr/>
       </p:nvGrpSpPr>
@@ -13969,7 +13961,7 @@
           <p:cNvPr id="2" name="Title 1">
             <a:extLst>
               <a:ext uri="{FF2B5EF4-FFF2-40B4-BE49-F238E27FC236}">
-                <a16:creationId xmlns:a16="http://schemas.microsoft.com/office/drawing/2014/main" id="{1D2A07C7-6015-4593-C0FE-56C1E50B8646}"/>
+                <a16:creationId xmlns:a16="http://schemas.microsoft.com/office/drawing/2014/main" id="{F3922543-3183-D974-B0CE-9162C0ACC83F}"/>
               </a:ext>
             </a:extLst>
           </p:cNvPr>
@@ -13985,11 +13977,7 @@
           <a:bodyPr/>
           <a:lstStyle/>
           <a:p>
-            <a:r>
-              <a:rPr lang="en-US" b="1" dirty="0"/>
-              <a:t>App Walkthrough</a:t>
-            </a:r>
-            <a:endParaRPr lang="en-US" dirty="0"/>
+            <a:endParaRPr lang="en-US"/>
           </a:p>
         </p:txBody>
       </p:sp>
@@ -13998,7 +13986,7 @@
           <p:cNvPr id="3" name="Content Placeholder 2">
             <a:extLst>
               <a:ext uri="{FF2B5EF4-FFF2-40B4-BE49-F238E27FC236}">
-                <a16:creationId xmlns:a16="http://schemas.microsoft.com/office/drawing/2014/main" id="{221DB341-7F92-3925-B3E7-ECC172E00D47}"/>
+                <a16:creationId xmlns:a16="http://schemas.microsoft.com/office/drawing/2014/main" id="{805CA3A9-52AD-4798-ADC6-FA49E6268872}"/>
               </a:ext>
             </a:extLst>
           </p:cNvPr>
@@ -14009,140 +13997,23 @@
             <p:ph idx="1"/>
           </p:nvPr>
         </p:nvSpPr>
-        <p:spPr>
-          <a:xfrm>
-            <a:off x="428017" y="1371600"/>
-            <a:ext cx="10925783" cy="4805363"/>
-          </a:xfrm>
-        </p:spPr>
+        <p:spPr/>
         <p:txBody>
           <a:bodyPr/>
           <a:lstStyle/>
           <a:p>
+            <a:pPr algn="ctr"/>
             <a:r>
               <a:rPr lang="en-US" dirty="0"/>
-              <a:t>                                                     </a:t>
-            </a:r>
-          </a:p>
-        </p:txBody>
-      </p:sp>
-      <p:cxnSp>
-        <p:nvCxnSpPr>
-          <p:cNvPr id="10" name="Connector: Elbow 9">
-            <a:extLst>
-              <a:ext uri="{FF2B5EF4-FFF2-40B4-BE49-F238E27FC236}">
-                <a16:creationId xmlns:a16="http://schemas.microsoft.com/office/drawing/2014/main" id="{B6301918-5784-AA27-7A5E-0D2D59805EBB}"/>
-              </a:ext>
-            </a:extLst>
-          </p:cNvPr>
-          <p:cNvCxnSpPr>
-            <a:cxnSpLocks/>
-          </p:cNvCxnSpPr>
-          <p:nvPr/>
-        </p:nvCxnSpPr>
-        <p:spPr>
-          <a:xfrm flipV="1">
-            <a:off x="3152465" y="4202349"/>
-            <a:ext cx="2552596" cy="2110902"/>
-          </a:xfrm>
-          <a:prstGeom prst="bentConnector3">
-            <a:avLst/>
-          </a:prstGeom>
-          <a:ln>
-            <a:tailEnd type="triangle"/>
-          </a:ln>
-        </p:spPr>
-        <p:style>
-          <a:lnRef idx="2">
-            <a:schemeClr val="dk1"/>
-          </a:lnRef>
-          <a:fillRef idx="0">
-            <a:schemeClr val="dk1"/>
-          </a:fillRef>
-          <a:effectRef idx="1">
-            <a:schemeClr val="dk1"/>
-          </a:effectRef>
-          <a:fontRef idx="minor">
-            <a:schemeClr val="tx1"/>
-          </a:fontRef>
-        </p:style>
-      </p:cxnSp>
-      <p:pic>
-        <p:nvPicPr>
-          <p:cNvPr id="6" name="صورة 4">
-            <a:extLst>
-              <a:ext uri="{FF2B5EF4-FFF2-40B4-BE49-F238E27FC236}">
-                <a16:creationId xmlns:a16="http://schemas.microsoft.com/office/drawing/2014/main" id="{97BF4C92-CF96-5E42-1FD2-F1AF3DE5118B}"/>
-              </a:ext>
-            </a:extLst>
-          </p:cNvPr>
-          <p:cNvPicPr>
-            <a:picLocks noChangeAspect="1"/>
-          </p:cNvPicPr>
-          <p:nvPr/>
-        </p:nvPicPr>
-        <p:blipFill>
-          <a:blip r:embed="rId2">
-            <a:extLst>
-              <a:ext uri="{28A0092B-C50C-407E-A947-70E740481C1C}">
-                <a14:useLocalDpi xmlns:a14="http://schemas.microsoft.com/office/drawing/2010/main" val="0"/>
-              </a:ext>
-            </a:extLst>
-          </a:blip>
-          <a:stretch>
-            <a:fillRect/>
-          </a:stretch>
-        </p:blipFill>
-        <p:spPr>
-          <a:xfrm>
-            <a:off x="762379" y="1546699"/>
-            <a:ext cx="2390086" cy="5311301"/>
-          </a:xfrm>
-          <a:prstGeom prst="rect">
-            <a:avLst/>
-          </a:prstGeom>
-        </p:spPr>
-      </p:pic>
-      <p:pic>
-        <p:nvPicPr>
-          <p:cNvPr id="14" name="صورة 4">
-            <a:extLst>
-              <a:ext uri="{FF2B5EF4-FFF2-40B4-BE49-F238E27FC236}">
-                <a16:creationId xmlns:a16="http://schemas.microsoft.com/office/drawing/2014/main" id="{10B4D7D5-CDB7-7B35-2E45-726BB26DC7DC}"/>
-              </a:ext>
-            </a:extLst>
-          </p:cNvPr>
-          <p:cNvPicPr>
-            <a:picLocks noChangeAspect="1"/>
-          </p:cNvPicPr>
-          <p:nvPr/>
-        </p:nvPicPr>
-        <p:blipFill>
-          <a:blip r:embed="rId3">
-            <a:extLst>
-              <a:ext uri="{28A0092B-C50C-407E-A947-70E740481C1C}">
-                <a14:useLocalDpi xmlns:a14="http://schemas.microsoft.com/office/drawing/2010/main" val="0"/>
-              </a:ext>
-            </a:extLst>
-          </a:blip>
-          <a:stretch>
-            <a:fillRect/>
-          </a:stretch>
-        </p:blipFill>
-        <p:spPr>
-          <a:xfrm>
-            <a:off x="6486941" y="0"/>
-            <a:ext cx="3086100" cy="6858000"/>
-          </a:xfrm>
-          <a:prstGeom prst="rect">
-            <a:avLst/>
-          </a:prstGeom>
-        </p:spPr>
-      </p:pic>
+              <a:t>Demo</a:t>
+            </a:r>
+          </a:p>
+        </p:txBody>
+      </p:sp>
     </p:spTree>
     <p:extLst>
       <p:ext uri="{BB962C8B-B14F-4D97-AF65-F5344CB8AC3E}">
-        <p14:creationId xmlns:p14="http://schemas.microsoft.com/office/powerpoint/2010/main" val="3691667022"/>
+        <p14:creationId xmlns:p14="http://schemas.microsoft.com/office/powerpoint/2010/main" val="2377163940"/>
       </p:ext>
     </p:extLst>
   </p:cSld>
